--- a/hardware/doc/CNN Accelerator Implementation Plan.pptx
+++ b/hardware/doc/CNN Accelerator Implementation Plan.pptx
@@ -2,20 +2,31 @@
 <file path=ppt/presentation.xml><?xml version="1.0" encoding="utf-8"?>
 <p:presentation xmlns:a="http://schemas.openxmlformats.org/drawingml/2006/main" xmlns:r="http://schemas.openxmlformats.org/officeDocument/2006/relationships" xmlns:p="http://schemas.openxmlformats.org/presentationml/2006/main" saveSubsetFonts="1">
   <p:sldMasterIdLst>
-    <p:sldMasterId id="2147483684" r:id="rId1"/>
+    <p:sldMasterId id="2147483696" r:id="rId1"/>
   </p:sldMasterIdLst>
   <p:sldIdLst>
     <p:sldId id="256" r:id="rId2"/>
-    <p:sldId id="257" r:id="rId3"/>
-    <p:sldId id="258" r:id="rId4"/>
-    <p:sldId id="259" r:id="rId5"/>
-    <p:sldId id="262" r:id="rId6"/>
-    <p:sldId id="260" r:id="rId7"/>
-    <p:sldId id="263" r:id="rId8"/>
-    <p:sldId id="264" r:id="rId9"/>
-    <p:sldId id="265" r:id="rId10"/>
+    <p:sldId id="272" r:id="rId3"/>
+    <p:sldId id="271" r:id="rId4"/>
+    <p:sldId id="257" r:id="rId5"/>
+    <p:sldId id="258" r:id="rId6"/>
+    <p:sldId id="259" r:id="rId7"/>
+    <p:sldId id="260" r:id="rId8"/>
+    <p:sldId id="261" r:id="rId9"/>
+    <p:sldId id="263" r:id="rId10"/>
+    <p:sldId id="264" r:id="rId11"/>
+    <p:sldId id="268" r:id="rId12"/>
+    <p:sldId id="269" r:id="rId13"/>
+    <p:sldId id="262" r:id="rId14"/>
+    <p:sldId id="265" r:id="rId15"/>
+    <p:sldId id="267" r:id="rId16"/>
+    <p:sldId id="266" r:id="rId17"/>
+    <p:sldId id="273" r:id="rId18"/>
+    <p:sldId id="275" r:id="rId19"/>
+    <p:sldId id="270" r:id="rId20"/>
+    <p:sldId id="274" r:id="rId21"/>
   </p:sldIdLst>
-  <p:sldSz cx="39014400" cy="21945600"/>
+  <p:sldSz cx="9144000" cy="5143500" type="screen16x9"/>
   <p:notesSz cx="6858000" cy="9144000"/>
   <p:defaultTextStyle>
     <a:defPPr>
@@ -120,6 +131,10 @@
 </p:presentation>
 </file>
 
+<file path=ppt/revisionInfo.xml><?xml version="1.0" encoding="utf-8"?>
+<p1510:revInfo xmlns:a="http://schemas.openxmlformats.org/drawingml/2006/main" xmlns:r="http://schemas.openxmlformats.org/officeDocument/2006/relationships" xmlns:p1510="http://schemas.microsoft.com/office/powerpoint/2015/10/main"/>
+</file>
+
 <file path=ppt/slideLayouts/slideLayout1.xml><?xml version="1.0" encoding="utf-8"?>
 <p:sldLayout xmlns:a="http://schemas.openxmlformats.org/drawingml/2006/main" xmlns:r="http://schemas.openxmlformats.org/officeDocument/2006/relationships" xmlns:p="http://schemas.openxmlformats.org/presentationml/2006/main" type="title" preserve="1">
   <p:cSld name="Title Slide">
@@ -149,15 +164,15 @@
         </p:nvSpPr>
         <p:spPr>
           <a:xfrm>
-            <a:off x="4876800" y="3591562"/>
-            <a:ext cx="29260800" cy="7640320"/>
+            <a:off x="1143000" y="841772"/>
+            <a:ext cx="6858000" cy="1790700"/>
           </a:xfrm>
         </p:spPr>
         <p:txBody>
           <a:bodyPr anchor="b"/>
           <a:lstStyle>
             <a:lvl1pPr algn="ctr">
-              <a:defRPr sz="19200"/>
+              <a:defRPr sz="4500"/>
             </a:lvl1pPr>
           </a:lstStyle>
           <a:p>
@@ -181,8 +196,8 @@
         </p:nvSpPr>
         <p:spPr>
           <a:xfrm>
-            <a:off x="4876800" y="11526522"/>
-            <a:ext cx="29260800" cy="5298438"/>
+            <a:off x="1143000" y="2701528"/>
+            <a:ext cx="6858000" cy="1241822"/>
           </a:xfrm>
         </p:spPr>
         <p:txBody>
@@ -190,39 +205,39 @@
           <a:lstStyle>
             <a:lvl1pPr marL="0" indent="0" algn="ctr">
               <a:buNone/>
-              <a:defRPr sz="7680"/>
+              <a:defRPr sz="1800"/>
             </a:lvl1pPr>
-            <a:lvl2pPr marL="1463040" indent="0" algn="ctr">
+            <a:lvl2pPr marL="342900" indent="0" algn="ctr">
               <a:buNone/>
-              <a:defRPr sz="6400"/>
+              <a:defRPr sz="1500"/>
             </a:lvl2pPr>
-            <a:lvl3pPr marL="2926080" indent="0" algn="ctr">
+            <a:lvl3pPr marL="685800" indent="0" algn="ctr">
               <a:buNone/>
-              <a:defRPr sz="5760"/>
+              <a:defRPr sz="1350"/>
             </a:lvl3pPr>
-            <a:lvl4pPr marL="4389120" indent="0" algn="ctr">
+            <a:lvl4pPr marL="1028700" indent="0" algn="ctr">
               <a:buNone/>
-              <a:defRPr sz="5120"/>
+              <a:defRPr sz="1200"/>
             </a:lvl4pPr>
-            <a:lvl5pPr marL="5852160" indent="0" algn="ctr">
+            <a:lvl5pPr marL="1371600" indent="0" algn="ctr">
               <a:buNone/>
-              <a:defRPr sz="5120"/>
+              <a:defRPr sz="1200"/>
             </a:lvl5pPr>
-            <a:lvl6pPr marL="7315200" indent="0" algn="ctr">
+            <a:lvl6pPr marL="1714500" indent="0" algn="ctr">
               <a:buNone/>
-              <a:defRPr sz="5120"/>
+              <a:defRPr sz="1200"/>
             </a:lvl6pPr>
-            <a:lvl7pPr marL="8778240" indent="0" algn="ctr">
+            <a:lvl7pPr marL="2057400" indent="0" algn="ctr">
               <a:buNone/>
-              <a:defRPr sz="5120"/>
+              <a:defRPr sz="1200"/>
             </a:lvl7pPr>
-            <a:lvl8pPr marL="10241280" indent="0" algn="ctr">
+            <a:lvl8pPr marL="2400300" indent="0" algn="ctr">
               <a:buNone/>
-              <a:defRPr sz="5120"/>
+              <a:defRPr sz="1200"/>
             </a:lvl8pPr>
-            <a:lvl9pPr marL="11704320" indent="0" algn="ctr">
+            <a:lvl9pPr marL="2743200" indent="0" algn="ctr">
               <a:buNone/>
-              <a:defRPr sz="5120"/>
+              <a:defRPr sz="1200"/>
             </a:lvl9pPr>
           </a:lstStyle>
           <a:p>
@@ -251,7 +266,7 @@
           <a:p>
             <a:fld id="{8F06087A-BB81-43C1-AFE2-3763E6B27B9D}" type="datetimeFigureOut">
               <a:rPr lang="en-US" smtClean="0"/>
-              <a:t>11/30/2017</a:t>
+              <a:t>2/1/2018</a:t>
             </a:fld>
             <a:endParaRPr lang="en-US"/>
           </a:p>
@@ -302,7 +317,7 @@
     </p:spTree>
     <p:extLst>
       <p:ext uri="{BB962C8B-B14F-4D97-AF65-F5344CB8AC3E}">
-        <p14:creationId xmlns:p14="http://schemas.microsoft.com/office/powerpoint/2010/main" val="284865809"/>
+        <p14:creationId xmlns:p14="http://schemas.microsoft.com/office/powerpoint/2010/main" val="2885644866"/>
       </p:ext>
     </p:extLst>
   </p:cSld>
@@ -421,7 +436,7 @@
           <a:p>
             <a:fld id="{8F06087A-BB81-43C1-AFE2-3763E6B27B9D}" type="datetimeFigureOut">
               <a:rPr lang="en-US" smtClean="0"/>
-              <a:t>11/30/2017</a:t>
+              <a:t>2/1/2018</a:t>
             </a:fld>
             <a:endParaRPr lang="en-US"/>
           </a:p>
@@ -472,7 +487,7 @@
     </p:spTree>
     <p:extLst>
       <p:ext uri="{BB962C8B-B14F-4D97-AF65-F5344CB8AC3E}">
-        <p14:creationId xmlns:p14="http://schemas.microsoft.com/office/powerpoint/2010/main" val="49801208"/>
+        <p14:creationId xmlns:p14="http://schemas.microsoft.com/office/powerpoint/2010/main" val="4224949238"/>
       </p:ext>
     </p:extLst>
   </p:cSld>
@@ -511,8 +526,8 @@
         </p:nvSpPr>
         <p:spPr>
           <a:xfrm>
-            <a:off x="27919680" y="1168400"/>
-            <a:ext cx="8412480" cy="18597882"/>
+            <a:off x="6543675" y="273844"/>
+            <a:ext cx="1971675" cy="4358879"/>
           </a:xfrm>
         </p:spPr>
         <p:txBody>
@@ -539,8 +554,8 @@
         </p:nvSpPr>
         <p:spPr>
           <a:xfrm>
-            <a:off x="2682240" y="1168400"/>
-            <a:ext cx="24749760" cy="18597882"/>
+            <a:off x="628650" y="273844"/>
+            <a:ext cx="5800725" cy="4358879"/>
           </a:xfrm>
         </p:spPr>
         <p:txBody>
@@ -601,7 +616,7 @@
           <a:p>
             <a:fld id="{8F06087A-BB81-43C1-AFE2-3763E6B27B9D}" type="datetimeFigureOut">
               <a:rPr lang="en-US" smtClean="0"/>
-              <a:t>11/30/2017</a:t>
+              <a:t>2/1/2018</a:t>
             </a:fld>
             <a:endParaRPr lang="en-US"/>
           </a:p>
@@ -652,7 +667,7 @@
     </p:spTree>
     <p:extLst>
       <p:ext uri="{BB962C8B-B14F-4D97-AF65-F5344CB8AC3E}">
-        <p14:creationId xmlns:p14="http://schemas.microsoft.com/office/powerpoint/2010/main" val="3356403160"/>
+        <p14:creationId xmlns:p14="http://schemas.microsoft.com/office/powerpoint/2010/main" val="1110699924"/>
       </p:ext>
     </p:extLst>
   </p:cSld>
@@ -771,7 +786,7 @@
           <a:p>
             <a:fld id="{8F06087A-BB81-43C1-AFE2-3763E6B27B9D}" type="datetimeFigureOut">
               <a:rPr lang="en-US" smtClean="0"/>
-              <a:t>11/30/2017</a:t>
+              <a:t>2/1/2018</a:t>
             </a:fld>
             <a:endParaRPr lang="en-US"/>
           </a:p>
@@ -822,7 +837,7 @@
     </p:spTree>
     <p:extLst>
       <p:ext uri="{BB962C8B-B14F-4D97-AF65-F5344CB8AC3E}">
-        <p14:creationId xmlns:p14="http://schemas.microsoft.com/office/powerpoint/2010/main" val="2017711335"/>
+        <p14:creationId xmlns:p14="http://schemas.microsoft.com/office/powerpoint/2010/main" val="2869825645"/>
       </p:ext>
     </p:extLst>
   </p:cSld>
@@ -861,15 +876,15 @@
         </p:nvSpPr>
         <p:spPr>
           <a:xfrm>
-            <a:off x="2661920" y="5471163"/>
-            <a:ext cx="33649920" cy="9128758"/>
+            <a:off x="623888" y="1282304"/>
+            <a:ext cx="7886700" cy="2139553"/>
           </a:xfrm>
         </p:spPr>
         <p:txBody>
           <a:bodyPr anchor="b"/>
           <a:lstStyle>
             <a:lvl1pPr>
-              <a:defRPr sz="19200"/>
+              <a:defRPr sz="4500"/>
             </a:lvl1pPr>
           </a:lstStyle>
           <a:p>
@@ -893,8 +908,8 @@
         </p:nvSpPr>
         <p:spPr>
           <a:xfrm>
-            <a:off x="2661920" y="14686283"/>
-            <a:ext cx="33649920" cy="4800598"/>
+            <a:off x="623888" y="3442098"/>
+            <a:ext cx="7886700" cy="1125140"/>
           </a:xfrm>
         </p:spPr>
         <p:txBody>
@@ -902,7 +917,7 @@
           <a:lstStyle>
             <a:lvl1pPr marL="0" indent="0">
               <a:buNone/>
-              <a:defRPr sz="7680">
+              <a:defRPr sz="1800">
                 <a:solidFill>
                   <a:schemeClr val="tx1">
                     <a:tint val="75000"/>
@@ -910,9 +925,9 @@
                 </a:solidFill>
               </a:defRPr>
             </a:lvl1pPr>
-            <a:lvl2pPr marL="1463040" indent="0">
+            <a:lvl2pPr marL="342900" indent="0">
               <a:buNone/>
-              <a:defRPr sz="6400">
+              <a:defRPr sz="1500">
                 <a:solidFill>
                   <a:schemeClr val="tx1">
                     <a:tint val="75000"/>
@@ -920,9 +935,9 @@
                 </a:solidFill>
               </a:defRPr>
             </a:lvl2pPr>
-            <a:lvl3pPr marL="2926080" indent="0">
+            <a:lvl3pPr marL="685800" indent="0">
               <a:buNone/>
-              <a:defRPr sz="5760">
+              <a:defRPr sz="1350">
                 <a:solidFill>
                   <a:schemeClr val="tx1">
                     <a:tint val="75000"/>
@@ -930,9 +945,9 @@
                 </a:solidFill>
               </a:defRPr>
             </a:lvl3pPr>
-            <a:lvl4pPr marL="4389120" indent="0">
+            <a:lvl4pPr marL="1028700" indent="0">
               <a:buNone/>
-              <a:defRPr sz="5120">
+              <a:defRPr sz="1200">
                 <a:solidFill>
                   <a:schemeClr val="tx1">
                     <a:tint val="75000"/>
@@ -940,9 +955,9 @@
                 </a:solidFill>
               </a:defRPr>
             </a:lvl4pPr>
-            <a:lvl5pPr marL="5852160" indent="0">
+            <a:lvl5pPr marL="1371600" indent="0">
               <a:buNone/>
-              <a:defRPr sz="5120">
+              <a:defRPr sz="1200">
                 <a:solidFill>
                   <a:schemeClr val="tx1">
                     <a:tint val="75000"/>
@@ -950,9 +965,9 @@
                 </a:solidFill>
               </a:defRPr>
             </a:lvl5pPr>
-            <a:lvl6pPr marL="7315200" indent="0">
+            <a:lvl6pPr marL="1714500" indent="0">
               <a:buNone/>
-              <a:defRPr sz="5120">
+              <a:defRPr sz="1200">
                 <a:solidFill>
                   <a:schemeClr val="tx1">
                     <a:tint val="75000"/>
@@ -960,9 +975,9 @@
                 </a:solidFill>
               </a:defRPr>
             </a:lvl6pPr>
-            <a:lvl7pPr marL="8778240" indent="0">
+            <a:lvl7pPr marL="2057400" indent="0">
               <a:buNone/>
-              <a:defRPr sz="5120">
+              <a:defRPr sz="1200">
                 <a:solidFill>
                   <a:schemeClr val="tx1">
                     <a:tint val="75000"/>
@@ -970,9 +985,9 @@
                 </a:solidFill>
               </a:defRPr>
             </a:lvl7pPr>
-            <a:lvl8pPr marL="10241280" indent="0">
+            <a:lvl8pPr marL="2400300" indent="0">
               <a:buNone/>
-              <a:defRPr sz="5120">
+              <a:defRPr sz="1200">
                 <a:solidFill>
                   <a:schemeClr val="tx1">
                     <a:tint val="75000"/>
@@ -980,9 +995,9 @@
                 </a:solidFill>
               </a:defRPr>
             </a:lvl8pPr>
-            <a:lvl9pPr marL="11704320" indent="0">
+            <a:lvl9pPr marL="2743200" indent="0">
               <a:buNone/>
-              <a:defRPr sz="5120">
+              <a:defRPr sz="1200">
                 <a:solidFill>
                   <a:schemeClr val="tx1">
                     <a:tint val="75000"/>
@@ -1017,7 +1032,7 @@
           <a:p>
             <a:fld id="{8F06087A-BB81-43C1-AFE2-3763E6B27B9D}" type="datetimeFigureOut">
               <a:rPr lang="en-US" smtClean="0"/>
-              <a:t>11/30/2017</a:t>
+              <a:t>2/1/2018</a:t>
             </a:fld>
             <a:endParaRPr lang="en-US"/>
           </a:p>
@@ -1068,7 +1083,7 @@
     </p:spTree>
     <p:extLst>
       <p:ext uri="{BB962C8B-B14F-4D97-AF65-F5344CB8AC3E}">
-        <p14:creationId xmlns:p14="http://schemas.microsoft.com/office/powerpoint/2010/main" val="1864770459"/>
+        <p14:creationId xmlns:p14="http://schemas.microsoft.com/office/powerpoint/2010/main" val="1878416910"/>
       </p:ext>
     </p:extLst>
   </p:cSld>
@@ -1130,8 +1145,8 @@
         </p:nvSpPr>
         <p:spPr>
           <a:xfrm>
-            <a:off x="2682240" y="5842000"/>
-            <a:ext cx="16581120" cy="13924282"/>
+            <a:off x="628650" y="1369219"/>
+            <a:ext cx="3886200" cy="3263504"/>
           </a:xfrm>
         </p:spPr>
         <p:txBody>
@@ -1187,8 +1202,8 @@
         </p:nvSpPr>
         <p:spPr>
           <a:xfrm>
-            <a:off x="19751040" y="5842000"/>
-            <a:ext cx="16581120" cy="13924282"/>
+            <a:off x="4629150" y="1369219"/>
+            <a:ext cx="3886200" cy="3263504"/>
           </a:xfrm>
         </p:spPr>
         <p:txBody>
@@ -1249,7 +1264,7 @@
           <a:p>
             <a:fld id="{8F06087A-BB81-43C1-AFE2-3763E6B27B9D}" type="datetimeFigureOut">
               <a:rPr lang="en-US" smtClean="0"/>
-              <a:t>11/30/2017</a:t>
+              <a:t>2/1/2018</a:t>
             </a:fld>
             <a:endParaRPr lang="en-US"/>
           </a:p>
@@ -1300,7 +1315,7 @@
     </p:spTree>
     <p:extLst>
       <p:ext uri="{BB962C8B-B14F-4D97-AF65-F5344CB8AC3E}">
-        <p14:creationId xmlns:p14="http://schemas.microsoft.com/office/powerpoint/2010/main" val="2982887054"/>
+        <p14:creationId xmlns:p14="http://schemas.microsoft.com/office/powerpoint/2010/main" val="530908099"/>
       </p:ext>
     </p:extLst>
   </p:cSld>
@@ -1339,8 +1354,8 @@
         </p:nvSpPr>
         <p:spPr>
           <a:xfrm>
-            <a:off x="2687322" y="1168401"/>
-            <a:ext cx="33649920" cy="4241802"/>
+            <a:off x="629841" y="273844"/>
+            <a:ext cx="7886700" cy="994172"/>
           </a:xfrm>
         </p:spPr>
         <p:txBody>
@@ -1367,8 +1382,8 @@
         </p:nvSpPr>
         <p:spPr>
           <a:xfrm>
-            <a:off x="2687323" y="5379722"/>
-            <a:ext cx="16504918" cy="2636518"/>
+            <a:off x="629842" y="1260872"/>
+            <a:ext cx="3868340" cy="617934"/>
           </a:xfrm>
         </p:spPr>
         <p:txBody>
@@ -1376,39 +1391,39 @@
           <a:lstStyle>
             <a:lvl1pPr marL="0" indent="0">
               <a:buNone/>
-              <a:defRPr sz="7680" b="1"/>
+              <a:defRPr sz="1800" b="1"/>
             </a:lvl1pPr>
-            <a:lvl2pPr marL="1463040" indent="0">
+            <a:lvl2pPr marL="342900" indent="0">
               <a:buNone/>
-              <a:defRPr sz="6400" b="1"/>
+              <a:defRPr sz="1500" b="1"/>
             </a:lvl2pPr>
-            <a:lvl3pPr marL="2926080" indent="0">
+            <a:lvl3pPr marL="685800" indent="0">
               <a:buNone/>
-              <a:defRPr sz="5760" b="1"/>
+              <a:defRPr sz="1350" b="1"/>
             </a:lvl3pPr>
-            <a:lvl4pPr marL="4389120" indent="0">
+            <a:lvl4pPr marL="1028700" indent="0">
               <a:buNone/>
-              <a:defRPr sz="5120" b="1"/>
+              <a:defRPr sz="1200" b="1"/>
             </a:lvl4pPr>
-            <a:lvl5pPr marL="5852160" indent="0">
+            <a:lvl5pPr marL="1371600" indent="0">
               <a:buNone/>
-              <a:defRPr sz="5120" b="1"/>
+              <a:defRPr sz="1200" b="1"/>
             </a:lvl5pPr>
-            <a:lvl6pPr marL="7315200" indent="0">
+            <a:lvl6pPr marL="1714500" indent="0">
               <a:buNone/>
-              <a:defRPr sz="5120" b="1"/>
+              <a:defRPr sz="1200" b="1"/>
             </a:lvl6pPr>
-            <a:lvl7pPr marL="8778240" indent="0">
+            <a:lvl7pPr marL="2057400" indent="0">
               <a:buNone/>
-              <a:defRPr sz="5120" b="1"/>
+              <a:defRPr sz="1200" b="1"/>
             </a:lvl7pPr>
-            <a:lvl8pPr marL="10241280" indent="0">
+            <a:lvl8pPr marL="2400300" indent="0">
               <a:buNone/>
-              <a:defRPr sz="5120" b="1"/>
+              <a:defRPr sz="1200" b="1"/>
             </a:lvl8pPr>
-            <a:lvl9pPr marL="11704320" indent="0">
+            <a:lvl9pPr marL="2743200" indent="0">
               <a:buNone/>
-              <a:defRPr sz="5120" b="1"/>
+              <a:defRPr sz="1200" b="1"/>
             </a:lvl9pPr>
           </a:lstStyle>
           <a:p>
@@ -1432,8 +1447,8 @@
         </p:nvSpPr>
         <p:spPr>
           <a:xfrm>
-            <a:off x="2687323" y="8016240"/>
-            <a:ext cx="16504918" cy="11790682"/>
+            <a:off x="629842" y="1878806"/>
+            <a:ext cx="3868340" cy="2763441"/>
           </a:xfrm>
         </p:spPr>
         <p:txBody>
@@ -1489,8 +1504,8 @@
         </p:nvSpPr>
         <p:spPr>
           <a:xfrm>
-            <a:off x="19751040" y="5379722"/>
-            <a:ext cx="16586202" cy="2636518"/>
+            <a:off x="4629150" y="1260872"/>
+            <a:ext cx="3887391" cy="617934"/>
           </a:xfrm>
         </p:spPr>
         <p:txBody>
@@ -1498,39 +1513,39 @@
           <a:lstStyle>
             <a:lvl1pPr marL="0" indent="0">
               <a:buNone/>
-              <a:defRPr sz="7680" b="1"/>
+              <a:defRPr sz="1800" b="1"/>
             </a:lvl1pPr>
-            <a:lvl2pPr marL="1463040" indent="0">
+            <a:lvl2pPr marL="342900" indent="0">
               <a:buNone/>
-              <a:defRPr sz="6400" b="1"/>
+              <a:defRPr sz="1500" b="1"/>
             </a:lvl2pPr>
-            <a:lvl3pPr marL="2926080" indent="0">
+            <a:lvl3pPr marL="685800" indent="0">
               <a:buNone/>
-              <a:defRPr sz="5760" b="1"/>
+              <a:defRPr sz="1350" b="1"/>
             </a:lvl3pPr>
-            <a:lvl4pPr marL="4389120" indent="0">
+            <a:lvl4pPr marL="1028700" indent="0">
               <a:buNone/>
-              <a:defRPr sz="5120" b="1"/>
+              <a:defRPr sz="1200" b="1"/>
             </a:lvl4pPr>
-            <a:lvl5pPr marL="5852160" indent="0">
+            <a:lvl5pPr marL="1371600" indent="0">
               <a:buNone/>
-              <a:defRPr sz="5120" b="1"/>
+              <a:defRPr sz="1200" b="1"/>
             </a:lvl5pPr>
-            <a:lvl6pPr marL="7315200" indent="0">
+            <a:lvl6pPr marL="1714500" indent="0">
               <a:buNone/>
-              <a:defRPr sz="5120" b="1"/>
+              <a:defRPr sz="1200" b="1"/>
             </a:lvl6pPr>
-            <a:lvl7pPr marL="8778240" indent="0">
+            <a:lvl7pPr marL="2057400" indent="0">
               <a:buNone/>
-              <a:defRPr sz="5120" b="1"/>
+              <a:defRPr sz="1200" b="1"/>
             </a:lvl7pPr>
-            <a:lvl8pPr marL="10241280" indent="0">
+            <a:lvl8pPr marL="2400300" indent="0">
               <a:buNone/>
-              <a:defRPr sz="5120" b="1"/>
+              <a:defRPr sz="1200" b="1"/>
             </a:lvl8pPr>
-            <a:lvl9pPr marL="11704320" indent="0">
+            <a:lvl9pPr marL="2743200" indent="0">
               <a:buNone/>
-              <a:defRPr sz="5120" b="1"/>
+              <a:defRPr sz="1200" b="1"/>
             </a:lvl9pPr>
           </a:lstStyle>
           <a:p>
@@ -1554,8 +1569,8 @@
         </p:nvSpPr>
         <p:spPr>
           <a:xfrm>
-            <a:off x="19751040" y="8016240"/>
-            <a:ext cx="16586202" cy="11790682"/>
+            <a:off x="4629150" y="1878806"/>
+            <a:ext cx="3887391" cy="2763441"/>
           </a:xfrm>
         </p:spPr>
         <p:txBody>
@@ -1616,7 +1631,7 @@
           <a:p>
             <a:fld id="{8F06087A-BB81-43C1-AFE2-3763E6B27B9D}" type="datetimeFigureOut">
               <a:rPr lang="en-US" smtClean="0"/>
-              <a:t>11/30/2017</a:t>
+              <a:t>2/1/2018</a:t>
             </a:fld>
             <a:endParaRPr lang="en-US"/>
           </a:p>
@@ -1667,7 +1682,7 @@
     </p:spTree>
     <p:extLst>
       <p:ext uri="{BB962C8B-B14F-4D97-AF65-F5344CB8AC3E}">
-        <p14:creationId xmlns:p14="http://schemas.microsoft.com/office/powerpoint/2010/main" val="1445235148"/>
+        <p14:creationId xmlns:p14="http://schemas.microsoft.com/office/powerpoint/2010/main" val="1875598179"/>
       </p:ext>
     </p:extLst>
   </p:cSld>
@@ -1734,7 +1749,7 @@
           <a:p>
             <a:fld id="{8F06087A-BB81-43C1-AFE2-3763E6B27B9D}" type="datetimeFigureOut">
               <a:rPr lang="en-US" smtClean="0"/>
-              <a:t>11/30/2017</a:t>
+              <a:t>2/1/2018</a:t>
             </a:fld>
             <a:endParaRPr lang="en-US"/>
           </a:p>
@@ -1785,7 +1800,7 @@
     </p:spTree>
     <p:extLst>
       <p:ext uri="{BB962C8B-B14F-4D97-AF65-F5344CB8AC3E}">
-        <p14:creationId xmlns:p14="http://schemas.microsoft.com/office/powerpoint/2010/main" val="1910623181"/>
+        <p14:creationId xmlns:p14="http://schemas.microsoft.com/office/powerpoint/2010/main" val="3639386285"/>
       </p:ext>
     </p:extLst>
   </p:cSld>
@@ -1829,7 +1844,7 @@
           <a:p>
             <a:fld id="{8F06087A-BB81-43C1-AFE2-3763E6B27B9D}" type="datetimeFigureOut">
               <a:rPr lang="en-US" smtClean="0"/>
-              <a:t>11/30/2017</a:t>
+              <a:t>2/1/2018</a:t>
             </a:fld>
             <a:endParaRPr lang="en-US"/>
           </a:p>
@@ -1880,7 +1895,7 @@
     </p:spTree>
     <p:extLst>
       <p:ext uri="{BB962C8B-B14F-4D97-AF65-F5344CB8AC3E}">
-        <p14:creationId xmlns:p14="http://schemas.microsoft.com/office/powerpoint/2010/main" val="2659818101"/>
+        <p14:creationId xmlns:p14="http://schemas.microsoft.com/office/powerpoint/2010/main" val="1310403032"/>
       </p:ext>
     </p:extLst>
   </p:cSld>
@@ -1919,15 +1934,15 @@
         </p:nvSpPr>
         <p:spPr>
           <a:xfrm>
-            <a:off x="2687323" y="1463040"/>
-            <a:ext cx="12583158" cy="5120640"/>
+            <a:off x="629841" y="342900"/>
+            <a:ext cx="2949178" cy="1200150"/>
           </a:xfrm>
         </p:spPr>
         <p:txBody>
           <a:bodyPr anchor="b"/>
           <a:lstStyle>
             <a:lvl1pPr>
-              <a:defRPr sz="10240"/>
+              <a:defRPr sz="2400"/>
             </a:lvl1pPr>
           </a:lstStyle>
           <a:p>
@@ -1951,39 +1966,39 @@
         </p:nvSpPr>
         <p:spPr>
           <a:xfrm>
-            <a:off x="16586202" y="3159762"/>
-            <a:ext cx="19751040" cy="15595600"/>
+            <a:off x="3887391" y="740569"/>
+            <a:ext cx="4629150" cy="3655219"/>
           </a:xfrm>
         </p:spPr>
         <p:txBody>
           <a:bodyPr/>
           <a:lstStyle>
             <a:lvl1pPr>
-              <a:defRPr sz="10240"/>
+              <a:defRPr sz="2400"/>
             </a:lvl1pPr>
             <a:lvl2pPr>
-              <a:defRPr sz="8960"/>
+              <a:defRPr sz="2100"/>
             </a:lvl2pPr>
             <a:lvl3pPr>
-              <a:defRPr sz="7680"/>
+              <a:defRPr sz="1800"/>
             </a:lvl3pPr>
             <a:lvl4pPr>
-              <a:defRPr sz="6400"/>
+              <a:defRPr sz="1500"/>
             </a:lvl4pPr>
             <a:lvl5pPr>
-              <a:defRPr sz="6400"/>
+              <a:defRPr sz="1500"/>
             </a:lvl5pPr>
             <a:lvl6pPr>
-              <a:defRPr sz="6400"/>
+              <a:defRPr sz="1500"/>
             </a:lvl6pPr>
             <a:lvl7pPr>
-              <a:defRPr sz="6400"/>
+              <a:defRPr sz="1500"/>
             </a:lvl7pPr>
             <a:lvl8pPr>
-              <a:defRPr sz="6400"/>
+              <a:defRPr sz="1500"/>
             </a:lvl8pPr>
             <a:lvl9pPr>
-              <a:defRPr sz="6400"/>
+              <a:defRPr sz="1500"/>
             </a:lvl9pPr>
           </a:lstStyle>
           <a:p>
@@ -2036,8 +2051,8 @@
         </p:nvSpPr>
         <p:spPr>
           <a:xfrm>
-            <a:off x="2687323" y="6583680"/>
-            <a:ext cx="12583158" cy="12197082"/>
+            <a:off x="629841" y="1543050"/>
+            <a:ext cx="2949178" cy="2858691"/>
           </a:xfrm>
         </p:spPr>
         <p:txBody>
@@ -2045,39 +2060,39 @@
           <a:lstStyle>
             <a:lvl1pPr marL="0" indent="0">
               <a:buNone/>
-              <a:defRPr sz="5120"/>
+              <a:defRPr sz="1200"/>
             </a:lvl1pPr>
-            <a:lvl2pPr marL="1463040" indent="0">
+            <a:lvl2pPr marL="342900" indent="0">
               <a:buNone/>
-              <a:defRPr sz="4480"/>
+              <a:defRPr sz="1050"/>
             </a:lvl2pPr>
-            <a:lvl3pPr marL="2926080" indent="0">
+            <a:lvl3pPr marL="685800" indent="0">
               <a:buNone/>
-              <a:defRPr sz="3840"/>
+              <a:defRPr sz="900"/>
             </a:lvl3pPr>
-            <a:lvl4pPr marL="4389120" indent="0">
+            <a:lvl4pPr marL="1028700" indent="0">
               <a:buNone/>
-              <a:defRPr sz="3200"/>
+              <a:defRPr sz="750"/>
             </a:lvl4pPr>
-            <a:lvl5pPr marL="5852160" indent="0">
+            <a:lvl5pPr marL="1371600" indent="0">
               <a:buNone/>
-              <a:defRPr sz="3200"/>
+              <a:defRPr sz="750"/>
             </a:lvl5pPr>
-            <a:lvl6pPr marL="7315200" indent="0">
+            <a:lvl6pPr marL="1714500" indent="0">
               <a:buNone/>
-              <a:defRPr sz="3200"/>
+              <a:defRPr sz="750"/>
             </a:lvl6pPr>
-            <a:lvl7pPr marL="8778240" indent="0">
+            <a:lvl7pPr marL="2057400" indent="0">
               <a:buNone/>
-              <a:defRPr sz="3200"/>
+              <a:defRPr sz="750"/>
             </a:lvl7pPr>
-            <a:lvl8pPr marL="10241280" indent="0">
+            <a:lvl8pPr marL="2400300" indent="0">
               <a:buNone/>
-              <a:defRPr sz="3200"/>
+              <a:defRPr sz="750"/>
             </a:lvl8pPr>
-            <a:lvl9pPr marL="11704320" indent="0">
+            <a:lvl9pPr marL="2743200" indent="0">
               <a:buNone/>
-              <a:defRPr sz="3200"/>
+              <a:defRPr sz="750"/>
             </a:lvl9pPr>
           </a:lstStyle>
           <a:p>
@@ -2106,7 +2121,7 @@
           <a:p>
             <a:fld id="{8F06087A-BB81-43C1-AFE2-3763E6B27B9D}" type="datetimeFigureOut">
               <a:rPr lang="en-US" smtClean="0"/>
-              <a:t>11/30/2017</a:t>
+              <a:t>2/1/2018</a:t>
             </a:fld>
             <a:endParaRPr lang="en-US"/>
           </a:p>
@@ -2157,7 +2172,7 @@
     </p:spTree>
     <p:extLst>
       <p:ext uri="{BB962C8B-B14F-4D97-AF65-F5344CB8AC3E}">
-        <p14:creationId xmlns:p14="http://schemas.microsoft.com/office/powerpoint/2010/main" val="4060812073"/>
+        <p14:creationId xmlns:p14="http://schemas.microsoft.com/office/powerpoint/2010/main" val="2792770877"/>
       </p:ext>
     </p:extLst>
   </p:cSld>
@@ -2196,15 +2211,15 @@
         </p:nvSpPr>
         <p:spPr>
           <a:xfrm>
-            <a:off x="2687323" y="1463040"/>
-            <a:ext cx="12583158" cy="5120640"/>
+            <a:off x="629841" y="342900"/>
+            <a:ext cx="2949178" cy="1200150"/>
           </a:xfrm>
         </p:spPr>
         <p:txBody>
           <a:bodyPr anchor="b"/>
           <a:lstStyle>
             <a:lvl1pPr>
-              <a:defRPr sz="10240"/>
+              <a:defRPr sz="2400"/>
             </a:lvl1pPr>
           </a:lstStyle>
           <a:p>
@@ -2228,8 +2243,8 @@
         </p:nvSpPr>
         <p:spPr>
           <a:xfrm>
-            <a:off x="16586202" y="3159762"/>
-            <a:ext cx="19751040" cy="15595600"/>
+            <a:off x="3887391" y="740569"/>
+            <a:ext cx="4629150" cy="3655219"/>
           </a:xfrm>
         </p:spPr>
         <p:txBody>
@@ -2237,39 +2252,39 @@
           <a:lstStyle>
             <a:lvl1pPr marL="0" indent="0">
               <a:buNone/>
-              <a:defRPr sz="10240"/>
+              <a:defRPr sz="2400"/>
             </a:lvl1pPr>
-            <a:lvl2pPr marL="1463040" indent="0">
+            <a:lvl2pPr marL="342900" indent="0">
               <a:buNone/>
-              <a:defRPr sz="8960"/>
+              <a:defRPr sz="2100"/>
             </a:lvl2pPr>
-            <a:lvl3pPr marL="2926080" indent="0">
+            <a:lvl3pPr marL="685800" indent="0">
               <a:buNone/>
-              <a:defRPr sz="7680"/>
+              <a:defRPr sz="1800"/>
             </a:lvl3pPr>
-            <a:lvl4pPr marL="4389120" indent="0">
+            <a:lvl4pPr marL="1028700" indent="0">
               <a:buNone/>
-              <a:defRPr sz="6400"/>
+              <a:defRPr sz="1500"/>
             </a:lvl4pPr>
-            <a:lvl5pPr marL="5852160" indent="0">
+            <a:lvl5pPr marL="1371600" indent="0">
               <a:buNone/>
-              <a:defRPr sz="6400"/>
+              <a:defRPr sz="1500"/>
             </a:lvl5pPr>
-            <a:lvl6pPr marL="7315200" indent="0">
+            <a:lvl6pPr marL="1714500" indent="0">
               <a:buNone/>
-              <a:defRPr sz="6400"/>
+              <a:defRPr sz="1500"/>
             </a:lvl6pPr>
-            <a:lvl7pPr marL="8778240" indent="0">
+            <a:lvl7pPr marL="2057400" indent="0">
               <a:buNone/>
-              <a:defRPr sz="6400"/>
+              <a:defRPr sz="1500"/>
             </a:lvl7pPr>
-            <a:lvl8pPr marL="10241280" indent="0">
+            <a:lvl8pPr marL="2400300" indent="0">
               <a:buNone/>
-              <a:defRPr sz="6400"/>
+              <a:defRPr sz="1500"/>
             </a:lvl8pPr>
-            <a:lvl9pPr marL="11704320" indent="0">
+            <a:lvl9pPr marL="2743200" indent="0">
               <a:buNone/>
-              <a:defRPr sz="6400"/>
+              <a:defRPr sz="1500"/>
             </a:lvl9pPr>
           </a:lstStyle>
           <a:p>
@@ -2293,8 +2308,8 @@
         </p:nvSpPr>
         <p:spPr>
           <a:xfrm>
-            <a:off x="2687323" y="6583680"/>
-            <a:ext cx="12583158" cy="12197082"/>
+            <a:off x="629841" y="1543050"/>
+            <a:ext cx="2949178" cy="2858691"/>
           </a:xfrm>
         </p:spPr>
         <p:txBody>
@@ -2302,39 +2317,39 @@
           <a:lstStyle>
             <a:lvl1pPr marL="0" indent="0">
               <a:buNone/>
-              <a:defRPr sz="5120"/>
+              <a:defRPr sz="1200"/>
             </a:lvl1pPr>
-            <a:lvl2pPr marL="1463040" indent="0">
+            <a:lvl2pPr marL="342900" indent="0">
               <a:buNone/>
-              <a:defRPr sz="4480"/>
+              <a:defRPr sz="1050"/>
             </a:lvl2pPr>
-            <a:lvl3pPr marL="2926080" indent="0">
+            <a:lvl3pPr marL="685800" indent="0">
               <a:buNone/>
-              <a:defRPr sz="3840"/>
+              <a:defRPr sz="900"/>
             </a:lvl3pPr>
-            <a:lvl4pPr marL="4389120" indent="0">
+            <a:lvl4pPr marL="1028700" indent="0">
               <a:buNone/>
-              <a:defRPr sz="3200"/>
+              <a:defRPr sz="750"/>
             </a:lvl4pPr>
-            <a:lvl5pPr marL="5852160" indent="0">
+            <a:lvl5pPr marL="1371600" indent="0">
               <a:buNone/>
-              <a:defRPr sz="3200"/>
+              <a:defRPr sz="750"/>
             </a:lvl5pPr>
-            <a:lvl6pPr marL="7315200" indent="0">
+            <a:lvl6pPr marL="1714500" indent="0">
               <a:buNone/>
-              <a:defRPr sz="3200"/>
+              <a:defRPr sz="750"/>
             </a:lvl6pPr>
-            <a:lvl7pPr marL="8778240" indent="0">
+            <a:lvl7pPr marL="2057400" indent="0">
               <a:buNone/>
-              <a:defRPr sz="3200"/>
+              <a:defRPr sz="750"/>
             </a:lvl7pPr>
-            <a:lvl8pPr marL="10241280" indent="0">
+            <a:lvl8pPr marL="2400300" indent="0">
               <a:buNone/>
-              <a:defRPr sz="3200"/>
+              <a:defRPr sz="750"/>
             </a:lvl8pPr>
-            <a:lvl9pPr marL="11704320" indent="0">
+            <a:lvl9pPr marL="2743200" indent="0">
               <a:buNone/>
-              <a:defRPr sz="3200"/>
+              <a:defRPr sz="750"/>
             </a:lvl9pPr>
           </a:lstStyle>
           <a:p>
@@ -2363,7 +2378,7 @@
           <a:p>
             <a:fld id="{8F06087A-BB81-43C1-AFE2-3763E6B27B9D}" type="datetimeFigureOut">
               <a:rPr lang="en-US" smtClean="0"/>
-              <a:t>11/30/2017</a:t>
+              <a:t>2/1/2018</a:t>
             </a:fld>
             <a:endParaRPr lang="en-US"/>
           </a:p>
@@ -2414,7 +2429,7 @@
     </p:spTree>
     <p:extLst>
       <p:ext uri="{BB962C8B-B14F-4D97-AF65-F5344CB8AC3E}">
-        <p14:creationId xmlns:p14="http://schemas.microsoft.com/office/powerpoint/2010/main" val="3270340633"/>
+        <p14:creationId xmlns:p14="http://schemas.microsoft.com/office/powerpoint/2010/main" val="2621292654"/>
       </p:ext>
     </p:extLst>
   </p:cSld>
@@ -2458,8 +2473,8 @@
         </p:nvSpPr>
         <p:spPr>
           <a:xfrm>
-            <a:off x="2682240" y="1168401"/>
-            <a:ext cx="33649920" cy="4241802"/>
+            <a:off x="628650" y="273844"/>
+            <a:ext cx="7886700" cy="994172"/>
           </a:xfrm>
           <a:prstGeom prst="rect">
             <a:avLst/>
@@ -2491,8 +2506,8 @@
         </p:nvSpPr>
         <p:spPr>
           <a:xfrm>
-            <a:off x="2682240" y="5842000"/>
-            <a:ext cx="33649920" cy="13924282"/>
+            <a:off x="628650" y="1369219"/>
+            <a:ext cx="7886700" cy="3263504"/>
           </a:xfrm>
           <a:prstGeom prst="rect">
             <a:avLst/>
@@ -2553,8 +2568,8 @@
         </p:nvSpPr>
         <p:spPr>
           <a:xfrm>
-            <a:off x="2682240" y="20340322"/>
-            <a:ext cx="8778240" cy="1168400"/>
+            <a:off x="628650" y="4767263"/>
+            <a:ext cx="2057400" cy="273844"/>
           </a:xfrm>
           <a:prstGeom prst="rect">
             <a:avLst/>
@@ -2564,7 +2579,7 @@
           <a:bodyPr vert="horz" lIns="91440" tIns="45720" rIns="91440" bIns="45720" rtlCol="0" anchor="ctr"/>
           <a:lstStyle>
             <a:lvl1pPr algn="l">
-              <a:defRPr sz="3840">
+              <a:defRPr sz="900">
                 <a:solidFill>
                   <a:schemeClr val="tx1">
                     <a:tint val="75000"/>
@@ -2576,7 +2591,7 @@
           <a:p>
             <a:fld id="{8F06087A-BB81-43C1-AFE2-3763E6B27B9D}" type="datetimeFigureOut">
               <a:rPr lang="en-US" smtClean="0"/>
-              <a:t>11/30/2017</a:t>
+              <a:t>2/1/2018</a:t>
             </a:fld>
             <a:endParaRPr lang="en-US"/>
           </a:p>
@@ -2594,8 +2609,8 @@
         </p:nvSpPr>
         <p:spPr>
           <a:xfrm>
-            <a:off x="12923520" y="20340322"/>
-            <a:ext cx="13167360" cy="1168400"/>
+            <a:off x="3028950" y="4767263"/>
+            <a:ext cx="3086100" cy="273844"/>
           </a:xfrm>
           <a:prstGeom prst="rect">
             <a:avLst/>
@@ -2605,7 +2620,7 @@
           <a:bodyPr vert="horz" lIns="91440" tIns="45720" rIns="91440" bIns="45720" rtlCol="0" anchor="ctr"/>
           <a:lstStyle>
             <a:lvl1pPr algn="ctr">
-              <a:defRPr sz="3840">
+              <a:defRPr sz="900">
                 <a:solidFill>
                   <a:schemeClr val="tx1">
                     <a:tint val="75000"/>
@@ -2631,8 +2646,8 @@
         </p:nvSpPr>
         <p:spPr>
           <a:xfrm>
-            <a:off x="27553920" y="20340322"/>
-            <a:ext cx="8778240" cy="1168400"/>
+            <a:off x="6457950" y="4767263"/>
+            <a:ext cx="2057400" cy="273844"/>
           </a:xfrm>
           <a:prstGeom prst="rect">
             <a:avLst/>
@@ -2642,7 +2657,7 @@
           <a:bodyPr vert="horz" lIns="91440" tIns="45720" rIns="91440" bIns="45720" rtlCol="0" anchor="ctr"/>
           <a:lstStyle>
             <a:lvl1pPr algn="r">
-              <a:defRPr sz="3840">
+              <a:defRPr sz="900">
                 <a:solidFill>
                   <a:schemeClr val="tx1">
                     <a:tint val="75000"/>
@@ -2663,27 +2678,27 @@
     </p:spTree>
     <p:extLst>
       <p:ext uri="{BB962C8B-B14F-4D97-AF65-F5344CB8AC3E}">
-        <p14:creationId xmlns:p14="http://schemas.microsoft.com/office/powerpoint/2010/main" val="413855833"/>
+        <p14:creationId xmlns:p14="http://schemas.microsoft.com/office/powerpoint/2010/main" val="2228065116"/>
       </p:ext>
     </p:extLst>
   </p:cSld>
   <p:clrMap bg1="lt1" tx1="dk1" bg2="lt2" tx2="dk2" accent1="accent1" accent2="accent2" accent3="accent3" accent4="accent4" accent5="accent5" accent6="accent6" hlink="hlink" folHlink="folHlink"/>
   <p:sldLayoutIdLst>
-    <p:sldLayoutId id="2147483685" r:id="rId1"/>
-    <p:sldLayoutId id="2147483686" r:id="rId2"/>
-    <p:sldLayoutId id="2147483687" r:id="rId3"/>
-    <p:sldLayoutId id="2147483688" r:id="rId4"/>
-    <p:sldLayoutId id="2147483689" r:id="rId5"/>
-    <p:sldLayoutId id="2147483690" r:id="rId6"/>
-    <p:sldLayoutId id="2147483691" r:id="rId7"/>
-    <p:sldLayoutId id="2147483692" r:id="rId8"/>
-    <p:sldLayoutId id="2147483693" r:id="rId9"/>
-    <p:sldLayoutId id="2147483694" r:id="rId10"/>
-    <p:sldLayoutId id="2147483695" r:id="rId11"/>
+    <p:sldLayoutId id="2147483697" r:id="rId1"/>
+    <p:sldLayoutId id="2147483698" r:id="rId2"/>
+    <p:sldLayoutId id="2147483699" r:id="rId3"/>
+    <p:sldLayoutId id="2147483700" r:id="rId4"/>
+    <p:sldLayoutId id="2147483701" r:id="rId5"/>
+    <p:sldLayoutId id="2147483702" r:id="rId6"/>
+    <p:sldLayoutId id="2147483703" r:id="rId7"/>
+    <p:sldLayoutId id="2147483704" r:id="rId8"/>
+    <p:sldLayoutId id="2147483705" r:id="rId9"/>
+    <p:sldLayoutId id="2147483706" r:id="rId10"/>
+    <p:sldLayoutId id="2147483707" r:id="rId11"/>
   </p:sldLayoutIdLst>
   <p:txStyles>
     <p:titleStyle>
-      <a:lvl1pPr algn="l" defTabSz="2926080" rtl="0" eaLnBrk="1" latinLnBrk="0" hangingPunct="1">
+      <a:lvl1pPr algn="l" defTabSz="685800" rtl="0" eaLnBrk="1" latinLnBrk="0" hangingPunct="1">
         <a:lnSpc>
           <a:spcPct val="90000"/>
         </a:lnSpc>
@@ -2691,7 +2706,7 @@
           <a:spcPct val="0"/>
         </a:spcBef>
         <a:buNone/>
-        <a:defRPr sz="14080" kern="1200">
+        <a:defRPr sz="3300" kern="1200">
           <a:solidFill>
             <a:schemeClr val="tx1"/>
           </a:solidFill>
@@ -2702,16 +2717,16 @@
       </a:lvl1pPr>
     </p:titleStyle>
     <p:bodyStyle>
-      <a:lvl1pPr marL="731520" indent="-731520" algn="l" defTabSz="2926080" rtl="0" eaLnBrk="1" latinLnBrk="0" hangingPunct="1">
+      <a:lvl1pPr marL="171450" indent="-171450" algn="l" defTabSz="685800" rtl="0" eaLnBrk="1" latinLnBrk="0" hangingPunct="1">
         <a:lnSpc>
           <a:spcPct val="90000"/>
         </a:lnSpc>
         <a:spcBef>
-          <a:spcPts val="3200"/>
+          <a:spcPts val="750"/>
         </a:spcBef>
         <a:buFont typeface="Arial" panose="020B0604020202020204" pitchFamily="34" charset="0"/>
         <a:buChar char="•"/>
-        <a:defRPr sz="8960" kern="1200">
+        <a:defRPr sz="2100" kern="1200">
           <a:solidFill>
             <a:schemeClr val="tx1"/>
           </a:solidFill>
@@ -2720,16 +2735,16 @@
           <a:cs typeface="+mn-cs"/>
         </a:defRPr>
       </a:lvl1pPr>
-      <a:lvl2pPr marL="2194560" indent="-731520" algn="l" defTabSz="2926080" rtl="0" eaLnBrk="1" latinLnBrk="0" hangingPunct="1">
+      <a:lvl2pPr marL="514350" indent="-171450" algn="l" defTabSz="685800" rtl="0" eaLnBrk="1" latinLnBrk="0" hangingPunct="1">
         <a:lnSpc>
           <a:spcPct val="90000"/>
         </a:lnSpc>
         <a:spcBef>
-          <a:spcPts val="1600"/>
+          <a:spcPts val="375"/>
         </a:spcBef>
         <a:buFont typeface="Arial" panose="020B0604020202020204" pitchFamily="34" charset="0"/>
         <a:buChar char="•"/>
-        <a:defRPr sz="7680" kern="1200">
+        <a:defRPr sz="1800" kern="1200">
           <a:solidFill>
             <a:schemeClr val="tx1"/>
           </a:solidFill>
@@ -2738,16 +2753,16 @@
           <a:cs typeface="+mn-cs"/>
         </a:defRPr>
       </a:lvl2pPr>
-      <a:lvl3pPr marL="3657600" indent="-731520" algn="l" defTabSz="2926080" rtl="0" eaLnBrk="1" latinLnBrk="0" hangingPunct="1">
+      <a:lvl3pPr marL="857250" indent="-171450" algn="l" defTabSz="685800" rtl="0" eaLnBrk="1" latinLnBrk="0" hangingPunct="1">
         <a:lnSpc>
           <a:spcPct val="90000"/>
         </a:lnSpc>
         <a:spcBef>
-          <a:spcPts val="1600"/>
+          <a:spcPts val="375"/>
         </a:spcBef>
         <a:buFont typeface="Arial" panose="020B0604020202020204" pitchFamily="34" charset="0"/>
         <a:buChar char="•"/>
-        <a:defRPr sz="6400" kern="1200">
+        <a:defRPr sz="1500" kern="1200">
           <a:solidFill>
             <a:schemeClr val="tx1"/>
           </a:solidFill>
@@ -2756,16 +2771,16 @@
           <a:cs typeface="+mn-cs"/>
         </a:defRPr>
       </a:lvl3pPr>
-      <a:lvl4pPr marL="5120640" indent="-731520" algn="l" defTabSz="2926080" rtl="0" eaLnBrk="1" latinLnBrk="0" hangingPunct="1">
+      <a:lvl4pPr marL="1200150" indent="-171450" algn="l" defTabSz="685800" rtl="0" eaLnBrk="1" latinLnBrk="0" hangingPunct="1">
         <a:lnSpc>
           <a:spcPct val="90000"/>
         </a:lnSpc>
         <a:spcBef>
-          <a:spcPts val="1600"/>
+          <a:spcPts val="375"/>
         </a:spcBef>
         <a:buFont typeface="Arial" panose="020B0604020202020204" pitchFamily="34" charset="0"/>
         <a:buChar char="•"/>
-        <a:defRPr sz="5760" kern="1200">
+        <a:defRPr sz="1350" kern="1200">
           <a:solidFill>
             <a:schemeClr val="tx1"/>
           </a:solidFill>
@@ -2774,16 +2789,16 @@
           <a:cs typeface="+mn-cs"/>
         </a:defRPr>
       </a:lvl4pPr>
-      <a:lvl5pPr marL="6583680" indent="-731520" algn="l" defTabSz="2926080" rtl="0" eaLnBrk="1" latinLnBrk="0" hangingPunct="1">
+      <a:lvl5pPr marL="1543050" indent="-171450" algn="l" defTabSz="685800" rtl="0" eaLnBrk="1" latinLnBrk="0" hangingPunct="1">
         <a:lnSpc>
           <a:spcPct val="90000"/>
         </a:lnSpc>
         <a:spcBef>
-          <a:spcPts val="1600"/>
+          <a:spcPts val="375"/>
         </a:spcBef>
         <a:buFont typeface="Arial" panose="020B0604020202020204" pitchFamily="34" charset="0"/>
         <a:buChar char="•"/>
-        <a:defRPr sz="5760" kern="1200">
+        <a:defRPr sz="1350" kern="1200">
           <a:solidFill>
             <a:schemeClr val="tx1"/>
           </a:solidFill>
@@ -2792,16 +2807,16 @@
           <a:cs typeface="+mn-cs"/>
         </a:defRPr>
       </a:lvl5pPr>
-      <a:lvl6pPr marL="8046720" indent="-731520" algn="l" defTabSz="2926080" rtl="0" eaLnBrk="1" latinLnBrk="0" hangingPunct="1">
+      <a:lvl6pPr marL="1885950" indent="-171450" algn="l" defTabSz="685800" rtl="0" eaLnBrk="1" latinLnBrk="0" hangingPunct="1">
         <a:lnSpc>
           <a:spcPct val="90000"/>
         </a:lnSpc>
         <a:spcBef>
-          <a:spcPts val="1600"/>
+          <a:spcPts val="375"/>
         </a:spcBef>
         <a:buFont typeface="Arial" panose="020B0604020202020204" pitchFamily="34" charset="0"/>
         <a:buChar char="•"/>
-        <a:defRPr sz="5760" kern="1200">
+        <a:defRPr sz="1350" kern="1200">
           <a:solidFill>
             <a:schemeClr val="tx1"/>
           </a:solidFill>
@@ -2810,16 +2825,16 @@
           <a:cs typeface="+mn-cs"/>
         </a:defRPr>
       </a:lvl6pPr>
-      <a:lvl7pPr marL="9509760" indent="-731520" algn="l" defTabSz="2926080" rtl="0" eaLnBrk="1" latinLnBrk="0" hangingPunct="1">
+      <a:lvl7pPr marL="2228850" indent="-171450" algn="l" defTabSz="685800" rtl="0" eaLnBrk="1" latinLnBrk="0" hangingPunct="1">
         <a:lnSpc>
           <a:spcPct val="90000"/>
         </a:lnSpc>
         <a:spcBef>
-          <a:spcPts val="1600"/>
+          <a:spcPts val="375"/>
         </a:spcBef>
         <a:buFont typeface="Arial" panose="020B0604020202020204" pitchFamily="34" charset="0"/>
         <a:buChar char="•"/>
-        <a:defRPr sz="5760" kern="1200">
+        <a:defRPr sz="1350" kern="1200">
           <a:solidFill>
             <a:schemeClr val="tx1"/>
           </a:solidFill>
@@ -2828,16 +2843,16 @@
           <a:cs typeface="+mn-cs"/>
         </a:defRPr>
       </a:lvl7pPr>
-      <a:lvl8pPr marL="10972800" indent="-731520" algn="l" defTabSz="2926080" rtl="0" eaLnBrk="1" latinLnBrk="0" hangingPunct="1">
+      <a:lvl8pPr marL="2571750" indent="-171450" algn="l" defTabSz="685800" rtl="0" eaLnBrk="1" latinLnBrk="0" hangingPunct="1">
         <a:lnSpc>
           <a:spcPct val="90000"/>
         </a:lnSpc>
         <a:spcBef>
-          <a:spcPts val="1600"/>
+          <a:spcPts val="375"/>
         </a:spcBef>
         <a:buFont typeface="Arial" panose="020B0604020202020204" pitchFamily="34" charset="0"/>
         <a:buChar char="•"/>
-        <a:defRPr sz="5760" kern="1200">
+        <a:defRPr sz="1350" kern="1200">
           <a:solidFill>
             <a:schemeClr val="tx1"/>
           </a:solidFill>
@@ -2846,16 +2861,16 @@
           <a:cs typeface="+mn-cs"/>
         </a:defRPr>
       </a:lvl8pPr>
-      <a:lvl9pPr marL="12435840" indent="-731520" algn="l" defTabSz="2926080" rtl="0" eaLnBrk="1" latinLnBrk="0" hangingPunct="1">
+      <a:lvl9pPr marL="2914650" indent="-171450" algn="l" defTabSz="685800" rtl="0" eaLnBrk="1" latinLnBrk="0" hangingPunct="1">
         <a:lnSpc>
           <a:spcPct val="90000"/>
         </a:lnSpc>
         <a:spcBef>
-          <a:spcPts val="1600"/>
+          <a:spcPts val="375"/>
         </a:spcBef>
         <a:buFont typeface="Arial" panose="020B0604020202020204" pitchFamily="34" charset="0"/>
         <a:buChar char="•"/>
-        <a:defRPr sz="5760" kern="1200">
+        <a:defRPr sz="1350" kern="1200">
           <a:solidFill>
             <a:schemeClr val="tx1"/>
           </a:solidFill>
@@ -2869,8 +2884,8 @@
       <a:defPPr>
         <a:defRPr lang="en-US"/>
       </a:defPPr>
-      <a:lvl1pPr marL="0" algn="l" defTabSz="2926080" rtl="0" eaLnBrk="1" latinLnBrk="0" hangingPunct="1">
-        <a:defRPr sz="5760" kern="1200">
+      <a:lvl1pPr marL="0" algn="l" defTabSz="685800" rtl="0" eaLnBrk="1" latinLnBrk="0" hangingPunct="1">
+        <a:defRPr sz="1350" kern="1200">
           <a:solidFill>
             <a:schemeClr val="tx1"/>
           </a:solidFill>
@@ -2879,8 +2894,8 @@
           <a:cs typeface="+mn-cs"/>
         </a:defRPr>
       </a:lvl1pPr>
-      <a:lvl2pPr marL="1463040" algn="l" defTabSz="2926080" rtl="0" eaLnBrk="1" latinLnBrk="0" hangingPunct="1">
-        <a:defRPr sz="5760" kern="1200">
+      <a:lvl2pPr marL="342900" algn="l" defTabSz="685800" rtl="0" eaLnBrk="1" latinLnBrk="0" hangingPunct="1">
+        <a:defRPr sz="1350" kern="1200">
           <a:solidFill>
             <a:schemeClr val="tx1"/>
           </a:solidFill>
@@ -2889,8 +2904,8 @@
           <a:cs typeface="+mn-cs"/>
         </a:defRPr>
       </a:lvl2pPr>
-      <a:lvl3pPr marL="2926080" algn="l" defTabSz="2926080" rtl="0" eaLnBrk="1" latinLnBrk="0" hangingPunct="1">
-        <a:defRPr sz="5760" kern="1200">
+      <a:lvl3pPr marL="685800" algn="l" defTabSz="685800" rtl="0" eaLnBrk="1" latinLnBrk="0" hangingPunct="1">
+        <a:defRPr sz="1350" kern="1200">
           <a:solidFill>
             <a:schemeClr val="tx1"/>
           </a:solidFill>
@@ -2899,8 +2914,8 @@
           <a:cs typeface="+mn-cs"/>
         </a:defRPr>
       </a:lvl3pPr>
-      <a:lvl4pPr marL="4389120" algn="l" defTabSz="2926080" rtl="0" eaLnBrk="1" latinLnBrk="0" hangingPunct="1">
-        <a:defRPr sz="5760" kern="1200">
+      <a:lvl4pPr marL="1028700" algn="l" defTabSz="685800" rtl="0" eaLnBrk="1" latinLnBrk="0" hangingPunct="1">
+        <a:defRPr sz="1350" kern="1200">
           <a:solidFill>
             <a:schemeClr val="tx1"/>
           </a:solidFill>
@@ -2909,8 +2924,8 @@
           <a:cs typeface="+mn-cs"/>
         </a:defRPr>
       </a:lvl4pPr>
-      <a:lvl5pPr marL="5852160" algn="l" defTabSz="2926080" rtl="0" eaLnBrk="1" latinLnBrk="0" hangingPunct="1">
-        <a:defRPr sz="5760" kern="1200">
+      <a:lvl5pPr marL="1371600" algn="l" defTabSz="685800" rtl="0" eaLnBrk="1" latinLnBrk="0" hangingPunct="1">
+        <a:defRPr sz="1350" kern="1200">
           <a:solidFill>
             <a:schemeClr val="tx1"/>
           </a:solidFill>
@@ -2919,8 +2934,8 @@
           <a:cs typeface="+mn-cs"/>
         </a:defRPr>
       </a:lvl5pPr>
-      <a:lvl6pPr marL="7315200" algn="l" defTabSz="2926080" rtl="0" eaLnBrk="1" latinLnBrk="0" hangingPunct="1">
-        <a:defRPr sz="5760" kern="1200">
+      <a:lvl6pPr marL="1714500" algn="l" defTabSz="685800" rtl="0" eaLnBrk="1" latinLnBrk="0" hangingPunct="1">
+        <a:defRPr sz="1350" kern="1200">
           <a:solidFill>
             <a:schemeClr val="tx1"/>
           </a:solidFill>
@@ -2929,8 +2944,8 @@
           <a:cs typeface="+mn-cs"/>
         </a:defRPr>
       </a:lvl6pPr>
-      <a:lvl7pPr marL="8778240" algn="l" defTabSz="2926080" rtl="0" eaLnBrk="1" latinLnBrk="0" hangingPunct="1">
-        <a:defRPr sz="5760" kern="1200">
+      <a:lvl7pPr marL="2057400" algn="l" defTabSz="685800" rtl="0" eaLnBrk="1" latinLnBrk="0" hangingPunct="1">
+        <a:defRPr sz="1350" kern="1200">
           <a:solidFill>
             <a:schemeClr val="tx1"/>
           </a:solidFill>
@@ -2939,8 +2954,8 @@
           <a:cs typeface="+mn-cs"/>
         </a:defRPr>
       </a:lvl7pPr>
-      <a:lvl8pPr marL="10241280" algn="l" defTabSz="2926080" rtl="0" eaLnBrk="1" latinLnBrk="0" hangingPunct="1">
-        <a:defRPr sz="5760" kern="1200">
+      <a:lvl8pPr marL="2400300" algn="l" defTabSz="685800" rtl="0" eaLnBrk="1" latinLnBrk="0" hangingPunct="1">
+        <a:defRPr sz="1350" kern="1200">
           <a:solidFill>
             <a:schemeClr val="tx1"/>
           </a:solidFill>
@@ -2949,8 +2964,8 @@
           <a:cs typeface="+mn-cs"/>
         </a:defRPr>
       </a:lvl8pPr>
-      <a:lvl9pPr marL="11704320" algn="l" defTabSz="2926080" rtl="0" eaLnBrk="1" latinLnBrk="0" hangingPunct="1">
-        <a:defRPr sz="5760" kern="1200">
+      <a:lvl9pPr marL="2743200" algn="l" defTabSz="685800" rtl="0" eaLnBrk="1" latinLnBrk="0" hangingPunct="1">
+        <a:defRPr sz="1350" kern="1200">
           <a:solidFill>
             <a:schemeClr val="tx1"/>
           </a:solidFill>
@@ -3047,6 +3062,2606 @@
 </p:sld>
 </file>
 
+<file path=ppt/slides/slide10.xml><?xml version="1.0" encoding="utf-8"?>
+<p:sld xmlns:a="http://schemas.openxmlformats.org/drawingml/2006/main" xmlns:r="http://schemas.openxmlformats.org/officeDocument/2006/relationships" xmlns:p="http://schemas.openxmlformats.org/presentationml/2006/main">
+  <p:cSld>
+    <p:spTree>
+      <p:nvGrpSpPr>
+        <p:cNvPr id="1" name=""/>
+        <p:cNvGrpSpPr/>
+        <p:nvPr/>
+      </p:nvGrpSpPr>
+      <p:grpSpPr>
+        <a:xfrm>
+          <a:off x="0" y="0"/>
+          <a:ext cx="0" cy="0"/>
+          <a:chOff x="0" y="0"/>
+          <a:chExt cx="0" cy="0"/>
+        </a:xfrm>
+      </p:grpSpPr>
+      <p:sp>
+        <p:nvSpPr>
+          <p:cNvPr id="4" name="Title 3">
+            <a:extLst>
+              <a:ext uri="{FF2B5EF4-FFF2-40B4-BE49-F238E27FC236}">
+                <a16:creationId xmlns:a16="http://schemas.microsoft.com/office/drawing/2014/main" id="{1F0BF523-7597-49D1-8A88-DF5469339079}"/>
+              </a:ext>
+            </a:extLst>
+          </p:cNvPr>
+          <p:cNvSpPr>
+            <a:spLocks noGrp="1"/>
+          </p:cNvSpPr>
+          <p:nvPr>
+            <p:ph type="title"/>
+          </p:nvPr>
+        </p:nvSpPr>
+        <p:spPr>
+          <a:xfrm>
+            <a:off x="628650" y="273844"/>
+            <a:ext cx="3682093" cy="451145"/>
+          </a:xfrm>
+        </p:spPr>
+        <p:txBody>
+          <a:bodyPr>
+            <a:normAutofit/>
+          </a:bodyPr>
+          <a:lstStyle/>
+          <a:p>
+            <a:r>
+              <a:rPr lang="en-US" sz="2000" b="1" dirty="0"/>
+              <a:t>Adaptive Window Engine (AWE)</a:t>
+            </a:r>
+          </a:p>
+        </p:txBody>
+      </p:sp>
+      <p:sp>
+        <p:nvSpPr>
+          <p:cNvPr id="6" name="Content Placeholder 5">
+            <a:extLst>
+              <a:ext uri="{FF2B5EF4-FFF2-40B4-BE49-F238E27FC236}">
+                <a16:creationId xmlns:a16="http://schemas.microsoft.com/office/drawing/2014/main" id="{483E81B1-2B09-415D-8C3D-B0C321AFDB57}"/>
+              </a:ext>
+            </a:extLst>
+          </p:cNvPr>
+          <p:cNvSpPr>
+            <a:spLocks noGrp="1"/>
+          </p:cNvSpPr>
+          <p:nvPr>
+            <p:ph sz="half" idx="2"/>
+          </p:nvPr>
+        </p:nvSpPr>
+        <p:spPr>
+          <a:xfrm>
+            <a:off x="5826035" y="834784"/>
+            <a:ext cx="3141616" cy="3717623"/>
+          </a:xfrm>
+        </p:spPr>
+        <p:txBody>
+          <a:bodyPr>
+            <a:noAutofit/>
+          </a:bodyPr>
+          <a:lstStyle/>
+          <a:p>
+            <a:pPr>
+              <a:buFont typeface="Wingdings" panose="05000000000000000000" pitchFamily="2" charset="2"/>
+              <a:buChar char="§"/>
+            </a:pPr>
+            <a:r>
+              <a:rPr lang="en-US" sz="1600" dirty="0"/>
+              <a:t>Dual convolution engines capable of performing the following:</a:t>
+            </a:r>
+          </a:p>
+          <a:p>
+            <a:pPr lvl="1">
+              <a:buFont typeface="Wingdings" panose="05000000000000000000" pitchFamily="2" charset="2"/>
+              <a:buChar char="§"/>
+            </a:pPr>
+            <a:r>
+              <a:rPr lang="en-US" sz="1300" dirty="0"/>
+              <a:t>3x3x2 (CPI = 0.9)</a:t>
+            </a:r>
+          </a:p>
+          <a:p>
+            <a:pPr lvl="1">
+              <a:buFont typeface="Wingdings" panose="05000000000000000000" pitchFamily="2" charset="2"/>
+              <a:buChar char="§"/>
+            </a:pPr>
+            <a:r>
+              <a:rPr lang="en-US" sz="1300" dirty="0"/>
+              <a:t>5x5x1 (CPI = 1.25)</a:t>
+            </a:r>
+          </a:p>
+          <a:p>
+            <a:pPr lvl="1">
+              <a:buFont typeface="Wingdings" panose="05000000000000000000" pitchFamily="2" charset="2"/>
+              <a:buChar char="§"/>
+            </a:pPr>
+            <a:r>
+              <a:rPr lang="en-US" sz="1300" dirty="0"/>
+              <a:t>1x1x20 (CPI = 1.0)</a:t>
+            </a:r>
+          </a:p>
+          <a:p>
+            <a:pPr>
+              <a:buFont typeface="Wingdings" panose="05000000000000000000" pitchFamily="2" charset="2"/>
+              <a:buChar char="§"/>
+            </a:pPr>
+            <a:r>
+              <a:rPr lang="en-US" sz="1600" dirty="0"/>
+              <a:t>Support 3x3 or 5x5 pooling</a:t>
+            </a:r>
+          </a:p>
+          <a:p>
+            <a:pPr>
+              <a:buFont typeface="Wingdings" panose="05000000000000000000" pitchFamily="2" charset="2"/>
+              <a:buChar char="§"/>
+            </a:pPr>
+            <a:r>
+              <a:rPr lang="en-US" sz="1600" dirty="0"/>
+              <a:t>Requires pixels to be evenly distributed across row-buffer banks</a:t>
+            </a:r>
+          </a:p>
+          <a:p>
+            <a:pPr>
+              <a:buFont typeface="Wingdings" panose="05000000000000000000" pitchFamily="2" charset="2"/>
+              <a:buChar char="§"/>
+            </a:pPr>
+            <a:endParaRPr lang="en-US" sz="1600" dirty="0"/>
+          </a:p>
+        </p:txBody>
+      </p:sp>
+      <p:pic>
+        <p:nvPicPr>
+          <p:cNvPr id="8" name="Picture 7">
+            <a:extLst>
+              <a:ext uri="{FF2B5EF4-FFF2-40B4-BE49-F238E27FC236}">
+                <a16:creationId xmlns:a16="http://schemas.microsoft.com/office/drawing/2014/main" id="{D641DB96-B5FC-4370-9B9A-36EFF3777342}"/>
+              </a:ext>
+            </a:extLst>
+          </p:cNvPr>
+          <p:cNvPicPr>
+            <a:picLocks noChangeAspect="1"/>
+          </p:cNvPicPr>
+          <p:nvPr/>
+        </p:nvPicPr>
+        <p:blipFill rotWithShape="1">
+          <a:blip r:embed="rId2"/>
+          <a:srcRect r="50000" b="50000"/>
+          <a:stretch/>
+        </p:blipFill>
+        <p:spPr>
+          <a:xfrm>
+            <a:off x="448824" y="834784"/>
+            <a:ext cx="5127485" cy="2126029"/>
+          </a:xfrm>
+          <a:prstGeom prst="rect">
+            <a:avLst/>
+          </a:prstGeom>
+        </p:spPr>
+      </p:pic>
+      <p:sp>
+        <p:nvSpPr>
+          <p:cNvPr id="14" name="Callout: Line with Border and Accent Bar 13">
+            <a:extLst>
+              <a:ext uri="{FF2B5EF4-FFF2-40B4-BE49-F238E27FC236}">
+                <a16:creationId xmlns:a16="http://schemas.microsoft.com/office/drawing/2014/main" id="{EC95EEF0-F246-4F40-90BB-3DC6654FFD36}"/>
+              </a:ext>
+            </a:extLst>
+          </p:cNvPr>
+          <p:cNvSpPr/>
+          <p:nvPr/>
+        </p:nvSpPr>
+        <p:spPr>
+          <a:xfrm>
+            <a:off x="2272939" y="3428781"/>
+            <a:ext cx="2374378" cy="1283645"/>
+          </a:xfrm>
+          <a:prstGeom prst="accentBorderCallout1">
+            <a:avLst>
+              <a:gd name="adj1" fmla="val 22312"/>
+              <a:gd name="adj2" fmla="val 102799"/>
+              <a:gd name="adj3" fmla="val -49174"/>
+              <a:gd name="adj4" fmla="val 125309"/>
+            </a:avLst>
+          </a:prstGeom>
+          <a:ln>
+            <a:solidFill>
+              <a:schemeClr val="accent2"/>
+            </a:solidFill>
+          </a:ln>
+        </p:spPr>
+        <p:style>
+          <a:lnRef idx="2">
+            <a:schemeClr val="accent1">
+              <a:shade val="50000"/>
+            </a:schemeClr>
+          </a:lnRef>
+          <a:fillRef idx="1">
+            <a:schemeClr val="accent1"/>
+          </a:fillRef>
+          <a:effectRef idx="0">
+            <a:schemeClr val="accent1"/>
+          </a:effectRef>
+          <a:fontRef idx="minor">
+            <a:schemeClr val="lt1"/>
+          </a:fontRef>
+        </p:style>
+        <p:txBody>
+          <a:bodyPr rot="0" spcFirstLastPara="0" vertOverflow="overflow" horzOverflow="overflow" vert="horz" wrap="square" lIns="91440" tIns="45720" rIns="91440" bIns="45720" numCol="1" spcCol="0" rtlCol="0" fromWordArt="0" anchor="ctr" anchorCtr="0" forceAA="0" compatLnSpc="1">
+            <a:prstTxWarp prst="textNoShape">
+              <a:avLst/>
+            </a:prstTxWarp>
+            <a:noAutofit/>
+          </a:bodyPr>
+          <a:lstStyle/>
+          <a:p>
+            <a:pPr algn="ctr"/>
+            <a:r>
+              <a:rPr lang="en-US" sz="1200" dirty="0"/>
+              <a:t>In pooling mode the row-buffers feed a MAX/MIN/AVG module.  Pooling can be performed over the two row buffers of a single engine or over the four combined row-buffers of two engines.</a:t>
+            </a:r>
+          </a:p>
+        </p:txBody>
+      </p:sp>
+    </p:spTree>
+    <p:extLst>
+      <p:ext uri="{BB962C8B-B14F-4D97-AF65-F5344CB8AC3E}">
+        <p14:creationId xmlns:p14="http://schemas.microsoft.com/office/powerpoint/2010/main" val="3409391431"/>
+      </p:ext>
+    </p:extLst>
+  </p:cSld>
+  <p:clrMapOvr>
+    <a:masterClrMapping/>
+  </p:clrMapOvr>
+</p:sld>
+</file>
+
+<file path=ppt/slides/slide11.xml><?xml version="1.0" encoding="utf-8"?>
+<p:sld xmlns:a="http://schemas.openxmlformats.org/drawingml/2006/main" xmlns:r="http://schemas.openxmlformats.org/officeDocument/2006/relationships" xmlns:p="http://schemas.openxmlformats.org/presentationml/2006/main">
+  <p:cSld>
+    <p:spTree>
+      <p:nvGrpSpPr>
+        <p:cNvPr id="1" name=""/>
+        <p:cNvGrpSpPr/>
+        <p:nvPr/>
+      </p:nvGrpSpPr>
+      <p:grpSpPr>
+        <a:xfrm>
+          <a:off x="0" y="0"/>
+          <a:ext cx="0" cy="0"/>
+          <a:chOff x="0" y="0"/>
+          <a:chExt cx="0" cy="0"/>
+        </a:xfrm>
+      </p:grpSpPr>
+      <p:sp>
+        <p:nvSpPr>
+          <p:cNvPr id="4" name="Title 3">
+            <a:extLst>
+              <a:ext uri="{FF2B5EF4-FFF2-40B4-BE49-F238E27FC236}">
+                <a16:creationId xmlns:a16="http://schemas.microsoft.com/office/drawing/2014/main" id="{1F0BF523-7597-49D1-8A88-DF5469339079}"/>
+              </a:ext>
+            </a:extLst>
+          </p:cNvPr>
+          <p:cNvSpPr>
+            <a:spLocks noGrp="1"/>
+          </p:cNvSpPr>
+          <p:nvPr>
+            <p:ph type="title"/>
+          </p:nvPr>
+        </p:nvSpPr>
+        <p:spPr>
+          <a:xfrm>
+            <a:off x="628650" y="273844"/>
+            <a:ext cx="4881813" cy="255545"/>
+          </a:xfrm>
+        </p:spPr>
+        <p:txBody>
+          <a:bodyPr>
+            <a:noAutofit/>
+          </a:bodyPr>
+          <a:lstStyle/>
+          <a:p>
+            <a:r>
+              <a:rPr lang="en-US" sz="2400" b="1" dirty="0"/>
+              <a:t>Load Balancing in AWE</a:t>
+            </a:r>
+          </a:p>
+        </p:txBody>
+      </p:sp>
+      <p:sp>
+        <p:nvSpPr>
+          <p:cNvPr id="5" name="Content Placeholder 4">
+            <a:extLst>
+              <a:ext uri="{FF2B5EF4-FFF2-40B4-BE49-F238E27FC236}">
+                <a16:creationId xmlns:a16="http://schemas.microsoft.com/office/drawing/2014/main" id="{495EE75F-BDEC-4D7A-84AF-BDCAF37A637D}"/>
+              </a:ext>
+            </a:extLst>
+          </p:cNvPr>
+          <p:cNvSpPr>
+            <a:spLocks noGrp="1"/>
+          </p:cNvSpPr>
+          <p:nvPr>
+            <p:ph idx="1"/>
+          </p:nvPr>
+        </p:nvSpPr>
+        <p:spPr>
+          <a:xfrm>
+            <a:off x="628650" y="674771"/>
+            <a:ext cx="4725403" cy="2298031"/>
+          </a:xfrm>
+        </p:spPr>
+        <p:txBody>
+          <a:bodyPr>
+            <a:normAutofit fontScale="85000" lnSpcReduction="10000"/>
+          </a:bodyPr>
+          <a:lstStyle/>
+          <a:p>
+            <a:pPr marL="0" indent="0">
+              <a:buNone/>
+            </a:pPr>
+            <a:r>
+              <a:rPr lang="en-US" sz="1600" dirty="0"/>
+              <a:t>To minimize logic delay, each buffer is directly connected to the adjacent DSP48 in the tile.</a:t>
+            </a:r>
+          </a:p>
+          <a:p>
+            <a:endParaRPr lang="en-US" sz="1600" dirty="0"/>
+          </a:p>
+          <a:p>
+            <a:pPr marL="0" indent="0">
+              <a:buNone/>
+            </a:pPr>
+            <a:r>
+              <a:rPr lang="en-US" sz="1600" dirty="0"/>
+              <a:t>Since we are overclocking to reduce resource utilization of DSP48, it is important that each DSP48 as nearly equal work</a:t>
+            </a:r>
+          </a:p>
+          <a:p>
+            <a:pPr lvl="1"/>
+            <a:r>
+              <a:rPr lang="en-US" sz="1600" dirty="0"/>
+              <a:t>Row renaming is accomplished by (1) reordering of weights based on the current row we operating on, and (2) a specific matriculation of rows across the buffers</a:t>
+            </a:r>
+          </a:p>
+          <a:p>
+            <a:pPr lvl="1"/>
+            <a:r>
+              <a:rPr lang="en-US" sz="1600" dirty="0"/>
+              <a:t>In the case of odd kernels, a duplicate of one row is required in the buffer</a:t>
+            </a:r>
+          </a:p>
+          <a:p>
+            <a:pPr marL="342900" lvl="1" indent="0">
+              <a:buNone/>
+            </a:pPr>
+            <a:endParaRPr lang="en-US" dirty="0"/>
+          </a:p>
+        </p:txBody>
+      </p:sp>
+      <p:pic>
+        <p:nvPicPr>
+          <p:cNvPr id="9" name="Picture 8">
+            <a:extLst>
+              <a:ext uri="{FF2B5EF4-FFF2-40B4-BE49-F238E27FC236}">
+                <a16:creationId xmlns:a16="http://schemas.microsoft.com/office/drawing/2014/main" id="{4E1F96BF-C6FC-4FF9-9384-826F366ABC59}"/>
+              </a:ext>
+            </a:extLst>
+          </p:cNvPr>
+          <p:cNvPicPr>
+            <a:picLocks noChangeAspect="1"/>
+          </p:cNvPicPr>
+          <p:nvPr/>
+        </p:nvPicPr>
+        <p:blipFill>
+          <a:blip r:embed="rId2"/>
+          <a:stretch>
+            <a:fillRect/>
+          </a:stretch>
+        </p:blipFill>
+        <p:spPr>
+          <a:xfrm>
+            <a:off x="5474367" y="812797"/>
+            <a:ext cx="3183987" cy="1758953"/>
+          </a:xfrm>
+          <a:prstGeom prst="rect">
+            <a:avLst/>
+          </a:prstGeom>
+        </p:spPr>
+      </p:pic>
+      <p:sp>
+        <p:nvSpPr>
+          <p:cNvPr id="7" name="Rectangle 6">
+            <a:extLst>
+              <a:ext uri="{FF2B5EF4-FFF2-40B4-BE49-F238E27FC236}">
+                <a16:creationId xmlns:a16="http://schemas.microsoft.com/office/drawing/2014/main" id="{954F210E-D850-4F8C-9B19-9F27387D510B}"/>
+              </a:ext>
+            </a:extLst>
+          </p:cNvPr>
+          <p:cNvSpPr/>
+          <p:nvPr/>
+        </p:nvSpPr>
+        <p:spPr>
+          <a:xfrm>
+            <a:off x="5622758" y="1845845"/>
+            <a:ext cx="1163053" cy="641684"/>
+          </a:xfrm>
+          <a:prstGeom prst="rect">
+            <a:avLst/>
+          </a:prstGeom>
+          <a:solidFill>
+            <a:schemeClr val="accent1">
+              <a:alpha val="74000"/>
+            </a:schemeClr>
+          </a:solidFill>
+        </p:spPr>
+        <p:style>
+          <a:lnRef idx="2">
+            <a:schemeClr val="accent1">
+              <a:shade val="50000"/>
+            </a:schemeClr>
+          </a:lnRef>
+          <a:fillRef idx="1">
+            <a:schemeClr val="accent1"/>
+          </a:fillRef>
+          <a:effectRef idx="0">
+            <a:schemeClr val="accent1"/>
+          </a:effectRef>
+          <a:fontRef idx="minor">
+            <a:schemeClr val="lt1"/>
+          </a:fontRef>
+        </p:style>
+        <p:txBody>
+          <a:bodyPr rtlCol="0" anchor="ctr"/>
+          <a:lstStyle/>
+          <a:p>
+            <a:pPr algn="ctr"/>
+            <a:r>
+              <a:rPr lang="en-US" sz="1200" dirty="0"/>
+              <a:t>Dual </a:t>
+            </a:r>
+          </a:p>
+          <a:p>
+            <a:pPr algn="ctr"/>
+            <a:r>
+              <a:rPr lang="en-US" sz="1200" dirty="0"/>
+              <a:t>Row Buffers</a:t>
+            </a:r>
+          </a:p>
+        </p:txBody>
+      </p:sp>
+      <p:sp>
+        <p:nvSpPr>
+          <p:cNvPr id="11" name="Rectangle 10">
+            <a:extLst>
+              <a:ext uri="{FF2B5EF4-FFF2-40B4-BE49-F238E27FC236}">
+                <a16:creationId xmlns:a16="http://schemas.microsoft.com/office/drawing/2014/main" id="{47431E64-5CC0-4A5D-894A-4AA5CE1E73DD}"/>
+              </a:ext>
+            </a:extLst>
+          </p:cNvPr>
+          <p:cNvSpPr/>
+          <p:nvPr/>
+        </p:nvSpPr>
+        <p:spPr>
+          <a:xfrm>
+            <a:off x="5622757" y="899361"/>
+            <a:ext cx="1163053" cy="641684"/>
+          </a:xfrm>
+          <a:prstGeom prst="rect">
+            <a:avLst/>
+          </a:prstGeom>
+          <a:solidFill>
+            <a:schemeClr val="accent1">
+              <a:alpha val="74000"/>
+            </a:schemeClr>
+          </a:solidFill>
+        </p:spPr>
+        <p:style>
+          <a:lnRef idx="2">
+            <a:schemeClr val="accent1">
+              <a:shade val="50000"/>
+            </a:schemeClr>
+          </a:lnRef>
+          <a:fillRef idx="1">
+            <a:schemeClr val="accent1"/>
+          </a:fillRef>
+          <a:effectRef idx="0">
+            <a:schemeClr val="accent1"/>
+          </a:effectRef>
+          <a:fontRef idx="minor">
+            <a:schemeClr val="lt1"/>
+          </a:fontRef>
+        </p:style>
+        <p:txBody>
+          <a:bodyPr rtlCol="0" anchor="ctr"/>
+          <a:lstStyle/>
+          <a:p>
+            <a:pPr algn="ctr"/>
+            <a:r>
+              <a:rPr lang="en-US" sz="1200" dirty="0"/>
+              <a:t>Dual </a:t>
+            </a:r>
+          </a:p>
+          <a:p>
+            <a:pPr algn="ctr"/>
+            <a:r>
+              <a:rPr lang="en-US" sz="1200" dirty="0"/>
+              <a:t>Row Buffers</a:t>
+            </a:r>
+          </a:p>
+        </p:txBody>
+      </p:sp>
+      <p:cxnSp>
+        <p:nvCxnSpPr>
+          <p:cNvPr id="12" name="Straight Arrow Connector 11">
+            <a:extLst>
+              <a:ext uri="{FF2B5EF4-FFF2-40B4-BE49-F238E27FC236}">
+                <a16:creationId xmlns:a16="http://schemas.microsoft.com/office/drawing/2014/main" id="{73AC756A-8371-4551-8C1E-F01F4FFB0FDA}"/>
+              </a:ext>
+            </a:extLst>
+          </p:cNvPr>
+          <p:cNvCxnSpPr>
+            <a:stCxn id="11" idx="3"/>
+          </p:cNvCxnSpPr>
+          <p:nvPr/>
+        </p:nvCxnSpPr>
+        <p:spPr>
+          <a:xfrm>
+            <a:off x="6785810" y="1220203"/>
+            <a:ext cx="705853" cy="0"/>
+          </a:xfrm>
+          <a:prstGeom prst="straightConnector1">
+            <a:avLst/>
+          </a:prstGeom>
+          <a:ln w="63500">
+            <a:solidFill>
+              <a:srgbClr val="C00000"/>
+            </a:solidFill>
+            <a:tailEnd type="triangle"/>
+          </a:ln>
+        </p:spPr>
+        <p:style>
+          <a:lnRef idx="1">
+            <a:schemeClr val="accent1"/>
+          </a:lnRef>
+          <a:fillRef idx="0">
+            <a:schemeClr val="accent1"/>
+          </a:fillRef>
+          <a:effectRef idx="0">
+            <a:schemeClr val="accent1"/>
+          </a:effectRef>
+          <a:fontRef idx="minor">
+            <a:schemeClr val="tx1"/>
+          </a:fontRef>
+        </p:style>
+      </p:cxnSp>
+      <p:cxnSp>
+        <p:nvCxnSpPr>
+          <p:cNvPr id="15" name="Straight Arrow Connector 14">
+            <a:extLst>
+              <a:ext uri="{FF2B5EF4-FFF2-40B4-BE49-F238E27FC236}">
+                <a16:creationId xmlns:a16="http://schemas.microsoft.com/office/drawing/2014/main" id="{9DC5EC1D-98E4-410A-9CB2-52FCAB4C1CDE}"/>
+              </a:ext>
+            </a:extLst>
+          </p:cNvPr>
+          <p:cNvCxnSpPr/>
+          <p:nvPr/>
+        </p:nvCxnSpPr>
+        <p:spPr>
+          <a:xfrm>
+            <a:off x="6785809" y="2166687"/>
+            <a:ext cx="705853" cy="0"/>
+          </a:xfrm>
+          <a:prstGeom prst="straightConnector1">
+            <a:avLst/>
+          </a:prstGeom>
+          <a:ln w="63500">
+            <a:solidFill>
+              <a:srgbClr val="C00000"/>
+            </a:solidFill>
+            <a:tailEnd type="triangle"/>
+          </a:ln>
+        </p:spPr>
+        <p:style>
+          <a:lnRef idx="1">
+            <a:schemeClr val="accent1"/>
+          </a:lnRef>
+          <a:fillRef idx="0">
+            <a:schemeClr val="accent1"/>
+          </a:fillRef>
+          <a:effectRef idx="0">
+            <a:schemeClr val="accent1"/>
+          </a:effectRef>
+          <a:fontRef idx="minor">
+            <a:schemeClr val="tx1"/>
+          </a:fontRef>
+        </p:style>
+      </p:cxnSp>
+      <p:pic>
+        <p:nvPicPr>
+          <p:cNvPr id="13" name="Picture 12">
+            <a:extLst>
+              <a:ext uri="{FF2B5EF4-FFF2-40B4-BE49-F238E27FC236}">
+                <a16:creationId xmlns:a16="http://schemas.microsoft.com/office/drawing/2014/main" id="{18FE1427-B0B7-4D23-9EB8-BC8131A5336D}"/>
+              </a:ext>
+            </a:extLst>
+          </p:cNvPr>
+          <p:cNvPicPr>
+            <a:picLocks noChangeAspect="1"/>
+          </p:cNvPicPr>
+          <p:nvPr/>
+        </p:nvPicPr>
+        <p:blipFill>
+          <a:blip r:embed="rId3"/>
+          <a:stretch>
+            <a:fillRect/>
+          </a:stretch>
+        </p:blipFill>
+        <p:spPr>
+          <a:xfrm>
+            <a:off x="489656" y="2931458"/>
+            <a:ext cx="8361947" cy="1797617"/>
+          </a:xfrm>
+          <a:prstGeom prst="rect">
+            <a:avLst/>
+          </a:prstGeom>
+        </p:spPr>
+      </p:pic>
+      <p:cxnSp>
+        <p:nvCxnSpPr>
+          <p:cNvPr id="17" name="Straight Connector 16">
+            <a:extLst>
+              <a:ext uri="{FF2B5EF4-FFF2-40B4-BE49-F238E27FC236}">
+                <a16:creationId xmlns:a16="http://schemas.microsoft.com/office/drawing/2014/main" id="{E9A6A574-2D68-498D-9A7A-AB909E845919}"/>
+              </a:ext>
+            </a:extLst>
+          </p:cNvPr>
+          <p:cNvCxnSpPr/>
+          <p:nvPr/>
+        </p:nvCxnSpPr>
+        <p:spPr>
+          <a:xfrm flipV="1">
+            <a:off x="248653" y="2855158"/>
+            <a:ext cx="8654715" cy="21392"/>
+          </a:xfrm>
+          <a:prstGeom prst="line">
+            <a:avLst/>
+          </a:prstGeom>
+          <a:ln>
+            <a:solidFill>
+              <a:schemeClr val="bg2">
+                <a:lumMod val="50000"/>
+              </a:schemeClr>
+            </a:solidFill>
+            <a:prstDash val="sysDash"/>
+          </a:ln>
+        </p:spPr>
+        <p:style>
+          <a:lnRef idx="1">
+            <a:schemeClr val="accent1"/>
+          </a:lnRef>
+          <a:fillRef idx="0">
+            <a:schemeClr val="accent1"/>
+          </a:fillRef>
+          <a:effectRef idx="0">
+            <a:schemeClr val="accent1"/>
+          </a:effectRef>
+          <a:fontRef idx="minor">
+            <a:schemeClr val="tx1"/>
+          </a:fontRef>
+        </p:style>
+      </p:cxnSp>
+      <p:sp>
+        <p:nvSpPr>
+          <p:cNvPr id="18" name="TextBox 17">
+            <a:extLst>
+              <a:ext uri="{FF2B5EF4-FFF2-40B4-BE49-F238E27FC236}">
+                <a16:creationId xmlns:a16="http://schemas.microsoft.com/office/drawing/2014/main" id="{BD07B547-D87A-42CB-85B8-7E6A1086CA20}"/>
+              </a:ext>
+            </a:extLst>
+          </p:cNvPr>
+          <p:cNvSpPr txBox="1"/>
+          <p:nvPr/>
+        </p:nvSpPr>
+        <p:spPr>
+          <a:xfrm>
+            <a:off x="2867527" y="4737762"/>
+            <a:ext cx="4299284" cy="369332"/>
+          </a:xfrm>
+          <a:prstGeom prst="rect">
+            <a:avLst/>
+          </a:prstGeom>
+          <a:noFill/>
+        </p:spPr>
+        <p:txBody>
+          <a:bodyPr wrap="square" rtlCol="0">
+            <a:spAutoFit/>
+          </a:bodyPr>
+          <a:lstStyle/>
+          <a:p>
+            <a:r>
+              <a:rPr lang="en-US" dirty="0"/>
+              <a:t>Row Matriculation for 3x3 Config</a:t>
+            </a:r>
+          </a:p>
+        </p:txBody>
+      </p:sp>
+    </p:spTree>
+    <p:extLst>
+      <p:ext uri="{BB962C8B-B14F-4D97-AF65-F5344CB8AC3E}">
+        <p14:creationId xmlns:p14="http://schemas.microsoft.com/office/powerpoint/2010/main" val="1058376920"/>
+      </p:ext>
+    </p:extLst>
+  </p:cSld>
+  <p:clrMapOvr>
+    <a:masterClrMapping/>
+  </p:clrMapOvr>
+</p:sld>
+</file>
+
+<file path=ppt/slides/slide12.xml><?xml version="1.0" encoding="utf-8"?>
+<p:sld xmlns:a="http://schemas.openxmlformats.org/drawingml/2006/main" xmlns:r="http://schemas.openxmlformats.org/officeDocument/2006/relationships" xmlns:p="http://schemas.openxmlformats.org/presentationml/2006/main">
+  <p:cSld>
+    <p:spTree>
+      <p:nvGrpSpPr>
+        <p:cNvPr id="1" name=""/>
+        <p:cNvGrpSpPr/>
+        <p:nvPr/>
+      </p:nvGrpSpPr>
+      <p:grpSpPr>
+        <a:xfrm>
+          <a:off x="0" y="0"/>
+          <a:ext cx="0" cy="0"/>
+          <a:chOff x="0" y="0"/>
+          <a:chExt cx="0" cy="0"/>
+        </a:xfrm>
+      </p:grpSpPr>
+      <p:sp>
+        <p:nvSpPr>
+          <p:cNvPr id="4" name="Title 3">
+            <a:extLst>
+              <a:ext uri="{FF2B5EF4-FFF2-40B4-BE49-F238E27FC236}">
+                <a16:creationId xmlns:a16="http://schemas.microsoft.com/office/drawing/2014/main" id="{1F0BF523-7597-49D1-8A88-DF5469339079}"/>
+              </a:ext>
+            </a:extLst>
+          </p:cNvPr>
+          <p:cNvSpPr>
+            <a:spLocks noGrp="1"/>
+          </p:cNvSpPr>
+          <p:nvPr>
+            <p:ph type="title"/>
+          </p:nvPr>
+        </p:nvSpPr>
+        <p:spPr>
+          <a:xfrm>
+            <a:off x="628650" y="273844"/>
+            <a:ext cx="4881813" cy="255545"/>
+          </a:xfrm>
+        </p:spPr>
+        <p:txBody>
+          <a:bodyPr>
+            <a:noAutofit/>
+          </a:bodyPr>
+          <a:lstStyle/>
+          <a:p>
+            <a:r>
+              <a:rPr lang="en-US" sz="2400" b="1" dirty="0"/>
+              <a:t>Load Balancing in AWE</a:t>
+            </a:r>
+          </a:p>
+        </p:txBody>
+      </p:sp>
+      <p:sp>
+        <p:nvSpPr>
+          <p:cNvPr id="18" name="TextBox 17">
+            <a:extLst>
+              <a:ext uri="{FF2B5EF4-FFF2-40B4-BE49-F238E27FC236}">
+                <a16:creationId xmlns:a16="http://schemas.microsoft.com/office/drawing/2014/main" id="{BD07B547-D87A-42CB-85B8-7E6A1086CA20}"/>
+              </a:ext>
+            </a:extLst>
+          </p:cNvPr>
+          <p:cNvSpPr txBox="1"/>
+          <p:nvPr/>
+        </p:nvSpPr>
+        <p:spPr>
+          <a:xfrm>
+            <a:off x="2867527" y="4737762"/>
+            <a:ext cx="4299284" cy="369332"/>
+          </a:xfrm>
+          <a:prstGeom prst="rect">
+            <a:avLst/>
+          </a:prstGeom>
+          <a:noFill/>
+        </p:spPr>
+        <p:txBody>
+          <a:bodyPr wrap="square" rtlCol="0">
+            <a:spAutoFit/>
+          </a:bodyPr>
+          <a:lstStyle/>
+          <a:p>
+            <a:r>
+              <a:rPr lang="en-US" dirty="0"/>
+              <a:t>Row Matriculation for 5x5 Config</a:t>
+            </a:r>
+          </a:p>
+        </p:txBody>
+      </p:sp>
+      <p:pic>
+        <p:nvPicPr>
+          <p:cNvPr id="6" name="Picture 5">
+            <a:extLst>
+              <a:ext uri="{FF2B5EF4-FFF2-40B4-BE49-F238E27FC236}">
+                <a16:creationId xmlns:a16="http://schemas.microsoft.com/office/drawing/2014/main" id="{9A57281C-54F5-42F4-B641-FC0D8070DF58}"/>
+              </a:ext>
+            </a:extLst>
+          </p:cNvPr>
+          <p:cNvPicPr>
+            <a:picLocks noChangeAspect="1"/>
+          </p:cNvPicPr>
+          <p:nvPr/>
+        </p:nvPicPr>
+        <p:blipFill>
+          <a:blip r:embed="rId2"/>
+          <a:stretch>
+            <a:fillRect/>
+          </a:stretch>
+        </p:blipFill>
+        <p:spPr>
+          <a:xfrm>
+            <a:off x="260684" y="1208571"/>
+            <a:ext cx="8622632" cy="3448202"/>
+          </a:xfrm>
+          <a:prstGeom prst="rect">
+            <a:avLst/>
+          </a:prstGeom>
+        </p:spPr>
+      </p:pic>
+    </p:spTree>
+    <p:extLst>
+      <p:ext uri="{BB962C8B-B14F-4D97-AF65-F5344CB8AC3E}">
+        <p14:creationId xmlns:p14="http://schemas.microsoft.com/office/powerpoint/2010/main" val="2999040236"/>
+      </p:ext>
+    </p:extLst>
+  </p:cSld>
+  <p:clrMapOvr>
+    <a:masterClrMapping/>
+  </p:clrMapOvr>
+</p:sld>
+</file>
+
+<file path=ppt/slides/slide13.xml><?xml version="1.0" encoding="utf-8"?>
+<p:sld xmlns:a="http://schemas.openxmlformats.org/drawingml/2006/main" xmlns:r="http://schemas.openxmlformats.org/officeDocument/2006/relationships" xmlns:p="http://schemas.openxmlformats.org/presentationml/2006/main">
+  <p:cSld>
+    <p:spTree>
+      <p:nvGrpSpPr>
+        <p:cNvPr id="1" name=""/>
+        <p:cNvGrpSpPr/>
+        <p:nvPr/>
+      </p:nvGrpSpPr>
+      <p:grpSpPr>
+        <a:xfrm>
+          <a:off x="0" y="0"/>
+          <a:ext cx="0" cy="0"/>
+          <a:chOff x="0" y="0"/>
+          <a:chExt cx="0" cy="0"/>
+        </a:xfrm>
+      </p:grpSpPr>
+      <p:pic>
+        <p:nvPicPr>
+          <p:cNvPr id="6" name="Picture 5">
+            <a:extLst>
+              <a:ext uri="{FF2B5EF4-FFF2-40B4-BE49-F238E27FC236}">
+                <a16:creationId xmlns:a16="http://schemas.microsoft.com/office/drawing/2014/main" id="{D9A231CF-187A-4914-A8AD-883C75942C4E}"/>
+              </a:ext>
+            </a:extLst>
+          </p:cNvPr>
+          <p:cNvPicPr>
+            <a:picLocks noChangeAspect="1"/>
+          </p:cNvPicPr>
+          <p:nvPr/>
+        </p:nvPicPr>
+        <p:blipFill rotWithShape="1">
+          <a:blip r:embed="rId2"/>
+          <a:srcRect r="50000" b="50000"/>
+          <a:stretch/>
+        </p:blipFill>
+        <p:spPr>
+          <a:xfrm>
+            <a:off x="4572000" y="99562"/>
+            <a:ext cx="4199337" cy="4944376"/>
+          </a:xfrm>
+          <a:prstGeom prst="rect">
+            <a:avLst/>
+          </a:prstGeom>
+        </p:spPr>
+      </p:pic>
+      <p:sp>
+        <p:nvSpPr>
+          <p:cNvPr id="12" name="Title 3">
+            <a:extLst>
+              <a:ext uri="{FF2B5EF4-FFF2-40B4-BE49-F238E27FC236}">
+                <a16:creationId xmlns:a16="http://schemas.microsoft.com/office/drawing/2014/main" id="{B323FA32-D243-4BC6-92F0-08CC02354AB4}"/>
+              </a:ext>
+            </a:extLst>
+          </p:cNvPr>
+          <p:cNvSpPr>
+            <a:spLocks noGrp="1"/>
+          </p:cNvSpPr>
+          <p:nvPr>
+            <p:ph type="title"/>
+          </p:nvPr>
+        </p:nvSpPr>
+        <p:spPr>
+          <a:xfrm>
+            <a:off x="628650" y="273844"/>
+            <a:ext cx="2637064" cy="353173"/>
+          </a:xfrm>
+        </p:spPr>
+        <p:txBody>
+          <a:bodyPr>
+            <a:noAutofit/>
+          </a:bodyPr>
+          <a:lstStyle/>
+          <a:p>
+            <a:r>
+              <a:rPr lang="en-US" sz="2000" b="1" dirty="0"/>
+              <a:t>Adaptive Window Quad</a:t>
+            </a:r>
+          </a:p>
+        </p:txBody>
+      </p:sp>
+      <p:sp>
+        <p:nvSpPr>
+          <p:cNvPr id="13" name="Content Placeholder 5">
+            <a:extLst>
+              <a:ext uri="{FF2B5EF4-FFF2-40B4-BE49-F238E27FC236}">
+                <a16:creationId xmlns:a16="http://schemas.microsoft.com/office/drawing/2014/main" id="{5997DEE0-FD9A-412A-8A7A-63F234E66B4F}"/>
+              </a:ext>
+            </a:extLst>
+          </p:cNvPr>
+          <p:cNvSpPr txBox="1">
+            <a:spLocks/>
+          </p:cNvSpPr>
+          <p:nvPr/>
+        </p:nvSpPr>
+        <p:spPr>
+          <a:xfrm>
+            <a:off x="947057" y="696482"/>
+            <a:ext cx="3755572" cy="2624234"/>
+          </a:xfrm>
+          <a:prstGeom prst="rect">
+            <a:avLst/>
+          </a:prstGeom>
+        </p:spPr>
+        <p:txBody>
+          <a:bodyPr>
+            <a:noAutofit/>
+          </a:bodyPr>
+          <a:lstStyle>
+            <a:lvl1pPr marL="171450" indent="-171450" algn="l" defTabSz="685800" rtl="0" eaLnBrk="1" latinLnBrk="0" hangingPunct="1">
+              <a:lnSpc>
+                <a:spcPct val="90000"/>
+              </a:lnSpc>
+              <a:spcBef>
+                <a:spcPts val="750"/>
+              </a:spcBef>
+              <a:buFont typeface="Arial" panose="020B0604020202020204" pitchFamily="34" charset="0"/>
+              <a:buChar char="•"/>
+              <a:defRPr sz="2100" kern="1200">
+                <a:solidFill>
+                  <a:schemeClr val="tx1"/>
+                </a:solidFill>
+                <a:latin typeface="+mn-lt"/>
+                <a:ea typeface="+mn-ea"/>
+                <a:cs typeface="+mn-cs"/>
+              </a:defRPr>
+            </a:lvl1pPr>
+            <a:lvl2pPr marL="514350" indent="-171450" algn="l" defTabSz="685800" rtl="0" eaLnBrk="1" latinLnBrk="0" hangingPunct="1">
+              <a:lnSpc>
+                <a:spcPct val="90000"/>
+              </a:lnSpc>
+              <a:spcBef>
+                <a:spcPts val="375"/>
+              </a:spcBef>
+              <a:buFont typeface="Arial" panose="020B0604020202020204" pitchFamily="34" charset="0"/>
+              <a:buChar char="•"/>
+              <a:defRPr sz="1800" kern="1200">
+                <a:solidFill>
+                  <a:schemeClr val="tx1"/>
+                </a:solidFill>
+                <a:latin typeface="+mn-lt"/>
+                <a:ea typeface="+mn-ea"/>
+                <a:cs typeface="+mn-cs"/>
+              </a:defRPr>
+            </a:lvl2pPr>
+            <a:lvl3pPr marL="857250" indent="-171450" algn="l" defTabSz="685800" rtl="0" eaLnBrk="1" latinLnBrk="0" hangingPunct="1">
+              <a:lnSpc>
+                <a:spcPct val="90000"/>
+              </a:lnSpc>
+              <a:spcBef>
+                <a:spcPts val="375"/>
+              </a:spcBef>
+              <a:buFont typeface="Arial" panose="020B0604020202020204" pitchFamily="34" charset="0"/>
+              <a:buChar char="•"/>
+              <a:defRPr sz="1500" kern="1200">
+                <a:solidFill>
+                  <a:schemeClr val="tx1"/>
+                </a:solidFill>
+                <a:latin typeface="+mn-lt"/>
+                <a:ea typeface="+mn-ea"/>
+                <a:cs typeface="+mn-cs"/>
+              </a:defRPr>
+            </a:lvl3pPr>
+            <a:lvl4pPr marL="1200150" indent="-171450" algn="l" defTabSz="685800" rtl="0" eaLnBrk="1" latinLnBrk="0" hangingPunct="1">
+              <a:lnSpc>
+                <a:spcPct val="90000"/>
+              </a:lnSpc>
+              <a:spcBef>
+                <a:spcPts val="375"/>
+              </a:spcBef>
+              <a:buFont typeface="Arial" panose="020B0604020202020204" pitchFamily="34" charset="0"/>
+              <a:buChar char="•"/>
+              <a:defRPr sz="1350" kern="1200">
+                <a:solidFill>
+                  <a:schemeClr val="tx1"/>
+                </a:solidFill>
+                <a:latin typeface="+mn-lt"/>
+                <a:ea typeface="+mn-ea"/>
+                <a:cs typeface="+mn-cs"/>
+              </a:defRPr>
+            </a:lvl4pPr>
+            <a:lvl5pPr marL="1543050" indent="-171450" algn="l" defTabSz="685800" rtl="0" eaLnBrk="1" latinLnBrk="0" hangingPunct="1">
+              <a:lnSpc>
+                <a:spcPct val="90000"/>
+              </a:lnSpc>
+              <a:spcBef>
+                <a:spcPts val="375"/>
+              </a:spcBef>
+              <a:buFont typeface="Arial" panose="020B0604020202020204" pitchFamily="34" charset="0"/>
+              <a:buChar char="•"/>
+              <a:defRPr sz="1350" kern="1200">
+                <a:solidFill>
+                  <a:schemeClr val="tx1"/>
+                </a:solidFill>
+                <a:latin typeface="+mn-lt"/>
+                <a:ea typeface="+mn-ea"/>
+                <a:cs typeface="+mn-cs"/>
+              </a:defRPr>
+            </a:lvl5pPr>
+            <a:lvl6pPr marL="1885950" indent="-171450" algn="l" defTabSz="685800" rtl="0" eaLnBrk="1" latinLnBrk="0" hangingPunct="1">
+              <a:lnSpc>
+                <a:spcPct val="90000"/>
+              </a:lnSpc>
+              <a:spcBef>
+                <a:spcPts val="375"/>
+              </a:spcBef>
+              <a:buFont typeface="Arial" panose="020B0604020202020204" pitchFamily="34" charset="0"/>
+              <a:buChar char="•"/>
+              <a:defRPr sz="1350" kern="1200">
+                <a:solidFill>
+                  <a:schemeClr val="tx1"/>
+                </a:solidFill>
+                <a:latin typeface="+mn-lt"/>
+                <a:ea typeface="+mn-ea"/>
+                <a:cs typeface="+mn-cs"/>
+              </a:defRPr>
+            </a:lvl6pPr>
+            <a:lvl7pPr marL="2228850" indent="-171450" algn="l" defTabSz="685800" rtl="0" eaLnBrk="1" latinLnBrk="0" hangingPunct="1">
+              <a:lnSpc>
+                <a:spcPct val="90000"/>
+              </a:lnSpc>
+              <a:spcBef>
+                <a:spcPts val="375"/>
+              </a:spcBef>
+              <a:buFont typeface="Arial" panose="020B0604020202020204" pitchFamily="34" charset="0"/>
+              <a:buChar char="•"/>
+              <a:defRPr sz="1350" kern="1200">
+                <a:solidFill>
+                  <a:schemeClr val="tx1"/>
+                </a:solidFill>
+                <a:latin typeface="+mn-lt"/>
+                <a:ea typeface="+mn-ea"/>
+                <a:cs typeface="+mn-cs"/>
+              </a:defRPr>
+            </a:lvl7pPr>
+            <a:lvl8pPr marL="2571750" indent="-171450" algn="l" defTabSz="685800" rtl="0" eaLnBrk="1" latinLnBrk="0" hangingPunct="1">
+              <a:lnSpc>
+                <a:spcPct val="90000"/>
+              </a:lnSpc>
+              <a:spcBef>
+                <a:spcPts val="375"/>
+              </a:spcBef>
+              <a:buFont typeface="Arial" panose="020B0604020202020204" pitchFamily="34" charset="0"/>
+              <a:buChar char="•"/>
+              <a:defRPr sz="1350" kern="1200">
+                <a:solidFill>
+                  <a:schemeClr val="tx1"/>
+                </a:solidFill>
+                <a:latin typeface="+mn-lt"/>
+                <a:ea typeface="+mn-ea"/>
+                <a:cs typeface="+mn-cs"/>
+              </a:defRPr>
+            </a:lvl8pPr>
+            <a:lvl9pPr marL="2914650" indent="-171450" algn="l" defTabSz="685800" rtl="0" eaLnBrk="1" latinLnBrk="0" hangingPunct="1">
+              <a:lnSpc>
+                <a:spcPct val="90000"/>
+              </a:lnSpc>
+              <a:spcBef>
+                <a:spcPts val="375"/>
+              </a:spcBef>
+              <a:buFont typeface="Arial" panose="020B0604020202020204" pitchFamily="34" charset="0"/>
+              <a:buChar char="•"/>
+              <a:defRPr sz="1350" kern="1200">
+                <a:solidFill>
+                  <a:schemeClr val="tx1"/>
+                </a:solidFill>
+                <a:latin typeface="+mn-lt"/>
+                <a:ea typeface="+mn-ea"/>
+                <a:cs typeface="+mn-cs"/>
+              </a:defRPr>
+            </a:lvl9pPr>
+          </a:lstStyle>
+          <a:p>
+            <a:pPr>
+              <a:buFont typeface="Wingdings" panose="05000000000000000000" pitchFamily="2" charset="2"/>
+              <a:buChar char="§"/>
+            </a:pPr>
+            <a:r>
+              <a:rPr lang="en-US" sz="1600" dirty="0"/>
+              <a:t>Four cascaded Adaptive Window Engines (AWE)</a:t>
+            </a:r>
+          </a:p>
+          <a:p>
+            <a:pPr>
+              <a:buFont typeface="Wingdings" panose="05000000000000000000" pitchFamily="2" charset="2"/>
+              <a:buChar char="§"/>
+            </a:pPr>
+            <a:r>
+              <a:rPr lang="en-US" sz="1600" dirty="0"/>
+              <a:t>Quad shares a single bidirectional Tile Router port</a:t>
+            </a:r>
+          </a:p>
+          <a:p>
+            <a:pPr>
+              <a:buFont typeface="Wingdings" panose="05000000000000000000" pitchFamily="2" charset="2"/>
+              <a:buChar char="§"/>
+            </a:pPr>
+            <a:r>
+              <a:rPr lang="en-US" sz="1600" dirty="0"/>
+              <a:t>Supports Narrow Convolution or wide Pooling</a:t>
+            </a:r>
+          </a:p>
+          <a:p>
+            <a:pPr>
+              <a:buFont typeface="Wingdings" panose="05000000000000000000" pitchFamily="2" charset="2"/>
+              <a:buChar char="§"/>
+            </a:pPr>
+            <a:r>
+              <a:rPr lang="en-US" sz="1600" dirty="0"/>
+              <a:t>Routable output for the following:</a:t>
+            </a:r>
+          </a:p>
+          <a:p>
+            <a:pPr lvl="1">
+              <a:buFont typeface="Wingdings" panose="05000000000000000000" pitchFamily="2" charset="2"/>
+              <a:buChar char="§"/>
+            </a:pPr>
+            <a:r>
+              <a:rPr lang="en-US" sz="1300" dirty="0"/>
+              <a:t>3x3x8, 5x5x4, or 1x1x80 convolutions plus optional activation and pooling</a:t>
+            </a:r>
+          </a:p>
+          <a:p>
+            <a:pPr lvl="1">
+              <a:buFont typeface="Wingdings" panose="05000000000000000000" pitchFamily="2" charset="2"/>
+              <a:buChar char="§"/>
+            </a:pPr>
+            <a:r>
+              <a:rPr lang="en-US" sz="1300" dirty="0"/>
+              <a:t>8-3x3 pooling or 4-5x5 pooling</a:t>
+            </a:r>
+          </a:p>
+        </p:txBody>
+      </p:sp>
+    </p:spTree>
+    <p:extLst>
+      <p:ext uri="{BB962C8B-B14F-4D97-AF65-F5344CB8AC3E}">
+        <p14:creationId xmlns:p14="http://schemas.microsoft.com/office/powerpoint/2010/main" val="3199979627"/>
+      </p:ext>
+    </p:extLst>
+  </p:cSld>
+  <p:clrMapOvr>
+    <a:masterClrMapping/>
+  </p:clrMapOvr>
+</p:sld>
+</file>
+
+<file path=ppt/slides/slide14.xml><?xml version="1.0" encoding="utf-8"?>
+<p:sld xmlns:a="http://schemas.openxmlformats.org/drawingml/2006/main" xmlns:r="http://schemas.openxmlformats.org/officeDocument/2006/relationships" xmlns:p="http://schemas.openxmlformats.org/presentationml/2006/main">
+  <p:cSld>
+    <p:spTree>
+      <p:nvGrpSpPr>
+        <p:cNvPr id="1" name=""/>
+        <p:cNvGrpSpPr/>
+        <p:nvPr/>
+      </p:nvGrpSpPr>
+      <p:grpSpPr>
+        <a:xfrm>
+          <a:off x="0" y="0"/>
+          <a:ext cx="0" cy="0"/>
+          <a:chOff x="0" y="0"/>
+          <a:chExt cx="0" cy="0"/>
+        </a:xfrm>
+      </p:grpSpPr>
+      <p:sp>
+        <p:nvSpPr>
+          <p:cNvPr id="2" name="Title 1">
+            <a:extLst>
+              <a:ext uri="{FF2B5EF4-FFF2-40B4-BE49-F238E27FC236}">
+                <a16:creationId xmlns:a16="http://schemas.microsoft.com/office/drawing/2014/main" id="{9D84ACD1-D3EC-4B9D-AA17-379E28759841}"/>
+              </a:ext>
+            </a:extLst>
+          </p:cNvPr>
+          <p:cNvSpPr>
+            <a:spLocks noGrp="1"/>
+          </p:cNvSpPr>
+          <p:nvPr>
+            <p:ph type="title"/>
+          </p:nvPr>
+        </p:nvSpPr>
+        <p:spPr>
+          <a:xfrm>
+            <a:off x="628650" y="273844"/>
+            <a:ext cx="2672013" cy="339767"/>
+          </a:xfrm>
+        </p:spPr>
+        <p:txBody>
+          <a:bodyPr>
+            <a:normAutofit fontScale="90000"/>
+          </a:bodyPr>
+          <a:lstStyle/>
+          <a:p>
+            <a:r>
+              <a:rPr lang="en-US" sz="2000" dirty="0"/>
+              <a:t>Accelerating Wide Kernels</a:t>
+            </a:r>
+          </a:p>
+        </p:txBody>
+      </p:sp>
+      <p:pic>
+        <p:nvPicPr>
+          <p:cNvPr id="8" name="Picture 7">
+            <a:extLst>
+              <a:ext uri="{FF2B5EF4-FFF2-40B4-BE49-F238E27FC236}">
+                <a16:creationId xmlns:a16="http://schemas.microsoft.com/office/drawing/2014/main" id="{1956D18A-DFF3-47D7-991B-90A242F3F217}"/>
+              </a:ext>
+            </a:extLst>
+          </p:cNvPr>
+          <p:cNvPicPr>
+            <a:picLocks noChangeAspect="1"/>
+          </p:cNvPicPr>
+          <p:nvPr/>
+        </p:nvPicPr>
+        <p:blipFill>
+          <a:blip r:embed="rId2"/>
+          <a:stretch>
+            <a:fillRect/>
+          </a:stretch>
+        </p:blipFill>
+        <p:spPr>
+          <a:xfrm>
+            <a:off x="240630" y="867029"/>
+            <a:ext cx="5017169" cy="1369266"/>
+          </a:xfrm>
+          <a:prstGeom prst="rect">
+            <a:avLst/>
+          </a:prstGeom>
+        </p:spPr>
+      </p:pic>
+      <p:pic>
+        <p:nvPicPr>
+          <p:cNvPr id="12" name="Picture 11">
+            <a:extLst>
+              <a:ext uri="{FF2B5EF4-FFF2-40B4-BE49-F238E27FC236}">
+                <a16:creationId xmlns:a16="http://schemas.microsoft.com/office/drawing/2014/main" id="{36068ACA-5309-479B-9D7B-A677D9719B94}"/>
+              </a:ext>
+            </a:extLst>
+          </p:cNvPr>
+          <p:cNvPicPr>
+            <a:picLocks noChangeAspect="1"/>
+          </p:cNvPicPr>
+          <p:nvPr/>
+        </p:nvPicPr>
+        <p:blipFill>
+          <a:blip r:embed="rId3"/>
+          <a:stretch>
+            <a:fillRect/>
+          </a:stretch>
+        </p:blipFill>
+        <p:spPr>
+          <a:xfrm>
+            <a:off x="5843339" y="60156"/>
+            <a:ext cx="2057879" cy="4906879"/>
+          </a:xfrm>
+          <a:prstGeom prst="rect">
+            <a:avLst/>
+          </a:prstGeom>
+        </p:spPr>
+      </p:pic>
+      <p:sp>
+        <p:nvSpPr>
+          <p:cNvPr id="13" name="Content Placeholder 5">
+            <a:extLst>
+              <a:ext uri="{FF2B5EF4-FFF2-40B4-BE49-F238E27FC236}">
+                <a16:creationId xmlns:a16="http://schemas.microsoft.com/office/drawing/2014/main" id="{187DF5CD-7080-419F-97AF-72CBD0B41772}"/>
+              </a:ext>
+            </a:extLst>
+          </p:cNvPr>
+          <p:cNvSpPr txBox="1">
+            <a:spLocks/>
+          </p:cNvSpPr>
+          <p:nvPr/>
+        </p:nvSpPr>
+        <p:spPr>
+          <a:xfrm>
+            <a:off x="682363" y="2454441"/>
+            <a:ext cx="3755572" cy="2512593"/>
+          </a:xfrm>
+          <a:prstGeom prst="rect">
+            <a:avLst/>
+          </a:prstGeom>
+        </p:spPr>
+        <p:txBody>
+          <a:bodyPr>
+            <a:noAutofit/>
+          </a:bodyPr>
+          <a:lstStyle>
+            <a:lvl1pPr marL="171450" indent="-171450" algn="l" defTabSz="685800" rtl="0" eaLnBrk="1" latinLnBrk="0" hangingPunct="1">
+              <a:lnSpc>
+                <a:spcPct val="90000"/>
+              </a:lnSpc>
+              <a:spcBef>
+                <a:spcPts val="750"/>
+              </a:spcBef>
+              <a:buFont typeface="Arial" panose="020B0604020202020204" pitchFamily="34" charset="0"/>
+              <a:buChar char="•"/>
+              <a:defRPr sz="2100" kern="1200">
+                <a:solidFill>
+                  <a:schemeClr val="tx1"/>
+                </a:solidFill>
+                <a:latin typeface="+mn-lt"/>
+                <a:ea typeface="+mn-ea"/>
+                <a:cs typeface="+mn-cs"/>
+              </a:defRPr>
+            </a:lvl1pPr>
+            <a:lvl2pPr marL="514350" indent="-171450" algn="l" defTabSz="685800" rtl="0" eaLnBrk="1" latinLnBrk="0" hangingPunct="1">
+              <a:lnSpc>
+                <a:spcPct val="90000"/>
+              </a:lnSpc>
+              <a:spcBef>
+                <a:spcPts val="375"/>
+              </a:spcBef>
+              <a:buFont typeface="Arial" panose="020B0604020202020204" pitchFamily="34" charset="0"/>
+              <a:buChar char="•"/>
+              <a:defRPr sz="1800" kern="1200">
+                <a:solidFill>
+                  <a:schemeClr val="tx1"/>
+                </a:solidFill>
+                <a:latin typeface="+mn-lt"/>
+                <a:ea typeface="+mn-ea"/>
+                <a:cs typeface="+mn-cs"/>
+              </a:defRPr>
+            </a:lvl2pPr>
+            <a:lvl3pPr marL="857250" indent="-171450" algn="l" defTabSz="685800" rtl="0" eaLnBrk="1" latinLnBrk="0" hangingPunct="1">
+              <a:lnSpc>
+                <a:spcPct val="90000"/>
+              </a:lnSpc>
+              <a:spcBef>
+                <a:spcPts val="375"/>
+              </a:spcBef>
+              <a:buFont typeface="Arial" panose="020B0604020202020204" pitchFamily="34" charset="0"/>
+              <a:buChar char="•"/>
+              <a:defRPr sz="1500" kern="1200">
+                <a:solidFill>
+                  <a:schemeClr val="tx1"/>
+                </a:solidFill>
+                <a:latin typeface="+mn-lt"/>
+                <a:ea typeface="+mn-ea"/>
+                <a:cs typeface="+mn-cs"/>
+              </a:defRPr>
+            </a:lvl3pPr>
+            <a:lvl4pPr marL="1200150" indent="-171450" algn="l" defTabSz="685800" rtl="0" eaLnBrk="1" latinLnBrk="0" hangingPunct="1">
+              <a:lnSpc>
+                <a:spcPct val="90000"/>
+              </a:lnSpc>
+              <a:spcBef>
+                <a:spcPts val="375"/>
+              </a:spcBef>
+              <a:buFont typeface="Arial" panose="020B0604020202020204" pitchFamily="34" charset="0"/>
+              <a:buChar char="•"/>
+              <a:defRPr sz="1350" kern="1200">
+                <a:solidFill>
+                  <a:schemeClr val="tx1"/>
+                </a:solidFill>
+                <a:latin typeface="+mn-lt"/>
+                <a:ea typeface="+mn-ea"/>
+                <a:cs typeface="+mn-cs"/>
+              </a:defRPr>
+            </a:lvl4pPr>
+            <a:lvl5pPr marL="1543050" indent="-171450" algn="l" defTabSz="685800" rtl="0" eaLnBrk="1" latinLnBrk="0" hangingPunct="1">
+              <a:lnSpc>
+                <a:spcPct val="90000"/>
+              </a:lnSpc>
+              <a:spcBef>
+                <a:spcPts val="375"/>
+              </a:spcBef>
+              <a:buFont typeface="Arial" panose="020B0604020202020204" pitchFamily="34" charset="0"/>
+              <a:buChar char="•"/>
+              <a:defRPr sz="1350" kern="1200">
+                <a:solidFill>
+                  <a:schemeClr val="tx1"/>
+                </a:solidFill>
+                <a:latin typeface="+mn-lt"/>
+                <a:ea typeface="+mn-ea"/>
+                <a:cs typeface="+mn-cs"/>
+              </a:defRPr>
+            </a:lvl5pPr>
+            <a:lvl6pPr marL="1885950" indent="-171450" algn="l" defTabSz="685800" rtl="0" eaLnBrk="1" latinLnBrk="0" hangingPunct="1">
+              <a:lnSpc>
+                <a:spcPct val="90000"/>
+              </a:lnSpc>
+              <a:spcBef>
+                <a:spcPts val="375"/>
+              </a:spcBef>
+              <a:buFont typeface="Arial" panose="020B0604020202020204" pitchFamily="34" charset="0"/>
+              <a:buChar char="•"/>
+              <a:defRPr sz="1350" kern="1200">
+                <a:solidFill>
+                  <a:schemeClr val="tx1"/>
+                </a:solidFill>
+                <a:latin typeface="+mn-lt"/>
+                <a:ea typeface="+mn-ea"/>
+                <a:cs typeface="+mn-cs"/>
+              </a:defRPr>
+            </a:lvl6pPr>
+            <a:lvl7pPr marL="2228850" indent="-171450" algn="l" defTabSz="685800" rtl="0" eaLnBrk="1" latinLnBrk="0" hangingPunct="1">
+              <a:lnSpc>
+                <a:spcPct val="90000"/>
+              </a:lnSpc>
+              <a:spcBef>
+                <a:spcPts val="375"/>
+              </a:spcBef>
+              <a:buFont typeface="Arial" panose="020B0604020202020204" pitchFamily="34" charset="0"/>
+              <a:buChar char="•"/>
+              <a:defRPr sz="1350" kern="1200">
+                <a:solidFill>
+                  <a:schemeClr val="tx1"/>
+                </a:solidFill>
+                <a:latin typeface="+mn-lt"/>
+                <a:ea typeface="+mn-ea"/>
+                <a:cs typeface="+mn-cs"/>
+              </a:defRPr>
+            </a:lvl7pPr>
+            <a:lvl8pPr marL="2571750" indent="-171450" algn="l" defTabSz="685800" rtl="0" eaLnBrk="1" latinLnBrk="0" hangingPunct="1">
+              <a:lnSpc>
+                <a:spcPct val="90000"/>
+              </a:lnSpc>
+              <a:spcBef>
+                <a:spcPts val="375"/>
+              </a:spcBef>
+              <a:buFont typeface="Arial" panose="020B0604020202020204" pitchFamily="34" charset="0"/>
+              <a:buChar char="•"/>
+              <a:defRPr sz="1350" kern="1200">
+                <a:solidFill>
+                  <a:schemeClr val="tx1"/>
+                </a:solidFill>
+                <a:latin typeface="+mn-lt"/>
+                <a:ea typeface="+mn-ea"/>
+                <a:cs typeface="+mn-cs"/>
+              </a:defRPr>
+            </a:lvl8pPr>
+            <a:lvl9pPr marL="2914650" indent="-171450" algn="l" defTabSz="685800" rtl="0" eaLnBrk="1" latinLnBrk="0" hangingPunct="1">
+              <a:lnSpc>
+                <a:spcPct val="90000"/>
+              </a:lnSpc>
+              <a:spcBef>
+                <a:spcPts val="375"/>
+              </a:spcBef>
+              <a:buFont typeface="Arial" panose="020B0604020202020204" pitchFamily="34" charset="0"/>
+              <a:buChar char="•"/>
+              <a:defRPr sz="1350" kern="1200">
+                <a:solidFill>
+                  <a:schemeClr val="tx1"/>
+                </a:solidFill>
+                <a:latin typeface="+mn-lt"/>
+                <a:ea typeface="+mn-ea"/>
+                <a:cs typeface="+mn-cs"/>
+              </a:defRPr>
+            </a:lvl9pPr>
+          </a:lstStyle>
+          <a:p>
+            <a:pPr>
+              <a:buFont typeface="Wingdings" panose="05000000000000000000" pitchFamily="2" charset="2"/>
+              <a:buChar char="§"/>
+            </a:pPr>
+            <a:r>
+              <a:rPr lang="en-US" sz="1600" dirty="0"/>
+              <a:t>Adaptive Window Quads can be cascaded at the output/input of the top/bottom quads respectively</a:t>
+            </a:r>
+          </a:p>
+          <a:p>
+            <a:pPr>
+              <a:buFont typeface="Wingdings" panose="05000000000000000000" pitchFamily="2" charset="2"/>
+              <a:buChar char="§"/>
+            </a:pPr>
+            <a:r>
+              <a:rPr lang="en-US" sz="1600" dirty="0"/>
+              <a:t>Quads are asynchronous </a:t>
+            </a:r>
+            <a:r>
+              <a:rPr lang="en-US" sz="1600" dirty="0" err="1"/>
+              <a:t>wrt</a:t>
+            </a:r>
+            <a:r>
+              <a:rPr lang="en-US" sz="1600" dirty="0"/>
+              <a:t>. each other requiring shallow buffering at the interface</a:t>
+            </a:r>
+            <a:endParaRPr lang="en-US" sz="1300" dirty="0"/>
+          </a:p>
+        </p:txBody>
+      </p:sp>
+      <p:sp>
+        <p:nvSpPr>
+          <p:cNvPr id="14" name="Speech Bubble: Rectangle 13">
+            <a:extLst>
+              <a:ext uri="{FF2B5EF4-FFF2-40B4-BE49-F238E27FC236}">
+                <a16:creationId xmlns:a16="http://schemas.microsoft.com/office/drawing/2014/main" id="{2C2AD279-80C0-4268-B36A-B55DAEDCD70B}"/>
+              </a:ext>
+            </a:extLst>
+          </p:cNvPr>
+          <p:cNvSpPr/>
+          <p:nvPr/>
+        </p:nvSpPr>
+        <p:spPr>
+          <a:xfrm>
+            <a:off x="8117305" y="2133600"/>
+            <a:ext cx="786065" cy="617621"/>
+          </a:xfrm>
+          <a:prstGeom prst="wedgeRectCallout">
+            <a:avLst>
+              <a:gd name="adj1" fmla="val -166235"/>
+              <a:gd name="adj2" fmla="val 14448"/>
+            </a:avLst>
+          </a:prstGeom>
+          <a:solidFill>
+            <a:schemeClr val="tx1">
+              <a:alpha val="56000"/>
+            </a:schemeClr>
+          </a:solidFill>
+          <a:ln>
+            <a:solidFill>
+              <a:schemeClr val="accent1">
+                <a:shade val="50000"/>
+                <a:alpha val="11000"/>
+              </a:schemeClr>
+            </a:solidFill>
+          </a:ln>
+        </p:spPr>
+        <p:style>
+          <a:lnRef idx="2">
+            <a:schemeClr val="accent1">
+              <a:shade val="50000"/>
+            </a:schemeClr>
+          </a:lnRef>
+          <a:fillRef idx="1">
+            <a:schemeClr val="accent1"/>
+          </a:fillRef>
+          <a:effectRef idx="0">
+            <a:schemeClr val="accent1"/>
+          </a:effectRef>
+          <a:fontRef idx="minor">
+            <a:schemeClr val="lt1"/>
+          </a:fontRef>
+        </p:style>
+        <p:txBody>
+          <a:bodyPr rtlCol="0" anchor="ctr"/>
+          <a:lstStyle/>
+          <a:p>
+            <a:pPr algn="ctr"/>
+            <a:r>
+              <a:rPr lang="en-US" sz="1200" dirty="0"/>
+              <a:t>AW Quad Cascade Path</a:t>
+            </a:r>
+          </a:p>
+        </p:txBody>
+      </p:sp>
+    </p:spTree>
+    <p:extLst>
+      <p:ext uri="{BB962C8B-B14F-4D97-AF65-F5344CB8AC3E}">
+        <p14:creationId xmlns:p14="http://schemas.microsoft.com/office/powerpoint/2010/main" val="4006115902"/>
+      </p:ext>
+    </p:extLst>
+  </p:cSld>
+  <p:clrMapOvr>
+    <a:masterClrMapping/>
+  </p:clrMapOvr>
+</p:sld>
+</file>
+
+<file path=ppt/slides/slide15.xml><?xml version="1.0" encoding="utf-8"?>
+<p:sld xmlns:a="http://schemas.openxmlformats.org/drawingml/2006/main" xmlns:r="http://schemas.openxmlformats.org/officeDocument/2006/relationships" xmlns:p="http://schemas.openxmlformats.org/presentationml/2006/main">
+  <p:cSld>
+    <p:spTree>
+      <p:nvGrpSpPr>
+        <p:cNvPr id="1" name=""/>
+        <p:cNvGrpSpPr/>
+        <p:nvPr/>
+      </p:nvGrpSpPr>
+      <p:grpSpPr>
+        <a:xfrm>
+          <a:off x="0" y="0"/>
+          <a:ext cx="0" cy="0"/>
+          <a:chOff x="0" y="0"/>
+          <a:chExt cx="0" cy="0"/>
+        </a:xfrm>
+      </p:grpSpPr>
+      <p:sp>
+        <p:nvSpPr>
+          <p:cNvPr id="2" name="Title 1">
+            <a:extLst>
+              <a:ext uri="{FF2B5EF4-FFF2-40B4-BE49-F238E27FC236}">
+                <a16:creationId xmlns:a16="http://schemas.microsoft.com/office/drawing/2014/main" id="{9D84ACD1-D3EC-4B9D-AA17-379E28759841}"/>
+              </a:ext>
+            </a:extLst>
+          </p:cNvPr>
+          <p:cNvSpPr>
+            <a:spLocks noGrp="1"/>
+          </p:cNvSpPr>
+          <p:nvPr>
+            <p:ph type="title"/>
+          </p:nvPr>
+        </p:nvSpPr>
+        <p:spPr/>
+        <p:txBody>
+          <a:bodyPr/>
+          <a:lstStyle/>
+          <a:p>
+            <a:r>
+              <a:rPr lang="en-US" dirty="0"/>
+              <a:t>Accelerating Multiple Kernels (Wide Layers)</a:t>
+            </a:r>
+          </a:p>
+        </p:txBody>
+      </p:sp>
+      <p:pic>
+        <p:nvPicPr>
+          <p:cNvPr id="3" name="Picture 2">
+            <a:extLst>
+              <a:ext uri="{FF2B5EF4-FFF2-40B4-BE49-F238E27FC236}">
+                <a16:creationId xmlns:a16="http://schemas.microsoft.com/office/drawing/2014/main" id="{CB9DA874-773D-4DBF-8DEF-9A578466BC69}"/>
+              </a:ext>
+            </a:extLst>
+          </p:cNvPr>
+          <p:cNvPicPr>
+            <a:picLocks noChangeAspect="1"/>
+          </p:cNvPicPr>
+          <p:nvPr/>
+        </p:nvPicPr>
+        <p:blipFill>
+          <a:blip r:embed="rId2"/>
+          <a:stretch>
+            <a:fillRect/>
+          </a:stretch>
+        </p:blipFill>
+        <p:spPr>
+          <a:xfrm>
+            <a:off x="826168" y="1304111"/>
+            <a:ext cx="7202905" cy="3073477"/>
+          </a:xfrm>
+          <a:prstGeom prst="rect">
+            <a:avLst/>
+          </a:prstGeom>
+        </p:spPr>
+      </p:pic>
+    </p:spTree>
+    <p:extLst>
+      <p:ext uri="{BB962C8B-B14F-4D97-AF65-F5344CB8AC3E}">
+        <p14:creationId xmlns:p14="http://schemas.microsoft.com/office/powerpoint/2010/main" val="1874066957"/>
+      </p:ext>
+    </p:extLst>
+  </p:cSld>
+  <p:clrMapOvr>
+    <a:masterClrMapping/>
+  </p:clrMapOvr>
+</p:sld>
+</file>
+
+<file path=ppt/slides/slide16.xml><?xml version="1.0" encoding="utf-8"?>
+<p:sld xmlns:a="http://schemas.openxmlformats.org/drawingml/2006/main" xmlns:r="http://schemas.openxmlformats.org/officeDocument/2006/relationships" xmlns:p="http://schemas.openxmlformats.org/presentationml/2006/main">
+  <p:cSld>
+    <p:spTree>
+      <p:nvGrpSpPr>
+        <p:cNvPr id="1" name=""/>
+        <p:cNvGrpSpPr/>
+        <p:nvPr/>
+      </p:nvGrpSpPr>
+      <p:grpSpPr>
+        <a:xfrm>
+          <a:off x="0" y="0"/>
+          <a:ext cx="0" cy="0"/>
+          <a:chOff x="0" y="0"/>
+          <a:chExt cx="0" cy="0"/>
+        </a:xfrm>
+      </p:grpSpPr>
+      <p:sp>
+        <p:nvSpPr>
+          <p:cNvPr id="2" name="Title 1">
+            <a:extLst>
+              <a:ext uri="{FF2B5EF4-FFF2-40B4-BE49-F238E27FC236}">
+                <a16:creationId xmlns:a16="http://schemas.microsoft.com/office/drawing/2014/main" id="{9D84ACD1-D3EC-4B9D-AA17-379E28759841}"/>
+              </a:ext>
+            </a:extLst>
+          </p:cNvPr>
+          <p:cNvSpPr>
+            <a:spLocks noGrp="1"/>
+          </p:cNvSpPr>
+          <p:nvPr>
+            <p:ph type="title"/>
+          </p:nvPr>
+        </p:nvSpPr>
+        <p:spPr/>
+        <p:txBody>
+          <a:bodyPr/>
+          <a:lstStyle/>
+          <a:p>
+            <a:r>
+              <a:rPr lang="en-US" dirty="0"/>
+              <a:t>Accelerating multiple Kernels</a:t>
+            </a:r>
+          </a:p>
+        </p:txBody>
+      </p:sp>
+      <p:pic>
+        <p:nvPicPr>
+          <p:cNvPr id="4" name="Picture 3">
+            <a:extLst>
+              <a:ext uri="{FF2B5EF4-FFF2-40B4-BE49-F238E27FC236}">
+                <a16:creationId xmlns:a16="http://schemas.microsoft.com/office/drawing/2014/main" id="{A2529578-2A09-4711-A1EF-195144530193}"/>
+              </a:ext>
+            </a:extLst>
+          </p:cNvPr>
+          <p:cNvPicPr>
+            <a:picLocks noChangeAspect="1"/>
+          </p:cNvPicPr>
+          <p:nvPr/>
+        </p:nvPicPr>
+        <p:blipFill rotWithShape="1">
+          <a:blip r:embed="rId2"/>
+          <a:srcRect t="6140" r="64912" b="52079"/>
+          <a:stretch/>
+        </p:blipFill>
+        <p:spPr>
+          <a:xfrm>
+            <a:off x="716923" y="1391654"/>
+            <a:ext cx="3855077" cy="1864894"/>
+          </a:xfrm>
+          <a:prstGeom prst="rect">
+            <a:avLst/>
+          </a:prstGeom>
+        </p:spPr>
+      </p:pic>
+      <p:sp>
+        <p:nvSpPr>
+          <p:cNvPr id="5" name="Content Placeholder 5">
+            <a:extLst>
+              <a:ext uri="{FF2B5EF4-FFF2-40B4-BE49-F238E27FC236}">
+                <a16:creationId xmlns:a16="http://schemas.microsoft.com/office/drawing/2014/main" id="{2C053FE5-C56D-48AB-92A1-1A5841A86B3D}"/>
+              </a:ext>
+            </a:extLst>
+          </p:cNvPr>
+          <p:cNvSpPr txBox="1">
+            <a:spLocks/>
+          </p:cNvSpPr>
+          <p:nvPr/>
+        </p:nvSpPr>
+        <p:spPr>
+          <a:xfrm>
+            <a:off x="4700337" y="1391655"/>
+            <a:ext cx="3141616" cy="1656346"/>
+          </a:xfrm>
+          <a:prstGeom prst="rect">
+            <a:avLst/>
+          </a:prstGeom>
+        </p:spPr>
+        <p:txBody>
+          <a:bodyPr>
+            <a:noAutofit/>
+          </a:bodyPr>
+          <a:lstStyle>
+            <a:lvl1pPr marL="171450" indent="-171450" algn="l" defTabSz="685800" rtl="0" eaLnBrk="1" latinLnBrk="0" hangingPunct="1">
+              <a:lnSpc>
+                <a:spcPct val="90000"/>
+              </a:lnSpc>
+              <a:spcBef>
+                <a:spcPts val="750"/>
+              </a:spcBef>
+              <a:buFont typeface="Arial" panose="020B0604020202020204" pitchFamily="34" charset="0"/>
+              <a:buChar char="•"/>
+              <a:defRPr sz="2100" kern="1200">
+                <a:solidFill>
+                  <a:schemeClr val="tx1"/>
+                </a:solidFill>
+                <a:latin typeface="+mn-lt"/>
+                <a:ea typeface="+mn-ea"/>
+                <a:cs typeface="+mn-cs"/>
+              </a:defRPr>
+            </a:lvl1pPr>
+            <a:lvl2pPr marL="514350" indent="-171450" algn="l" defTabSz="685800" rtl="0" eaLnBrk="1" latinLnBrk="0" hangingPunct="1">
+              <a:lnSpc>
+                <a:spcPct val="90000"/>
+              </a:lnSpc>
+              <a:spcBef>
+                <a:spcPts val="375"/>
+              </a:spcBef>
+              <a:buFont typeface="Arial" panose="020B0604020202020204" pitchFamily="34" charset="0"/>
+              <a:buChar char="•"/>
+              <a:defRPr sz="1800" kern="1200">
+                <a:solidFill>
+                  <a:schemeClr val="tx1"/>
+                </a:solidFill>
+                <a:latin typeface="+mn-lt"/>
+                <a:ea typeface="+mn-ea"/>
+                <a:cs typeface="+mn-cs"/>
+              </a:defRPr>
+            </a:lvl2pPr>
+            <a:lvl3pPr marL="857250" indent="-171450" algn="l" defTabSz="685800" rtl="0" eaLnBrk="1" latinLnBrk="0" hangingPunct="1">
+              <a:lnSpc>
+                <a:spcPct val="90000"/>
+              </a:lnSpc>
+              <a:spcBef>
+                <a:spcPts val="375"/>
+              </a:spcBef>
+              <a:buFont typeface="Arial" panose="020B0604020202020204" pitchFamily="34" charset="0"/>
+              <a:buChar char="•"/>
+              <a:defRPr sz="1500" kern="1200">
+                <a:solidFill>
+                  <a:schemeClr val="tx1"/>
+                </a:solidFill>
+                <a:latin typeface="+mn-lt"/>
+                <a:ea typeface="+mn-ea"/>
+                <a:cs typeface="+mn-cs"/>
+              </a:defRPr>
+            </a:lvl3pPr>
+            <a:lvl4pPr marL="1200150" indent="-171450" algn="l" defTabSz="685800" rtl="0" eaLnBrk="1" latinLnBrk="0" hangingPunct="1">
+              <a:lnSpc>
+                <a:spcPct val="90000"/>
+              </a:lnSpc>
+              <a:spcBef>
+                <a:spcPts val="375"/>
+              </a:spcBef>
+              <a:buFont typeface="Arial" panose="020B0604020202020204" pitchFamily="34" charset="0"/>
+              <a:buChar char="•"/>
+              <a:defRPr sz="1350" kern="1200">
+                <a:solidFill>
+                  <a:schemeClr val="tx1"/>
+                </a:solidFill>
+                <a:latin typeface="+mn-lt"/>
+                <a:ea typeface="+mn-ea"/>
+                <a:cs typeface="+mn-cs"/>
+              </a:defRPr>
+            </a:lvl4pPr>
+            <a:lvl5pPr marL="1543050" indent="-171450" algn="l" defTabSz="685800" rtl="0" eaLnBrk="1" latinLnBrk="0" hangingPunct="1">
+              <a:lnSpc>
+                <a:spcPct val="90000"/>
+              </a:lnSpc>
+              <a:spcBef>
+                <a:spcPts val="375"/>
+              </a:spcBef>
+              <a:buFont typeface="Arial" panose="020B0604020202020204" pitchFamily="34" charset="0"/>
+              <a:buChar char="•"/>
+              <a:defRPr sz="1350" kern="1200">
+                <a:solidFill>
+                  <a:schemeClr val="tx1"/>
+                </a:solidFill>
+                <a:latin typeface="+mn-lt"/>
+                <a:ea typeface="+mn-ea"/>
+                <a:cs typeface="+mn-cs"/>
+              </a:defRPr>
+            </a:lvl5pPr>
+            <a:lvl6pPr marL="1885950" indent="-171450" algn="l" defTabSz="685800" rtl="0" eaLnBrk="1" latinLnBrk="0" hangingPunct="1">
+              <a:lnSpc>
+                <a:spcPct val="90000"/>
+              </a:lnSpc>
+              <a:spcBef>
+                <a:spcPts val="375"/>
+              </a:spcBef>
+              <a:buFont typeface="Arial" panose="020B0604020202020204" pitchFamily="34" charset="0"/>
+              <a:buChar char="•"/>
+              <a:defRPr sz="1350" kern="1200">
+                <a:solidFill>
+                  <a:schemeClr val="tx1"/>
+                </a:solidFill>
+                <a:latin typeface="+mn-lt"/>
+                <a:ea typeface="+mn-ea"/>
+                <a:cs typeface="+mn-cs"/>
+              </a:defRPr>
+            </a:lvl6pPr>
+            <a:lvl7pPr marL="2228850" indent="-171450" algn="l" defTabSz="685800" rtl="0" eaLnBrk="1" latinLnBrk="0" hangingPunct="1">
+              <a:lnSpc>
+                <a:spcPct val="90000"/>
+              </a:lnSpc>
+              <a:spcBef>
+                <a:spcPts val="375"/>
+              </a:spcBef>
+              <a:buFont typeface="Arial" panose="020B0604020202020204" pitchFamily="34" charset="0"/>
+              <a:buChar char="•"/>
+              <a:defRPr sz="1350" kern="1200">
+                <a:solidFill>
+                  <a:schemeClr val="tx1"/>
+                </a:solidFill>
+                <a:latin typeface="+mn-lt"/>
+                <a:ea typeface="+mn-ea"/>
+                <a:cs typeface="+mn-cs"/>
+              </a:defRPr>
+            </a:lvl7pPr>
+            <a:lvl8pPr marL="2571750" indent="-171450" algn="l" defTabSz="685800" rtl="0" eaLnBrk="1" latinLnBrk="0" hangingPunct="1">
+              <a:lnSpc>
+                <a:spcPct val="90000"/>
+              </a:lnSpc>
+              <a:spcBef>
+                <a:spcPts val="375"/>
+              </a:spcBef>
+              <a:buFont typeface="Arial" panose="020B0604020202020204" pitchFamily="34" charset="0"/>
+              <a:buChar char="•"/>
+              <a:defRPr sz="1350" kern="1200">
+                <a:solidFill>
+                  <a:schemeClr val="tx1"/>
+                </a:solidFill>
+                <a:latin typeface="+mn-lt"/>
+                <a:ea typeface="+mn-ea"/>
+                <a:cs typeface="+mn-cs"/>
+              </a:defRPr>
+            </a:lvl8pPr>
+            <a:lvl9pPr marL="2914650" indent="-171450" algn="l" defTabSz="685800" rtl="0" eaLnBrk="1" latinLnBrk="0" hangingPunct="1">
+              <a:lnSpc>
+                <a:spcPct val="90000"/>
+              </a:lnSpc>
+              <a:spcBef>
+                <a:spcPts val="375"/>
+              </a:spcBef>
+              <a:buFont typeface="Arial" panose="020B0604020202020204" pitchFamily="34" charset="0"/>
+              <a:buChar char="•"/>
+              <a:defRPr sz="1350" kern="1200">
+                <a:solidFill>
+                  <a:schemeClr val="tx1"/>
+                </a:solidFill>
+                <a:latin typeface="+mn-lt"/>
+                <a:ea typeface="+mn-ea"/>
+                <a:cs typeface="+mn-cs"/>
+              </a:defRPr>
+            </a:lvl9pPr>
+          </a:lstStyle>
+          <a:p>
+            <a:pPr>
+              <a:buFont typeface="Wingdings" panose="05000000000000000000" pitchFamily="2" charset="2"/>
+              <a:buChar char="§"/>
+            </a:pPr>
+            <a:r>
+              <a:rPr lang="en-US" sz="1600" dirty="0"/>
+              <a:t>Make full use of current row buffer contents across all kernels</a:t>
+            </a:r>
+          </a:p>
+          <a:p>
+            <a:pPr lvl="1">
+              <a:buFont typeface="Wingdings" panose="05000000000000000000" pitchFamily="2" charset="2"/>
+              <a:buChar char="§"/>
+            </a:pPr>
+            <a:r>
+              <a:rPr lang="en-US" sz="1300" dirty="0"/>
+              <a:t>Since kernels share identical input maps (different kernel weights)</a:t>
+            </a:r>
+          </a:p>
+          <a:p>
+            <a:pPr lvl="1">
+              <a:buFont typeface="Wingdings" panose="05000000000000000000" pitchFamily="2" charset="2"/>
+              <a:buChar char="§"/>
+            </a:pPr>
+            <a:r>
+              <a:rPr lang="en-US" sz="1300" dirty="0"/>
+              <a:t>Reduces demand on Input interface particularly for Wide Layers</a:t>
+            </a:r>
+          </a:p>
+        </p:txBody>
+      </p:sp>
+    </p:spTree>
+    <p:extLst>
+      <p:ext uri="{BB962C8B-B14F-4D97-AF65-F5344CB8AC3E}">
+        <p14:creationId xmlns:p14="http://schemas.microsoft.com/office/powerpoint/2010/main" val="1566559662"/>
+      </p:ext>
+    </p:extLst>
+  </p:cSld>
+  <p:clrMapOvr>
+    <a:masterClrMapping/>
+  </p:clrMapOvr>
+</p:sld>
+</file>
+
+<file path=ppt/slides/slide17.xml><?xml version="1.0" encoding="utf-8"?>
+<p:sld xmlns:a="http://schemas.openxmlformats.org/drawingml/2006/main" xmlns:r="http://schemas.openxmlformats.org/officeDocument/2006/relationships" xmlns:p="http://schemas.openxmlformats.org/presentationml/2006/main">
+  <p:cSld>
+    <p:spTree>
+      <p:nvGrpSpPr>
+        <p:cNvPr id="1" name=""/>
+        <p:cNvGrpSpPr/>
+        <p:nvPr/>
+      </p:nvGrpSpPr>
+      <p:grpSpPr>
+        <a:xfrm>
+          <a:off x="0" y="0"/>
+          <a:ext cx="0" cy="0"/>
+          <a:chOff x="0" y="0"/>
+          <a:chExt cx="0" cy="0"/>
+        </a:xfrm>
+      </p:grpSpPr>
+      <p:sp>
+        <p:nvSpPr>
+          <p:cNvPr id="4" name="Title 3">
+            <a:extLst>
+              <a:ext uri="{FF2B5EF4-FFF2-40B4-BE49-F238E27FC236}">
+                <a16:creationId xmlns:a16="http://schemas.microsoft.com/office/drawing/2014/main" id="{1F0BF523-7597-49D1-8A88-DF5469339079}"/>
+              </a:ext>
+            </a:extLst>
+          </p:cNvPr>
+          <p:cNvSpPr>
+            <a:spLocks noGrp="1"/>
+          </p:cNvSpPr>
+          <p:nvPr>
+            <p:ph type="title"/>
+          </p:nvPr>
+        </p:nvSpPr>
+        <p:spPr>
+          <a:xfrm>
+            <a:off x="628650" y="273844"/>
+            <a:ext cx="3453493" cy="392362"/>
+          </a:xfrm>
+        </p:spPr>
+        <p:txBody>
+          <a:bodyPr vert="horz" lIns="91440" tIns="45720" rIns="91440" bIns="45720" rtlCol="0" anchor="ctr">
+            <a:normAutofit fontScale="90000"/>
+          </a:bodyPr>
+          <a:lstStyle/>
+          <a:p>
+            <a:r>
+              <a:rPr lang="en-US" sz="2000" b="1" dirty="0"/>
+              <a:t>Fetch-Aggregate-Store (FAS) Unit</a:t>
+            </a:r>
+          </a:p>
+        </p:txBody>
+      </p:sp>
+      <p:sp>
+        <p:nvSpPr>
+          <p:cNvPr id="6" name="Content Placeholder 5">
+            <a:extLst>
+              <a:ext uri="{FF2B5EF4-FFF2-40B4-BE49-F238E27FC236}">
+                <a16:creationId xmlns:a16="http://schemas.microsoft.com/office/drawing/2014/main" id="{483E81B1-2B09-415D-8C3D-B0C321AFDB57}"/>
+              </a:ext>
+            </a:extLst>
+          </p:cNvPr>
+          <p:cNvSpPr>
+            <a:spLocks noGrp="1"/>
+          </p:cNvSpPr>
+          <p:nvPr>
+            <p:ph sz="half" idx="2"/>
+          </p:nvPr>
+        </p:nvSpPr>
+        <p:spPr>
+          <a:xfrm>
+            <a:off x="477255" y="2387265"/>
+            <a:ext cx="8398156" cy="2293018"/>
+          </a:xfrm>
+        </p:spPr>
+        <p:txBody>
+          <a:bodyPr>
+            <a:noAutofit/>
+          </a:bodyPr>
+          <a:lstStyle/>
+          <a:p>
+            <a:pPr>
+              <a:buFont typeface="Wingdings" panose="05000000000000000000" pitchFamily="2" charset="2"/>
+              <a:buChar char="§"/>
+            </a:pPr>
+            <a:r>
+              <a:rPr lang="en-US" sz="1600" dirty="0"/>
+              <a:t>The FAS unit is responsible for:</a:t>
+            </a:r>
+          </a:p>
+          <a:p>
+            <a:pPr lvl="1">
+              <a:buFont typeface="Wingdings" panose="05000000000000000000" pitchFamily="2" charset="2"/>
+              <a:buChar char="§"/>
+            </a:pPr>
+            <a:r>
+              <a:rPr lang="en-US" sz="1300" dirty="0"/>
+              <a:t>fetching data and forwarding to one or more AWP</a:t>
+            </a:r>
+          </a:p>
+          <a:p>
+            <a:pPr lvl="1">
+              <a:buFont typeface="Wingdings" panose="05000000000000000000" pitchFamily="2" charset="2"/>
+              <a:buChar char="§"/>
+            </a:pPr>
+            <a:r>
+              <a:rPr lang="en-US" sz="1300" dirty="0"/>
+              <a:t>Accumulating the partial maps arriving from multiple AWPs and/or memory</a:t>
+            </a:r>
+          </a:p>
+          <a:p>
+            <a:pPr lvl="1">
+              <a:buFont typeface="Wingdings" panose="05000000000000000000" pitchFamily="2" charset="2"/>
+              <a:buChar char="§"/>
+            </a:pPr>
+            <a:r>
+              <a:rPr lang="en-US" sz="1300" dirty="0"/>
+              <a:t>Storing maps to memory in particular format</a:t>
+            </a:r>
+          </a:p>
+          <a:p>
+            <a:pPr>
+              <a:buFont typeface="Wingdings" panose="05000000000000000000" pitchFamily="2" charset="2"/>
+              <a:buChar char="§"/>
+            </a:pPr>
+            <a:r>
+              <a:rPr lang="en-US" sz="1600" dirty="0"/>
+              <a:t>Each FAS has two dedicated SOC-IT interfaces for I/O</a:t>
+            </a:r>
+          </a:p>
+          <a:p>
+            <a:pPr lvl="1">
+              <a:buFont typeface="Wingdings" panose="05000000000000000000" pitchFamily="2" charset="2"/>
+              <a:buChar char="§"/>
+            </a:pPr>
+            <a:r>
+              <a:rPr lang="en-US" sz="1300" dirty="0"/>
+              <a:t>It is possible for FAS to share its I/O bandwidth with other FAS in a “teaming” configuration (advanced)</a:t>
+            </a:r>
+          </a:p>
+          <a:p>
+            <a:pPr>
+              <a:buFont typeface="Wingdings" panose="05000000000000000000" pitchFamily="2" charset="2"/>
+              <a:buChar char="§"/>
+            </a:pPr>
+            <a:r>
+              <a:rPr lang="en-US" sz="1600" dirty="0"/>
+              <a:t>From the software perspective, a FAS represents a CNN accelerator</a:t>
+            </a:r>
+          </a:p>
+          <a:p>
+            <a:pPr lvl="1">
+              <a:buFont typeface="Wingdings" panose="05000000000000000000" pitchFamily="2" charset="2"/>
+              <a:buChar char="§"/>
+            </a:pPr>
+            <a:r>
+              <a:rPr lang="en-US" sz="1300" dirty="0"/>
+              <a:t>Application software acquires a resource lock on a FAS for the duration of a CNN compute</a:t>
+            </a:r>
+          </a:p>
+          <a:p>
+            <a:pPr lvl="1">
+              <a:buFont typeface="Wingdings" panose="05000000000000000000" pitchFamily="2" charset="2"/>
+              <a:buChar char="§"/>
+            </a:pPr>
+            <a:r>
+              <a:rPr lang="en-US" sz="1300" dirty="0"/>
+              <a:t>Software invokes the FAS which in turn dispatches work to AWP at a per layer granularity</a:t>
+            </a:r>
+          </a:p>
+          <a:p>
+            <a:pPr lvl="1">
+              <a:buFont typeface="Wingdings" panose="05000000000000000000" pitchFamily="2" charset="2"/>
+              <a:buChar char="§"/>
+            </a:pPr>
+            <a:endParaRPr lang="en-US" sz="1300" dirty="0"/>
+          </a:p>
+        </p:txBody>
+      </p:sp>
+      <p:pic>
+        <p:nvPicPr>
+          <p:cNvPr id="14" name="Picture 13">
+            <a:extLst>
+              <a:ext uri="{FF2B5EF4-FFF2-40B4-BE49-F238E27FC236}">
+                <a16:creationId xmlns:a16="http://schemas.microsoft.com/office/drawing/2014/main" id="{543FDFA7-D2F9-40C2-810D-30B0BFAC4632}"/>
+              </a:ext>
+            </a:extLst>
+          </p:cNvPr>
+          <p:cNvPicPr>
+            <a:picLocks noChangeAspect="1"/>
+          </p:cNvPicPr>
+          <p:nvPr/>
+        </p:nvPicPr>
+        <p:blipFill rotWithShape="1">
+          <a:blip r:embed="rId2"/>
+          <a:srcRect t="52857" r="33180"/>
+          <a:stretch/>
+        </p:blipFill>
+        <p:spPr>
+          <a:xfrm>
+            <a:off x="628650" y="961251"/>
+            <a:ext cx="4501547" cy="1199148"/>
+          </a:xfrm>
+          <a:prstGeom prst="rect">
+            <a:avLst/>
+          </a:prstGeom>
+        </p:spPr>
+      </p:pic>
+    </p:spTree>
+    <p:extLst>
+      <p:ext uri="{BB962C8B-B14F-4D97-AF65-F5344CB8AC3E}">
+        <p14:creationId xmlns:p14="http://schemas.microsoft.com/office/powerpoint/2010/main" val="719448642"/>
+      </p:ext>
+    </p:extLst>
+  </p:cSld>
+  <p:clrMapOvr>
+    <a:masterClrMapping/>
+  </p:clrMapOvr>
+</p:sld>
+</file>
+
+<file path=ppt/slides/slide18.xml><?xml version="1.0" encoding="utf-8"?>
+<p:sld xmlns:a="http://schemas.openxmlformats.org/drawingml/2006/main" xmlns:r="http://schemas.openxmlformats.org/officeDocument/2006/relationships" xmlns:p="http://schemas.openxmlformats.org/presentationml/2006/main">
+  <p:cSld>
+    <p:spTree>
+      <p:nvGrpSpPr>
+        <p:cNvPr id="1" name=""/>
+        <p:cNvGrpSpPr/>
+        <p:nvPr/>
+      </p:nvGrpSpPr>
+      <p:grpSpPr>
+        <a:xfrm>
+          <a:off x="0" y="0"/>
+          <a:ext cx="0" cy="0"/>
+          <a:chOff x="0" y="0"/>
+          <a:chExt cx="0" cy="0"/>
+        </a:xfrm>
+      </p:grpSpPr>
+      <p:sp>
+        <p:nvSpPr>
+          <p:cNvPr id="4" name="Title 3">
+            <a:extLst>
+              <a:ext uri="{FF2B5EF4-FFF2-40B4-BE49-F238E27FC236}">
+                <a16:creationId xmlns:a16="http://schemas.microsoft.com/office/drawing/2014/main" id="{1F0BF523-7597-49D1-8A88-DF5469339079}"/>
+              </a:ext>
+            </a:extLst>
+          </p:cNvPr>
+          <p:cNvSpPr>
+            <a:spLocks noGrp="1"/>
+          </p:cNvSpPr>
+          <p:nvPr>
+            <p:ph type="title"/>
+          </p:nvPr>
+        </p:nvSpPr>
+        <p:spPr>
+          <a:xfrm>
+            <a:off x="628650" y="273844"/>
+            <a:ext cx="3453493" cy="392362"/>
+          </a:xfrm>
+        </p:spPr>
+        <p:txBody>
+          <a:bodyPr vert="horz" lIns="91440" tIns="45720" rIns="91440" bIns="45720" rtlCol="0" anchor="ctr">
+            <a:normAutofit fontScale="90000"/>
+          </a:bodyPr>
+          <a:lstStyle/>
+          <a:p>
+            <a:r>
+              <a:rPr lang="en-US" sz="2000" b="1" dirty="0"/>
+              <a:t>Fetch-Aggregate-Store (FAS) Unit</a:t>
+            </a:r>
+          </a:p>
+        </p:txBody>
+      </p:sp>
+      <p:pic>
+        <p:nvPicPr>
+          <p:cNvPr id="7" name="Picture 6">
+            <a:extLst>
+              <a:ext uri="{FF2B5EF4-FFF2-40B4-BE49-F238E27FC236}">
+                <a16:creationId xmlns:a16="http://schemas.microsoft.com/office/drawing/2014/main" id="{11629628-131A-4672-B4F2-54C93647F4D8}"/>
+              </a:ext>
+            </a:extLst>
+          </p:cNvPr>
+          <p:cNvPicPr>
+            <a:picLocks noChangeAspect="1"/>
+          </p:cNvPicPr>
+          <p:nvPr/>
+        </p:nvPicPr>
+        <p:blipFill>
+          <a:blip r:embed="rId2"/>
+          <a:stretch>
+            <a:fillRect/>
+          </a:stretch>
+        </p:blipFill>
+        <p:spPr>
+          <a:xfrm>
+            <a:off x="998037" y="1163836"/>
+            <a:ext cx="7147926" cy="3011121"/>
+          </a:xfrm>
+          <a:prstGeom prst="rect">
+            <a:avLst/>
+          </a:prstGeom>
+        </p:spPr>
+      </p:pic>
+    </p:spTree>
+    <p:extLst>
+      <p:ext uri="{BB962C8B-B14F-4D97-AF65-F5344CB8AC3E}">
+        <p14:creationId xmlns:p14="http://schemas.microsoft.com/office/powerpoint/2010/main" val="2584008490"/>
+      </p:ext>
+    </p:extLst>
+  </p:cSld>
+  <p:clrMapOvr>
+    <a:masterClrMapping/>
+  </p:clrMapOvr>
+</p:sld>
+</file>
+
+<file path=ppt/slides/slide19.xml><?xml version="1.0" encoding="utf-8"?>
+<p:sld xmlns:a="http://schemas.openxmlformats.org/drawingml/2006/main" xmlns:r="http://schemas.openxmlformats.org/officeDocument/2006/relationships" xmlns:p="http://schemas.openxmlformats.org/presentationml/2006/main">
+  <p:cSld>
+    <p:spTree>
+      <p:nvGrpSpPr>
+        <p:cNvPr id="1" name=""/>
+        <p:cNvGrpSpPr/>
+        <p:nvPr/>
+      </p:nvGrpSpPr>
+      <p:grpSpPr>
+        <a:xfrm>
+          <a:off x="0" y="0"/>
+          <a:ext cx="0" cy="0"/>
+          <a:chOff x="0" y="0"/>
+          <a:chExt cx="0" cy="0"/>
+        </a:xfrm>
+      </p:grpSpPr>
+      <p:pic>
+        <p:nvPicPr>
+          <p:cNvPr id="4" name="Picture 3">
+            <a:extLst>
+              <a:ext uri="{FF2B5EF4-FFF2-40B4-BE49-F238E27FC236}">
+                <a16:creationId xmlns:a16="http://schemas.microsoft.com/office/drawing/2014/main" id="{C79145AE-2B9B-4B1E-8C57-7F890BB46C4D}"/>
+              </a:ext>
+            </a:extLst>
+          </p:cNvPr>
+          <p:cNvPicPr>
+            <a:picLocks noChangeAspect="1"/>
+          </p:cNvPicPr>
+          <p:nvPr/>
+        </p:nvPicPr>
+        <p:blipFill>
+          <a:blip r:embed="rId2"/>
+          <a:stretch>
+            <a:fillRect/>
+          </a:stretch>
+        </p:blipFill>
+        <p:spPr>
+          <a:xfrm>
+            <a:off x="970548" y="435142"/>
+            <a:ext cx="1398012" cy="4023133"/>
+          </a:xfrm>
+          <a:prstGeom prst="rect">
+            <a:avLst/>
+          </a:prstGeom>
+        </p:spPr>
+      </p:pic>
+      <p:pic>
+        <p:nvPicPr>
+          <p:cNvPr id="5" name="Picture 4">
+            <a:extLst>
+              <a:ext uri="{FF2B5EF4-FFF2-40B4-BE49-F238E27FC236}">
+                <a16:creationId xmlns:a16="http://schemas.microsoft.com/office/drawing/2014/main" id="{C1501E6D-7504-47FC-A106-B291B25FD134}"/>
+              </a:ext>
+            </a:extLst>
+          </p:cNvPr>
+          <p:cNvPicPr>
+            <a:picLocks noChangeAspect="1"/>
+          </p:cNvPicPr>
+          <p:nvPr/>
+        </p:nvPicPr>
+        <p:blipFill>
+          <a:blip r:embed="rId3"/>
+          <a:stretch>
+            <a:fillRect/>
+          </a:stretch>
+        </p:blipFill>
+        <p:spPr>
+          <a:xfrm>
+            <a:off x="4053403" y="435142"/>
+            <a:ext cx="2903963" cy="4273216"/>
+          </a:xfrm>
+          <a:prstGeom prst="rect">
+            <a:avLst/>
+          </a:prstGeom>
+        </p:spPr>
+      </p:pic>
+      <p:cxnSp>
+        <p:nvCxnSpPr>
+          <p:cNvPr id="7" name="Straight Connector 6">
+            <a:extLst>
+              <a:ext uri="{FF2B5EF4-FFF2-40B4-BE49-F238E27FC236}">
+                <a16:creationId xmlns:a16="http://schemas.microsoft.com/office/drawing/2014/main" id="{035BBE6A-4AD2-4CC6-95EC-5B9435A9B0FE}"/>
+              </a:ext>
+            </a:extLst>
+          </p:cNvPr>
+          <p:cNvCxnSpPr/>
+          <p:nvPr/>
+        </p:nvCxnSpPr>
+        <p:spPr>
+          <a:xfrm>
+            <a:off x="2041357" y="334879"/>
+            <a:ext cx="1921043" cy="104274"/>
+          </a:xfrm>
+          <a:prstGeom prst="line">
+            <a:avLst/>
+          </a:prstGeom>
+          <a:ln>
+            <a:solidFill>
+              <a:schemeClr val="tx1">
+                <a:lumMod val="75000"/>
+                <a:lumOff val="25000"/>
+              </a:schemeClr>
+            </a:solidFill>
+            <a:prstDash val="sysDash"/>
+          </a:ln>
+        </p:spPr>
+        <p:style>
+          <a:lnRef idx="1">
+            <a:schemeClr val="accent1"/>
+          </a:lnRef>
+          <a:fillRef idx="0">
+            <a:schemeClr val="accent1"/>
+          </a:fillRef>
+          <a:effectRef idx="0">
+            <a:schemeClr val="accent1"/>
+          </a:effectRef>
+          <a:fontRef idx="minor">
+            <a:schemeClr val="tx1"/>
+          </a:fontRef>
+        </p:style>
+      </p:cxnSp>
+      <p:cxnSp>
+        <p:nvCxnSpPr>
+          <p:cNvPr id="9" name="Straight Connector 8">
+            <a:extLst>
+              <a:ext uri="{FF2B5EF4-FFF2-40B4-BE49-F238E27FC236}">
+                <a16:creationId xmlns:a16="http://schemas.microsoft.com/office/drawing/2014/main" id="{E25F86FE-5B41-4027-94B3-465BF2A93E58}"/>
+              </a:ext>
+            </a:extLst>
+          </p:cNvPr>
+          <p:cNvCxnSpPr>
+            <a:cxnSpLocks/>
+          </p:cNvCxnSpPr>
+          <p:nvPr/>
+        </p:nvCxnSpPr>
+        <p:spPr>
+          <a:xfrm flipV="1">
+            <a:off x="2334126" y="3455069"/>
+            <a:ext cx="1684421" cy="1106906"/>
+          </a:xfrm>
+          <a:prstGeom prst="line">
+            <a:avLst/>
+          </a:prstGeom>
+          <a:ln>
+            <a:solidFill>
+              <a:schemeClr val="tx1">
+                <a:lumMod val="75000"/>
+                <a:lumOff val="25000"/>
+              </a:schemeClr>
+            </a:solidFill>
+            <a:prstDash val="sysDash"/>
+          </a:ln>
+        </p:spPr>
+        <p:style>
+          <a:lnRef idx="1">
+            <a:schemeClr val="accent1"/>
+          </a:lnRef>
+          <a:fillRef idx="0">
+            <a:schemeClr val="accent1"/>
+          </a:fillRef>
+          <a:effectRef idx="0">
+            <a:schemeClr val="accent1"/>
+          </a:effectRef>
+          <a:fontRef idx="minor">
+            <a:schemeClr val="tx1"/>
+          </a:fontRef>
+        </p:style>
+      </p:cxnSp>
+      <p:sp>
+        <p:nvSpPr>
+          <p:cNvPr id="11" name="TextBox 10">
+            <a:extLst>
+              <a:ext uri="{FF2B5EF4-FFF2-40B4-BE49-F238E27FC236}">
+                <a16:creationId xmlns:a16="http://schemas.microsoft.com/office/drawing/2014/main" id="{0CED5751-4AF2-4615-BEBC-0E2CDF34F8D1}"/>
+              </a:ext>
+            </a:extLst>
+          </p:cNvPr>
+          <p:cNvSpPr txBox="1"/>
+          <p:nvPr/>
+        </p:nvSpPr>
+        <p:spPr>
+          <a:xfrm>
+            <a:off x="465220" y="4678097"/>
+            <a:ext cx="3272591" cy="338554"/>
+          </a:xfrm>
+          <a:prstGeom prst="rect">
+            <a:avLst/>
+          </a:prstGeom>
+          <a:noFill/>
+        </p:spPr>
+        <p:txBody>
+          <a:bodyPr wrap="square" rtlCol="0">
+            <a:spAutoFit/>
+          </a:bodyPr>
+          <a:lstStyle/>
+          <a:p>
+            <a:r>
+              <a:rPr lang="en-US" sz="1600" dirty="0"/>
+              <a:t>Single Adaptive Window Processor </a:t>
+            </a:r>
+          </a:p>
+        </p:txBody>
+      </p:sp>
+      <p:sp>
+        <p:nvSpPr>
+          <p:cNvPr id="12" name="TextBox 11">
+            <a:extLst>
+              <a:ext uri="{FF2B5EF4-FFF2-40B4-BE49-F238E27FC236}">
+                <a16:creationId xmlns:a16="http://schemas.microsoft.com/office/drawing/2014/main" id="{3F668BF0-8021-4AD5-A11C-6C6199531F63}"/>
+              </a:ext>
+            </a:extLst>
+          </p:cNvPr>
+          <p:cNvSpPr txBox="1"/>
+          <p:nvPr/>
+        </p:nvSpPr>
+        <p:spPr>
+          <a:xfrm>
+            <a:off x="4018547" y="4678097"/>
+            <a:ext cx="2903963" cy="338554"/>
+          </a:xfrm>
+          <a:prstGeom prst="rect">
+            <a:avLst/>
+          </a:prstGeom>
+          <a:noFill/>
+        </p:spPr>
+        <p:txBody>
+          <a:bodyPr wrap="square" rtlCol="0">
+            <a:spAutoFit/>
+          </a:bodyPr>
+          <a:lstStyle/>
+          <a:p>
+            <a:pPr algn="ctr"/>
+            <a:r>
+              <a:rPr lang="en-US" sz="1600" dirty="0" err="1"/>
+              <a:t>Kintex</a:t>
+            </a:r>
+            <a:r>
+              <a:rPr lang="en-US" sz="1600" dirty="0"/>
+              <a:t> </a:t>
+            </a:r>
+            <a:r>
+              <a:rPr lang="en-US" sz="1600" dirty="0" err="1"/>
+              <a:t>Ultrascale</a:t>
+            </a:r>
+            <a:endParaRPr lang="en-US" sz="1600" dirty="0"/>
+          </a:p>
+        </p:txBody>
+      </p:sp>
+    </p:spTree>
+    <p:extLst>
+      <p:ext uri="{BB962C8B-B14F-4D97-AF65-F5344CB8AC3E}">
+        <p14:creationId xmlns:p14="http://schemas.microsoft.com/office/powerpoint/2010/main" val="3409444981"/>
+      </p:ext>
+    </p:extLst>
+  </p:cSld>
+  <p:clrMapOvr>
+    <a:masterClrMapping/>
+  </p:clrMapOvr>
+</p:sld>
+</file>
+
 <file path=ppt/slides/slide2.xml><?xml version="1.0" encoding="utf-8"?>
 <p:sld xmlns:a="http://schemas.openxmlformats.org/drawingml/2006/main" xmlns:r="http://schemas.openxmlformats.org/officeDocument/2006/relationships" xmlns:p="http://schemas.openxmlformats.org/presentationml/2006/main">
   <p:cSld>
@@ -3069,7 +5684,7 @@
           <p:cNvPr id="2" name="Title 1">
             <a:extLst>
               <a:ext uri="{FF2B5EF4-FFF2-40B4-BE49-F238E27FC236}">
-                <a16:creationId xmlns:a16="http://schemas.microsoft.com/office/drawing/2014/main" id="{287EADEA-CE13-4798-A293-5C5273D42A7E}"/>
+                <a16:creationId xmlns:a16="http://schemas.microsoft.com/office/drawing/2014/main" id="{445C1C41-3145-4CC6-8991-418B4F94BAE8}"/>
               </a:ext>
             </a:extLst>
           </p:cNvPr>
@@ -3080,92 +5695,328 @@
             <p:ph type="title"/>
           </p:nvPr>
         </p:nvSpPr>
-        <p:spPr>
-          <a:xfrm>
-            <a:off x="1488440" y="-3144902"/>
-            <a:ext cx="18374360" cy="1671703"/>
-          </a:xfrm>
-        </p:spPr>
-        <p:txBody>
-          <a:bodyPr>
-            <a:normAutofit/>
-          </a:bodyPr>
-          <a:lstStyle/>
-          <a:p>
-            <a:r>
-              <a:rPr lang="en-US" sz="10666" dirty="0"/>
-              <a:t>Docker Architecture</a:t>
-            </a:r>
-          </a:p>
-        </p:txBody>
-      </p:sp>
-      <p:graphicFrame>
-        <p:nvGraphicFramePr>
-          <p:cNvPr id="6" name="Object 5">
+        <p:spPr/>
+        <p:txBody>
+          <a:bodyPr/>
+          <a:lstStyle/>
+          <a:p>
+            <a:r>
+              <a:rPr lang="en-US" dirty="0"/>
+              <a:t>CNN Acceleration</a:t>
+            </a:r>
+          </a:p>
+        </p:txBody>
+      </p:sp>
+      <p:pic>
+        <p:nvPicPr>
+          <p:cNvPr id="5" name="Picture 4" descr="A green truck driving down a street&#10;&#10;Description generated with high confidence">
             <a:extLst>
               <a:ext uri="{FF2B5EF4-FFF2-40B4-BE49-F238E27FC236}">
-                <a16:creationId xmlns:a16="http://schemas.microsoft.com/office/drawing/2014/main" id="{4C1FD08E-D647-4A38-811F-E84C447FBA5A}"/>
+                <a16:creationId xmlns:a16="http://schemas.microsoft.com/office/drawing/2014/main" id="{E133B5D6-C70C-4624-8BA3-1025373B640F}"/>
               </a:ext>
             </a:extLst>
           </p:cNvPr>
-          <p:cNvGraphicFramePr>
-            <a:graphicFrameLocks noChangeAspect="1"/>
-          </p:cNvGraphicFramePr>
-          <p:nvPr>
-            <p:extLst>
-              <p:ext uri="{D42A27DB-BD31-4B8C-83A1-F6EECF244321}">
-                <p14:modId xmlns:p14="http://schemas.microsoft.com/office/powerpoint/2010/main" val="1593566152"/>
-              </p:ext>
-            </p:extLst>
-          </p:nvPr>
-        </p:nvGraphicFramePr>
-        <p:xfrm>
-          <a:off x="3465916" y="418144"/>
-          <a:ext cx="29757448" cy="21109312"/>
-        </p:xfrm>
-        <a:graphic>
-          <a:graphicData uri="http://schemas.openxmlformats.org/presentationml/2006/ole">
-            <mc:AlternateContent xmlns:mc="http://schemas.openxmlformats.org/markup-compatibility/2006">
-              <mc:Choice xmlns:v="urn:schemas-microsoft-com:vml" Requires="v">
-                <p:oleObj spid="_x0000_s1029" name="Visio" r:id="rId3" imgW="14420919" imgH="10229902" progId="Visio.Drawing.15">
-                  <p:embed/>
-                </p:oleObj>
-              </mc:Choice>
-              <mc:Fallback>
-                <p:oleObj name="Visio" r:id="rId3" imgW="14420919" imgH="10229902" progId="Visio.Drawing.15">
-                  <p:embed/>
-                  <p:pic>
-                    <p:nvPicPr>
-                      <p:cNvPr id="0" name=""/>
-                      <p:cNvPicPr/>
-                      <p:nvPr/>
-                    </p:nvPicPr>
-                    <p:blipFill>
-                      <a:blip r:embed="rId4"/>
-                      <a:stretch>
-                        <a:fillRect/>
-                      </a:stretch>
-                    </p:blipFill>
-                    <p:spPr>
-                      <a:xfrm>
-                        <a:off x="3465916" y="418144"/>
-                        <a:ext cx="29757448" cy="21109312"/>
-                      </a:xfrm>
-                      <a:prstGeom prst="rect">
-                        <a:avLst/>
-                      </a:prstGeom>
-                    </p:spPr>
-                  </p:pic>
-                </p:oleObj>
-              </mc:Fallback>
-            </mc:AlternateContent>
-          </a:graphicData>
-        </a:graphic>
-      </p:graphicFrame>
+          <p:cNvPicPr>
+            <a:picLocks noChangeAspect="1"/>
+          </p:cNvPicPr>
+          <p:nvPr/>
+        </p:nvPicPr>
+        <p:blipFill>
+          <a:blip r:embed="rId2">
+            <a:extLst>
+              <a:ext uri="{28A0092B-C50C-407E-A947-70E740481C1C}">
+                <a14:useLocalDpi xmlns:a14="http://schemas.microsoft.com/office/drawing/2010/main" val="0"/>
+              </a:ext>
+            </a:extLst>
+          </a:blip>
+          <a:stretch>
+            <a:fillRect/>
+          </a:stretch>
+        </p:blipFill>
+        <p:spPr>
+          <a:xfrm>
+            <a:off x="5637577" y="3567978"/>
+            <a:ext cx="3109382" cy="938824"/>
+          </a:xfrm>
+          <a:prstGeom prst="rect">
+            <a:avLst/>
+          </a:prstGeom>
+        </p:spPr>
+      </p:pic>
+      <p:pic>
+        <p:nvPicPr>
+          <p:cNvPr id="7" name="Picture 6" descr="A car parked on the side of a building&#10;&#10;Description generated with high confidence">
+            <a:extLst>
+              <a:ext uri="{FF2B5EF4-FFF2-40B4-BE49-F238E27FC236}">
+                <a16:creationId xmlns:a16="http://schemas.microsoft.com/office/drawing/2014/main" id="{96B051F6-F5EA-4DCE-8E06-67C3DF251304}"/>
+              </a:ext>
+            </a:extLst>
+          </p:cNvPr>
+          <p:cNvPicPr>
+            <a:picLocks noChangeAspect="1"/>
+          </p:cNvPicPr>
+          <p:nvPr/>
+        </p:nvPicPr>
+        <p:blipFill>
+          <a:blip r:embed="rId3">
+            <a:extLst>
+              <a:ext uri="{28A0092B-C50C-407E-A947-70E740481C1C}">
+                <a14:useLocalDpi xmlns:a14="http://schemas.microsoft.com/office/drawing/2010/main" val="0"/>
+              </a:ext>
+            </a:extLst>
+          </a:blip>
+          <a:stretch>
+            <a:fillRect/>
+          </a:stretch>
+        </p:blipFill>
+        <p:spPr>
+          <a:xfrm>
+            <a:off x="5637577" y="1391844"/>
+            <a:ext cx="3109382" cy="938823"/>
+          </a:xfrm>
+          <a:prstGeom prst="rect">
+            <a:avLst/>
+          </a:prstGeom>
+        </p:spPr>
+      </p:pic>
+      <p:pic>
+        <p:nvPicPr>
+          <p:cNvPr id="15" name="Picture 14" descr="A car driving down a street&#10;&#10;Description generated with very high confidence">
+            <a:extLst>
+              <a:ext uri="{FF2B5EF4-FFF2-40B4-BE49-F238E27FC236}">
+                <a16:creationId xmlns:a16="http://schemas.microsoft.com/office/drawing/2014/main" id="{27460C3E-E3CA-4331-BE3A-E6FEF6727DA9}"/>
+              </a:ext>
+            </a:extLst>
+          </p:cNvPr>
+          <p:cNvPicPr>
+            <a:picLocks noChangeAspect="1"/>
+          </p:cNvPicPr>
+          <p:nvPr/>
+        </p:nvPicPr>
+        <p:blipFill>
+          <a:blip r:embed="rId4">
+            <a:extLst>
+              <a:ext uri="{28A0092B-C50C-407E-A947-70E740481C1C}">
+                <a14:useLocalDpi xmlns:a14="http://schemas.microsoft.com/office/drawing/2010/main" val="0"/>
+              </a:ext>
+            </a:extLst>
+          </a:blip>
+          <a:stretch>
+            <a:fillRect/>
+          </a:stretch>
+        </p:blipFill>
+        <p:spPr>
+          <a:xfrm>
+            <a:off x="5637577" y="2418156"/>
+            <a:ext cx="3109382" cy="938823"/>
+          </a:xfrm>
+          <a:prstGeom prst="rect">
+            <a:avLst/>
+          </a:prstGeom>
+        </p:spPr>
+      </p:pic>
+      <p:pic>
+        <p:nvPicPr>
+          <p:cNvPr id="19" name="Picture 18" descr="A truck is parked on the side of a road&#10;&#10;Description generated with very high confidence">
+            <a:extLst>
+              <a:ext uri="{FF2B5EF4-FFF2-40B4-BE49-F238E27FC236}">
+                <a16:creationId xmlns:a16="http://schemas.microsoft.com/office/drawing/2014/main" id="{56DB3768-3871-4696-9ED2-5D1033DBB90D}"/>
+              </a:ext>
+            </a:extLst>
+          </p:cNvPr>
+          <p:cNvPicPr>
+            <a:picLocks noChangeAspect="1"/>
+          </p:cNvPicPr>
+          <p:nvPr/>
+        </p:nvPicPr>
+        <p:blipFill>
+          <a:blip r:embed="rId5">
+            <a:extLst>
+              <a:ext uri="{28A0092B-C50C-407E-A947-70E740481C1C}">
+                <a14:useLocalDpi xmlns:a14="http://schemas.microsoft.com/office/drawing/2010/main" val="0"/>
+              </a:ext>
+            </a:extLst>
+          </a:blip>
+          <a:stretch>
+            <a:fillRect/>
+          </a:stretch>
+        </p:blipFill>
+        <p:spPr>
+          <a:xfrm>
+            <a:off x="453142" y="3044744"/>
+            <a:ext cx="5019038" cy="1515410"/>
+          </a:xfrm>
+          <a:prstGeom prst="rect">
+            <a:avLst/>
+          </a:prstGeom>
+        </p:spPr>
+      </p:pic>
+      <p:pic>
+        <p:nvPicPr>
+          <p:cNvPr id="21" name="Picture 20" descr="A picture containing tree, road, outdoor, scene&#10;&#10;Description generated with very high confidence">
+            <a:extLst>
+              <a:ext uri="{FF2B5EF4-FFF2-40B4-BE49-F238E27FC236}">
+                <a16:creationId xmlns:a16="http://schemas.microsoft.com/office/drawing/2014/main" id="{B9A1B6DA-437A-44E1-9ECE-D3937E5E2C88}"/>
+              </a:ext>
+            </a:extLst>
+          </p:cNvPr>
+          <p:cNvPicPr>
+            <a:picLocks noChangeAspect="1"/>
+          </p:cNvPicPr>
+          <p:nvPr/>
+        </p:nvPicPr>
+        <p:blipFill>
+          <a:blip r:embed="rId6">
+            <a:extLst>
+              <a:ext uri="{28A0092B-C50C-407E-A947-70E740481C1C}">
+                <a14:useLocalDpi xmlns:a14="http://schemas.microsoft.com/office/drawing/2010/main" val="0"/>
+              </a:ext>
+            </a:extLst>
+          </a:blip>
+          <a:stretch>
+            <a:fillRect/>
+          </a:stretch>
+        </p:blipFill>
+        <p:spPr>
+          <a:xfrm>
+            <a:off x="453143" y="1391844"/>
+            <a:ext cx="5019038" cy="1515410"/>
+          </a:xfrm>
+          <a:prstGeom prst="rect">
+            <a:avLst/>
+          </a:prstGeom>
+        </p:spPr>
+      </p:pic>
     </p:spTree>
     <p:extLst>
       <p:ext uri="{BB962C8B-B14F-4D97-AF65-F5344CB8AC3E}">
-        <p14:creationId xmlns:p14="http://schemas.microsoft.com/office/powerpoint/2010/main" val="863255532"/>
+        <p14:creationId xmlns:p14="http://schemas.microsoft.com/office/powerpoint/2010/main" val="2610899618"/>
+      </p:ext>
+    </p:extLst>
+  </p:cSld>
+  <p:clrMapOvr>
+    <a:masterClrMapping/>
+  </p:clrMapOvr>
+</p:sld>
+</file>
+
+<file path=ppt/slides/slide20.xml><?xml version="1.0" encoding="utf-8"?>
+<p:sld xmlns:a="http://schemas.openxmlformats.org/drawingml/2006/main" xmlns:r="http://schemas.openxmlformats.org/officeDocument/2006/relationships" xmlns:p="http://schemas.openxmlformats.org/presentationml/2006/main">
+  <p:cSld>
+    <p:spTree>
+      <p:nvGrpSpPr>
+        <p:cNvPr id="1" name=""/>
+        <p:cNvGrpSpPr/>
+        <p:nvPr/>
+      </p:nvGrpSpPr>
+      <p:grpSpPr>
+        <a:xfrm>
+          <a:off x="0" y="0"/>
+          <a:ext cx="0" cy="0"/>
+          <a:chOff x="0" y="0"/>
+          <a:chExt cx="0" cy="0"/>
+        </a:xfrm>
+      </p:grpSpPr>
+      <p:sp>
+        <p:nvSpPr>
+          <p:cNvPr id="2" name="Title 1">
+            <a:extLst>
+              <a:ext uri="{FF2B5EF4-FFF2-40B4-BE49-F238E27FC236}">
+                <a16:creationId xmlns:a16="http://schemas.microsoft.com/office/drawing/2014/main" id="{79468BAA-997E-40B4-A4C0-C04F75D7A4A6}"/>
+              </a:ext>
+            </a:extLst>
+          </p:cNvPr>
+          <p:cNvSpPr>
+            <a:spLocks noGrp="1"/>
+          </p:cNvSpPr>
+          <p:nvPr>
+            <p:ph type="title"/>
+          </p:nvPr>
+        </p:nvSpPr>
+        <p:spPr/>
+        <p:txBody>
+          <a:bodyPr/>
+          <a:lstStyle/>
+          <a:p>
+            <a:r>
+              <a:rPr lang="en-US" dirty="0"/>
+              <a:t>Implementation Roles</a:t>
+            </a:r>
+          </a:p>
+        </p:txBody>
+      </p:sp>
+      <p:sp>
+        <p:nvSpPr>
+          <p:cNvPr id="3" name="Content Placeholder 2">
+            <a:extLst>
+              <a:ext uri="{FF2B5EF4-FFF2-40B4-BE49-F238E27FC236}">
+                <a16:creationId xmlns:a16="http://schemas.microsoft.com/office/drawing/2014/main" id="{3F557A27-2224-4097-B1B6-1AD0EA536A1F}"/>
+              </a:ext>
+            </a:extLst>
+          </p:cNvPr>
+          <p:cNvSpPr>
+            <a:spLocks noGrp="1"/>
+          </p:cNvSpPr>
+          <p:nvPr>
+            <p:ph idx="1"/>
+          </p:nvPr>
+        </p:nvSpPr>
+        <p:spPr/>
+        <p:txBody>
+          <a:bodyPr/>
+          <a:lstStyle/>
+          <a:p>
+            <a:r>
+              <a:rPr lang="en-US" dirty="0"/>
+              <a:t>AWP – </a:t>
+            </a:r>
+            <a:r>
+              <a:rPr lang="en-US" dirty="0" err="1"/>
+              <a:t>Ikenna</a:t>
+            </a:r>
+            <a:r>
+              <a:rPr lang="en-US" dirty="0"/>
+              <a:t> &amp; Geetha</a:t>
+            </a:r>
+          </a:p>
+          <a:p>
+            <a:r>
+              <a:rPr lang="en-US" dirty="0"/>
+              <a:t>FAS – </a:t>
+            </a:r>
+            <a:r>
+              <a:rPr lang="en-US" dirty="0" err="1"/>
+              <a:t>Saambhavi</a:t>
+            </a:r>
+            <a:endParaRPr lang="en-US" dirty="0"/>
+          </a:p>
+          <a:p>
+            <a:r>
+              <a:rPr lang="en-US" dirty="0"/>
+              <a:t>Functional Verification – Kevin &amp; </a:t>
+            </a:r>
+            <a:r>
+              <a:rPr lang="en-US" dirty="0" err="1"/>
+              <a:t>Ikenna</a:t>
+            </a:r>
+            <a:endParaRPr lang="en-US" dirty="0"/>
+          </a:p>
+          <a:p>
+            <a:r>
+              <a:rPr lang="en-US" dirty="0"/>
+              <a:t>Software development – Kevin </a:t>
+            </a:r>
+          </a:p>
+          <a:p>
+            <a:pPr lvl="1"/>
+            <a:endParaRPr lang="en-US" dirty="0"/>
+          </a:p>
+        </p:txBody>
+      </p:sp>
+    </p:spTree>
+    <p:extLst>
+      <p:ext uri="{BB962C8B-B14F-4D97-AF65-F5344CB8AC3E}">
+        <p14:creationId xmlns:p14="http://schemas.microsoft.com/office/powerpoint/2010/main" val="387991971"/>
       </p:ext>
     </p:extLst>
   </p:cSld>
@@ -3197,7 +6048,7 @@
           <p:cNvPr id="2" name="Title 1">
             <a:extLst>
               <a:ext uri="{FF2B5EF4-FFF2-40B4-BE49-F238E27FC236}">
-                <a16:creationId xmlns:a16="http://schemas.microsoft.com/office/drawing/2014/main" id="{3D0B9C26-A9DA-4829-8F3F-7CE8CAB89AEC}"/>
+                <a16:creationId xmlns:a16="http://schemas.microsoft.com/office/drawing/2014/main" id="{42E20F94-C0FE-45BC-9651-A37439DF08EE}"/>
               </a:ext>
             </a:extLst>
           </p:cNvPr>
@@ -3208,90 +6059,52 @@
             <p:ph type="title"/>
           </p:nvPr>
         </p:nvSpPr>
-        <p:spPr>
-          <a:xfrm>
-            <a:off x="1259840" y="-4038599"/>
-            <a:ext cx="33649920" cy="4241802"/>
-          </a:xfrm>
-        </p:spPr>
+        <p:spPr/>
         <p:txBody>
           <a:bodyPr/>
           <a:lstStyle/>
           <a:p>
             <a:r>
               <a:rPr lang="en-US" dirty="0"/>
-              <a:t>Infrastructure Components</a:t>
-            </a:r>
-          </a:p>
-        </p:txBody>
-      </p:sp>
-      <p:graphicFrame>
-        <p:nvGraphicFramePr>
-          <p:cNvPr id="4" name="Object 3">
+              <a:t>System Architecture</a:t>
+            </a:r>
+          </a:p>
+        </p:txBody>
+      </p:sp>
+      <p:pic>
+        <p:nvPicPr>
+          <p:cNvPr id="4" name="Picture 3">
             <a:extLst>
               <a:ext uri="{FF2B5EF4-FFF2-40B4-BE49-F238E27FC236}">
-                <a16:creationId xmlns:a16="http://schemas.microsoft.com/office/drawing/2014/main" id="{4552A618-8645-486D-A733-98BC49B8C042}"/>
+                <a16:creationId xmlns:a16="http://schemas.microsoft.com/office/drawing/2014/main" id="{368F6F35-D51A-4ECF-9AEB-4EBAE967B8C9}"/>
               </a:ext>
             </a:extLst>
           </p:cNvPr>
-          <p:cNvGraphicFramePr>
-            <a:graphicFrameLocks noChangeAspect="1"/>
-          </p:cNvGraphicFramePr>
-          <p:nvPr>
-            <p:extLst>
-              <p:ext uri="{D42A27DB-BD31-4B8C-83A1-F6EECF244321}">
-                <p14:modId xmlns:p14="http://schemas.microsoft.com/office/powerpoint/2010/main" val="161667717"/>
-              </p:ext>
-            </p:extLst>
-          </p:nvPr>
-        </p:nvGraphicFramePr>
-        <p:xfrm>
-          <a:off x="1716515" y="10534650"/>
-          <a:ext cx="35581370" cy="7143750"/>
-        </p:xfrm>
-        <a:graphic>
-          <a:graphicData uri="http://schemas.openxmlformats.org/presentationml/2006/ole">
-            <mc:AlternateContent xmlns:mc="http://schemas.openxmlformats.org/markup-compatibility/2006">
-              <mc:Choice xmlns:v="urn:schemas-microsoft-com:vml" Requires="v">
-                <p:oleObj spid="_x0000_s4099" name="Visio" r:id="rId3" imgW="17268860" imgH="3466996" progId="Visio.Drawing.15">
-                  <p:embed/>
-                </p:oleObj>
-              </mc:Choice>
-              <mc:Fallback>
-                <p:oleObj name="Visio" r:id="rId3" imgW="17268860" imgH="3466996" progId="Visio.Drawing.15">
-                  <p:embed/>
-                  <p:pic>
-                    <p:nvPicPr>
-                      <p:cNvPr id="0" name=""/>
-                      <p:cNvPicPr/>
-                      <p:nvPr/>
-                    </p:nvPicPr>
-                    <p:blipFill>
-                      <a:blip r:embed="rId4"/>
-                      <a:stretch>
-                        <a:fillRect/>
-                      </a:stretch>
-                    </p:blipFill>
-                    <p:spPr>
-                      <a:xfrm>
-                        <a:off x="1716515" y="10534650"/>
-                        <a:ext cx="35581370" cy="7143750"/>
-                      </a:xfrm>
-                      <a:prstGeom prst="rect">
-                        <a:avLst/>
-                      </a:prstGeom>
-                    </p:spPr>
-                  </p:pic>
-                </p:oleObj>
-              </mc:Fallback>
-            </mc:AlternateContent>
-          </a:graphicData>
-        </a:graphic>
-      </p:graphicFrame>
+          <p:cNvPicPr>
+            <a:picLocks noChangeAspect="1"/>
+          </p:cNvPicPr>
+          <p:nvPr/>
+        </p:nvPicPr>
+        <p:blipFill>
+          <a:blip r:embed="rId2"/>
+          <a:stretch>
+            <a:fillRect/>
+          </a:stretch>
+        </p:blipFill>
+        <p:spPr>
+          <a:xfrm>
+            <a:off x="1094624" y="1447303"/>
+            <a:ext cx="6954751" cy="2625885"/>
+          </a:xfrm>
+          <a:prstGeom prst="rect">
+            <a:avLst/>
+          </a:prstGeom>
+        </p:spPr>
+      </p:pic>
     </p:spTree>
     <p:extLst>
       <p:ext uri="{BB962C8B-B14F-4D97-AF65-F5344CB8AC3E}">
-        <p14:creationId xmlns:p14="http://schemas.microsoft.com/office/powerpoint/2010/main" val="305313677"/>
+        <p14:creationId xmlns:p14="http://schemas.microsoft.com/office/powerpoint/2010/main" val="491792332"/>
       </p:ext>
     </p:extLst>
   </p:cSld>
@@ -3323,7 +6136,7 @@
           <p:cNvPr id="2" name="Title 1">
             <a:extLst>
               <a:ext uri="{FF2B5EF4-FFF2-40B4-BE49-F238E27FC236}">
-                <a16:creationId xmlns:a16="http://schemas.microsoft.com/office/drawing/2014/main" id="{3D0B9C26-A9DA-4829-8F3F-7CE8CAB89AEC}"/>
+                <a16:creationId xmlns:a16="http://schemas.microsoft.com/office/drawing/2014/main" id="{0ECB9C0E-B3DA-4406-BD81-DD85B046980B}"/>
               </a:ext>
             </a:extLst>
           </p:cNvPr>
@@ -3334,159 +6147,140 @@
             <p:ph type="title"/>
           </p:nvPr>
         </p:nvSpPr>
-        <p:spPr>
-          <a:xfrm>
-            <a:off x="1361440" y="-4241802"/>
-            <a:ext cx="33649920" cy="4241802"/>
-          </a:xfrm>
-        </p:spPr>
+        <p:spPr/>
         <p:txBody>
           <a:bodyPr/>
           <a:lstStyle/>
           <a:p>
             <a:r>
               <a:rPr lang="en-US" dirty="0"/>
-              <a:t>Mode-0</a:t>
-            </a:r>
-          </a:p>
-        </p:txBody>
-      </p:sp>
-      <p:graphicFrame>
-        <p:nvGraphicFramePr>
-          <p:cNvPr id="9" name="Object 8">
+              <a:t>CNN Layer Attributes</a:t>
+            </a:r>
+          </a:p>
+        </p:txBody>
+      </p:sp>
+      <p:sp>
+        <p:nvSpPr>
+          <p:cNvPr id="3" name="Content Placeholder 2">
             <a:extLst>
               <a:ext uri="{FF2B5EF4-FFF2-40B4-BE49-F238E27FC236}">
-                <a16:creationId xmlns:a16="http://schemas.microsoft.com/office/drawing/2014/main" id="{C38261D7-13F3-43C2-AB15-24B8DFFA6BE6}"/>
+                <a16:creationId xmlns:a16="http://schemas.microsoft.com/office/drawing/2014/main" id="{E5EC1DEB-329F-400D-BF6B-BCABCCBD03D0}"/>
               </a:ext>
             </a:extLst>
           </p:cNvPr>
-          <p:cNvGraphicFramePr>
-            <a:graphicFrameLocks noChangeAspect="1"/>
-          </p:cNvGraphicFramePr>
-          <p:nvPr>
-            <p:extLst>
-              <p:ext uri="{D42A27DB-BD31-4B8C-83A1-F6EECF244321}">
-                <p14:modId xmlns:p14="http://schemas.microsoft.com/office/powerpoint/2010/main" val="2777843277"/>
-              </p:ext>
-            </p:extLst>
-          </p:nvPr>
-        </p:nvGraphicFramePr>
-        <p:xfrm>
-          <a:off x="2212974" y="4162424"/>
-          <a:ext cx="34994953" cy="5438776"/>
-        </p:xfrm>
-        <a:graphic>
-          <a:graphicData uri="http://schemas.openxmlformats.org/presentationml/2006/ole">
-            <mc:AlternateContent xmlns:mc="http://schemas.openxmlformats.org/markup-compatibility/2006">
-              <mc:Choice xmlns:v="urn:schemas-microsoft-com:vml" Requires="v">
-                <p:oleObj spid="_x0000_s2059" name="Visio" r:id="rId3" imgW="12134919" imgH="1886106" progId="Visio.Drawing.15">
-                  <p:embed/>
-                </p:oleObj>
-              </mc:Choice>
-              <mc:Fallback>
-                <p:oleObj name="Visio" r:id="rId3" imgW="12134919" imgH="1886106" progId="Visio.Drawing.15">
-                  <p:embed/>
-                  <p:pic>
-                    <p:nvPicPr>
-                      <p:cNvPr id="0" name=""/>
-                      <p:cNvPicPr/>
-                      <p:nvPr/>
-                    </p:nvPicPr>
-                    <p:blipFill>
-                      <a:blip r:embed="rId4"/>
-                      <a:stretch>
-                        <a:fillRect/>
-                      </a:stretch>
-                    </p:blipFill>
-                    <p:spPr>
-                      <a:xfrm>
-                        <a:off x="2212974" y="4162424"/>
-                        <a:ext cx="34994953" cy="5438776"/>
-                      </a:xfrm>
-                      <a:prstGeom prst="rect">
-                        <a:avLst/>
-                      </a:prstGeom>
-                    </p:spPr>
-                  </p:pic>
-                </p:oleObj>
-              </mc:Fallback>
-            </mc:AlternateContent>
-          </a:graphicData>
-        </a:graphic>
-      </p:graphicFrame>
-      <p:graphicFrame>
-        <p:nvGraphicFramePr>
-          <p:cNvPr id="12" name="Object 11">
-            <a:extLst>
-              <a:ext uri="{FF2B5EF4-FFF2-40B4-BE49-F238E27FC236}">
-                <a16:creationId xmlns:a16="http://schemas.microsoft.com/office/drawing/2014/main" id="{6759B505-6503-4AF1-8753-444AE71FA129}"/>
-              </a:ext>
-            </a:extLst>
-          </p:cNvPr>
-          <p:cNvGraphicFramePr>
-            <a:graphicFrameLocks noChangeAspect="1"/>
-          </p:cNvGraphicFramePr>
-          <p:nvPr>
-            <p:extLst>
-              <p:ext uri="{D42A27DB-BD31-4B8C-83A1-F6EECF244321}">
-                <p14:modId xmlns:p14="http://schemas.microsoft.com/office/powerpoint/2010/main" val="255881480"/>
-              </p:ext>
-            </p:extLst>
-          </p:nvPr>
-        </p:nvGraphicFramePr>
-        <p:xfrm>
-          <a:off x="1716514" y="10534650"/>
-          <a:ext cx="35561745" cy="7143750"/>
-        </p:xfrm>
-        <a:graphic>
-          <a:graphicData uri="http://schemas.openxmlformats.org/presentationml/2006/ole">
-            <mc:AlternateContent xmlns:mc="http://schemas.openxmlformats.org/markup-compatibility/2006">
-              <mc:Choice xmlns:v="urn:schemas-microsoft-com:vml" Requires="v">
-                <p:oleObj spid="_x0000_s2060" name="Visio" r:id="rId5" imgW="17259300" imgH="3466996" progId="Visio.Drawing.15">
-                  <p:embed/>
-                </p:oleObj>
-              </mc:Choice>
-              <mc:Fallback>
-                <p:oleObj name="Visio" r:id="rId5" imgW="17259300" imgH="3466996" progId="Visio.Drawing.15">
-                  <p:embed/>
-                  <p:pic>
-                    <p:nvPicPr>
-                      <p:cNvPr id="6" name="Object 5">
-                        <a:extLst>
-                          <a:ext uri="{FF2B5EF4-FFF2-40B4-BE49-F238E27FC236}">
-                            <a16:creationId xmlns:a16="http://schemas.microsoft.com/office/drawing/2014/main" id="{61FC69C3-CFF0-4817-9851-0DB10653FD36}"/>
-                          </a:ext>
-                        </a:extLst>
-                      </p:cNvPr>
-                      <p:cNvPicPr/>
-                      <p:nvPr/>
-                    </p:nvPicPr>
-                    <p:blipFill>
-                      <a:blip r:embed="rId6"/>
-                      <a:stretch>
-                        <a:fillRect/>
-                      </a:stretch>
-                    </p:blipFill>
-                    <p:spPr>
-                      <a:xfrm>
-                        <a:off x="1716514" y="10534650"/>
-                        <a:ext cx="35561745" cy="7143750"/>
-                      </a:xfrm>
-                      <a:prstGeom prst="rect">
-                        <a:avLst/>
-                      </a:prstGeom>
-                    </p:spPr>
-                  </p:pic>
-                </p:oleObj>
-              </mc:Fallback>
-            </mc:AlternateContent>
-          </a:graphicData>
-        </a:graphic>
-      </p:graphicFrame>
+          <p:cNvSpPr>
+            <a:spLocks noGrp="1"/>
+          </p:cNvSpPr>
+          <p:nvPr>
+            <p:ph idx="1"/>
+          </p:nvPr>
+        </p:nvSpPr>
+        <p:spPr/>
+        <p:txBody>
+          <a:bodyPr/>
+          <a:lstStyle/>
+          <a:p>
+            <a:pPr marL="0" indent="0">
+              <a:buNone/>
+            </a:pPr>
+            <a:r>
+              <a:rPr lang="en-US" dirty="0"/>
+              <a:t>Kernel-Width {Wide, Narrow}</a:t>
+            </a:r>
+          </a:p>
+          <a:p>
+            <a:pPr lvl="1">
+              <a:buFont typeface="Wingdings" panose="05000000000000000000" pitchFamily="2" charset="2"/>
+              <a:buChar char="§"/>
+            </a:pPr>
+            <a:r>
+              <a:rPr lang="en-US" dirty="0"/>
+              <a:t>Describes the relative width ‘KW’ of a single kernel </a:t>
+            </a:r>
+          </a:p>
+          <a:p>
+            <a:pPr lvl="1">
+              <a:buFont typeface="Wingdings" panose="05000000000000000000" pitchFamily="2" charset="2"/>
+              <a:buChar char="§"/>
+            </a:pPr>
+            <a:r>
+              <a:rPr lang="en-US" dirty="0"/>
+              <a:t>Also corresponds to input map width</a:t>
+            </a:r>
+          </a:p>
+          <a:p>
+            <a:pPr lvl="1">
+              <a:buFont typeface="Wingdings" panose="05000000000000000000" pitchFamily="2" charset="2"/>
+              <a:buChar char="§"/>
+            </a:pPr>
+            <a:r>
+              <a:rPr lang="en-US" dirty="0"/>
+              <a:t>Narrow: ‘KW’ =&lt; 8 </a:t>
+            </a:r>
+          </a:p>
+          <a:p>
+            <a:pPr lvl="1">
+              <a:buFont typeface="Wingdings" panose="05000000000000000000" pitchFamily="2" charset="2"/>
+              <a:buChar char="§"/>
+            </a:pPr>
+            <a:r>
+              <a:rPr lang="en-US" dirty="0"/>
+              <a:t>Wide: ‘KW’ &gt; 8</a:t>
+            </a:r>
+          </a:p>
+          <a:p>
+            <a:pPr>
+              <a:buFont typeface="Wingdings" panose="05000000000000000000" pitchFamily="2" charset="2"/>
+              <a:buChar char="§"/>
+            </a:pPr>
+            <a:r>
+              <a:rPr lang="en-US" dirty="0"/>
+              <a:t>Layer-Width {Wide, Narrow}</a:t>
+            </a:r>
+          </a:p>
+          <a:p>
+            <a:pPr lvl="1">
+              <a:buFont typeface="Wingdings" panose="05000000000000000000" pitchFamily="2" charset="2"/>
+              <a:buChar char="§"/>
+            </a:pPr>
+            <a:r>
+              <a:rPr lang="en-US" dirty="0"/>
+              <a:t>Describes the relative width ‘LW’ of a layer</a:t>
+            </a:r>
+          </a:p>
+          <a:p>
+            <a:pPr lvl="1">
+              <a:buFont typeface="Wingdings" panose="05000000000000000000" pitchFamily="2" charset="2"/>
+              <a:buChar char="§"/>
+            </a:pPr>
+            <a:r>
+              <a:rPr lang="en-US" dirty="0"/>
+              <a:t>Narrow: ‘LW’ =&lt; 8</a:t>
+            </a:r>
+          </a:p>
+          <a:p>
+            <a:pPr lvl="1">
+              <a:buFont typeface="Wingdings" panose="05000000000000000000" pitchFamily="2" charset="2"/>
+              <a:buChar char="§"/>
+            </a:pPr>
+            <a:r>
+              <a:rPr lang="en-US" dirty="0"/>
+              <a:t>Wide: ‘LW’ &gt; 8</a:t>
+            </a:r>
+          </a:p>
+          <a:p>
+            <a:pPr lvl="1">
+              <a:buFont typeface="Wingdings" panose="05000000000000000000" pitchFamily="2" charset="2"/>
+              <a:buChar char="§"/>
+            </a:pPr>
+            <a:endParaRPr lang="en-US" dirty="0"/>
+          </a:p>
+        </p:txBody>
+      </p:sp>
     </p:spTree>
     <p:extLst>
       <p:ext uri="{BB962C8B-B14F-4D97-AF65-F5344CB8AC3E}">
-        <p14:creationId xmlns:p14="http://schemas.microsoft.com/office/powerpoint/2010/main" val="3919212141"/>
+        <p14:creationId xmlns:p14="http://schemas.microsoft.com/office/powerpoint/2010/main" val="1753376358"/>
       </p:ext>
     </p:extLst>
   </p:cSld>
@@ -3518,7 +6312,7 @@
           <p:cNvPr id="2" name="Title 1">
             <a:extLst>
               <a:ext uri="{FF2B5EF4-FFF2-40B4-BE49-F238E27FC236}">
-                <a16:creationId xmlns:a16="http://schemas.microsoft.com/office/drawing/2014/main" id="{3D0B9C26-A9DA-4829-8F3F-7CE8CAB89AEC}"/>
+                <a16:creationId xmlns:a16="http://schemas.microsoft.com/office/drawing/2014/main" id="{0ECB9C0E-B3DA-4406-BD81-DD85B046980B}"/>
               </a:ext>
             </a:extLst>
           </p:cNvPr>
@@ -3529,165 +6323,117 @@
             <p:ph type="title"/>
           </p:nvPr>
         </p:nvSpPr>
-        <p:spPr>
-          <a:xfrm>
-            <a:off x="1361440" y="-4241802"/>
-            <a:ext cx="33649920" cy="4241802"/>
-          </a:xfrm>
-        </p:spPr>
+        <p:spPr/>
         <p:txBody>
           <a:bodyPr/>
           <a:lstStyle/>
           <a:p>
             <a:r>
               <a:rPr lang="en-US" dirty="0"/>
-              <a:t>Mode-0</a:t>
-            </a:r>
-          </a:p>
-        </p:txBody>
-      </p:sp>
-      <p:graphicFrame>
-        <p:nvGraphicFramePr>
-          <p:cNvPr id="10" name="Object 9">
+              <a:t>CNN Layer Attributes (cont.)</a:t>
+            </a:r>
+          </a:p>
+        </p:txBody>
+      </p:sp>
+      <p:sp>
+        <p:nvSpPr>
+          <p:cNvPr id="3" name="Content Placeholder 2">
             <a:extLst>
               <a:ext uri="{FF2B5EF4-FFF2-40B4-BE49-F238E27FC236}">
-                <a16:creationId xmlns:a16="http://schemas.microsoft.com/office/drawing/2014/main" id="{C70677AE-DB72-4334-BE80-A09387AA80E3}"/>
+                <a16:creationId xmlns:a16="http://schemas.microsoft.com/office/drawing/2014/main" id="{E5EC1DEB-329F-400D-BF6B-BCABCCBD03D0}"/>
               </a:ext>
             </a:extLst>
           </p:cNvPr>
-          <p:cNvGraphicFramePr>
-            <a:graphicFrameLocks noChangeAspect="1"/>
-          </p:cNvGraphicFramePr>
-          <p:nvPr>
-            <p:extLst>
-              <p:ext uri="{D42A27DB-BD31-4B8C-83A1-F6EECF244321}">
-                <p14:modId xmlns:p14="http://schemas.microsoft.com/office/powerpoint/2010/main" val="2150582628"/>
-              </p:ext>
-            </p:extLst>
-          </p:nvPr>
-        </p:nvGraphicFramePr>
-        <p:xfrm>
-          <a:off x="2212974" y="4162424"/>
-          <a:ext cx="32330496" cy="5438775"/>
-        </p:xfrm>
-        <a:graphic>
-          <a:graphicData uri="http://schemas.openxmlformats.org/presentationml/2006/ole">
-            <mc:AlternateContent xmlns:mc="http://schemas.openxmlformats.org/markup-compatibility/2006">
-              <mc:Choice xmlns:v="urn:schemas-microsoft-com:vml" Requires="v">
-                <p:oleObj spid="_x0000_s3083" name="Visio" r:id="rId3" imgW="11210960" imgH="1886106" progId="Visio.Drawing.15">
-                  <p:embed/>
-                </p:oleObj>
-              </mc:Choice>
-              <mc:Fallback>
-                <p:oleObj name="Visio" r:id="rId3" imgW="11210960" imgH="1886106" progId="Visio.Drawing.15">
-                  <p:embed/>
-                  <p:pic>
-                    <p:nvPicPr>
-                      <p:cNvPr id="13" name="Object 12">
-                        <a:extLst>
-                          <a:ext uri="{FF2B5EF4-FFF2-40B4-BE49-F238E27FC236}">
-                            <a16:creationId xmlns:a16="http://schemas.microsoft.com/office/drawing/2014/main" id="{81EEE3C8-5501-461F-9114-98095931B572}"/>
-                          </a:ext>
-                        </a:extLst>
-                      </p:cNvPr>
-                      <p:cNvPicPr/>
-                      <p:nvPr/>
-                    </p:nvPicPr>
-                    <p:blipFill>
-                      <a:blip r:embed="rId4"/>
-                      <a:stretch>
-                        <a:fillRect/>
-                      </a:stretch>
-                    </p:blipFill>
-                    <p:spPr>
-                      <a:xfrm>
-                        <a:off x="2212974" y="4162424"/>
-                        <a:ext cx="32330496" cy="5438775"/>
-                      </a:xfrm>
-                      <a:prstGeom prst="rect">
-                        <a:avLst/>
-                      </a:prstGeom>
-                    </p:spPr>
-                  </p:pic>
-                </p:oleObj>
-              </mc:Fallback>
-            </mc:AlternateContent>
-          </a:graphicData>
-        </a:graphic>
-      </p:graphicFrame>
-      <p:graphicFrame>
-        <p:nvGraphicFramePr>
-          <p:cNvPr id="12" name="Object 11">
-            <a:extLst>
-              <a:ext uri="{FF2B5EF4-FFF2-40B4-BE49-F238E27FC236}">
-                <a16:creationId xmlns:a16="http://schemas.microsoft.com/office/drawing/2014/main" id="{F9186C23-4226-4686-8FC7-A314409B285C}"/>
-              </a:ext>
-            </a:extLst>
-          </p:cNvPr>
-          <p:cNvGraphicFramePr>
-            <a:graphicFrameLocks noChangeAspect="1"/>
-          </p:cNvGraphicFramePr>
-          <p:nvPr>
-            <p:extLst>
-              <p:ext uri="{D42A27DB-BD31-4B8C-83A1-F6EECF244321}">
-                <p14:modId xmlns:p14="http://schemas.microsoft.com/office/powerpoint/2010/main" val="643716790"/>
-              </p:ext>
-            </p:extLst>
-          </p:nvPr>
-        </p:nvGraphicFramePr>
-        <p:xfrm>
-          <a:off x="1716516" y="10534650"/>
-          <a:ext cx="35581370" cy="7143750"/>
-        </p:xfrm>
-        <a:graphic>
-          <a:graphicData uri="http://schemas.openxmlformats.org/presentationml/2006/ole">
-            <mc:AlternateContent xmlns:mc="http://schemas.openxmlformats.org/markup-compatibility/2006">
-              <mc:Choice xmlns:v="urn:schemas-microsoft-com:vml" Requires="v">
-                <p:oleObj spid="_x0000_s3084" name="Visio" r:id="rId5" imgW="17268860" imgH="3466996" progId="Visio.Drawing.15">
-                  <p:embed/>
-                </p:oleObj>
-              </mc:Choice>
-              <mc:Fallback>
-                <p:oleObj name="Visio" r:id="rId5" imgW="17268860" imgH="3466996" progId="Visio.Drawing.15">
-                  <p:embed/>
-                  <p:pic>
-                    <p:nvPicPr>
-                      <p:cNvPr id="15" name="Object 14">
-                        <a:extLst>
-                          <a:ext uri="{FF2B5EF4-FFF2-40B4-BE49-F238E27FC236}">
-                            <a16:creationId xmlns:a16="http://schemas.microsoft.com/office/drawing/2014/main" id="{1DEFD738-55AB-46B0-B6EC-DE66CB391C5D}"/>
-                          </a:ext>
-                        </a:extLst>
-                      </p:cNvPr>
-                      <p:cNvPicPr/>
-                      <p:nvPr/>
-                    </p:nvPicPr>
-                    <p:blipFill>
-                      <a:blip r:embed="rId6"/>
-                      <a:stretch>
-                        <a:fillRect/>
-                      </a:stretch>
-                    </p:blipFill>
-                    <p:spPr>
-                      <a:xfrm>
-                        <a:off x="1716516" y="10534650"/>
-                        <a:ext cx="35581370" cy="7143750"/>
-                      </a:xfrm>
-                      <a:prstGeom prst="rect">
-                        <a:avLst/>
-                      </a:prstGeom>
-                    </p:spPr>
-                  </p:pic>
-                </p:oleObj>
-              </mc:Fallback>
-            </mc:AlternateContent>
-          </a:graphicData>
-        </a:graphic>
-      </p:graphicFrame>
+          <p:cNvSpPr>
+            <a:spLocks noGrp="1"/>
+          </p:cNvSpPr>
+          <p:nvPr>
+            <p:ph idx="1"/>
+          </p:nvPr>
+        </p:nvSpPr>
+        <p:spPr/>
+        <p:txBody>
+          <a:bodyPr>
+            <a:normAutofit lnSpcReduction="10000"/>
+          </a:bodyPr>
+          <a:lstStyle/>
+          <a:p>
+            <a:pPr marL="0" indent="0">
+              <a:buNone/>
+            </a:pPr>
+            <a:r>
+              <a:rPr lang="en-US" dirty="0"/>
+              <a:t>Pooling</a:t>
+            </a:r>
+          </a:p>
+          <a:p>
+            <a:pPr lvl="1">
+              <a:buFont typeface="Wingdings" panose="05000000000000000000" pitchFamily="2" charset="2"/>
+              <a:buChar char="§"/>
+            </a:pPr>
+            <a:r>
+              <a:rPr lang="en-US" dirty="0"/>
+              <a:t>Specifies whether the layer includes a pooling stage</a:t>
+            </a:r>
+          </a:p>
+          <a:p>
+            <a:pPr lvl="1">
+              <a:buFont typeface="Wingdings" panose="05000000000000000000" pitchFamily="2" charset="2"/>
+              <a:buChar char="§"/>
+            </a:pPr>
+            <a:r>
+              <a:rPr lang="en-US" dirty="0"/>
+              <a:t>Pooling subsamples a 2D window from a convolved input map</a:t>
+            </a:r>
+          </a:p>
+          <a:p>
+            <a:pPr lvl="1">
+              <a:buFont typeface="Wingdings" panose="05000000000000000000" pitchFamily="2" charset="2"/>
+              <a:buChar char="§"/>
+            </a:pPr>
+            <a:r>
+              <a:rPr lang="en-US" dirty="0"/>
+              <a:t>The subsampling operation can be min, max, average, etc.</a:t>
+            </a:r>
+          </a:p>
+          <a:p>
+            <a:pPr lvl="1">
+              <a:buFont typeface="Wingdings" panose="05000000000000000000" pitchFamily="2" charset="2"/>
+              <a:buChar char="§"/>
+            </a:pPr>
+            <a:r>
+              <a:rPr lang="en-US" dirty="0"/>
+              <a:t>The stride of the subsampling window determines the dimension of pooling output map</a:t>
+            </a:r>
+          </a:p>
+          <a:p>
+            <a:pPr marL="342937" lvl="1" indent="0">
+              <a:buNone/>
+            </a:pPr>
+            <a:endParaRPr lang="en-US" dirty="0"/>
+          </a:p>
+          <a:p>
+            <a:pPr marL="342937" lvl="1" indent="0">
+              <a:buNone/>
+            </a:pPr>
+            <a:r>
+              <a:rPr lang="en-US" dirty="0"/>
+              <a:t>Example: the result of convolving a 256x256x3 input with a 3x3x3 kernel is a 256x256x1  map (ignoring boundary effects).  Passing this map to a MAX pooling operator with 2x2 stride results in a 128x128x1 map.  Each pixel in this map corresponds to the max value in the convolved map at window centered at the pixel</a:t>
+            </a:r>
+          </a:p>
+          <a:p>
+            <a:pPr lvl="1">
+              <a:buFont typeface="Wingdings" panose="05000000000000000000" pitchFamily="2" charset="2"/>
+              <a:buChar char="§"/>
+            </a:pPr>
+            <a:endParaRPr lang="en-US" dirty="0"/>
+          </a:p>
+        </p:txBody>
+      </p:sp>
     </p:spTree>
     <p:extLst>
       <p:ext uri="{BB962C8B-B14F-4D97-AF65-F5344CB8AC3E}">
-        <p14:creationId xmlns:p14="http://schemas.microsoft.com/office/powerpoint/2010/main" val="642947414"/>
+        <p14:creationId xmlns:p14="http://schemas.microsoft.com/office/powerpoint/2010/main" val="17959403"/>
       </p:ext>
     </p:extLst>
   </p:cSld>
@@ -3714,148 +6460,189 @@
           <a:chExt cx="0" cy="0"/>
         </a:xfrm>
       </p:grpSpPr>
-      <p:graphicFrame>
-        <p:nvGraphicFramePr>
-          <p:cNvPr id="6" name="Object 5">
+      <p:sp>
+        <p:nvSpPr>
+          <p:cNvPr id="2" name="Title 1">
             <a:extLst>
               <a:ext uri="{FF2B5EF4-FFF2-40B4-BE49-F238E27FC236}">
-                <a16:creationId xmlns:a16="http://schemas.microsoft.com/office/drawing/2014/main" id="{282F47D0-CED6-41A2-A30A-8D715A1F2F6D}"/>
+                <a16:creationId xmlns:a16="http://schemas.microsoft.com/office/drawing/2014/main" id="{0ECB9C0E-B3DA-4406-BD81-DD85B046980B}"/>
               </a:ext>
             </a:extLst>
           </p:cNvPr>
-          <p:cNvGraphicFramePr>
-            <a:graphicFrameLocks noChangeAspect="1"/>
-          </p:cNvGraphicFramePr>
-          <p:nvPr>
-            <p:extLst>
-              <p:ext uri="{D42A27DB-BD31-4B8C-83A1-F6EECF244321}">
-                <p14:modId xmlns:p14="http://schemas.microsoft.com/office/powerpoint/2010/main" val="3949612336"/>
-              </p:ext>
-            </p:extLst>
-          </p:nvPr>
-        </p:nvGraphicFramePr>
-        <p:xfrm>
-          <a:off x="2212974" y="4162424"/>
-          <a:ext cx="31039468" cy="5438774"/>
-        </p:xfrm>
-        <a:graphic>
-          <a:graphicData uri="http://schemas.openxmlformats.org/presentationml/2006/ole">
-            <mc:AlternateContent xmlns:mc="http://schemas.openxmlformats.org/markup-compatibility/2006">
-              <mc:Choice xmlns:v="urn:schemas-microsoft-com:vml" Requires="v">
-                <p:oleObj spid="_x0000_s5124" name="Visio" r:id="rId3" imgW="10763319" imgH="1886106" progId="Visio.Drawing.15">
-                  <p:embed/>
-                </p:oleObj>
-              </mc:Choice>
-              <mc:Fallback>
-                <p:oleObj name="Visio" r:id="rId3" imgW="10763319" imgH="1886106" progId="Visio.Drawing.15">
-                  <p:embed/>
-                  <p:pic>
-                    <p:nvPicPr>
-                      <p:cNvPr id="13" name="Object 12">
-                        <a:extLst>
-                          <a:ext uri="{FF2B5EF4-FFF2-40B4-BE49-F238E27FC236}">
-                            <a16:creationId xmlns:a16="http://schemas.microsoft.com/office/drawing/2014/main" id="{AF2BFA9A-E779-46A7-9F15-BBDC45CE6976}"/>
-                          </a:ext>
-                        </a:extLst>
-                      </p:cNvPr>
-                      <p:cNvPicPr/>
-                      <p:nvPr/>
-                    </p:nvPicPr>
-                    <p:blipFill>
-                      <a:blip r:embed="rId4"/>
-                      <a:stretch>
-                        <a:fillRect/>
-                      </a:stretch>
-                    </p:blipFill>
-                    <p:spPr>
-                      <a:xfrm>
-                        <a:off x="2212974" y="4162424"/>
-                        <a:ext cx="31039468" cy="5438774"/>
-                      </a:xfrm>
-                      <a:prstGeom prst="rect">
-                        <a:avLst/>
-                      </a:prstGeom>
-                    </p:spPr>
-                  </p:pic>
-                </p:oleObj>
-              </mc:Fallback>
-            </mc:AlternateContent>
-          </a:graphicData>
-        </a:graphic>
-      </p:graphicFrame>
-      <p:graphicFrame>
-        <p:nvGraphicFramePr>
-          <p:cNvPr id="7" name="Object 6">
+          <p:cNvSpPr>
+            <a:spLocks noGrp="1"/>
+          </p:cNvSpPr>
+          <p:nvPr>
+            <p:ph type="title"/>
+          </p:nvPr>
+        </p:nvSpPr>
+        <p:spPr/>
+        <p:txBody>
+          <a:bodyPr/>
+          <a:lstStyle/>
+          <a:p>
+            <a:r>
+              <a:rPr lang="en-US" dirty="0"/>
+              <a:t>CNN Layer Attributes (cont.)</a:t>
+            </a:r>
+          </a:p>
+        </p:txBody>
+      </p:sp>
+      <p:sp>
+        <p:nvSpPr>
+          <p:cNvPr id="3" name="Content Placeholder 2">
             <a:extLst>
               <a:ext uri="{FF2B5EF4-FFF2-40B4-BE49-F238E27FC236}">
-                <a16:creationId xmlns:a16="http://schemas.microsoft.com/office/drawing/2014/main" id="{A8F4E2E5-F17C-4B5E-92BB-A3408F897BDE}"/>
+                <a16:creationId xmlns:a16="http://schemas.microsoft.com/office/drawing/2014/main" id="{E5EC1DEB-329F-400D-BF6B-BCABCCBD03D0}"/>
               </a:ext>
             </a:extLst>
           </p:cNvPr>
-          <p:cNvGraphicFramePr>
-            <a:graphicFrameLocks noChangeAspect="1"/>
-          </p:cNvGraphicFramePr>
-          <p:nvPr>
-            <p:extLst>
-              <p:ext uri="{D42A27DB-BD31-4B8C-83A1-F6EECF244321}">
-                <p14:modId xmlns:p14="http://schemas.microsoft.com/office/powerpoint/2010/main" val="3615491384"/>
-              </p:ext>
-            </p:extLst>
-          </p:nvPr>
-        </p:nvGraphicFramePr>
-        <p:xfrm>
-          <a:off x="1716515" y="10534650"/>
-          <a:ext cx="35581370" cy="7143750"/>
-        </p:xfrm>
-        <a:graphic>
-          <a:graphicData uri="http://schemas.openxmlformats.org/presentationml/2006/ole">
-            <mc:AlternateContent xmlns:mc="http://schemas.openxmlformats.org/markup-compatibility/2006">
-              <mc:Choice xmlns:v="urn:schemas-microsoft-com:vml" Requires="v">
-                <p:oleObj spid="_x0000_s5125" name="Visio" r:id="rId5" imgW="17268860" imgH="3466996" progId="Visio.Drawing.15">
-                  <p:embed/>
-                </p:oleObj>
-              </mc:Choice>
-              <mc:Fallback>
-                <p:oleObj name="Visio" r:id="rId5" imgW="17268860" imgH="3466996" progId="Visio.Drawing.15">
-                  <p:embed/>
-                  <p:pic>
-                    <p:nvPicPr>
-                      <p:cNvPr id="14" name="Object 13">
-                        <a:extLst>
-                          <a:ext uri="{FF2B5EF4-FFF2-40B4-BE49-F238E27FC236}">
-                            <a16:creationId xmlns:a16="http://schemas.microsoft.com/office/drawing/2014/main" id="{E325517A-7D4E-4079-BD78-DB8B9A94F1E6}"/>
-                          </a:ext>
-                        </a:extLst>
-                      </p:cNvPr>
-                      <p:cNvPicPr/>
-                      <p:nvPr/>
-                    </p:nvPicPr>
-                    <p:blipFill>
-                      <a:blip r:embed="rId6"/>
-                      <a:stretch>
-                        <a:fillRect/>
-                      </a:stretch>
-                    </p:blipFill>
-                    <p:spPr>
-                      <a:xfrm>
-                        <a:off x="1716515" y="10534650"/>
-                        <a:ext cx="35581370" cy="7143750"/>
-                      </a:xfrm>
-                      <a:prstGeom prst="rect">
-                        <a:avLst/>
-                      </a:prstGeom>
-                    </p:spPr>
-                  </p:pic>
-                </p:oleObj>
-              </mc:Fallback>
-            </mc:AlternateContent>
-          </a:graphicData>
-        </a:graphic>
-      </p:graphicFrame>
+          <p:cNvSpPr>
+            <a:spLocks noGrp="1"/>
+          </p:cNvSpPr>
+          <p:nvPr>
+            <p:ph idx="1"/>
+          </p:nvPr>
+        </p:nvSpPr>
+        <p:spPr/>
+        <p:txBody>
+          <a:bodyPr>
+            <a:normAutofit/>
+          </a:bodyPr>
+          <a:lstStyle/>
+          <a:p>
+            <a:pPr marL="0" indent="0">
+              <a:buNone/>
+            </a:pPr>
+            <a:r>
+              <a:rPr lang="en-US" dirty="0"/>
+              <a:t>Activation</a:t>
+            </a:r>
+          </a:p>
+          <a:p>
+            <a:pPr lvl="1">
+              <a:buFont typeface="Wingdings" panose="05000000000000000000" pitchFamily="2" charset="2"/>
+              <a:buChar char="§"/>
+            </a:pPr>
+            <a:r>
+              <a:rPr lang="en-US" dirty="0"/>
+              <a:t>Specifies whether the layer includes an activation stage</a:t>
+            </a:r>
+          </a:p>
+          <a:p>
+            <a:pPr lvl="1">
+              <a:buFont typeface="Wingdings" panose="05000000000000000000" pitchFamily="2" charset="2"/>
+              <a:buChar char="§"/>
+            </a:pPr>
+            <a:r>
+              <a:rPr lang="en-US" dirty="0"/>
+              <a:t>Activation transforms each input map pixel according to f(x)</a:t>
+            </a:r>
+          </a:p>
+          <a:p>
+            <a:pPr lvl="1">
+              <a:buFont typeface="Wingdings" panose="05000000000000000000" pitchFamily="2" charset="2"/>
+              <a:buChar char="§"/>
+            </a:pPr>
+            <a:r>
+              <a:rPr lang="en-US" dirty="0"/>
+              <a:t>Activation does not alter the dimensions of the input map</a:t>
+            </a:r>
+          </a:p>
+          <a:p>
+            <a:pPr lvl="1">
+              <a:buFont typeface="Wingdings" panose="05000000000000000000" pitchFamily="2" charset="2"/>
+              <a:buChar char="§"/>
+            </a:pPr>
+            <a:r>
+              <a:rPr lang="en-US" dirty="0"/>
+              <a:t>The implementation of Activation is relatively cheap when f(x) =</a:t>
+            </a:r>
+          </a:p>
+          <a:p>
+            <a:pPr lvl="2">
+              <a:buFont typeface="Wingdings" panose="05000000000000000000" pitchFamily="2" charset="2"/>
+              <a:buChar char="§"/>
+            </a:pPr>
+            <a:r>
+              <a:rPr lang="en-US" dirty="0"/>
+              <a:t>Rectified Linear (</a:t>
+            </a:r>
+            <a:r>
+              <a:rPr lang="en-US" dirty="0" err="1"/>
+              <a:t>ReLU</a:t>
+            </a:r>
+            <a:r>
+              <a:rPr lang="en-US" dirty="0"/>
+              <a:t>)</a:t>
+            </a:r>
+          </a:p>
+          <a:p>
+            <a:pPr lvl="2">
+              <a:buFont typeface="Wingdings" panose="05000000000000000000" pitchFamily="2" charset="2"/>
+              <a:buChar char="§"/>
+            </a:pPr>
+            <a:endParaRPr lang="en-US" dirty="0"/>
+          </a:p>
+          <a:p>
+            <a:pPr lvl="1">
+              <a:buFont typeface="Wingdings" panose="05000000000000000000" pitchFamily="2" charset="2"/>
+              <a:buChar char="§"/>
+            </a:pPr>
+            <a:r>
+              <a:rPr lang="en-US" dirty="0"/>
+              <a:t>Activation may require LUT based interpolation when f(x) =</a:t>
+            </a:r>
+          </a:p>
+          <a:p>
+            <a:pPr lvl="2">
+              <a:buFont typeface="Wingdings" panose="05000000000000000000" pitchFamily="2" charset="2"/>
+              <a:buChar char="§"/>
+            </a:pPr>
+            <a:r>
+              <a:rPr lang="en-US" dirty="0"/>
+              <a:t>Sigmoid</a:t>
+            </a:r>
+          </a:p>
+          <a:p>
+            <a:pPr lvl="2">
+              <a:buFont typeface="Wingdings" panose="05000000000000000000" pitchFamily="2" charset="2"/>
+              <a:buChar char="§"/>
+            </a:pPr>
+            <a:r>
+              <a:rPr lang="en-US" dirty="0"/>
+              <a:t>Hyperbolic tangent</a:t>
+            </a:r>
+          </a:p>
+          <a:p>
+            <a:pPr lvl="2">
+              <a:buFont typeface="Wingdings" panose="05000000000000000000" pitchFamily="2" charset="2"/>
+              <a:buChar char="§"/>
+            </a:pPr>
+            <a:r>
+              <a:rPr lang="en-US" dirty="0"/>
+              <a:t>Other differentiable functions of ‘x’</a:t>
+            </a:r>
+          </a:p>
+          <a:p>
+            <a:pPr marL="342937" lvl="1" indent="0">
+              <a:buNone/>
+            </a:pPr>
+            <a:endParaRPr lang="en-US" dirty="0"/>
+          </a:p>
+          <a:p>
+            <a:pPr lvl="1">
+              <a:buFont typeface="Wingdings" panose="05000000000000000000" pitchFamily="2" charset="2"/>
+              <a:buChar char="§"/>
+            </a:pPr>
+            <a:endParaRPr lang="en-US" dirty="0"/>
+          </a:p>
+        </p:txBody>
+      </p:sp>
     </p:spTree>
     <p:extLst>
       <p:ext uri="{BB962C8B-B14F-4D97-AF65-F5344CB8AC3E}">
-        <p14:creationId xmlns:p14="http://schemas.microsoft.com/office/powerpoint/2010/main" val="3997656707"/>
+        <p14:creationId xmlns:p14="http://schemas.microsoft.com/office/powerpoint/2010/main" val="3639452041"/>
       </p:ext>
     </p:extLst>
   </p:cSld>
@@ -3882,148 +6669,209 @@
           <a:chExt cx="0" cy="0"/>
         </a:xfrm>
       </p:grpSpPr>
-      <p:graphicFrame>
-        <p:nvGraphicFramePr>
-          <p:cNvPr id="5" name="Object 4">
+      <p:sp>
+        <p:nvSpPr>
+          <p:cNvPr id="2" name="Title 1">
             <a:extLst>
               <a:ext uri="{FF2B5EF4-FFF2-40B4-BE49-F238E27FC236}">
-                <a16:creationId xmlns:a16="http://schemas.microsoft.com/office/drawing/2014/main" id="{8CB38526-BBE3-4BE4-BF17-2CC281B5B56D}"/>
+                <a16:creationId xmlns:a16="http://schemas.microsoft.com/office/drawing/2014/main" id="{0ECB9C0E-B3DA-4406-BD81-DD85B046980B}"/>
               </a:ext>
             </a:extLst>
           </p:cNvPr>
-          <p:cNvGraphicFramePr>
-            <a:graphicFrameLocks noChangeAspect="1"/>
-          </p:cNvGraphicFramePr>
-          <p:nvPr>
-            <p:extLst>
-              <p:ext uri="{D42A27DB-BD31-4B8C-83A1-F6EECF244321}">
-                <p14:modId xmlns:p14="http://schemas.microsoft.com/office/powerpoint/2010/main" val="1291037410"/>
-              </p:ext>
-            </p:extLst>
-          </p:nvPr>
-        </p:nvGraphicFramePr>
-        <p:xfrm>
-          <a:off x="2212974" y="1465261"/>
-          <a:ext cx="30857826" cy="8078540"/>
-        </p:xfrm>
-        <a:graphic>
-          <a:graphicData uri="http://schemas.openxmlformats.org/presentationml/2006/ole">
-            <mc:AlternateContent xmlns:mc="http://schemas.openxmlformats.org/markup-compatibility/2006">
-              <mc:Choice xmlns:v="urn:schemas-microsoft-com:vml" Requires="v">
-                <p:oleObj spid="_x0000_s6148" name="Visio" r:id="rId3" imgW="10696402" imgH="2800506" progId="Visio.Drawing.15">
-                  <p:embed/>
-                </p:oleObj>
-              </mc:Choice>
-              <mc:Fallback>
-                <p:oleObj name="Visio" r:id="rId3" imgW="10696402" imgH="2800506" progId="Visio.Drawing.15">
-                  <p:embed/>
-                  <p:pic>
-                    <p:nvPicPr>
-                      <p:cNvPr id="2" name="Object 1">
-                        <a:extLst>
-                          <a:ext uri="{FF2B5EF4-FFF2-40B4-BE49-F238E27FC236}">
-                            <a16:creationId xmlns:a16="http://schemas.microsoft.com/office/drawing/2014/main" id="{89FE0EB7-EBCE-4404-815E-6B61A70065FC}"/>
-                          </a:ext>
-                        </a:extLst>
-                      </p:cNvPr>
-                      <p:cNvPicPr/>
-                      <p:nvPr/>
-                    </p:nvPicPr>
-                    <p:blipFill>
-                      <a:blip r:embed="rId4"/>
-                      <a:stretch>
-                        <a:fillRect/>
-                      </a:stretch>
-                    </p:blipFill>
-                    <p:spPr>
-                      <a:xfrm>
-                        <a:off x="2212974" y="1465261"/>
-                        <a:ext cx="30857826" cy="8078540"/>
-                      </a:xfrm>
-                      <a:prstGeom prst="rect">
-                        <a:avLst/>
-                      </a:prstGeom>
-                    </p:spPr>
-                  </p:pic>
-                </p:oleObj>
-              </mc:Fallback>
-            </mc:AlternateContent>
-          </a:graphicData>
-        </a:graphic>
-      </p:graphicFrame>
-      <p:graphicFrame>
-        <p:nvGraphicFramePr>
-          <p:cNvPr id="8" name="Object 7">
+          <p:cNvSpPr>
+            <a:spLocks noGrp="1"/>
+          </p:cNvSpPr>
+          <p:nvPr>
+            <p:ph type="title"/>
+          </p:nvPr>
+        </p:nvSpPr>
+        <p:spPr/>
+        <p:txBody>
+          <a:bodyPr/>
+          <a:lstStyle/>
+          <a:p>
+            <a:r>
+              <a:rPr lang="en-US" dirty="0"/>
+              <a:t>CNN Layer Attributes (cont.)</a:t>
+            </a:r>
+          </a:p>
+        </p:txBody>
+      </p:sp>
+      <p:sp>
+        <p:nvSpPr>
+          <p:cNvPr id="3" name="Content Placeholder 2">
             <a:extLst>
               <a:ext uri="{FF2B5EF4-FFF2-40B4-BE49-F238E27FC236}">
-                <a16:creationId xmlns:a16="http://schemas.microsoft.com/office/drawing/2014/main" id="{7064F6DC-4C19-4FB9-B1A6-A14AED0A9716}"/>
+                <a16:creationId xmlns:a16="http://schemas.microsoft.com/office/drawing/2014/main" id="{E5EC1DEB-329F-400D-BF6B-BCABCCBD03D0}"/>
               </a:ext>
             </a:extLst>
           </p:cNvPr>
-          <p:cNvGraphicFramePr>
-            <a:graphicFrameLocks noChangeAspect="1"/>
-          </p:cNvGraphicFramePr>
-          <p:nvPr>
-            <p:extLst>
-              <p:ext uri="{D42A27DB-BD31-4B8C-83A1-F6EECF244321}">
-                <p14:modId xmlns:p14="http://schemas.microsoft.com/office/powerpoint/2010/main" val="2038118122"/>
-              </p:ext>
-            </p:extLst>
-          </p:nvPr>
-        </p:nvGraphicFramePr>
-        <p:xfrm>
-          <a:off x="1716515" y="10534650"/>
-          <a:ext cx="35581370" cy="7143750"/>
-        </p:xfrm>
-        <a:graphic>
-          <a:graphicData uri="http://schemas.openxmlformats.org/presentationml/2006/ole">
-            <mc:AlternateContent xmlns:mc="http://schemas.openxmlformats.org/markup-compatibility/2006">
-              <mc:Choice xmlns:v="urn:schemas-microsoft-com:vml" Requires="v">
-                <p:oleObj spid="_x0000_s6149" name="Visio" r:id="rId5" imgW="17268860" imgH="3466996" progId="Visio.Drawing.15">
-                  <p:embed/>
-                </p:oleObj>
-              </mc:Choice>
-              <mc:Fallback>
-                <p:oleObj name="Visio" r:id="rId5" imgW="17268860" imgH="3466996" progId="Visio.Drawing.15">
-                  <p:embed/>
-                  <p:pic>
-                    <p:nvPicPr>
-                      <p:cNvPr id="4" name="Object 3">
-                        <a:extLst>
-                          <a:ext uri="{FF2B5EF4-FFF2-40B4-BE49-F238E27FC236}">
-                            <a16:creationId xmlns:a16="http://schemas.microsoft.com/office/drawing/2014/main" id="{28680FD2-0BE3-4D28-AA02-5D0AC26587DF}"/>
-                          </a:ext>
-                        </a:extLst>
-                      </p:cNvPr>
-                      <p:cNvPicPr/>
-                      <p:nvPr/>
-                    </p:nvPicPr>
-                    <p:blipFill>
-                      <a:blip r:embed="rId6"/>
-                      <a:stretch>
-                        <a:fillRect/>
-                      </a:stretch>
-                    </p:blipFill>
-                    <p:spPr>
-                      <a:xfrm>
-                        <a:off x="1716515" y="10534650"/>
-                        <a:ext cx="35581370" cy="7143750"/>
-                      </a:xfrm>
-                      <a:prstGeom prst="rect">
-                        <a:avLst/>
-                      </a:prstGeom>
-                    </p:spPr>
-                  </p:pic>
-                </p:oleObj>
-              </mc:Fallback>
-            </mc:AlternateContent>
-          </a:graphicData>
-        </a:graphic>
-      </p:graphicFrame>
+          <p:cNvSpPr>
+            <a:spLocks noGrp="1"/>
+          </p:cNvSpPr>
+          <p:nvPr>
+            <p:ph idx="1"/>
+          </p:nvPr>
+        </p:nvSpPr>
+        <p:spPr/>
+        <p:txBody>
+          <a:bodyPr>
+            <a:normAutofit fontScale="85000" lnSpcReduction="10000"/>
+          </a:bodyPr>
+          <a:lstStyle/>
+          <a:p>
+            <a:pPr marL="0" indent="0">
+              <a:buNone/>
+            </a:pPr>
+            <a:r>
+              <a:rPr lang="en-US" dirty="0"/>
+              <a:t>Squeeze</a:t>
+            </a:r>
+          </a:p>
+          <a:p>
+            <a:pPr lvl="1">
+              <a:buFont typeface="Wingdings" panose="05000000000000000000" pitchFamily="2" charset="2"/>
+              <a:buChar char="§"/>
+            </a:pPr>
+            <a:r>
+              <a:rPr lang="en-US" dirty="0"/>
+              <a:t>Specifies whether the layer implements a map reducing “Squeeze” operation</a:t>
+            </a:r>
+          </a:p>
+          <a:p>
+            <a:pPr lvl="1">
+              <a:buFont typeface="Wingdings" panose="05000000000000000000" pitchFamily="2" charset="2"/>
+              <a:buChar char="§"/>
+            </a:pPr>
+            <a:r>
+              <a:rPr lang="en-US" dirty="0"/>
+              <a:t>Squeezing a layer reduces the width of the output map leaving the layer</a:t>
+            </a:r>
+          </a:p>
+          <a:p>
+            <a:pPr lvl="2">
+              <a:buFont typeface="Wingdings" panose="05000000000000000000" pitchFamily="2" charset="2"/>
+              <a:buChar char="§"/>
+            </a:pPr>
+            <a:r>
+              <a:rPr lang="en-US" dirty="0"/>
+              <a:t>The width of an output map is equal to the number of kernels in the layer</a:t>
+            </a:r>
+          </a:p>
+          <a:p>
+            <a:pPr lvl="2">
+              <a:buFont typeface="Wingdings" panose="05000000000000000000" pitchFamily="2" charset="2"/>
+              <a:buChar char="§"/>
+            </a:pPr>
+            <a:r>
+              <a:rPr lang="en-US" dirty="0"/>
+              <a:t>By performing a convolution across the original K output maps, a single final output map is produced</a:t>
+            </a:r>
+          </a:p>
+          <a:p>
+            <a:pPr lvl="2">
+              <a:buFont typeface="Wingdings" panose="05000000000000000000" pitchFamily="2" charset="2"/>
+              <a:buChar char="§"/>
+            </a:pPr>
+            <a:r>
+              <a:rPr lang="en-US" dirty="0"/>
+              <a:t>Note that there may be several (SQ) Squeeze kernels, each producing a single output map</a:t>
+            </a:r>
+          </a:p>
+          <a:p>
+            <a:pPr lvl="2">
+              <a:buFont typeface="Wingdings" panose="05000000000000000000" pitchFamily="2" charset="2"/>
+              <a:buChar char="§"/>
+            </a:pPr>
+            <a:r>
+              <a:rPr lang="en-US" dirty="0"/>
+              <a:t>Generally |SQ| &lt;&lt; K </a:t>
+            </a:r>
+          </a:p>
+          <a:p>
+            <a:pPr lvl="2">
+              <a:buFont typeface="Wingdings" panose="05000000000000000000" pitchFamily="2" charset="2"/>
+              <a:buChar char="§"/>
+            </a:pPr>
+            <a:r>
+              <a:rPr lang="en-US" dirty="0"/>
+              <a:t>Typically the squeeze kernel is a 1x1 but is not necessary</a:t>
+            </a:r>
+          </a:p>
+          <a:p>
+            <a:pPr marL="685873" lvl="2" indent="0">
+              <a:buNone/>
+            </a:pPr>
+            <a:endParaRPr lang="en-US" dirty="0"/>
+          </a:p>
+          <a:p>
+            <a:pPr marL="0" indent="0">
+              <a:buNone/>
+            </a:pPr>
+            <a:r>
+              <a:rPr lang="en-US" dirty="0"/>
+              <a:t>Stretch (Expand)	</a:t>
+            </a:r>
+          </a:p>
+          <a:p>
+            <a:pPr lvl="1">
+              <a:buFont typeface="Wingdings" panose="05000000000000000000" pitchFamily="2" charset="2"/>
+              <a:buChar char="§"/>
+            </a:pPr>
+            <a:r>
+              <a:rPr lang="en-US" dirty="0"/>
+              <a:t>Specifies whether the layer implements a map increasing “Stretch” operation</a:t>
+            </a:r>
+          </a:p>
+          <a:p>
+            <a:pPr lvl="1">
+              <a:buFont typeface="Wingdings" panose="05000000000000000000" pitchFamily="2" charset="2"/>
+              <a:buChar char="§"/>
+            </a:pPr>
+            <a:r>
+              <a:rPr lang="en-US" dirty="0"/>
+              <a:t>Stretching a layer increases the width of the output map leaving the layer</a:t>
+            </a:r>
+          </a:p>
+          <a:p>
+            <a:pPr lvl="2">
+              <a:buFont typeface="Wingdings" panose="05000000000000000000" pitchFamily="2" charset="2"/>
+              <a:buChar char="§"/>
+            </a:pPr>
+            <a:r>
+              <a:rPr lang="en-US" dirty="0"/>
+              <a:t>Operation is identical to “Squeeze” however the number of Stretch (ST) kernels follows: |ST| &gt; K</a:t>
+            </a:r>
+          </a:p>
+          <a:p>
+            <a:pPr lvl="2">
+              <a:buFont typeface="Wingdings" panose="05000000000000000000" pitchFamily="2" charset="2"/>
+              <a:buChar char="§"/>
+            </a:pPr>
+            <a:r>
+              <a:rPr lang="en-US" dirty="0"/>
+              <a:t>Typically the stretch kernel is a 1x1 but is not necessary</a:t>
+            </a:r>
+          </a:p>
+          <a:p>
+            <a:pPr marL="342937" lvl="1" indent="0">
+              <a:buNone/>
+            </a:pPr>
+            <a:endParaRPr lang="en-US" dirty="0"/>
+          </a:p>
+          <a:p>
+            <a:pPr lvl="1">
+              <a:buFont typeface="Wingdings" panose="05000000000000000000" pitchFamily="2" charset="2"/>
+              <a:buChar char="§"/>
+            </a:pPr>
+            <a:endParaRPr lang="en-US" dirty="0"/>
+          </a:p>
+        </p:txBody>
+      </p:sp>
     </p:spTree>
     <p:extLst>
       <p:ext uri="{BB962C8B-B14F-4D97-AF65-F5344CB8AC3E}">
-        <p14:creationId xmlns:p14="http://schemas.microsoft.com/office/powerpoint/2010/main" val="1096262720"/>
+        <p14:creationId xmlns:p14="http://schemas.microsoft.com/office/powerpoint/2010/main" val="1859538607"/>
       </p:ext>
     </p:extLst>
   </p:cSld>
@@ -4050,148 +6898,67 @@
           <a:chExt cx="0" cy="0"/>
         </a:xfrm>
       </p:grpSpPr>
-      <p:graphicFrame>
-        <p:nvGraphicFramePr>
-          <p:cNvPr id="6" name="Object 5">
+      <p:sp>
+        <p:nvSpPr>
+          <p:cNvPr id="2" name="Title 1">
             <a:extLst>
               <a:ext uri="{FF2B5EF4-FFF2-40B4-BE49-F238E27FC236}">
-                <a16:creationId xmlns:a16="http://schemas.microsoft.com/office/drawing/2014/main" id="{AB72C005-220F-4BD4-BF98-E3A4A4BFEBF8}"/>
+                <a16:creationId xmlns:a16="http://schemas.microsoft.com/office/drawing/2014/main" id="{9D84ACD1-D3EC-4B9D-AA17-379E28759841}"/>
               </a:ext>
             </a:extLst>
           </p:cNvPr>
-          <p:cNvGraphicFramePr>
-            <a:graphicFrameLocks noChangeAspect="1"/>
-          </p:cNvGraphicFramePr>
-          <p:nvPr>
-            <p:extLst>
-              <p:ext uri="{D42A27DB-BD31-4B8C-83A1-F6EECF244321}">
-                <p14:modId xmlns:p14="http://schemas.microsoft.com/office/powerpoint/2010/main" val="2314518425"/>
-              </p:ext>
-            </p:extLst>
-          </p:nvPr>
-        </p:nvGraphicFramePr>
-        <p:xfrm>
-          <a:off x="2212974" y="2190500"/>
-          <a:ext cx="32673926" cy="7763869"/>
-        </p:xfrm>
-        <a:graphic>
-          <a:graphicData uri="http://schemas.openxmlformats.org/presentationml/2006/ole">
-            <mc:AlternateContent xmlns:mc="http://schemas.openxmlformats.org/markup-compatibility/2006">
-              <mc:Choice xmlns:v="urn:schemas-microsoft-com:vml" Requires="v">
-                <p:oleObj spid="_x0000_s7172" name="Visio" r:id="rId3" imgW="13268360" imgH="3152645" progId="Visio.Drawing.15">
-                  <p:embed/>
-                </p:oleObj>
-              </mc:Choice>
-              <mc:Fallback>
-                <p:oleObj name="Visio" r:id="rId3" imgW="13268360" imgH="3152645" progId="Visio.Drawing.15">
-                  <p:embed/>
-                  <p:pic>
-                    <p:nvPicPr>
-                      <p:cNvPr id="2" name="Object 1">
-                        <a:extLst>
-                          <a:ext uri="{FF2B5EF4-FFF2-40B4-BE49-F238E27FC236}">
-                            <a16:creationId xmlns:a16="http://schemas.microsoft.com/office/drawing/2014/main" id="{BEAE902A-3013-4981-8E70-0A1FFB1C894F}"/>
-                          </a:ext>
-                        </a:extLst>
-                      </p:cNvPr>
-                      <p:cNvPicPr/>
-                      <p:nvPr/>
-                    </p:nvPicPr>
-                    <p:blipFill>
-                      <a:blip r:embed="rId4"/>
-                      <a:stretch>
-                        <a:fillRect/>
-                      </a:stretch>
-                    </p:blipFill>
-                    <p:spPr>
-                      <a:xfrm>
-                        <a:off x="2212974" y="2190500"/>
-                        <a:ext cx="32673926" cy="7763869"/>
-                      </a:xfrm>
-                      <a:prstGeom prst="rect">
-                        <a:avLst/>
-                      </a:prstGeom>
-                    </p:spPr>
-                  </p:pic>
-                </p:oleObj>
-              </mc:Fallback>
-            </mc:AlternateContent>
-          </a:graphicData>
-        </a:graphic>
-      </p:graphicFrame>
-      <p:graphicFrame>
-        <p:nvGraphicFramePr>
-          <p:cNvPr id="9" name="Object 8">
+          <p:cNvSpPr>
+            <a:spLocks noGrp="1"/>
+          </p:cNvSpPr>
+          <p:nvPr>
+            <p:ph type="title"/>
+          </p:nvPr>
+        </p:nvSpPr>
+        <p:spPr/>
+        <p:txBody>
+          <a:bodyPr/>
+          <a:lstStyle/>
+          <a:p>
+            <a:r>
+              <a:rPr lang="en-US" dirty="0"/>
+              <a:t>Accelerating a Single Kernel</a:t>
+            </a:r>
+          </a:p>
+        </p:txBody>
+      </p:sp>
+      <p:pic>
+        <p:nvPicPr>
+          <p:cNvPr id="7" name="Picture 6">
             <a:extLst>
               <a:ext uri="{FF2B5EF4-FFF2-40B4-BE49-F238E27FC236}">
-                <a16:creationId xmlns:a16="http://schemas.microsoft.com/office/drawing/2014/main" id="{6C8EF5E8-7ACC-4CB4-A07A-9BAF029A8571}"/>
+                <a16:creationId xmlns:a16="http://schemas.microsoft.com/office/drawing/2014/main" id="{4C133B06-2C67-46C7-8EB0-27AA734BD2A4}"/>
               </a:ext>
             </a:extLst>
           </p:cNvPr>
-          <p:cNvGraphicFramePr>
-            <a:graphicFrameLocks noChangeAspect="1"/>
-          </p:cNvGraphicFramePr>
-          <p:nvPr>
-            <p:extLst>
-              <p:ext uri="{D42A27DB-BD31-4B8C-83A1-F6EECF244321}">
-                <p14:modId xmlns:p14="http://schemas.microsoft.com/office/powerpoint/2010/main" val="1045360585"/>
-              </p:ext>
-            </p:extLst>
-          </p:nvPr>
-        </p:nvGraphicFramePr>
-        <p:xfrm>
-          <a:off x="1716515" y="10534650"/>
-          <a:ext cx="35561745" cy="7143750"/>
-        </p:xfrm>
-        <a:graphic>
-          <a:graphicData uri="http://schemas.openxmlformats.org/presentationml/2006/ole">
-            <mc:AlternateContent xmlns:mc="http://schemas.openxmlformats.org/markup-compatibility/2006">
-              <mc:Choice xmlns:v="urn:schemas-microsoft-com:vml" Requires="v">
-                <p:oleObj spid="_x0000_s7173" name="Visio" r:id="rId5" imgW="17259300" imgH="3466996" progId="Visio.Drawing.15">
-                  <p:embed/>
-                </p:oleObj>
-              </mc:Choice>
-              <mc:Fallback>
-                <p:oleObj name="Visio" r:id="rId5" imgW="17259300" imgH="3466996" progId="Visio.Drawing.15">
-                  <p:embed/>
-                  <p:pic>
-                    <p:nvPicPr>
-                      <p:cNvPr id="7" name="Object 6">
-                        <a:extLst>
-                          <a:ext uri="{FF2B5EF4-FFF2-40B4-BE49-F238E27FC236}">
-                            <a16:creationId xmlns:a16="http://schemas.microsoft.com/office/drawing/2014/main" id="{0B194F9C-B256-4D2E-8993-88AEA0A83999}"/>
-                          </a:ext>
-                        </a:extLst>
-                      </p:cNvPr>
-                      <p:cNvPicPr/>
-                      <p:nvPr/>
-                    </p:nvPicPr>
-                    <p:blipFill>
-                      <a:blip r:embed="rId6"/>
-                      <a:stretch>
-                        <a:fillRect/>
-                      </a:stretch>
-                    </p:blipFill>
-                    <p:spPr>
-                      <a:xfrm>
-                        <a:off x="1716515" y="10534650"/>
-                        <a:ext cx="35561745" cy="7143750"/>
-                      </a:xfrm>
-                      <a:prstGeom prst="rect">
-                        <a:avLst/>
-                      </a:prstGeom>
-                    </p:spPr>
-                  </p:pic>
-                </p:oleObj>
-              </mc:Fallback>
-            </mc:AlternateContent>
-          </a:graphicData>
-        </a:graphic>
-      </p:graphicFrame>
+          <p:cNvPicPr>
+            <a:picLocks noChangeAspect="1"/>
+          </p:cNvPicPr>
+          <p:nvPr/>
+        </p:nvPicPr>
+        <p:blipFill rotWithShape="1">
+          <a:blip r:embed="rId2"/>
+          <a:srcRect r="50000" b="50000"/>
+          <a:stretch/>
+        </p:blipFill>
+        <p:spPr>
+          <a:xfrm>
+            <a:off x="628650" y="1473399"/>
+            <a:ext cx="7993877" cy="1653238"/>
+          </a:xfrm>
+          <a:prstGeom prst="rect">
+            <a:avLst/>
+          </a:prstGeom>
+        </p:spPr>
+      </p:pic>
     </p:spTree>
     <p:extLst>
       <p:ext uri="{BB962C8B-B14F-4D97-AF65-F5344CB8AC3E}">
-        <p14:creationId xmlns:p14="http://schemas.microsoft.com/office/powerpoint/2010/main" val="441730044"/>
+        <p14:creationId xmlns:p14="http://schemas.microsoft.com/office/powerpoint/2010/main" val="1227696848"/>
       </p:ext>
     </p:extLst>
   </p:cSld>
@@ -4218,148 +6985,343 @@
           <a:chExt cx="0" cy="0"/>
         </a:xfrm>
       </p:grpSpPr>
-      <p:graphicFrame>
-        <p:nvGraphicFramePr>
-          <p:cNvPr id="7" name="Object 6">
+      <p:sp>
+        <p:nvSpPr>
+          <p:cNvPr id="4" name="Title 3">
             <a:extLst>
               <a:ext uri="{FF2B5EF4-FFF2-40B4-BE49-F238E27FC236}">
-                <a16:creationId xmlns:a16="http://schemas.microsoft.com/office/drawing/2014/main" id="{3B950628-DACE-439E-90F7-4D2CDAC6FEB0}"/>
+                <a16:creationId xmlns:a16="http://schemas.microsoft.com/office/drawing/2014/main" id="{1F0BF523-7597-49D1-8A88-DF5469339079}"/>
               </a:ext>
             </a:extLst>
           </p:cNvPr>
-          <p:cNvGraphicFramePr>
-            <a:graphicFrameLocks noChangeAspect="1"/>
-          </p:cNvGraphicFramePr>
-          <p:nvPr>
-            <p:extLst>
-              <p:ext uri="{D42A27DB-BD31-4B8C-83A1-F6EECF244321}">
-                <p14:modId xmlns:p14="http://schemas.microsoft.com/office/powerpoint/2010/main" val="1587114135"/>
-              </p:ext>
-            </p:extLst>
-          </p:nvPr>
-        </p:nvGraphicFramePr>
-        <p:xfrm>
-          <a:off x="2212974" y="2190500"/>
-          <a:ext cx="32673926" cy="9030482"/>
-        </p:xfrm>
-        <a:graphic>
-          <a:graphicData uri="http://schemas.openxmlformats.org/presentationml/2006/ole">
-            <mc:AlternateContent xmlns:mc="http://schemas.openxmlformats.org/markup-compatibility/2006">
-              <mc:Choice xmlns:v="urn:schemas-microsoft-com:vml" Requires="v">
-                <p:oleObj spid="_x0000_s8197" name="Visio" r:id="rId3" imgW="13268360" imgH="3667151" progId="Visio.Drawing.15">
-                  <p:embed/>
-                </p:oleObj>
-              </mc:Choice>
-              <mc:Fallback>
-                <p:oleObj name="Visio" r:id="rId3" imgW="13268360" imgH="3667151" progId="Visio.Drawing.15">
-                  <p:embed/>
-                  <p:pic>
-                    <p:nvPicPr>
-                      <p:cNvPr id="3" name="Object 2">
-                        <a:extLst>
-                          <a:ext uri="{FF2B5EF4-FFF2-40B4-BE49-F238E27FC236}">
-                            <a16:creationId xmlns:a16="http://schemas.microsoft.com/office/drawing/2014/main" id="{F3181CA4-DF0B-456D-8EEA-60C0EF3475B3}"/>
-                          </a:ext>
-                        </a:extLst>
-                      </p:cNvPr>
-                      <p:cNvPicPr/>
-                      <p:nvPr/>
-                    </p:nvPicPr>
-                    <p:blipFill>
-                      <a:blip r:embed="rId4"/>
-                      <a:stretch>
-                        <a:fillRect/>
-                      </a:stretch>
-                    </p:blipFill>
-                    <p:spPr>
-                      <a:xfrm>
-                        <a:off x="2212974" y="2190500"/>
-                        <a:ext cx="32673926" cy="9030482"/>
-                      </a:xfrm>
-                      <a:prstGeom prst="rect">
-                        <a:avLst/>
-                      </a:prstGeom>
-                    </p:spPr>
-                  </p:pic>
-                </p:oleObj>
-              </mc:Fallback>
-            </mc:AlternateContent>
-          </a:graphicData>
-        </a:graphic>
-      </p:graphicFrame>
-      <p:graphicFrame>
-        <p:nvGraphicFramePr>
-          <p:cNvPr id="8" name="Object 7">
+          <p:cNvSpPr>
+            <a:spLocks noGrp="1"/>
+          </p:cNvSpPr>
+          <p:nvPr>
+            <p:ph type="title"/>
+          </p:nvPr>
+        </p:nvSpPr>
+        <p:spPr>
+          <a:xfrm>
+            <a:off x="628650" y="273844"/>
+            <a:ext cx="3453493" cy="392362"/>
+          </a:xfrm>
+        </p:spPr>
+        <p:txBody>
+          <a:bodyPr vert="horz" lIns="91440" tIns="45720" rIns="91440" bIns="45720" rtlCol="0" anchor="ctr">
+            <a:normAutofit/>
+          </a:bodyPr>
+          <a:lstStyle/>
+          <a:p>
+            <a:r>
+              <a:rPr lang="en-US" sz="2000" b="1" dirty="0"/>
+              <a:t>Single Convolution Engine</a:t>
+            </a:r>
+          </a:p>
+        </p:txBody>
+      </p:sp>
+      <p:pic>
+        <p:nvPicPr>
+          <p:cNvPr id="7" name="Content Placeholder 6">
             <a:extLst>
               <a:ext uri="{FF2B5EF4-FFF2-40B4-BE49-F238E27FC236}">
-                <a16:creationId xmlns:a16="http://schemas.microsoft.com/office/drawing/2014/main" id="{3FA1E164-7D9F-4E16-90BC-D590A6A0DF9B}"/>
+                <a16:creationId xmlns:a16="http://schemas.microsoft.com/office/drawing/2014/main" id="{95A8ADFE-EBA6-4E80-A674-585420D072A8}"/>
               </a:ext>
             </a:extLst>
           </p:cNvPr>
-          <p:cNvGraphicFramePr>
-            <a:graphicFrameLocks noChangeAspect="1"/>
-          </p:cNvGraphicFramePr>
-          <p:nvPr>
-            <p:extLst>
-              <p:ext uri="{D42A27DB-BD31-4B8C-83A1-F6EECF244321}">
-                <p14:modId xmlns:p14="http://schemas.microsoft.com/office/powerpoint/2010/main" val="3394913560"/>
-              </p:ext>
-            </p:extLst>
-          </p:nvPr>
-        </p:nvGraphicFramePr>
-        <p:xfrm>
-          <a:off x="1706704" y="10534651"/>
-          <a:ext cx="35581365" cy="7143749"/>
-        </p:xfrm>
-        <a:graphic>
-          <a:graphicData uri="http://schemas.openxmlformats.org/presentationml/2006/ole">
-            <mc:AlternateContent xmlns:mc="http://schemas.openxmlformats.org/markup-compatibility/2006">
-              <mc:Choice xmlns:v="urn:schemas-microsoft-com:vml" Requires="v">
-                <p:oleObj spid="_x0000_s8198" name="Visio" r:id="rId5" imgW="17268860" imgH="3466996" progId="Visio.Drawing.15">
-                  <p:embed/>
-                </p:oleObj>
-              </mc:Choice>
-              <mc:Fallback>
-                <p:oleObj name="Visio" r:id="rId5" imgW="17268860" imgH="3466996" progId="Visio.Drawing.15">
-                  <p:embed/>
-                  <p:pic>
-                    <p:nvPicPr>
-                      <p:cNvPr id="4" name="Object 3">
-                        <a:extLst>
-                          <a:ext uri="{FF2B5EF4-FFF2-40B4-BE49-F238E27FC236}">
-                            <a16:creationId xmlns:a16="http://schemas.microsoft.com/office/drawing/2014/main" id="{097389DA-ECC8-45A2-A024-68DDD5419514}"/>
-                          </a:ext>
-                        </a:extLst>
-                      </p:cNvPr>
-                      <p:cNvPicPr/>
-                      <p:nvPr/>
-                    </p:nvPicPr>
-                    <p:blipFill>
-                      <a:blip r:embed="rId6"/>
-                      <a:stretch>
-                        <a:fillRect/>
-                      </a:stretch>
-                    </p:blipFill>
-                    <p:spPr>
-                      <a:xfrm>
-                        <a:off x="1706704" y="10534651"/>
-                        <a:ext cx="35581365" cy="7143749"/>
-                      </a:xfrm>
-                      <a:prstGeom prst="rect">
-                        <a:avLst/>
-                      </a:prstGeom>
-                    </p:spPr>
-                  </p:pic>
-                </p:oleObj>
-              </mc:Fallback>
-            </mc:AlternateContent>
-          </a:graphicData>
-        </a:graphic>
-      </p:graphicFrame>
+          <p:cNvPicPr>
+            <a:picLocks noGrp="1" noChangeAspect="1"/>
+          </p:cNvPicPr>
+          <p:nvPr>
+            <p:ph sz="half" idx="1"/>
+          </p:nvPr>
+        </p:nvPicPr>
+        <p:blipFill rotWithShape="1">
+          <a:blip r:embed="rId2"/>
+          <a:srcRect r="50000" b="50000"/>
+          <a:stretch/>
+        </p:blipFill>
+        <p:spPr>
+          <a:xfrm>
+            <a:off x="250628" y="820614"/>
+            <a:ext cx="4645891" cy="1435995"/>
+          </a:xfrm>
+          <a:prstGeom prst="rect">
+            <a:avLst/>
+          </a:prstGeom>
+        </p:spPr>
+      </p:pic>
+      <p:sp>
+        <p:nvSpPr>
+          <p:cNvPr id="6" name="Content Placeholder 5">
+            <a:extLst>
+              <a:ext uri="{FF2B5EF4-FFF2-40B4-BE49-F238E27FC236}">
+                <a16:creationId xmlns:a16="http://schemas.microsoft.com/office/drawing/2014/main" id="{483E81B1-2B09-415D-8C3D-B0C321AFDB57}"/>
+              </a:ext>
+            </a:extLst>
+          </p:cNvPr>
+          <p:cNvSpPr>
+            <a:spLocks noGrp="1"/>
+          </p:cNvSpPr>
+          <p:nvPr>
+            <p:ph sz="half" idx="2"/>
+          </p:nvPr>
+        </p:nvSpPr>
+        <p:spPr>
+          <a:xfrm>
+            <a:off x="5466813" y="1369219"/>
+            <a:ext cx="3500838" cy="3183188"/>
+          </a:xfrm>
+        </p:spPr>
+        <p:txBody>
+          <a:bodyPr>
+            <a:noAutofit/>
+          </a:bodyPr>
+          <a:lstStyle/>
+          <a:p>
+            <a:pPr>
+              <a:buFont typeface="Wingdings" panose="05000000000000000000" pitchFamily="2" charset="2"/>
+              <a:buChar char="§"/>
+            </a:pPr>
+            <a:r>
+              <a:rPr lang="en-US" sz="1600" dirty="0"/>
+              <a:t>Single Engine capable of performing:</a:t>
+            </a:r>
+          </a:p>
+          <a:p>
+            <a:pPr lvl="1">
+              <a:buFont typeface="Wingdings" panose="05000000000000000000" pitchFamily="2" charset="2"/>
+              <a:buChar char="§"/>
+            </a:pPr>
+            <a:r>
+              <a:rPr lang="en-US" sz="1300" dirty="0"/>
+              <a:t>3x3x1 convolution (CPI = 0.9)</a:t>
+            </a:r>
+          </a:p>
+          <a:p>
+            <a:pPr lvl="1">
+              <a:buFont typeface="Wingdings" panose="05000000000000000000" pitchFamily="2" charset="2"/>
+              <a:buChar char="§"/>
+            </a:pPr>
+            <a:r>
+              <a:rPr lang="en-US" sz="1300" dirty="0"/>
+              <a:t>1x1x10 convolution (CPI = 1.0)</a:t>
+            </a:r>
+          </a:p>
+          <a:p>
+            <a:pPr>
+              <a:buFont typeface="Wingdings" panose="05000000000000000000" pitchFamily="2" charset="2"/>
+              <a:buChar char="§"/>
+            </a:pPr>
+            <a:r>
+              <a:rPr lang="en-US" sz="1600" dirty="0"/>
+              <a:t>Uses optimized DSP48E2 tile architecture consisting of two DSP48E2 macros</a:t>
+            </a:r>
+          </a:p>
+          <a:p>
+            <a:pPr>
+              <a:buFont typeface="Wingdings" panose="05000000000000000000" pitchFamily="2" charset="2"/>
+              <a:buChar char="§"/>
+            </a:pPr>
+            <a:r>
+              <a:rPr lang="en-US" sz="1600" dirty="0"/>
+              <a:t>Operates at 5x </a:t>
+            </a:r>
+            <a:r>
+              <a:rPr lang="en-US" sz="1600" dirty="0" err="1"/>
+              <a:t>datapath</a:t>
+            </a:r>
+            <a:r>
+              <a:rPr lang="en-US" sz="1600" dirty="0"/>
+              <a:t> clock- (500Mhz)</a:t>
+            </a:r>
+          </a:p>
+          <a:p>
+            <a:pPr>
+              <a:buFont typeface="Wingdings" panose="05000000000000000000" pitchFamily="2" charset="2"/>
+              <a:buChar char="§"/>
+            </a:pPr>
+            <a:r>
+              <a:rPr lang="en-US" sz="1600" dirty="0"/>
+              <a:t>Requires pixels to be evenly distributed across row-buffer banks</a:t>
+            </a:r>
+          </a:p>
+        </p:txBody>
+      </p:sp>
+      <p:sp>
+        <p:nvSpPr>
+          <p:cNvPr id="11" name="Callout: Line with Border and Accent Bar 10">
+            <a:extLst>
+              <a:ext uri="{FF2B5EF4-FFF2-40B4-BE49-F238E27FC236}">
+                <a16:creationId xmlns:a16="http://schemas.microsoft.com/office/drawing/2014/main" id="{4C240C89-A7E9-4C8D-A62B-E91A32BD5CBE}"/>
+              </a:ext>
+            </a:extLst>
+          </p:cNvPr>
+          <p:cNvSpPr/>
+          <p:nvPr/>
+        </p:nvSpPr>
+        <p:spPr>
+          <a:xfrm>
+            <a:off x="3411391" y="2411017"/>
+            <a:ext cx="1820738" cy="1796831"/>
+          </a:xfrm>
+          <a:prstGeom prst="accentBorderCallout1">
+            <a:avLst>
+              <a:gd name="adj1" fmla="val 18241"/>
+              <a:gd name="adj2" fmla="val -2281"/>
+              <a:gd name="adj3" fmla="val -38630"/>
+              <a:gd name="adj4" fmla="val -68148"/>
+            </a:avLst>
+          </a:prstGeom>
+          <a:ln>
+            <a:solidFill>
+              <a:schemeClr val="accent2"/>
+            </a:solidFill>
+          </a:ln>
+        </p:spPr>
+        <p:style>
+          <a:lnRef idx="2">
+            <a:schemeClr val="accent1">
+              <a:shade val="50000"/>
+            </a:schemeClr>
+          </a:lnRef>
+          <a:fillRef idx="1">
+            <a:schemeClr val="accent1"/>
+          </a:fillRef>
+          <a:effectRef idx="0">
+            <a:schemeClr val="accent1"/>
+          </a:effectRef>
+          <a:fontRef idx="minor">
+            <a:schemeClr val="lt1"/>
+          </a:fontRef>
+        </p:style>
+        <p:txBody>
+          <a:bodyPr rtlCol="0" anchor="ctr"/>
+          <a:lstStyle/>
+          <a:p>
+            <a:pPr algn="ctr"/>
+            <a:r>
+              <a:rPr lang="en-US" sz="1200" dirty="0"/>
+              <a:t>A single row buffer bank consists of two row buffers of max length = L. A row buffer bank has a dedicated connection to an adjacent DSP48E2 unit in the enclosing DSP48E2 tile</a:t>
+            </a:r>
+          </a:p>
+        </p:txBody>
+      </p:sp>
+      <p:pic>
+        <p:nvPicPr>
+          <p:cNvPr id="12" name="Picture 11">
+            <a:extLst>
+              <a:ext uri="{FF2B5EF4-FFF2-40B4-BE49-F238E27FC236}">
+                <a16:creationId xmlns:a16="http://schemas.microsoft.com/office/drawing/2014/main" id="{41FEBED0-EE7D-47D7-A54D-313637C25188}"/>
+              </a:ext>
+            </a:extLst>
+          </p:cNvPr>
+          <p:cNvPicPr>
+            <a:picLocks noChangeAspect="1"/>
+          </p:cNvPicPr>
+          <p:nvPr/>
+        </p:nvPicPr>
+        <p:blipFill>
+          <a:blip r:embed="rId3"/>
+          <a:stretch>
+            <a:fillRect/>
+          </a:stretch>
+        </p:blipFill>
+        <p:spPr>
+          <a:xfrm>
+            <a:off x="250628" y="2935931"/>
+            <a:ext cx="2926080" cy="1616476"/>
+          </a:xfrm>
+          <a:prstGeom prst="rect">
+            <a:avLst/>
+          </a:prstGeom>
+        </p:spPr>
+      </p:pic>
+      <p:sp>
+        <p:nvSpPr>
+          <p:cNvPr id="13" name="TextBox 12">
+            <a:extLst>
+              <a:ext uri="{FF2B5EF4-FFF2-40B4-BE49-F238E27FC236}">
+                <a16:creationId xmlns:a16="http://schemas.microsoft.com/office/drawing/2014/main" id="{E5356F93-A38D-4136-A2AC-B99E04970BEB}"/>
+              </a:ext>
+            </a:extLst>
+          </p:cNvPr>
+          <p:cNvSpPr txBox="1"/>
+          <p:nvPr/>
+        </p:nvSpPr>
+        <p:spPr>
+          <a:xfrm>
+            <a:off x="844988" y="4664815"/>
+            <a:ext cx="1737360" cy="307777"/>
+          </a:xfrm>
+          <a:prstGeom prst="rect">
+            <a:avLst/>
+          </a:prstGeom>
+          <a:noFill/>
+        </p:spPr>
+        <p:txBody>
+          <a:bodyPr wrap="square" rtlCol="0">
+            <a:spAutoFit/>
+          </a:bodyPr>
+          <a:lstStyle/>
+          <a:p>
+            <a:pPr algn="ctr"/>
+            <a:r>
+              <a:rPr lang="en-US" sz="1400" dirty="0"/>
+              <a:t>DSP48E2 Tile</a:t>
+            </a:r>
+          </a:p>
+        </p:txBody>
+      </p:sp>
+      <p:cxnSp>
+        <p:nvCxnSpPr>
+          <p:cNvPr id="15" name="Straight Connector 14">
+            <a:extLst>
+              <a:ext uri="{FF2B5EF4-FFF2-40B4-BE49-F238E27FC236}">
+                <a16:creationId xmlns:a16="http://schemas.microsoft.com/office/drawing/2014/main" id="{0F3C73F9-37F0-45CF-88E4-B569407BBD16}"/>
+              </a:ext>
+            </a:extLst>
+          </p:cNvPr>
+          <p:cNvCxnSpPr>
+            <a:cxnSpLocks/>
+          </p:cNvCxnSpPr>
+          <p:nvPr/>
+        </p:nvCxnSpPr>
+        <p:spPr>
+          <a:xfrm flipH="1" flipV="1">
+            <a:off x="2710544" y="1156063"/>
+            <a:ext cx="662309" cy="1575105"/>
+          </a:xfrm>
+          <a:prstGeom prst="line">
+            <a:avLst/>
+          </a:prstGeom>
+          <a:ln>
+            <a:solidFill>
+              <a:schemeClr val="accent2"/>
+            </a:solidFill>
+          </a:ln>
+        </p:spPr>
+        <p:style>
+          <a:lnRef idx="2">
+            <a:schemeClr val="accent1">
+              <a:shade val="50000"/>
+            </a:schemeClr>
+          </a:lnRef>
+          <a:fillRef idx="1">
+            <a:schemeClr val="accent1"/>
+          </a:fillRef>
+          <a:effectRef idx="0">
+            <a:schemeClr val="accent1"/>
+          </a:effectRef>
+          <a:fontRef idx="minor">
+            <a:schemeClr val="lt1"/>
+          </a:fontRef>
+        </p:style>
+      </p:cxnSp>
     </p:spTree>
     <p:extLst>
       <p:ext uri="{BB962C8B-B14F-4D97-AF65-F5344CB8AC3E}">
-        <p14:creationId xmlns:p14="http://schemas.microsoft.com/office/powerpoint/2010/main" val="2629444880"/>
+        <p14:creationId xmlns:p14="http://schemas.microsoft.com/office/powerpoint/2010/main" val="3841117137"/>
       </p:ext>
     </p:extLst>
   </p:cSld>

--- a/hardware/doc/CNN Accelerator Implementation Plan.pptx
+++ b/hardware/doc/CNN Accelerator Implementation Plan.pptx
@@ -5,7 +5,7 @@
     <p:sldMasterId id="2147483696" r:id="rId1"/>
   </p:sldMasterIdLst>
   <p:notesMasterIdLst>
-    <p:notesMasterId r:id="rId30"/>
+    <p:notesMasterId r:id="rId31"/>
   </p:notesMasterIdLst>
   <p:sldIdLst>
     <p:sldId id="256" r:id="rId2"/>
@@ -36,6 +36,7 @@
     <p:sldId id="275" r:id="rId27"/>
     <p:sldId id="270" r:id="rId28"/>
     <p:sldId id="274" r:id="rId29"/>
+    <p:sldId id="284" r:id="rId30"/>
   </p:sldIdLst>
   <p:sldSz cx="9144000" cy="5143500" type="screen16x9"/>
   <p:notesSz cx="6858000" cy="9144000"/>
@@ -224,7 +225,7 @@
           <a:p>
             <a:fld id="{C4B376D1-B2A4-4962-9EC9-A9C8ACD38F22}" type="datetimeFigureOut">
               <a:rPr lang="en-US" smtClean="0"/>
-              <a:t>2/9/2019</a:t>
+              <a:t>3/8/2019</a:t>
             </a:fld>
             <a:endParaRPr lang="en-US"/>
           </a:p>
@@ -1042,7 +1043,7 @@
           <a:p>
             <a:fld id="{8F06087A-BB81-43C1-AFE2-3763E6B27B9D}" type="datetimeFigureOut">
               <a:rPr lang="en-US" smtClean="0"/>
-              <a:t>2/9/2019</a:t>
+              <a:t>3/8/2019</a:t>
             </a:fld>
             <a:endParaRPr lang="en-US"/>
           </a:p>
@@ -1212,7 +1213,7 @@
           <a:p>
             <a:fld id="{8F06087A-BB81-43C1-AFE2-3763E6B27B9D}" type="datetimeFigureOut">
               <a:rPr lang="en-US" smtClean="0"/>
-              <a:t>2/9/2019</a:t>
+              <a:t>3/8/2019</a:t>
             </a:fld>
             <a:endParaRPr lang="en-US"/>
           </a:p>
@@ -1392,7 +1393,7 @@
           <a:p>
             <a:fld id="{8F06087A-BB81-43C1-AFE2-3763E6B27B9D}" type="datetimeFigureOut">
               <a:rPr lang="en-US" smtClean="0"/>
-              <a:t>2/9/2019</a:t>
+              <a:t>3/8/2019</a:t>
             </a:fld>
             <a:endParaRPr lang="en-US"/>
           </a:p>
@@ -1562,7 +1563,7 @@
           <a:p>
             <a:fld id="{8F06087A-BB81-43C1-AFE2-3763E6B27B9D}" type="datetimeFigureOut">
               <a:rPr lang="en-US" smtClean="0"/>
-              <a:t>2/9/2019</a:t>
+              <a:t>3/8/2019</a:t>
             </a:fld>
             <a:endParaRPr lang="en-US"/>
           </a:p>
@@ -1808,7 +1809,7 @@
           <a:p>
             <a:fld id="{8F06087A-BB81-43C1-AFE2-3763E6B27B9D}" type="datetimeFigureOut">
               <a:rPr lang="en-US" smtClean="0"/>
-              <a:t>2/9/2019</a:t>
+              <a:t>3/8/2019</a:t>
             </a:fld>
             <a:endParaRPr lang="en-US"/>
           </a:p>
@@ -2040,7 +2041,7 @@
           <a:p>
             <a:fld id="{8F06087A-BB81-43C1-AFE2-3763E6B27B9D}" type="datetimeFigureOut">
               <a:rPr lang="en-US" smtClean="0"/>
-              <a:t>2/9/2019</a:t>
+              <a:t>3/8/2019</a:t>
             </a:fld>
             <a:endParaRPr lang="en-US"/>
           </a:p>
@@ -2407,7 +2408,7 @@
           <a:p>
             <a:fld id="{8F06087A-BB81-43C1-AFE2-3763E6B27B9D}" type="datetimeFigureOut">
               <a:rPr lang="en-US" smtClean="0"/>
-              <a:t>2/9/2019</a:t>
+              <a:t>3/8/2019</a:t>
             </a:fld>
             <a:endParaRPr lang="en-US"/>
           </a:p>
@@ -2525,7 +2526,7 @@
           <a:p>
             <a:fld id="{8F06087A-BB81-43C1-AFE2-3763E6B27B9D}" type="datetimeFigureOut">
               <a:rPr lang="en-US" smtClean="0"/>
-              <a:t>2/9/2019</a:t>
+              <a:t>3/8/2019</a:t>
             </a:fld>
             <a:endParaRPr lang="en-US"/>
           </a:p>
@@ -2620,7 +2621,7 @@
           <a:p>
             <a:fld id="{8F06087A-BB81-43C1-AFE2-3763E6B27B9D}" type="datetimeFigureOut">
               <a:rPr lang="en-US" smtClean="0"/>
-              <a:t>2/9/2019</a:t>
+              <a:t>3/8/2019</a:t>
             </a:fld>
             <a:endParaRPr lang="en-US"/>
           </a:p>
@@ -2897,7 +2898,7 @@
           <a:p>
             <a:fld id="{8F06087A-BB81-43C1-AFE2-3763E6B27B9D}" type="datetimeFigureOut">
               <a:rPr lang="en-US" smtClean="0"/>
-              <a:t>2/9/2019</a:t>
+              <a:t>3/8/2019</a:t>
             </a:fld>
             <a:endParaRPr lang="en-US"/>
           </a:p>
@@ -3154,7 +3155,7 @@
           <a:p>
             <a:fld id="{8F06087A-BB81-43C1-AFE2-3763E6B27B9D}" type="datetimeFigureOut">
               <a:rPr lang="en-US" smtClean="0"/>
-              <a:t>2/9/2019</a:t>
+              <a:t>3/8/2019</a:t>
             </a:fld>
             <a:endParaRPr lang="en-US"/>
           </a:p>
@@ -3367,7 +3368,7 @@
           <a:p>
             <a:fld id="{8F06087A-BB81-43C1-AFE2-3763E6B27B9D}" type="datetimeFigureOut">
               <a:rPr lang="en-US" smtClean="0"/>
-              <a:t>2/9/2019</a:t>
+              <a:t>3/8/2019</a:t>
             </a:fld>
             <a:endParaRPr lang="en-US"/>
           </a:p>
@@ -29556,6 +29557,157 @@
     <p:extLst>
       <p:ext uri="{BB962C8B-B14F-4D97-AF65-F5344CB8AC3E}">
         <p14:creationId xmlns:p14="http://schemas.microsoft.com/office/powerpoint/2010/main" val="387991971"/>
+      </p:ext>
+    </p:extLst>
+  </p:cSld>
+  <p:clrMapOvr>
+    <a:masterClrMapping/>
+  </p:clrMapOvr>
+</p:sld>
+</file>
+
+<file path=ppt/slides/slide29.xml><?xml version="1.0" encoding="utf-8"?>
+<p:sld xmlns:a="http://schemas.openxmlformats.org/drawingml/2006/main" xmlns:r="http://schemas.openxmlformats.org/officeDocument/2006/relationships" xmlns:p="http://schemas.openxmlformats.org/presentationml/2006/main">
+  <p:cSld>
+    <p:spTree>
+      <p:nvGrpSpPr>
+        <p:cNvPr id="1" name=""/>
+        <p:cNvGrpSpPr/>
+        <p:nvPr/>
+      </p:nvGrpSpPr>
+      <p:grpSpPr>
+        <a:xfrm>
+          <a:off x="0" y="0"/>
+          <a:ext cx="0" cy="0"/>
+          <a:chOff x="0" y="0"/>
+          <a:chExt cx="0" cy="0"/>
+        </a:xfrm>
+      </p:grpSpPr>
+      <p:sp>
+        <p:nvSpPr>
+          <p:cNvPr id="2" name="Title 1">
+            <a:extLst>
+              <a:ext uri="{FF2B5EF4-FFF2-40B4-BE49-F238E27FC236}">
+                <a16:creationId xmlns:a16="http://schemas.microsoft.com/office/drawing/2014/main" id="{08AABDB2-5D63-43D9-BFDB-67975D816168}"/>
+              </a:ext>
+            </a:extLst>
+          </p:cNvPr>
+          <p:cNvSpPr>
+            <a:spLocks noGrp="1"/>
+          </p:cNvSpPr>
+          <p:nvPr>
+            <p:ph type="title"/>
+          </p:nvPr>
+        </p:nvSpPr>
+        <p:spPr/>
+        <p:txBody>
+          <a:bodyPr/>
+          <a:lstStyle/>
+          <a:p>
+            <a:endParaRPr lang="en-US"/>
+          </a:p>
+        </p:txBody>
+      </p:sp>
+      <p:sp>
+        <p:nvSpPr>
+          <p:cNvPr id="3" name="Content Placeholder 2">
+            <a:extLst>
+              <a:ext uri="{FF2B5EF4-FFF2-40B4-BE49-F238E27FC236}">
+                <a16:creationId xmlns:a16="http://schemas.microsoft.com/office/drawing/2014/main" id="{DC8330D5-703D-4FC0-9B03-FB3662AEC422}"/>
+              </a:ext>
+            </a:extLst>
+          </p:cNvPr>
+          <p:cNvSpPr>
+            <a:spLocks noGrp="1"/>
+          </p:cNvSpPr>
+          <p:nvPr>
+            <p:ph idx="1"/>
+          </p:nvPr>
+        </p:nvSpPr>
+        <p:spPr/>
+        <p:txBody>
+          <a:bodyPr/>
+          <a:lstStyle/>
+          <a:p>
+            <a:r>
+              <a:rPr lang="en-US" dirty="0"/>
+              <a:t>Depth x </a:t>
+            </a:r>
+            <a:r>
+              <a:rPr lang="en-US" dirty="0" err="1"/>
+              <a:t>NumRows</a:t>
+            </a:r>
+            <a:r>
+              <a:rPr lang="en-US" dirty="0"/>
+              <a:t> x </a:t>
+            </a:r>
+            <a:r>
+              <a:rPr lang="en-US" dirty="0" err="1"/>
+              <a:t>NumCols</a:t>
+            </a:r>
+            <a:endParaRPr lang="en-US" dirty="0"/>
+          </a:p>
+          <a:p>
+            <a:r>
+              <a:rPr lang="en-US" dirty="0"/>
+              <a:t>Map size : 8x20x20</a:t>
+            </a:r>
+          </a:p>
+          <a:p>
+            <a:r>
+              <a:rPr lang="en-US" dirty="0"/>
+              <a:t>Kernel size 5x8x3x3</a:t>
+            </a:r>
+          </a:p>
+          <a:p>
+            <a:r>
+              <a:rPr lang="en-US" dirty="0"/>
+              <a:t>Stride is 1</a:t>
+            </a:r>
+          </a:p>
+          <a:p>
+            <a:r>
+              <a:rPr lang="en-US" dirty="0"/>
+              <a:t>No padding</a:t>
+            </a:r>
+          </a:p>
+          <a:p>
+            <a:r>
+              <a:rPr lang="en-US" dirty="0"/>
+              <a:t>Ideally output will be 5x18x18;</a:t>
+            </a:r>
+          </a:p>
+          <a:p>
+            <a:pPr lvl="1"/>
+            <a:r>
+              <a:rPr lang="en-US" dirty="0"/>
+              <a:t>However output is be 5x19x20, with the result in the top left</a:t>
+            </a:r>
+          </a:p>
+          <a:p>
+            <a:pPr lvl="2"/>
+            <a:r>
+              <a:rPr lang="en-US" sz="1200" dirty="0"/>
+              <a:t>[R0C0K0, R0C1K0, ... R0C19K0] [R0C0K1, R0C1K1, ... R0C19K1] … [R0C0K4, R0C1K4, ... R0C19K4] </a:t>
+            </a:r>
+          </a:p>
+          <a:p>
+            <a:pPr lvl="2"/>
+            <a:r>
+              <a:rPr lang="en-US" sz="1200" dirty="0"/>
+              <a:t>[R1C0K0, R1C1K0, ... R1C19K0] [R1C0K1, R1C1K1, ... R1C19K1] … [R1C0K4, R1C1K4, ... R1C19K4] </a:t>
+            </a:r>
+          </a:p>
+          <a:p>
+            <a:pPr lvl="2"/>
+            <a:endParaRPr lang="en-US" dirty="0"/>
+          </a:p>
+        </p:txBody>
+      </p:sp>
+    </p:spTree>
+    <p:extLst>
+      <p:ext uri="{BB962C8B-B14F-4D97-AF65-F5344CB8AC3E}">
+        <p14:creationId xmlns:p14="http://schemas.microsoft.com/office/powerpoint/2010/main" val="589723252"/>
       </p:ext>
     </p:extLst>
   </p:cSld>

--- a/hardware/doc/CNN Accelerator Implementation Plan.pptx
+++ b/hardware/doc/CNN Accelerator Implementation Plan.pptx
@@ -5,7 +5,7 @@
     <p:sldMasterId id="2147483696" r:id="rId1"/>
   </p:sldMasterIdLst>
   <p:notesMasterIdLst>
-    <p:notesMasterId r:id="rId31"/>
+    <p:notesMasterId r:id="rId32"/>
   </p:notesMasterIdLst>
   <p:sldIdLst>
     <p:sldId id="256" r:id="rId2"/>
@@ -20,23 +20,24 @@
     <p:sldId id="264" r:id="rId11"/>
     <p:sldId id="268" r:id="rId12"/>
     <p:sldId id="269" r:id="rId13"/>
-    <p:sldId id="276" r:id="rId14"/>
-    <p:sldId id="277" r:id="rId15"/>
-    <p:sldId id="278" r:id="rId16"/>
-    <p:sldId id="279" r:id="rId17"/>
-    <p:sldId id="280" r:id="rId18"/>
-    <p:sldId id="281" r:id="rId19"/>
-    <p:sldId id="282" r:id="rId20"/>
-    <p:sldId id="283" r:id="rId21"/>
-    <p:sldId id="262" r:id="rId22"/>
-    <p:sldId id="265" r:id="rId23"/>
-    <p:sldId id="267" r:id="rId24"/>
-    <p:sldId id="266" r:id="rId25"/>
-    <p:sldId id="273" r:id="rId26"/>
-    <p:sldId id="275" r:id="rId27"/>
-    <p:sldId id="270" r:id="rId28"/>
-    <p:sldId id="274" r:id="rId29"/>
-    <p:sldId id="284" r:id="rId30"/>
+    <p:sldId id="285" r:id="rId14"/>
+    <p:sldId id="276" r:id="rId15"/>
+    <p:sldId id="277" r:id="rId16"/>
+    <p:sldId id="278" r:id="rId17"/>
+    <p:sldId id="279" r:id="rId18"/>
+    <p:sldId id="280" r:id="rId19"/>
+    <p:sldId id="281" r:id="rId20"/>
+    <p:sldId id="282" r:id="rId21"/>
+    <p:sldId id="283" r:id="rId22"/>
+    <p:sldId id="262" r:id="rId23"/>
+    <p:sldId id="265" r:id="rId24"/>
+    <p:sldId id="267" r:id="rId25"/>
+    <p:sldId id="266" r:id="rId26"/>
+    <p:sldId id="273" r:id="rId27"/>
+    <p:sldId id="275" r:id="rId28"/>
+    <p:sldId id="270" r:id="rId29"/>
+    <p:sldId id="274" r:id="rId30"/>
+    <p:sldId id="284" r:id="rId31"/>
   </p:sldIdLst>
   <p:sldSz cx="9144000" cy="5143500" type="screen16x9"/>
   <p:notesSz cx="6858000" cy="9144000"/>
@@ -225,7 +226,7 @@
           <a:p>
             <a:fld id="{C4B376D1-B2A4-4962-9EC9-A9C8ACD38F22}" type="datetimeFigureOut">
               <a:rPr lang="en-US" smtClean="0"/>
-              <a:t>3/8/2019</a:t>
+              <a:t>3/9/2019</a:t>
             </a:fld>
             <a:endParaRPr lang="en-US"/>
           </a:p>
@@ -557,7 +558,7 @@
           <a:p>
             <a:fld id="{0E7134C8-3F20-4E87-958A-B4F39F232986}" type="slidenum">
               <a:rPr lang="en-US" smtClean="0"/>
-              <a:t>14</a:t>
+              <a:t>15</a:t>
             </a:fld>
             <a:endParaRPr lang="en-US"/>
           </a:p>
@@ -641,7 +642,7 @@
           <a:p>
             <a:fld id="{0E7134C8-3F20-4E87-958A-B4F39F232986}" type="slidenum">
               <a:rPr lang="en-US" smtClean="0"/>
-              <a:t>15</a:t>
+              <a:t>16</a:t>
             </a:fld>
             <a:endParaRPr lang="en-US"/>
           </a:p>
@@ -725,7 +726,7 @@
           <a:p>
             <a:fld id="{0E7134C8-3F20-4E87-958A-B4F39F232986}" type="slidenum">
               <a:rPr lang="en-US" smtClean="0"/>
-              <a:t>16</a:t>
+              <a:t>17</a:t>
             </a:fld>
             <a:endParaRPr lang="en-US"/>
           </a:p>
@@ -809,7 +810,7 @@
           <a:p>
             <a:fld id="{0E7134C8-3F20-4E87-958A-B4F39F232986}" type="slidenum">
               <a:rPr lang="en-US" smtClean="0"/>
-              <a:t>17</a:t>
+              <a:t>18</a:t>
             </a:fld>
             <a:endParaRPr lang="en-US"/>
           </a:p>
@@ -893,7 +894,7 @@
           <a:p>
             <a:fld id="{0E7134C8-3F20-4E87-958A-B4F39F232986}" type="slidenum">
               <a:rPr lang="en-US" smtClean="0"/>
-              <a:t>18</a:t>
+              <a:t>19</a:t>
             </a:fld>
             <a:endParaRPr lang="en-US"/>
           </a:p>
@@ -1043,7 +1044,7 @@
           <a:p>
             <a:fld id="{8F06087A-BB81-43C1-AFE2-3763E6B27B9D}" type="datetimeFigureOut">
               <a:rPr lang="en-US" smtClean="0"/>
-              <a:t>3/8/2019</a:t>
+              <a:t>3/9/2019</a:t>
             </a:fld>
             <a:endParaRPr lang="en-US"/>
           </a:p>
@@ -1213,7 +1214,7 @@
           <a:p>
             <a:fld id="{8F06087A-BB81-43C1-AFE2-3763E6B27B9D}" type="datetimeFigureOut">
               <a:rPr lang="en-US" smtClean="0"/>
-              <a:t>3/8/2019</a:t>
+              <a:t>3/9/2019</a:t>
             </a:fld>
             <a:endParaRPr lang="en-US"/>
           </a:p>
@@ -1393,7 +1394,7 @@
           <a:p>
             <a:fld id="{8F06087A-BB81-43C1-AFE2-3763E6B27B9D}" type="datetimeFigureOut">
               <a:rPr lang="en-US" smtClean="0"/>
-              <a:t>3/8/2019</a:t>
+              <a:t>3/9/2019</a:t>
             </a:fld>
             <a:endParaRPr lang="en-US"/>
           </a:p>
@@ -1563,7 +1564,7 @@
           <a:p>
             <a:fld id="{8F06087A-BB81-43C1-AFE2-3763E6B27B9D}" type="datetimeFigureOut">
               <a:rPr lang="en-US" smtClean="0"/>
-              <a:t>3/8/2019</a:t>
+              <a:t>3/9/2019</a:t>
             </a:fld>
             <a:endParaRPr lang="en-US"/>
           </a:p>
@@ -1809,7 +1810,7 @@
           <a:p>
             <a:fld id="{8F06087A-BB81-43C1-AFE2-3763E6B27B9D}" type="datetimeFigureOut">
               <a:rPr lang="en-US" smtClean="0"/>
-              <a:t>3/8/2019</a:t>
+              <a:t>3/9/2019</a:t>
             </a:fld>
             <a:endParaRPr lang="en-US"/>
           </a:p>
@@ -2041,7 +2042,7 @@
           <a:p>
             <a:fld id="{8F06087A-BB81-43C1-AFE2-3763E6B27B9D}" type="datetimeFigureOut">
               <a:rPr lang="en-US" smtClean="0"/>
-              <a:t>3/8/2019</a:t>
+              <a:t>3/9/2019</a:t>
             </a:fld>
             <a:endParaRPr lang="en-US"/>
           </a:p>
@@ -2408,7 +2409,7 @@
           <a:p>
             <a:fld id="{8F06087A-BB81-43C1-AFE2-3763E6B27B9D}" type="datetimeFigureOut">
               <a:rPr lang="en-US" smtClean="0"/>
-              <a:t>3/8/2019</a:t>
+              <a:t>3/9/2019</a:t>
             </a:fld>
             <a:endParaRPr lang="en-US"/>
           </a:p>
@@ -2526,7 +2527,7 @@
           <a:p>
             <a:fld id="{8F06087A-BB81-43C1-AFE2-3763E6B27B9D}" type="datetimeFigureOut">
               <a:rPr lang="en-US" smtClean="0"/>
-              <a:t>3/8/2019</a:t>
+              <a:t>3/9/2019</a:t>
             </a:fld>
             <a:endParaRPr lang="en-US"/>
           </a:p>
@@ -2621,7 +2622,7 @@
           <a:p>
             <a:fld id="{8F06087A-BB81-43C1-AFE2-3763E6B27B9D}" type="datetimeFigureOut">
               <a:rPr lang="en-US" smtClean="0"/>
-              <a:t>3/8/2019</a:t>
+              <a:t>3/9/2019</a:t>
             </a:fld>
             <a:endParaRPr lang="en-US"/>
           </a:p>
@@ -2898,7 +2899,7 @@
           <a:p>
             <a:fld id="{8F06087A-BB81-43C1-AFE2-3763E6B27B9D}" type="datetimeFigureOut">
               <a:rPr lang="en-US" smtClean="0"/>
-              <a:t>3/8/2019</a:t>
+              <a:t>3/9/2019</a:t>
             </a:fld>
             <a:endParaRPr lang="en-US"/>
           </a:p>
@@ -3155,7 +3156,7 @@
           <a:p>
             <a:fld id="{8F06087A-BB81-43C1-AFE2-3763E6B27B9D}" type="datetimeFigureOut">
               <a:rPr lang="en-US" smtClean="0"/>
-              <a:t>3/8/2019</a:t>
+              <a:t>3/9/2019</a:t>
             </a:fld>
             <a:endParaRPr lang="en-US"/>
           </a:p>
@@ -3368,7 +3369,7 @@
           <a:p>
             <a:fld id="{8F06087A-BB81-43C1-AFE2-3763E6B27B9D}" type="datetimeFigureOut">
               <a:rPr lang="en-US" smtClean="0"/>
-              <a:t>3/8/2019</a:t>
+              <a:t>3/9/2019</a:t>
             </a:fld>
             <a:endParaRPr lang="en-US"/>
           </a:p>
@@ -4721,6 +4722,86 @@
           <p:cNvPr id="2" name="Title 1">
             <a:extLst>
               <a:ext uri="{FF2B5EF4-FFF2-40B4-BE49-F238E27FC236}">
+                <a16:creationId xmlns:a16="http://schemas.microsoft.com/office/drawing/2014/main" id="{7696C8BC-23B9-4146-AA12-DBC5A83ABCB8}"/>
+              </a:ext>
+            </a:extLst>
+          </p:cNvPr>
+          <p:cNvSpPr>
+            <a:spLocks noGrp="1"/>
+          </p:cNvSpPr>
+          <p:nvPr>
+            <p:ph type="title"/>
+          </p:nvPr>
+        </p:nvSpPr>
+        <p:spPr/>
+        <p:txBody>
+          <a:bodyPr/>
+          <a:lstStyle/>
+          <a:p>
+            <a:endParaRPr lang="en-US"/>
+          </a:p>
+        </p:txBody>
+      </p:sp>
+      <p:sp>
+        <p:nvSpPr>
+          <p:cNvPr id="3" name="Content Placeholder 2">
+            <a:extLst>
+              <a:ext uri="{FF2B5EF4-FFF2-40B4-BE49-F238E27FC236}">
+                <a16:creationId xmlns:a16="http://schemas.microsoft.com/office/drawing/2014/main" id="{0F20B4B3-F206-4FD1-89FF-EF7A79581BE3}"/>
+              </a:ext>
+            </a:extLst>
+          </p:cNvPr>
+          <p:cNvSpPr>
+            <a:spLocks noGrp="1"/>
+          </p:cNvSpPr>
+          <p:nvPr>
+            <p:ph idx="1"/>
+          </p:nvPr>
+        </p:nvSpPr>
+        <p:spPr/>
+        <p:txBody>
+          <a:bodyPr/>
+          <a:lstStyle/>
+          <a:p>
+            <a:endParaRPr lang="en-US"/>
+          </a:p>
+        </p:txBody>
+      </p:sp>
+    </p:spTree>
+    <p:extLst>
+      <p:ext uri="{BB962C8B-B14F-4D97-AF65-F5344CB8AC3E}">
+        <p14:creationId xmlns:p14="http://schemas.microsoft.com/office/powerpoint/2010/main" val="2274468847"/>
+      </p:ext>
+    </p:extLst>
+  </p:cSld>
+  <p:clrMapOvr>
+    <a:masterClrMapping/>
+  </p:clrMapOvr>
+</p:sld>
+</file>
+
+<file path=ppt/slides/slide14.xml><?xml version="1.0" encoding="utf-8"?>
+<p:sld xmlns:a="http://schemas.openxmlformats.org/drawingml/2006/main" xmlns:r="http://schemas.openxmlformats.org/officeDocument/2006/relationships" xmlns:p="http://schemas.openxmlformats.org/presentationml/2006/main">
+  <p:cSld>
+    <p:spTree>
+      <p:nvGrpSpPr>
+        <p:cNvPr id="1" name=""/>
+        <p:cNvGrpSpPr/>
+        <p:nvPr/>
+      </p:nvGrpSpPr>
+      <p:grpSpPr>
+        <a:xfrm>
+          <a:off x="0" y="0"/>
+          <a:ext cx="0" cy="0"/>
+          <a:chOff x="0" y="0"/>
+          <a:chExt cx="0" cy="0"/>
+        </a:xfrm>
+      </p:grpSpPr>
+      <p:sp>
+        <p:nvSpPr>
+          <p:cNvPr id="2" name="Title 1">
+            <a:extLst>
+              <a:ext uri="{FF2B5EF4-FFF2-40B4-BE49-F238E27FC236}">
                 <a16:creationId xmlns:a16="http://schemas.microsoft.com/office/drawing/2014/main" id="{9755498B-EC01-4444-83E2-188C3AAB4C6C}"/>
               </a:ext>
             </a:extLst>
@@ -4821,7 +4902,7 @@
 </p:sld>
 </file>
 
-<file path=ppt/slides/slide14.xml><?xml version="1.0" encoding="utf-8"?>
+<file path=ppt/slides/slide15.xml><?xml version="1.0" encoding="utf-8"?>
 <p:sld xmlns:a="http://schemas.openxmlformats.org/drawingml/2006/main" xmlns:r="http://schemas.openxmlformats.org/officeDocument/2006/relationships" xmlns:p="http://schemas.openxmlformats.org/presentationml/2006/main">
   <p:cSld>
     <p:spTree>
@@ -9027,7 +9108,7 @@
 </p:sld>
 </file>
 
-<file path=ppt/slides/slide15.xml><?xml version="1.0" encoding="utf-8"?>
+<file path=ppt/slides/slide16.xml><?xml version="1.0" encoding="utf-8"?>
 <p:sld xmlns:a="http://schemas.openxmlformats.org/drawingml/2006/main" xmlns:r="http://schemas.openxmlformats.org/officeDocument/2006/relationships" xmlns:p="http://schemas.openxmlformats.org/presentationml/2006/main">
   <p:cSld>
     <p:spTree>
@@ -13360,7 +13441,7 @@
 </p:sld>
 </file>
 
-<file path=ppt/slides/slide16.xml><?xml version="1.0" encoding="utf-8"?>
+<file path=ppt/slides/slide17.xml><?xml version="1.0" encoding="utf-8"?>
 <p:sld xmlns:a="http://schemas.openxmlformats.org/drawingml/2006/main" xmlns:r="http://schemas.openxmlformats.org/officeDocument/2006/relationships" xmlns:p="http://schemas.openxmlformats.org/presentationml/2006/main">
   <p:cSld>
     <p:spTree>
@@ -17511,7 +17592,7 @@
 </p:sld>
 </file>
 
-<file path=ppt/slides/slide17.xml><?xml version="1.0" encoding="utf-8"?>
+<file path=ppt/slides/slide18.xml><?xml version="1.0" encoding="utf-8"?>
 <p:sld xmlns:a="http://schemas.openxmlformats.org/drawingml/2006/main" xmlns:r="http://schemas.openxmlformats.org/officeDocument/2006/relationships" xmlns:p="http://schemas.openxmlformats.org/presentationml/2006/main">
   <p:cSld>
     <p:spTree>
@@ -21662,7 +21743,7 @@
 </p:sld>
 </file>
 
-<file path=ppt/slides/slide18.xml><?xml version="1.0" encoding="utf-8"?>
+<file path=ppt/slides/slide19.xml><?xml version="1.0" encoding="utf-8"?>
 <p:sld xmlns:a="http://schemas.openxmlformats.org/drawingml/2006/main" xmlns:r="http://schemas.openxmlformats.org/officeDocument/2006/relationships" xmlns:p="http://schemas.openxmlformats.org/presentationml/2006/main">
   <p:cSld>
     <p:spTree>
@@ -25864,99 +25945,6 @@
 </p:sld>
 </file>
 
-<file path=ppt/slides/slide19.xml><?xml version="1.0" encoding="utf-8"?>
-<p:sld xmlns:a="http://schemas.openxmlformats.org/drawingml/2006/main" xmlns:r="http://schemas.openxmlformats.org/officeDocument/2006/relationships" xmlns:p="http://schemas.openxmlformats.org/presentationml/2006/main">
-  <p:cSld>
-    <p:spTree>
-      <p:nvGrpSpPr>
-        <p:cNvPr id="1" name=""/>
-        <p:cNvGrpSpPr/>
-        <p:nvPr/>
-      </p:nvGrpSpPr>
-      <p:grpSpPr>
-        <a:xfrm>
-          <a:off x="0" y="0"/>
-          <a:ext cx="0" cy="0"/>
-          <a:chOff x="0" y="0"/>
-          <a:chExt cx="0" cy="0"/>
-        </a:xfrm>
-      </p:grpSpPr>
-      <p:sp>
-        <p:nvSpPr>
-          <p:cNvPr id="2" name="Title 1">
-            <a:extLst>
-              <a:ext uri="{FF2B5EF4-FFF2-40B4-BE49-F238E27FC236}">
-                <a16:creationId xmlns:a16="http://schemas.microsoft.com/office/drawing/2014/main" id="{A757797C-36EC-43B1-9E04-2F32D0726D8A}"/>
-              </a:ext>
-            </a:extLst>
-          </p:cNvPr>
-          <p:cNvSpPr>
-            <a:spLocks noGrp="1"/>
-          </p:cNvSpPr>
-          <p:nvPr>
-            <p:ph type="title"/>
-          </p:nvPr>
-        </p:nvSpPr>
-        <p:spPr/>
-        <p:txBody>
-          <a:bodyPr/>
-          <a:lstStyle/>
-          <a:p>
-            <a:r>
-              <a:rPr lang="en-US" dirty="0"/>
-              <a:t>Weight Table logic</a:t>
-            </a:r>
-          </a:p>
-        </p:txBody>
-      </p:sp>
-      <p:sp>
-        <p:nvSpPr>
-          <p:cNvPr id="3" name="Content Placeholder 2">
-            <a:extLst>
-              <a:ext uri="{FF2B5EF4-FFF2-40B4-BE49-F238E27FC236}">
-                <a16:creationId xmlns:a16="http://schemas.microsoft.com/office/drawing/2014/main" id="{71F7DEB5-5BC1-4499-8183-1C62B6E5ADEA}"/>
-              </a:ext>
-            </a:extLst>
-          </p:cNvPr>
-          <p:cNvSpPr>
-            <a:spLocks noGrp="1"/>
-          </p:cNvSpPr>
-          <p:nvPr>
-            <p:ph idx="1"/>
-          </p:nvPr>
-        </p:nvSpPr>
-        <p:spPr/>
-        <p:txBody>
-          <a:bodyPr/>
-          <a:lstStyle/>
-          <a:p>
-            <a:r>
-              <a:rPr lang="en-US" dirty="0"/>
-              <a:t>1 dual ported weight table per convolution engine</a:t>
-            </a:r>
-          </a:p>
-          <a:p>
-            <a:pPr lvl="1"/>
-            <a:r>
-              <a:rPr lang="en-US" dirty="0"/>
-              <a:t>Weights are supplied from both ports</a:t>
-            </a:r>
-          </a:p>
-        </p:txBody>
-      </p:sp>
-    </p:spTree>
-    <p:extLst>
-      <p:ext uri="{BB962C8B-B14F-4D97-AF65-F5344CB8AC3E}">
-        <p14:creationId xmlns:p14="http://schemas.microsoft.com/office/powerpoint/2010/main" val="1314389347"/>
-      </p:ext>
-    </p:extLst>
-  </p:cSld>
-  <p:clrMapOvr>
-    <a:masterClrMapping/>
-  </p:clrMapOvr>
-</p:sld>
-</file>
-
 <file path=ppt/slides/slide2.xml><?xml version="1.0" encoding="utf-8"?>
 <p:sld xmlns:a="http://schemas.openxmlformats.org/drawingml/2006/main" xmlns:r="http://schemas.openxmlformats.org/officeDocument/2006/relationships" xmlns:p="http://schemas.openxmlformats.org/presentationml/2006/main">
   <p:cSld>
@@ -26196,6 +26184,99 @@
 </file>
 
 <file path=ppt/slides/slide20.xml><?xml version="1.0" encoding="utf-8"?>
+<p:sld xmlns:a="http://schemas.openxmlformats.org/drawingml/2006/main" xmlns:r="http://schemas.openxmlformats.org/officeDocument/2006/relationships" xmlns:p="http://schemas.openxmlformats.org/presentationml/2006/main">
+  <p:cSld>
+    <p:spTree>
+      <p:nvGrpSpPr>
+        <p:cNvPr id="1" name=""/>
+        <p:cNvGrpSpPr/>
+        <p:nvPr/>
+      </p:nvGrpSpPr>
+      <p:grpSpPr>
+        <a:xfrm>
+          <a:off x="0" y="0"/>
+          <a:ext cx="0" cy="0"/>
+          <a:chOff x="0" y="0"/>
+          <a:chExt cx="0" cy="0"/>
+        </a:xfrm>
+      </p:grpSpPr>
+      <p:sp>
+        <p:nvSpPr>
+          <p:cNvPr id="2" name="Title 1">
+            <a:extLst>
+              <a:ext uri="{FF2B5EF4-FFF2-40B4-BE49-F238E27FC236}">
+                <a16:creationId xmlns:a16="http://schemas.microsoft.com/office/drawing/2014/main" id="{A757797C-36EC-43B1-9E04-2F32D0726D8A}"/>
+              </a:ext>
+            </a:extLst>
+          </p:cNvPr>
+          <p:cNvSpPr>
+            <a:spLocks noGrp="1"/>
+          </p:cNvSpPr>
+          <p:nvPr>
+            <p:ph type="title"/>
+          </p:nvPr>
+        </p:nvSpPr>
+        <p:spPr/>
+        <p:txBody>
+          <a:bodyPr/>
+          <a:lstStyle/>
+          <a:p>
+            <a:r>
+              <a:rPr lang="en-US" dirty="0"/>
+              <a:t>Weight Table logic</a:t>
+            </a:r>
+          </a:p>
+        </p:txBody>
+      </p:sp>
+      <p:sp>
+        <p:nvSpPr>
+          <p:cNvPr id="3" name="Content Placeholder 2">
+            <a:extLst>
+              <a:ext uri="{FF2B5EF4-FFF2-40B4-BE49-F238E27FC236}">
+                <a16:creationId xmlns:a16="http://schemas.microsoft.com/office/drawing/2014/main" id="{71F7DEB5-5BC1-4499-8183-1C62B6E5ADEA}"/>
+              </a:ext>
+            </a:extLst>
+          </p:cNvPr>
+          <p:cNvSpPr>
+            <a:spLocks noGrp="1"/>
+          </p:cNvSpPr>
+          <p:nvPr>
+            <p:ph idx="1"/>
+          </p:nvPr>
+        </p:nvSpPr>
+        <p:spPr/>
+        <p:txBody>
+          <a:bodyPr/>
+          <a:lstStyle/>
+          <a:p>
+            <a:r>
+              <a:rPr lang="en-US" dirty="0"/>
+              <a:t>1 dual ported weight table per convolution engine</a:t>
+            </a:r>
+          </a:p>
+          <a:p>
+            <a:pPr lvl="1"/>
+            <a:r>
+              <a:rPr lang="en-US" dirty="0"/>
+              <a:t>Weights are supplied from both ports</a:t>
+            </a:r>
+          </a:p>
+        </p:txBody>
+      </p:sp>
+    </p:spTree>
+    <p:extLst>
+      <p:ext uri="{BB962C8B-B14F-4D97-AF65-F5344CB8AC3E}">
+        <p14:creationId xmlns:p14="http://schemas.microsoft.com/office/powerpoint/2010/main" val="1314389347"/>
+      </p:ext>
+    </p:extLst>
+  </p:cSld>
+  <p:clrMapOvr>
+    <a:masterClrMapping/>
+  </p:clrMapOvr>
+</p:sld>
+</file>
+
+<file path=ppt/slides/slide21.xml><?xml version="1.0" encoding="utf-8"?>
 <p:sld xmlns:a="http://schemas.openxmlformats.org/drawingml/2006/main" xmlns:r="http://schemas.openxmlformats.org/officeDocument/2006/relationships" xmlns:p="http://schemas.openxmlformats.org/presentationml/2006/main">
   <p:cSld>
     <p:spTree>
@@ -27706,7 +27787,7 @@
 </p:sld>
 </file>
 
-<file path=ppt/slides/slide21.xml><?xml version="1.0" encoding="utf-8"?>
+<file path=ppt/slides/slide22.xml><?xml version="1.0" encoding="utf-8"?>
 <p:sld xmlns:a="http://schemas.openxmlformats.org/drawingml/2006/main" xmlns:r="http://schemas.openxmlformats.org/officeDocument/2006/relationships" xmlns:p="http://schemas.openxmlformats.org/presentationml/2006/main">
   <p:cSld>
     <p:spTree>
@@ -28053,7 +28134,7 @@
 </p:sld>
 </file>
 
-<file path=ppt/slides/slide22.xml><?xml version="1.0" encoding="utf-8"?>
+<file path=ppt/slides/slide23.xml><?xml version="1.0" encoding="utf-8"?>
 <p:sld xmlns:a="http://schemas.openxmlformats.org/drawingml/2006/main" xmlns:r="http://schemas.openxmlformats.org/officeDocument/2006/relationships" xmlns:p="http://schemas.openxmlformats.org/presentationml/2006/main">
   <p:cSld>
     <p:spTree>
@@ -28465,7 +28546,7 @@
 </p:sld>
 </file>
 
-<file path=ppt/slides/slide23.xml><?xml version="1.0" encoding="utf-8"?>
+<file path=ppt/slides/slide24.xml><?xml version="1.0" encoding="utf-8"?>
 <p:sld xmlns:a="http://schemas.openxmlformats.org/drawingml/2006/main" xmlns:r="http://schemas.openxmlformats.org/officeDocument/2006/relationships" xmlns:p="http://schemas.openxmlformats.org/presentationml/2006/main">
   <p:cSld>
     <p:spTree>
@@ -28553,7 +28634,7 @@
 </p:sld>
 </file>
 
-<file path=ppt/slides/slide24.xml><?xml version="1.0" encoding="utf-8"?>
+<file path=ppt/slides/slide25.xml><?xml version="1.0" encoding="utf-8"?>
 <p:sld xmlns:a="http://schemas.openxmlformats.org/drawingml/2006/main" xmlns:r="http://schemas.openxmlformats.org/officeDocument/2006/relationships" xmlns:p="http://schemas.openxmlformats.org/presentationml/2006/main">
   <p:cSld>
     <p:spTree>
@@ -28863,7 +28944,7 @@
 </p:sld>
 </file>
 
-<file path=ppt/slides/slide25.xml><?xml version="1.0" encoding="utf-8"?>
+<file path=ppt/slides/slide26.xml><?xml version="1.0" encoding="utf-8"?>
 <p:sld xmlns:a="http://schemas.openxmlformats.org/drawingml/2006/main" xmlns:r="http://schemas.openxmlformats.org/officeDocument/2006/relationships" xmlns:p="http://schemas.openxmlformats.org/presentationml/2006/main">
   <p:cSld>
     <p:spTree>
@@ -29083,7 +29164,7 @@
 </p:sld>
 </file>
 
-<file path=ppt/slides/slide26.xml><?xml version="1.0" encoding="utf-8"?>
+<file path=ppt/slides/slide27.xml><?xml version="1.0" encoding="utf-8"?>
 <p:sld xmlns:a="http://schemas.openxmlformats.org/drawingml/2006/main" xmlns:r="http://schemas.openxmlformats.org/officeDocument/2006/relationships" xmlns:p="http://schemas.openxmlformats.org/presentationml/2006/main">
   <p:cSld>
     <p:spTree>
@@ -29178,7 +29259,7 @@
 </p:sld>
 </file>
 
-<file path=ppt/slides/slide27.xml><?xml version="1.0" encoding="utf-8"?>
+<file path=ppt/slides/slide28.xml><?xml version="1.0" encoding="utf-8"?>
 <p:sld xmlns:a="http://schemas.openxmlformats.org/drawingml/2006/main" xmlns:r="http://schemas.openxmlformats.org/officeDocument/2006/relationships" xmlns:p="http://schemas.openxmlformats.org/presentationml/2006/main">
   <p:cSld>
     <p:spTree>
@@ -29431,132 +29512,6 @@
     <p:extLst>
       <p:ext uri="{BB962C8B-B14F-4D97-AF65-F5344CB8AC3E}">
         <p14:creationId xmlns:p14="http://schemas.microsoft.com/office/powerpoint/2010/main" val="3409444981"/>
-      </p:ext>
-    </p:extLst>
-  </p:cSld>
-  <p:clrMapOvr>
-    <a:masterClrMapping/>
-  </p:clrMapOvr>
-</p:sld>
-</file>
-
-<file path=ppt/slides/slide28.xml><?xml version="1.0" encoding="utf-8"?>
-<p:sld xmlns:a="http://schemas.openxmlformats.org/drawingml/2006/main" xmlns:r="http://schemas.openxmlformats.org/officeDocument/2006/relationships" xmlns:p="http://schemas.openxmlformats.org/presentationml/2006/main">
-  <p:cSld>
-    <p:spTree>
-      <p:nvGrpSpPr>
-        <p:cNvPr id="1" name=""/>
-        <p:cNvGrpSpPr/>
-        <p:nvPr/>
-      </p:nvGrpSpPr>
-      <p:grpSpPr>
-        <a:xfrm>
-          <a:off x="0" y="0"/>
-          <a:ext cx="0" cy="0"/>
-          <a:chOff x="0" y="0"/>
-          <a:chExt cx="0" cy="0"/>
-        </a:xfrm>
-      </p:grpSpPr>
-      <p:sp>
-        <p:nvSpPr>
-          <p:cNvPr id="2" name="Title 1">
-            <a:extLst>
-              <a:ext uri="{FF2B5EF4-FFF2-40B4-BE49-F238E27FC236}">
-                <a16:creationId xmlns:a16="http://schemas.microsoft.com/office/drawing/2014/main" id="{79468BAA-997E-40B4-A4C0-C04F75D7A4A6}"/>
-              </a:ext>
-            </a:extLst>
-          </p:cNvPr>
-          <p:cNvSpPr>
-            <a:spLocks noGrp="1"/>
-          </p:cNvSpPr>
-          <p:nvPr>
-            <p:ph type="title"/>
-          </p:nvPr>
-        </p:nvSpPr>
-        <p:spPr/>
-        <p:txBody>
-          <a:bodyPr/>
-          <a:lstStyle/>
-          <a:p>
-            <a:r>
-              <a:rPr lang="en-US" dirty="0"/>
-              <a:t>Implementation Roles</a:t>
-            </a:r>
-          </a:p>
-        </p:txBody>
-      </p:sp>
-      <p:sp>
-        <p:nvSpPr>
-          <p:cNvPr id="3" name="Content Placeholder 2">
-            <a:extLst>
-              <a:ext uri="{FF2B5EF4-FFF2-40B4-BE49-F238E27FC236}">
-                <a16:creationId xmlns:a16="http://schemas.microsoft.com/office/drawing/2014/main" id="{3F557A27-2224-4097-B1B6-1AD0EA536A1F}"/>
-              </a:ext>
-            </a:extLst>
-          </p:cNvPr>
-          <p:cNvSpPr>
-            <a:spLocks noGrp="1"/>
-          </p:cNvSpPr>
-          <p:nvPr>
-            <p:ph idx="1"/>
-          </p:nvPr>
-        </p:nvSpPr>
-        <p:spPr/>
-        <p:txBody>
-          <a:bodyPr/>
-          <a:lstStyle/>
-          <a:p>
-            <a:r>
-              <a:rPr lang="en-US" dirty="0"/>
-              <a:t>AWP – </a:t>
-            </a:r>
-            <a:r>
-              <a:rPr lang="en-US" dirty="0" err="1"/>
-              <a:t>Ikenna</a:t>
-            </a:r>
-            <a:r>
-              <a:rPr lang="en-US" dirty="0"/>
-              <a:t> &amp; Geetha</a:t>
-            </a:r>
-          </a:p>
-          <a:p>
-            <a:r>
-              <a:rPr lang="en-US" dirty="0"/>
-              <a:t>FAS – </a:t>
-            </a:r>
-            <a:r>
-              <a:rPr lang="en-US" dirty="0" err="1"/>
-              <a:t>Saambhavi</a:t>
-            </a:r>
-            <a:endParaRPr lang="en-US" dirty="0"/>
-          </a:p>
-          <a:p>
-            <a:r>
-              <a:rPr lang="en-US" dirty="0"/>
-              <a:t>Functional Verification – Kevin &amp; </a:t>
-            </a:r>
-            <a:r>
-              <a:rPr lang="en-US" dirty="0" err="1"/>
-              <a:t>Ikenna</a:t>
-            </a:r>
-            <a:endParaRPr lang="en-US" dirty="0"/>
-          </a:p>
-          <a:p>
-            <a:r>
-              <a:rPr lang="en-US" dirty="0"/>
-              <a:t>Software development – Kevin </a:t>
-            </a:r>
-          </a:p>
-          <a:p>
-            <a:pPr lvl="1"/>
-            <a:endParaRPr lang="en-US" dirty="0"/>
-          </a:p>
-        </p:txBody>
-      </p:sp>
-    </p:spTree>
-    <p:extLst>
-      <p:ext uri="{BB962C8B-B14F-4D97-AF65-F5344CB8AC3E}">
-        <p14:creationId xmlns:p14="http://schemas.microsoft.com/office/powerpoint/2010/main" val="387991971"/>
       </p:ext>
     </p:extLst>
   </p:cSld>
@@ -29588,7 +29543,7 @@
           <p:cNvPr id="2" name="Title 1">
             <a:extLst>
               <a:ext uri="{FF2B5EF4-FFF2-40B4-BE49-F238E27FC236}">
-                <a16:creationId xmlns:a16="http://schemas.microsoft.com/office/drawing/2014/main" id="{08AABDB2-5D63-43D9-BFDB-67975D816168}"/>
+                <a16:creationId xmlns:a16="http://schemas.microsoft.com/office/drawing/2014/main" id="{79468BAA-997E-40B4-A4C0-C04F75D7A4A6}"/>
               </a:ext>
             </a:extLst>
           </p:cNvPr>
@@ -29604,7 +29559,10 @@
           <a:bodyPr/>
           <a:lstStyle/>
           <a:p>
-            <a:endParaRPr lang="en-US"/>
+            <a:r>
+              <a:rPr lang="en-US" dirty="0"/>
+              <a:t>Implementation Roles</a:t>
+            </a:r>
           </a:p>
         </p:txBody>
       </p:sp>
@@ -29613,7 +29571,7 @@
           <p:cNvPr id="3" name="Content Placeholder 2">
             <a:extLst>
               <a:ext uri="{FF2B5EF4-FFF2-40B4-BE49-F238E27FC236}">
-                <a16:creationId xmlns:a16="http://schemas.microsoft.com/office/drawing/2014/main" id="{DC8330D5-703D-4FC0-9B03-FB3662AEC422}"/>
+                <a16:creationId xmlns:a16="http://schemas.microsoft.com/office/drawing/2014/main" id="{3F557A27-2224-4097-B1B6-1AD0EA536A1F}"/>
               </a:ext>
             </a:extLst>
           </p:cNvPr>
@@ -29631,75 +29589,47 @@
           <a:p>
             <a:r>
               <a:rPr lang="en-US" dirty="0"/>
-              <a:t>Depth x </a:t>
+              <a:t>AWP – </a:t>
             </a:r>
             <a:r>
               <a:rPr lang="en-US" dirty="0" err="1"/>
-              <a:t>NumRows</a:t>
+              <a:t>Ikenna</a:t>
             </a:r>
             <a:r>
               <a:rPr lang="en-US" dirty="0"/>
-              <a:t> x </a:t>
+              <a:t> &amp; Geetha</a:t>
+            </a:r>
+          </a:p>
+          <a:p>
+            <a:r>
+              <a:rPr lang="en-US" dirty="0"/>
+              <a:t>FAS – </a:t>
             </a:r>
             <a:r>
               <a:rPr lang="en-US" dirty="0" err="1"/>
-              <a:t>NumCols</a:t>
+              <a:t>Saambhavi</a:t>
             </a:r>
             <a:endParaRPr lang="en-US" dirty="0"/>
           </a:p>
           <a:p>
             <a:r>
               <a:rPr lang="en-US" dirty="0"/>
-              <a:t>Map size : 8x20x20</a:t>
-            </a:r>
+              <a:t>Functional Verification – Kevin &amp; </a:t>
+            </a:r>
+            <a:r>
+              <a:rPr lang="en-US" dirty="0" err="1"/>
+              <a:t>Ikenna</a:t>
+            </a:r>
+            <a:endParaRPr lang="en-US" dirty="0"/>
           </a:p>
           <a:p>
             <a:r>
               <a:rPr lang="en-US" dirty="0"/>
-              <a:t>Kernel size 5x8x3x3</a:t>
-            </a:r>
-          </a:p>
-          <a:p>
-            <a:r>
-              <a:rPr lang="en-US" dirty="0"/>
-              <a:t>Stride is 1</a:t>
-            </a:r>
-          </a:p>
-          <a:p>
-            <a:r>
-              <a:rPr lang="en-US" dirty="0"/>
-              <a:t>No padding</a:t>
-            </a:r>
-          </a:p>
-          <a:p>
-            <a:r>
-              <a:rPr lang="en-US" dirty="0"/>
-              <a:t>Ideally output will be 5x18x18;</a:t>
+              <a:t>Software development – Kevin </a:t>
             </a:r>
           </a:p>
           <a:p>
             <a:pPr lvl="1"/>
-            <a:r>
-              <a:rPr lang="en-US" dirty="0"/>
-              <a:t>However output is be 5x19x20, with the result in the top left</a:t>
-            </a:r>
-          </a:p>
-          <a:p>
-            <a:pPr lvl="2"/>
-            <a:r>
-              <a:rPr lang="en-US" sz="1200" dirty="0"/>
-              <a:t>[R0C0K0, R0C1K0, ... R0C19K0] [R0C0K1, R0C1K1, ... R0C19K1] … [R0C0K4, R0C1K4, ... R0C19K4] </a:t>
-            </a:r>
-          </a:p>
-          <a:p>
-            <a:pPr lvl="2"/>
-            <a:r>
-              <a:rPr lang="en-US" sz="1200" dirty="0"/>
-              <a:t>[R1C0K0, R1C1K0, ... R1C19K0] [R1C0K1, R1C1K1, ... R1C19K1] … [R1C0K4, R1C1K4, ... R1C19K4] </a:t>
-            </a:r>
-          </a:p>
-          <a:p>
-            <a:pPr lvl="2"/>
             <a:endParaRPr lang="en-US" dirty="0"/>
           </a:p>
         </p:txBody>
@@ -29707,7 +29637,7 @@
     </p:spTree>
     <p:extLst>
       <p:ext uri="{BB962C8B-B14F-4D97-AF65-F5344CB8AC3E}">
-        <p14:creationId xmlns:p14="http://schemas.microsoft.com/office/powerpoint/2010/main" val="589723252"/>
+        <p14:creationId xmlns:p14="http://schemas.microsoft.com/office/powerpoint/2010/main" val="387991971"/>
       </p:ext>
     </p:extLst>
   </p:cSld>
@@ -29796,6 +29726,157 @@
     <p:extLst>
       <p:ext uri="{BB962C8B-B14F-4D97-AF65-F5344CB8AC3E}">
         <p14:creationId xmlns:p14="http://schemas.microsoft.com/office/powerpoint/2010/main" val="491792332"/>
+      </p:ext>
+    </p:extLst>
+  </p:cSld>
+  <p:clrMapOvr>
+    <a:masterClrMapping/>
+  </p:clrMapOvr>
+</p:sld>
+</file>
+
+<file path=ppt/slides/slide30.xml><?xml version="1.0" encoding="utf-8"?>
+<p:sld xmlns:a="http://schemas.openxmlformats.org/drawingml/2006/main" xmlns:r="http://schemas.openxmlformats.org/officeDocument/2006/relationships" xmlns:p="http://schemas.openxmlformats.org/presentationml/2006/main">
+  <p:cSld>
+    <p:spTree>
+      <p:nvGrpSpPr>
+        <p:cNvPr id="1" name=""/>
+        <p:cNvGrpSpPr/>
+        <p:nvPr/>
+      </p:nvGrpSpPr>
+      <p:grpSpPr>
+        <a:xfrm>
+          <a:off x="0" y="0"/>
+          <a:ext cx="0" cy="0"/>
+          <a:chOff x="0" y="0"/>
+          <a:chExt cx="0" cy="0"/>
+        </a:xfrm>
+      </p:grpSpPr>
+      <p:sp>
+        <p:nvSpPr>
+          <p:cNvPr id="2" name="Title 1">
+            <a:extLst>
+              <a:ext uri="{FF2B5EF4-FFF2-40B4-BE49-F238E27FC236}">
+                <a16:creationId xmlns:a16="http://schemas.microsoft.com/office/drawing/2014/main" id="{08AABDB2-5D63-43D9-BFDB-67975D816168}"/>
+              </a:ext>
+            </a:extLst>
+          </p:cNvPr>
+          <p:cNvSpPr>
+            <a:spLocks noGrp="1"/>
+          </p:cNvSpPr>
+          <p:nvPr>
+            <p:ph type="title"/>
+          </p:nvPr>
+        </p:nvSpPr>
+        <p:spPr/>
+        <p:txBody>
+          <a:bodyPr/>
+          <a:lstStyle/>
+          <a:p>
+            <a:endParaRPr lang="en-US"/>
+          </a:p>
+        </p:txBody>
+      </p:sp>
+      <p:sp>
+        <p:nvSpPr>
+          <p:cNvPr id="3" name="Content Placeholder 2">
+            <a:extLst>
+              <a:ext uri="{FF2B5EF4-FFF2-40B4-BE49-F238E27FC236}">
+                <a16:creationId xmlns:a16="http://schemas.microsoft.com/office/drawing/2014/main" id="{DC8330D5-703D-4FC0-9B03-FB3662AEC422}"/>
+              </a:ext>
+            </a:extLst>
+          </p:cNvPr>
+          <p:cNvSpPr>
+            <a:spLocks noGrp="1"/>
+          </p:cNvSpPr>
+          <p:nvPr>
+            <p:ph idx="1"/>
+          </p:nvPr>
+        </p:nvSpPr>
+        <p:spPr/>
+        <p:txBody>
+          <a:bodyPr/>
+          <a:lstStyle/>
+          <a:p>
+            <a:r>
+              <a:rPr lang="en-US" dirty="0"/>
+              <a:t>Depth x </a:t>
+            </a:r>
+            <a:r>
+              <a:rPr lang="en-US" dirty="0" err="1"/>
+              <a:t>NumRows</a:t>
+            </a:r>
+            <a:r>
+              <a:rPr lang="en-US" dirty="0"/>
+              <a:t> x </a:t>
+            </a:r>
+            <a:r>
+              <a:rPr lang="en-US" dirty="0" err="1"/>
+              <a:t>NumCols</a:t>
+            </a:r>
+            <a:endParaRPr lang="en-US" dirty="0"/>
+          </a:p>
+          <a:p>
+            <a:r>
+              <a:rPr lang="en-US" dirty="0"/>
+              <a:t>Map size : 8x20x20</a:t>
+            </a:r>
+          </a:p>
+          <a:p>
+            <a:r>
+              <a:rPr lang="en-US" dirty="0"/>
+              <a:t>Kernel size 5x8x3x3</a:t>
+            </a:r>
+          </a:p>
+          <a:p>
+            <a:r>
+              <a:rPr lang="en-US" dirty="0"/>
+              <a:t>Stride is 1</a:t>
+            </a:r>
+          </a:p>
+          <a:p>
+            <a:r>
+              <a:rPr lang="en-US" dirty="0"/>
+              <a:t>No padding</a:t>
+            </a:r>
+          </a:p>
+          <a:p>
+            <a:r>
+              <a:rPr lang="en-US" dirty="0"/>
+              <a:t>Ideally output will be 5x18x18;</a:t>
+            </a:r>
+          </a:p>
+          <a:p>
+            <a:pPr lvl="1"/>
+            <a:r>
+              <a:rPr lang="en-US" dirty="0"/>
+              <a:t>However output is be 5x19x20, with the result in the top left</a:t>
+            </a:r>
+          </a:p>
+          <a:p>
+            <a:pPr lvl="2"/>
+            <a:r>
+              <a:rPr lang="en-US" sz="1200" dirty="0"/>
+              <a:t>[R0C0K0, R0C1K0, ... R0C19K0] [R0C0K1, R0C1K1, ... R0C19K1] … [R0C0K4, R0C1K4, ... R0C19K4] </a:t>
+            </a:r>
+          </a:p>
+          <a:p>
+            <a:pPr lvl="2"/>
+            <a:r>
+              <a:rPr lang="en-US" sz="1200" dirty="0"/>
+              <a:t>[R1C0K0, R1C1K0, ... R1C19K0] [R1C0K1, R1C1K1, ... R1C19K1] … [R1C0K4, R1C1K4, ... R1C19K4] </a:t>
+            </a:r>
+          </a:p>
+          <a:p>
+            <a:pPr lvl="2"/>
+            <a:endParaRPr lang="en-US" dirty="0"/>
+          </a:p>
+        </p:txBody>
+      </p:sp>
+    </p:spTree>
+    <p:extLst>
+      <p:ext uri="{BB962C8B-B14F-4D97-AF65-F5344CB8AC3E}">
+        <p14:creationId xmlns:p14="http://schemas.microsoft.com/office/powerpoint/2010/main" val="589723252"/>
       </p:ext>
     </p:extLst>
   </p:cSld>

--- a/hardware/doc/CNN Accelerator Implementation Plan.pptx
+++ b/hardware/doc/CNN Accelerator Implementation Plan.pptx
@@ -5,7 +5,7 @@
     <p:sldMasterId id="2147483696" r:id="rId1"/>
   </p:sldMasterIdLst>
   <p:notesMasterIdLst>
-    <p:notesMasterId r:id="rId32"/>
+    <p:notesMasterId r:id="rId33"/>
   </p:notesMasterIdLst>
   <p:sldIdLst>
     <p:sldId id="256" r:id="rId2"/>
@@ -38,6 +38,7 @@
     <p:sldId id="270" r:id="rId29"/>
     <p:sldId id="274" r:id="rId30"/>
     <p:sldId id="284" r:id="rId31"/>
+    <p:sldId id="286" r:id="rId32"/>
   </p:sldIdLst>
   <p:sldSz cx="9144000" cy="5143500" type="screen16x9"/>
   <p:notesSz cx="6858000" cy="9144000"/>
@@ -226,7 +227,7 @@
           <a:p>
             <a:fld id="{C4B376D1-B2A4-4962-9EC9-A9C8ACD38F22}" type="datetimeFigureOut">
               <a:rPr lang="en-US" smtClean="0"/>
-              <a:t>3/9/2019</a:t>
+              <a:t>3/11/2019</a:t>
             </a:fld>
             <a:endParaRPr lang="en-US"/>
           </a:p>
@@ -1044,7 +1045,7 @@
           <a:p>
             <a:fld id="{8F06087A-BB81-43C1-AFE2-3763E6B27B9D}" type="datetimeFigureOut">
               <a:rPr lang="en-US" smtClean="0"/>
-              <a:t>3/9/2019</a:t>
+              <a:t>3/11/2019</a:t>
             </a:fld>
             <a:endParaRPr lang="en-US"/>
           </a:p>
@@ -1214,7 +1215,7 @@
           <a:p>
             <a:fld id="{8F06087A-BB81-43C1-AFE2-3763E6B27B9D}" type="datetimeFigureOut">
               <a:rPr lang="en-US" smtClean="0"/>
-              <a:t>3/9/2019</a:t>
+              <a:t>3/11/2019</a:t>
             </a:fld>
             <a:endParaRPr lang="en-US"/>
           </a:p>
@@ -1394,7 +1395,7 @@
           <a:p>
             <a:fld id="{8F06087A-BB81-43C1-AFE2-3763E6B27B9D}" type="datetimeFigureOut">
               <a:rPr lang="en-US" smtClean="0"/>
-              <a:t>3/9/2019</a:t>
+              <a:t>3/11/2019</a:t>
             </a:fld>
             <a:endParaRPr lang="en-US"/>
           </a:p>
@@ -1564,7 +1565,7 @@
           <a:p>
             <a:fld id="{8F06087A-BB81-43C1-AFE2-3763E6B27B9D}" type="datetimeFigureOut">
               <a:rPr lang="en-US" smtClean="0"/>
-              <a:t>3/9/2019</a:t>
+              <a:t>3/11/2019</a:t>
             </a:fld>
             <a:endParaRPr lang="en-US"/>
           </a:p>
@@ -1810,7 +1811,7 @@
           <a:p>
             <a:fld id="{8F06087A-BB81-43C1-AFE2-3763E6B27B9D}" type="datetimeFigureOut">
               <a:rPr lang="en-US" smtClean="0"/>
-              <a:t>3/9/2019</a:t>
+              <a:t>3/11/2019</a:t>
             </a:fld>
             <a:endParaRPr lang="en-US"/>
           </a:p>
@@ -2042,7 +2043,7 @@
           <a:p>
             <a:fld id="{8F06087A-BB81-43C1-AFE2-3763E6B27B9D}" type="datetimeFigureOut">
               <a:rPr lang="en-US" smtClean="0"/>
-              <a:t>3/9/2019</a:t>
+              <a:t>3/11/2019</a:t>
             </a:fld>
             <a:endParaRPr lang="en-US"/>
           </a:p>
@@ -2409,7 +2410,7 @@
           <a:p>
             <a:fld id="{8F06087A-BB81-43C1-AFE2-3763E6B27B9D}" type="datetimeFigureOut">
               <a:rPr lang="en-US" smtClean="0"/>
-              <a:t>3/9/2019</a:t>
+              <a:t>3/11/2019</a:t>
             </a:fld>
             <a:endParaRPr lang="en-US"/>
           </a:p>
@@ -2527,7 +2528,7 @@
           <a:p>
             <a:fld id="{8F06087A-BB81-43C1-AFE2-3763E6B27B9D}" type="datetimeFigureOut">
               <a:rPr lang="en-US" smtClean="0"/>
-              <a:t>3/9/2019</a:t>
+              <a:t>3/11/2019</a:t>
             </a:fld>
             <a:endParaRPr lang="en-US"/>
           </a:p>
@@ -2622,7 +2623,7 @@
           <a:p>
             <a:fld id="{8F06087A-BB81-43C1-AFE2-3763E6B27B9D}" type="datetimeFigureOut">
               <a:rPr lang="en-US" smtClean="0"/>
-              <a:t>3/9/2019</a:t>
+              <a:t>3/11/2019</a:t>
             </a:fld>
             <a:endParaRPr lang="en-US"/>
           </a:p>
@@ -2899,7 +2900,7 @@
           <a:p>
             <a:fld id="{8F06087A-BB81-43C1-AFE2-3763E6B27B9D}" type="datetimeFigureOut">
               <a:rPr lang="en-US" smtClean="0"/>
-              <a:t>3/9/2019</a:t>
+              <a:t>3/11/2019</a:t>
             </a:fld>
             <a:endParaRPr lang="en-US"/>
           </a:p>
@@ -3156,7 +3157,7 @@
           <a:p>
             <a:fld id="{8F06087A-BB81-43C1-AFE2-3763E6B27B9D}" type="datetimeFigureOut">
               <a:rPr lang="en-US" smtClean="0"/>
-              <a:t>3/9/2019</a:t>
+              <a:t>3/11/2019</a:t>
             </a:fld>
             <a:endParaRPr lang="en-US"/>
           </a:p>
@@ -3369,7 +3370,7 @@
           <a:p>
             <a:fld id="{8F06087A-BB81-43C1-AFE2-3763E6B27B9D}" type="datetimeFigureOut">
               <a:rPr lang="en-US" smtClean="0"/>
-              <a:t>3/9/2019</a:t>
+              <a:t>3/11/2019</a:t>
             </a:fld>
             <a:endParaRPr lang="en-US"/>
           </a:p>
@@ -29856,19 +29857,16 @@
           <a:p>
             <a:pPr lvl="2"/>
             <a:r>
-              <a:rPr lang="en-US" sz="1200" dirty="0"/>
-              <a:t>[R0C0K0, R0C1K0, ... R0C19K0] [R0C0K1, R0C1K1, ... R0C19K1] … [R0C0K4, R0C1K4, ... R0C19K4] </a:t>
+              <a:rPr lang="pt-BR" sz="1200" dirty="0"/>
+              <a:t>[R0C0D0, R0C1D0, ... R0C19D0] [R0C0D1, R0C1D1, ... R0C19D1] ….... [R0C0D4, R0C1D4, ... R0C19D4] </a:t>
             </a:r>
           </a:p>
           <a:p>
             <a:pPr lvl="2"/>
             <a:r>
-              <a:rPr lang="en-US" sz="1200" dirty="0"/>
-              <a:t>[R1C0K0, R1C1K0, ... R1C19K0] [R1C0K1, R1C1K1, ... R1C19K1] … [R1C0K4, R1C1K4, ... R1C19K4] </a:t>
-            </a:r>
-          </a:p>
-          <a:p>
-            <a:pPr lvl="2"/>
+              <a:rPr lang="pt-BR" sz="1200" dirty="0"/>
+              <a:t>[R1C0D0, R1C1D0, ... R1C19D0] [R1C0D1, R1C1D1, ... R1C19D1] ….... [R1C0D4, R1C1D4, ... R1C19D4] </a:t>
+            </a:r>
             <a:endParaRPr lang="en-US" dirty="0"/>
           </a:p>
         </p:txBody>
@@ -29877,6 +29875,86 @@
     <p:extLst>
       <p:ext uri="{BB962C8B-B14F-4D97-AF65-F5344CB8AC3E}">
         <p14:creationId xmlns:p14="http://schemas.microsoft.com/office/powerpoint/2010/main" val="589723252"/>
+      </p:ext>
+    </p:extLst>
+  </p:cSld>
+  <p:clrMapOvr>
+    <a:masterClrMapping/>
+  </p:clrMapOvr>
+</p:sld>
+</file>
+
+<file path=ppt/slides/slide31.xml><?xml version="1.0" encoding="utf-8"?>
+<p:sld xmlns:a="http://schemas.openxmlformats.org/drawingml/2006/main" xmlns:r="http://schemas.openxmlformats.org/officeDocument/2006/relationships" xmlns:p="http://schemas.openxmlformats.org/presentationml/2006/main">
+  <p:cSld>
+    <p:spTree>
+      <p:nvGrpSpPr>
+        <p:cNvPr id="1" name=""/>
+        <p:cNvGrpSpPr/>
+        <p:nvPr/>
+      </p:nvGrpSpPr>
+      <p:grpSpPr>
+        <a:xfrm>
+          <a:off x="0" y="0"/>
+          <a:ext cx="0" cy="0"/>
+          <a:chOff x="0" y="0"/>
+          <a:chExt cx="0" cy="0"/>
+        </a:xfrm>
+      </p:grpSpPr>
+      <p:sp>
+        <p:nvSpPr>
+          <p:cNvPr id="2" name="Title 1">
+            <a:extLst>
+              <a:ext uri="{FF2B5EF4-FFF2-40B4-BE49-F238E27FC236}">
+                <a16:creationId xmlns:a16="http://schemas.microsoft.com/office/drawing/2014/main" id="{317952A4-6853-43A0-9CC5-DA163180AEF2}"/>
+              </a:ext>
+            </a:extLst>
+          </p:cNvPr>
+          <p:cNvSpPr>
+            <a:spLocks noGrp="1"/>
+          </p:cNvSpPr>
+          <p:nvPr>
+            <p:ph type="title"/>
+          </p:nvPr>
+        </p:nvSpPr>
+        <p:spPr/>
+        <p:txBody>
+          <a:bodyPr/>
+          <a:lstStyle/>
+          <a:p>
+            <a:endParaRPr lang="en-US"/>
+          </a:p>
+        </p:txBody>
+      </p:sp>
+      <p:sp>
+        <p:nvSpPr>
+          <p:cNvPr id="3" name="Content Placeholder 2">
+            <a:extLst>
+              <a:ext uri="{FF2B5EF4-FFF2-40B4-BE49-F238E27FC236}">
+                <a16:creationId xmlns:a16="http://schemas.microsoft.com/office/drawing/2014/main" id="{574B13A9-5F1A-4282-B6E1-B460C4458C90}"/>
+              </a:ext>
+            </a:extLst>
+          </p:cNvPr>
+          <p:cNvSpPr>
+            <a:spLocks noGrp="1"/>
+          </p:cNvSpPr>
+          <p:nvPr>
+            <p:ph idx="1"/>
+          </p:nvPr>
+        </p:nvSpPr>
+        <p:spPr/>
+        <p:txBody>
+          <a:bodyPr/>
+          <a:lstStyle/>
+          <a:p>
+            <a:endParaRPr lang="en-US"/>
+          </a:p>
+        </p:txBody>
+      </p:sp>
+    </p:spTree>
+    <p:extLst>
+      <p:ext uri="{BB962C8B-B14F-4D97-AF65-F5344CB8AC3E}">
+        <p14:creationId xmlns:p14="http://schemas.microsoft.com/office/powerpoint/2010/main" val="1604004236"/>
       </p:ext>
     </p:extLst>
   </p:cSld>

--- a/hardware/doc/CNN Accelerator Implementation Plan.pptx
+++ b/hardware/doc/CNN Accelerator Implementation Plan.pptx
@@ -227,7 +227,7 @@
           <a:p>
             <a:fld id="{C4B376D1-B2A4-4962-9EC9-A9C8ACD38F22}" type="datetimeFigureOut">
               <a:rPr lang="en-US" smtClean="0"/>
-              <a:t>3/11/2019</a:t>
+              <a:t>3/16/2019</a:t>
             </a:fld>
             <a:endParaRPr lang="en-US"/>
           </a:p>
@@ -1045,7 +1045,7 @@
           <a:p>
             <a:fld id="{8F06087A-BB81-43C1-AFE2-3763E6B27B9D}" type="datetimeFigureOut">
               <a:rPr lang="en-US" smtClean="0"/>
-              <a:t>3/11/2019</a:t>
+              <a:t>3/16/2019</a:t>
             </a:fld>
             <a:endParaRPr lang="en-US"/>
           </a:p>
@@ -1215,7 +1215,7 @@
           <a:p>
             <a:fld id="{8F06087A-BB81-43C1-AFE2-3763E6B27B9D}" type="datetimeFigureOut">
               <a:rPr lang="en-US" smtClean="0"/>
-              <a:t>3/11/2019</a:t>
+              <a:t>3/16/2019</a:t>
             </a:fld>
             <a:endParaRPr lang="en-US"/>
           </a:p>
@@ -1395,7 +1395,7 @@
           <a:p>
             <a:fld id="{8F06087A-BB81-43C1-AFE2-3763E6B27B9D}" type="datetimeFigureOut">
               <a:rPr lang="en-US" smtClean="0"/>
-              <a:t>3/11/2019</a:t>
+              <a:t>3/16/2019</a:t>
             </a:fld>
             <a:endParaRPr lang="en-US"/>
           </a:p>
@@ -1565,7 +1565,7 @@
           <a:p>
             <a:fld id="{8F06087A-BB81-43C1-AFE2-3763E6B27B9D}" type="datetimeFigureOut">
               <a:rPr lang="en-US" smtClean="0"/>
-              <a:t>3/11/2019</a:t>
+              <a:t>3/16/2019</a:t>
             </a:fld>
             <a:endParaRPr lang="en-US"/>
           </a:p>
@@ -1811,7 +1811,7 @@
           <a:p>
             <a:fld id="{8F06087A-BB81-43C1-AFE2-3763E6B27B9D}" type="datetimeFigureOut">
               <a:rPr lang="en-US" smtClean="0"/>
-              <a:t>3/11/2019</a:t>
+              <a:t>3/16/2019</a:t>
             </a:fld>
             <a:endParaRPr lang="en-US"/>
           </a:p>
@@ -2043,7 +2043,7 @@
           <a:p>
             <a:fld id="{8F06087A-BB81-43C1-AFE2-3763E6B27B9D}" type="datetimeFigureOut">
               <a:rPr lang="en-US" smtClean="0"/>
-              <a:t>3/11/2019</a:t>
+              <a:t>3/16/2019</a:t>
             </a:fld>
             <a:endParaRPr lang="en-US"/>
           </a:p>
@@ -2410,7 +2410,7 @@
           <a:p>
             <a:fld id="{8F06087A-BB81-43C1-AFE2-3763E6B27B9D}" type="datetimeFigureOut">
               <a:rPr lang="en-US" smtClean="0"/>
-              <a:t>3/11/2019</a:t>
+              <a:t>3/16/2019</a:t>
             </a:fld>
             <a:endParaRPr lang="en-US"/>
           </a:p>
@@ -2528,7 +2528,7 @@
           <a:p>
             <a:fld id="{8F06087A-BB81-43C1-AFE2-3763E6B27B9D}" type="datetimeFigureOut">
               <a:rPr lang="en-US" smtClean="0"/>
-              <a:t>3/11/2019</a:t>
+              <a:t>3/16/2019</a:t>
             </a:fld>
             <a:endParaRPr lang="en-US"/>
           </a:p>
@@ -2623,7 +2623,7 @@
           <a:p>
             <a:fld id="{8F06087A-BB81-43C1-AFE2-3763E6B27B9D}" type="datetimeFigureOut">
               <a:rPr lang="en-US" smtClean="0"/>
-              <a:t>3/11/2019</a:t>
+              <a:t>3/16/2019</a:t>
             </a:fld>
             <a:endParaRPr lang="en-US"/>
           </a:p>
@@ -2900,7 +2900,7 @@
           <a:p>
             <a:fld id="{8F06087A-BB81-43C1-AFE2-3763E6B27B9D}" type="datetimeFigureOut">
               <a:rPr lang="en-US" smtClean="0"/>
-              <a:t>3/11/2019</a:t>
+              <a:t>3/16/2019</a:t>
             </a:fld>
             <a:endParaRPr lang="en-US"/>
           </a:p>
@@ -3157,7 +3157,7 @@
           <a:p>
             <a:fld id="{8F06087A-BB81-43C1-AFE2-3763E6B27B9D}" type="datetimeFigureOut">
               <a:rPr lang="en-US" smtClean="0"/>
-              <a:t>3/11/2019</a:t>
+              <a:t>3/16/2019</a:t>
             </a:fld>
             <a:endParaRPr lang="en-US"/>
           </a:p>
@@ -3370,7 +3370,7 @@
           <a:p>
             <a:fld id="{8F06087A-BB81-43C1-AFE2-3763E6B27B9D}" type="datetimeFigureOut">
               <a:rPr lang="en-US" smtClean="0"/>
-              <a:t>3/11/2019</a:t>
+              <a:t>3/16/2019</a:t>
             </a:fld>
             <a:endParaRPr lang="en-US"/>
           </a:p>
@@ -4564,6 +4564,150 @@
           </a:p>
         </p:txBody>
       </p:sp>
+      <p:sp>
+        <p:nvSpPr>
+          <p:cNvPr id="2" name="TextBox 1">
+            <a:extLst>
+              <a:ext uri="{FF2B5EF4-FFF2-40B4-BE49-F238E27FC236}">
+                <a16:creationId xmlns:a16="http://schemas.microsoft.com/office/drawing/2014/main" id="{80B0DC67-50BD-40A0-B432-74C4C56D95D7}"/>
+              </a:ext>
+            </a:extLst>
+          </p:cNvPr>
+          <p:cNvSpPr txBox="1"/>
+          <p:nvPr/>
+        </p:nvSpPr>
+        <p:spPr>
+          <a:xfrm>
+            <a:off x="0" y="3159958"/>
+            <a:ext cx="537882" cy="215444"/>
+          </a:xfrm>
+          <a:prstGeom prst="rect">
+            <a:avLst/>
+          </a:prstGeom>
+          <a:noFill/>
+        </p:spPr>
+        <p:txBody>
+          <a:bodyPr wrap="square" rtlCol="0">
+            <a:spAutoFit/>
+          </a:bodyPr>
+          <a:lstStyle/>
+          <a:p>
+            <a:pPr algn="ctr"/>
+            <a:r>
+              <a:rPr lang="en-US" sz="800" dirty="0"/>
+              <a:t>BRAM0</a:t>
+            </a:r>
+          </a:p>
+        </p:txBody>
+      </p:sp>
+      <p:sp>
+        <p:nvSpPr>
+          <p:cNvPr id="14" name="TextBox 13">
+            <a:extLst>
+              <a:ext uri="{FF2B5EF4-FFF2-40B4-BE49-F238E27FC236}">
+                <a16:creationId xmlns:a16="http://schemas.microsoft.com/office/drawing/2014/main" id="{7A27734D-1B16-43E6-A7CE-9D2221723212}"/>
+              </a:ext>
+            </a:extLst>
+          </p:cNvPr>
+          <p:cNvSpPr txBox="1"/>
+          <p:nvPr/>
+        </p:nvSpPr>
+        <p:spPr>
+          <a:xfrm>
+            <a:off x="-12610" y="3551088"/>
+            <a:ext cx="537882" cy="215444"/>
+          </a:xfrm>
+          <a:prstGeom prst="rect">
+            <a:avLst/>
+          </a:prstGeom>
+          <a:noFill/>
+        </p:spPr>
+        <p:txBody>
+          <a:bodyPr wrap="square" rtlCol="0">
+            <a:spAutoFit/>
+          </a:bodyPr>
+          <a:lstStyle/>
+          <a:p>
+            <a:pPr algn="ctr"/>
+            <a:r>
+              <a:rPr lang="en-US" sz="800" dirty="0"/>
+              <a:t>BRAM1</a:t>
+            </a:r>
+          </a:p>
+        </p:txBody>
+      </p:sp>
+      <p:sp>
+        <p:nvSpPr>
+          <p:cNvPr id="16" name="TextBox 15">
+            <a:extLst>
+              <a:ext uri="{FF2B5EF4-FFF2-40B4-BE49-F238E27FC236}">
+                <a16:creationId xmlns:a16="http://schemas.microsoft.com/office/drawing/2014/main" id="{4F5CA493-0EB0-40AF-8E66-89F32DDE6915}"/>
+              </a:ext>
+            </a:extLst>
+          </p:cNvPr>
+          <p:cNvSpPr txBox="1"/>
+          <p:nvPr/>
+        </p:nvSpPr>
+        <p:spPr>
+          <a:xfrm>
+            <a:off x="-12403" y="4122501"/>
+            <a:ext cx="537882" cy="215444"/>
+          </a:xfrm>
+          <a:prstGeom prst="rect">
+            <a:avLst/>
+          </a:prstGeom>
+          <a:noFill/>
+        </p:spPr>
+        <p:txBody>
+          <a:bodyPr wrap="square" rtlCol="0">
+            <a:spAutoFit/>
+          </a:bodyPr>
+          <a:lstStyle/>
+          <a:p>
+            <a:pPr algn="ctr"/>
+            <a:r>
+              <a:rPr lang="en-US" sz="800" dirty="0"/>
+              <a:t>BRAM2</a:t>
+            </a:r>
+          </a:p>
+        </p:txBody>
+      </p:sp>
+      <p:sp>
+        <p:nvSpPr>
+          <p:cNvPr id="19" name="TextBox 18">
+            <a:extLst>
+              <a:ext uri="{FF2B5EF4-FFF2-40B4-BE49-F238E27FC236}">
+                <a16:creationId xmlns:a16="http://schemas.microsoft.com/office/drawing/2014/main" id="{BBB9D250-19B4-49EF-A7E7-68EE6B998BA3}"/>
+              </a:ext>
+            </a:extLst>
+          </p:cNvPr>
+          <p:cNvSpPr txBox="1"/>
+          <p:nvPr/>
+        </p:nvSpPr>
+        <p:spPr>
+          <a:xfrm>
+            <a:off x="-25013" y="4513631"/>
+            <a:ext cx="537882" cy="215444"/>
+          </a:xfrm>
+          <a:prstGeom prst="rect">
+            <a:avLst/>
+          </a:prstGeom>
+          <a:noFill/>
+        </p:spPr>
+        <p:txBody>
+          <a:bodyPr wrap="square" rtlCol="0">
+            <a:spAutoFit/>
+          </a:bodyPr>
+          <a:lstStyle/>
+          <a:p>
+            <a:pPr algn="ctr"/>
+            <a:r>
+              <a:rPr lang="en-US" sz="800" dirty="0"/>
+              <a:t>BRAM3</a:t>
+            </a:r>
+          </a:p>
+        </p:txBody>
+      </p:sp>
     </p:spTree>
     <p:extLst>
       <p:ext uri="{BB962C8B-B14F-4D97-AF65-F5344CB8AC3E}">
@@ -27068,14 +27212,14 @@
           <p:nvPr>
             <p:extLst>
               <p:ext uri="{D42A27DB-BD31-4B8C-83A1-F6EECF244321}">
-                <p14:modId xmlns:p14="http://schemas.microsoft.com/office/powerpoint/2010/main" val="1867592314"/>
+                <p14:modId xmlns:p14="http://schemas.microsoft.com/office/powerpoint/2010/main" val="2989442067"/>
               </p:ext>
             </p:extLst>
           </p:nvPr>
         </p:nvGraphicFramePr>
         <p:xfrm>
           <a:off x="1771650" y="3713050"/>
-          <a:ext cx="6095997" cy="370840"/>
+          <a:ext cx="6096000" cy="370840"/>
         </p:xfrm>
         <a:graphic>
           <a:graphicData uri="http://schemas.openxmlformats.org/drawingml/2006/table">
@@ -27084,66 +27228,73 @@
                 <a:tableStyleId>{5940675A-B579-460E-94D1-54222C63F5DA}</a:tableStyleId>
               </a:tblPr>
               <a:tblGrid>
-                <a:gridCol w="677333">
+                <a:gridCol w="609600">
                   <a:extLst>
                     <a:ext uri="{9D8B030D-6E8A-4147-A177-3AD203B41FA5}">
                       <a16:colId xmlns:a16="http://schemas.microsoft.com/office/drawing/2014/main" val="1332941250"/>
                     </a:ext>
                   </a:extLst>
                 </a:gridCol>
-                <a:gridCol w="677333">
+                <a:gridCol w="609600">
                   <a:extLst>
                     <a:ext uri="{9D8B030D-6E8A-4147-A177-3AD203B41FA5}">
                       <a16:colId xmlns:a16="http://schemas.microsoft.com/office/drawing/2014/main" val="2121900042"/>
                     </a:ext>
                   </a:extLst>
                 </a:gridCol>
-                <a:gridCol w="677333">
+                <a:gridCol w="609600">
                   <a:extLst>
                     <a:ext uri="{9D8B030D-6E8A-4147-A177-3AD203B41FA5}">
                       <a16:colId xmlns:a16="http://schemas.microsoft.com/office/drawing/2014/main" val="4219605165"/>
                     </a:ext>
                   </a:extLst>
                 </a:gridCol>
-                <a:gridCol w="677333">
+                <a:gridCol w="609600">
                   <a:extLst>
                     <a:ext uri="{9D8B030D-6E8A-4147-A177-3AD203B41FA5}">
                       <a16:colId xmlns:a16="http://schemas.microsoft.com/office/drawing/2014/main" val="3068020170"/>
                     </a:ext>
                   </a:extLst>
                 </a:gridCol>
-                <a:gridCol w="677333">
+                <a:gridCol w="609600">
                   <a:extLst>
                     <a:ext uri="{9D8B030D-6E8A-4147-A177-3AD203B41FA5}">
                       <a16:colId xmlns:a16="http://schemas.microsoft.com/office/drawing/2014/main" val="2818092231"/>
                     </a:ext>
                   </a:extLst>
                 </a:gridCol>
-                <a:gridCol w="677333">
+                <a:gridCol w="609600">
                   <a:extLst>
                     <a:ext uri="{9D8B030D-6E8A-4147-A177-3AD203B41FA5}">
                       <a16:colId xmlns:a16="http://schemas.microsoft.com/office/drawing/2014/main" val="3286733570"/>
                     </a:ext>
                   </a:extLst>
                 </a:gridCol>
-                <a:gridCol w="677333">
+                <a:gridCol w="609600">
                   <a:extLst>
                     <a:ext uri="{9D8B030D-6E8A-4147-A177-3AD203B41FA5}">
                       <a16:colId xmlns:a16="http://schemas.microsoft.com/office/drawing/2014/main" val="3914177086"/>
                     </a:ext>
                   </a:extLst>
                 </a:gridCol>
-                <a:gridCol w="677333">
+                <a:gridCol w="609600">
                   <a:extLst>
                     <a:ext uri="{9D8B030D-6E8A-4147-A177-3AD203B41FA5}">
                       <a16:colId xmlns:a16="http://schemas.microsoft.com/office/drawing/2014/main" val="1458311845"/>
                     </a:ext>
                   </a:extLst>
                 </a:gridCol>
-                <a:gridCol w="677333">
+                <a:gridCol w="609600">
                   <a:extLst>
                     <a:ext uri="{9D8B030D-6E8A-4147-A177-3AD203B41FA5}">
                       <a16:colId xmlns:a16="http://schemas.microsoft.com/office/drawing/2014/main" val="269623220"/>
+                    </a:ext>
+                  </a:extLst>
+                </a:gridCol>
+                <a:gridCol w="609600">
+                  <a:extLst>
+                    <a:ext uri="{9D8B030D-6E8A-4147-A177-3AD203B41FA5}">
+                      <a16:colId xmlns:a16="http://schemas.microsoft.com/office/drawing/2014/main" val="2678817795"/>
                     </a:ext>
                   </a:extLst>
                 </a:gridCol>
@@ -27159,9 +27310,7 @@
                   </a:txBody>
                   <a:tcPr>
                     <a:solidFill>
-                      <a:schemeClr val="accent6">
-                        <a:lumMod val="75000"/>
-                      </a:schemeClr>
+                      <a:srgbClr val="548235"/>
                     </a:solidFill>
                   </a:tcPr>
                 </a:tc>
@@ -27175,9 +27324,7 @@
                   </a:txBody>
                   <a:tcPr>
                     <a:solidFill>
-                      <a:schemeClr val="accent6">
-                        <a:lumMod val="75000"/>
-                      </a:schemeClr>
+                      <a:srgbClr val="548235"/>
                     </a:solidFill>
                   </a:tcPr>
                 </a:tc>
@@ -27191,9 +27338,7 @@
                   </a:txBody>
                   <a:tcPr>
                     <a:solidFill>
-                      <a:schemeClr val="accent6">
-                        <a:lumMod val="75000"/>
-                      </a:schemeClr>
+                      <a:srgbClr val="548235"/>
                     </a:solidFill>
                   </a:tcPr>
                 </a:tc>
@@ -27207,9 +27352,7 @@
                   </a:txBody>
                   <a:tcPr>
                     <a:solidFill>
-                      <a:schemeClr val="accent6">
-                        <a:lumMod val="75000"/>
-                      </a:schemeClr>
+                      <a:srgbClr val="548235"/>
                     </a:solidFill>
                   </a:tcPr>
                 </a:tc>
@@ -27223,9 +27366,7 @@
                   </a:txBody>
                   <a:tcPr>
                     <a:solidFill>
-                      <a:schemeClr val="accent6">
-                        <a:lumMod val="75000"/>
-                      </a:schemeClr>
+                      <a:srgbClr val="548235"/>
                     </a:solidFill>
                   </a:tcPr>
                 </a:tc>
@@ -27239,9 +27380,7 @@
                   </a:txBody>
                   <a:tcPr>
                     <a:solidFill>
-                      <a:schemeClr val="accent6">
-                        <a:lumMod val="75000"/>
-                      </a:schemeClr>
+                      <a:srgbClr val="548235"/>
                     </a:solidFill>
                   </a:tcPr>
                 </a:tc>
@@ -27255,9 +27394,7 @@
                   </a:txBody>
                   <a:tcPr>
                     <a:solidFill>
-                      <a:schemeClr val="accent6">
-                        <a:lumMod val="75000"/>
-                      </a:schemeClr>
+                      <a:srgbClr val="548235"/>
                     </a:solidFill>
                   </a:tcPr>
                 </a:tc>
@@ -27271,9 +27408,7 @@
                   </a:txBody>
                   <a:tcPr>
                     <a:solidFill>
-                      <a:schemeClr val="accent6">
-                        <a:lumMod val="75000"/>
-                      </a:schemeClr>
+                      <a:srgbClr val="548235"/>
                     </a:solidFill>
                   </a:tcPr>
                 </a:tc>
@@ -27287,9 +27422,21 @@
                   </a:txBody>
                   <a:tcPr>
                     <a:solidFill>
-                      <a:schemeClr val="accent6">
-                        <a:lumMod val="75000"/>
-                      </a:schemeClr>
+                      <a:srgbClr val="548235"/>
+                    </a:solidFill>
+                  </a:tcPr>
+                </a:tc>
+                <a:tc>
+                  <a:txBody>
+                    <a:bodyPr/>
+                    <a:lstStyle/>
+                    <a:p>
+                      <a:endParaRPr lang="en-US" dirty="0"/>
+                    </a:p>
+                  </a:txBody>
+                  <a:tcPr>
+                    <a:solidFill>
+                      <a:srgbClr val="548235"/>
                     </a:solidFill>
                   </a:tcPr>
                 </a:tc>
@@ -27318,14 +27465,14 @@
           <p:nvPr>
             <p:extLst>
               <p:ext uri="{D42A27DB-BD31-4B8C-83A1-F6EECF244321}">
-                <p14:modId xmlns:p14="http://schemas.microsoft.com/office/powerpoint/2010/main" val="3259721073"/>
+                <p14:modId xmlns:p14="http://schemas.microsoft.com/office/powerpoint/2010/main" val="2604161384"/>
               </p:ext>
             </p:extLst>
           </p:nvPr>
         </p:nvGraphicFramePr>
         <p:xfrm>
-          <a:off x="1771649" y="4083890"/>
-          <a:ext cx="6095997" cy="370840"/>
+          <a:off x="1762125" y="4083890"/>
+          <a:ext cx="6096000" cy="370840"/>
         </p:xfrm>
         <a:graphic>
           <a:graphicData uri="http://schemas.openxmlformats.org/drawingml/2006/table">
@@ -27334,66 +27481,73 @@
                 <a:tableStyleId>{5940675A-B579-460E-94D1-54222C63F5DA}</a:tableStyleId>
               </a:tblPr>
               <a:tblGrid>
-                <a:gridCol w="677333">
+                <a:gridCol w="609600">
                   <a:extLst>
                     <a:ext uri="{9D8B030D-6E8A-4147-A177-3AD203B41FA5}">
                       <a16:colId xmlns:a16="http://schemas.microsoft.com/office/drawing/2014/main" val="1332941250"/>
                     </a:ext>
                   </a:extLst>
                 </a:gridCol>
-                <a:gridCol w="677333">
+                <a:gridCol w="609600">
                   <a:extLst>
                     <a:ext uri="{9D8B030D-6E8A-4147-A177-3AD203B41FA5}">
                       <a16:colId xmlns:a16="http://schemas.microsoft.com/office/drawing/2014/main" val="2121900042"/>
                     </a:ext>
                   </a:extLst>
                 </a:gridCol>
-                <a:gridCol w="677333">
+                <a:gridCol w="609600">
                   <a:extLst>
                     <a:ext uri="{9D8B030D-6E8A-4147-A177-3AD203B41FA5}">
                       <a16:colId xmlns:a16="http://schemas.microsoft.com/office/drawing/2014/main" val="4219605165"/>
                     </a:ext>
                   </a:extLst>
                 </a:gridCol>
-                <a:gridCol w="677333">
+                <a:gridCol w="609600">
                   <a:extLst>
                     <a:ext uri="{9D8B030D-6E8A-4147-A177-3AD203B41FA5}">
                       <a16:colId xmlns:a16="http://schemas.microsoft.com/office/drawing/2014/main" val="3068020170"/>
                     </a:ext>
                   </a:extLst>
                 </a:gridCol>
-                <a:gridCol w="677333">
+                <a:gridCol w="609600">
                   <a:extLst>
                     <a:ext uri="{9D8B030D-6E8A-4147-A177-3AD203B41FA5}">
                       <a16:colId xmlns:a16="http://schemas.microsoft.com/office/drawing/2014/main" val="2818092231"/>
                     </a:ext>
                   </a:extLst>
                 </a:gridCol>
-                <a:gridCol w="677333">
+                <a:gridCol w="609600">
                   <a:extLst>
                     <a:ext uri="{9D8B030D-6E8A-4147-A177-3AD203B41FA5}">
                       <a16:colId xmlns:a16="http://schemas.microsoft.com/office/drawing/2014/main" val="3286733570"/>
                     </a:ext>
                   </a:extLst>
                 </a:gridCol>
-                <a:gridCol w="677333">
+                <a:gridCol w="609600">
                   <a:extLst>
                     <a:ext uri="{9D8B030D-6E8A-4147-A177-3AD203B41FA5}">
                       <a16:colId xmlns:a16="http://schemas.microsoft.com/office/drawing/2014/main" val="3914177086"/>
                     </a:ext>
                   </a:extLst>
                 </a:gridCol>
-                <a:gridCol w="677333">
+                <a:gridCol w="609600">
                   <a:extLst>
                     <a:ext uri="{9D8B030D-6E8A-4147-A177-3AD203B41FA5}">
                       <a16:colId xmlns:a16="http://schemas.microsoft.com/office/drawing/2014/main" val="1458311845"/>
                     </a:ext>
                   </a:extLst>
                 </a:gridCol>
-                <a:gridCol w="677333">
+                <a:gridCol w="609600">
                   <a:extLst>
                     <a:ext uri="{9D8B030D-6E8A-4147-A177-3AD203B41FA5}">
                       <a16:colId xmlns:a16="http://schemas.microsoft.com/office/drawing/2014/main" val="269623220"/>
+                    </a:ext>
+                  </a:extLst>
+                </a:gridCol>
+                <a:gridCol w="609600">
+                  <a:extLst>
+                    <a:ext uri="{9D8B030D-6E8A-4147-A177-3AD203B41FA5}">
+                      <a16:colId xmlns:a16="http://schemas.microsoft.com/office/drawing/2014/main" val="3054687013"/>
                     </a:ext>
                   </a:extLst>
                 </a:gridCol>
@@ -27765,6 +27919,44 @@
                     </a:solidFill>
                   </a:tcPr>
                 </a:tc>
+                <a:tc>
+                  <a:txBody>
+                    <a:bodyPr/>
+                    <a:lstStyle/>
+                    <a:p>
+                      <a:pPr algn="ctr"/>
+                      <a:r>
+                        <a:rPr lang="en-US" dirty="0"/>
+                        <a:t>9</a:t>
+                      </a:r>
+                    </a:p>
+                  </a:txBody>
+                  <a:tcPr>
+                    <a:lnL w="12700" cmpd="sng">
+                      <a:noFill/>
+                    </a:lnL>
+                    <a:lnR w="12700" cmpd="sng">
+                      <a:noFill/>
+                    </a:lnR>
+                    <a:lnT w="12700" cmpd="sng">
+                      <a:noFill/>
+                    </a:lnT>
+                    <a:lnB w="12700" cmpd="sng">
+                      <a:noFill/>
+                    </a:lnB>
+                    <a:lnTlToBr w="12700" cmpd="sng">
+                      <a:noFill/>
+                      <a:prstDash val="solid"/>
+                    </a:lnTlToBr>
+                    <a:lnBlToTr w="12700" cmpd="sng">
+                      <a:noFill/>
+                      <a:prstDash val="solid"/>
+                    </a:lnBlToTr>
+                    <a:solidFill>
+                      <a:srgbClr val="FFFFFF"/>
+                    </a:solidFill>
+                  </a:tcPr>
+                </a:tc>
                 <a:extLst>
                   <a:ext uri="{0D108BD9-81ED-4DB2-BD59-A6C34878D82A}">
                     <a16:rowId xmlns:a16="http://schemas.microsoft.com/office/drawing/2014/main" val="906434130"/>
@@ -27775,6 +27967,60 @@
           </a:graphicData>
         </a:graphic>
       </p:graphicFrame>
+      <p:sp>
+        <p:nvSpPr>
+          <p:cNvPr id="3" name="Multiplication Sign 2">
+            <a:extLst>
+              <a:ext uri="{FF2B5EF4-FFF2-40B4-BE49-F238E27FC236}">
+                <a16:creationId xmlns:a16="http://schemas.microsoft.com/office/drawing/2014/main" id="{E18E7F6A-9E9D-4E16-A129-C07C2E7DB44F}"/>
+              </a:ext>
+            </a:extLst>
+          </p:cNvPr>
+          <p:cNvSpPr/>
+          <p:nvPr/>
+        </p:nvSpPr>
+        <p:spPr>
+          <a:xfrm>
+            <a:off x="7321779" y="3655068"/>
+            <a:ext cx="427597" cy="486803"/>
+          </a:xfrm>
+          <a:prstGeom prst="mathMultiply">
+            <a:avLst/>
+          </a:prstGeom>
+          <a:solidFill>
+            <a:schemeClr val="bg1"/>
+          </a:solidFill>
+          <a:ln>
+            <a:solidFill>
+              <a:schemeClr val="bg1"/>
+            </a:solidFill>
+          </a:ln>
+        </p:spPr>
+        <p:style>
+          <a:lnRef idx="2">
+            <a:schemeClr val="accent1">
+              <a:shade val="50000"/>
+            </a:schemeClr>
+          </a:lnRef>
+          <a:fillRef idx="1">
+            <a:schemeClr val="accent1"/>
+          </a:fillRef>
+          <a:effectRef idx="0">
+            <a:schemeClr val="accent1"/>
+          </a:effectRef>
+          <a:fontRef idx="minor">
+            <a:schemeClr val="lt1"/>
+          </a:fontRef>
+        </p:style>
+        <p:txBody>
+          <a:bodyPr rtlCol="0" anchor="ctr"/>
+          <a:lstStyle/>
+          <a:p>
+            <a:pPr algn="ctr"/>
+            <a:endParaRPr lang="en-US"/>
+          </a:p>
+        </p:txBody>
+      </p:sp>
     </p:spTree>
     <p:extLst>
       <p:ext uri="{BB962C8B-B14F-4D97-AF65-F5344CB8AC3E}">

--- a/hardware/doc/CNN Accelerator Implementation Plan.pptx
+++ b/hardware/doc/CNN Accelerator Implementation Plan.pptx
@@ -5,7 +5,7 @@
     <p:sldMasterId id="2147483696" r:id="rId1"/>
   </p:sldMasterIdLst>
   <p:notesMasterIdLst>
-    <p:notesMasterId r:id="rId33"/>
+    <p:notesMasterId r:id="rId44"/>
   </p:notesMasterIdLst>
   <p:sldIdLst>
     <p:sldId id="256" r:id="rId2"/>
@@ -39,6 +39,17 @@
     <p:sldId id="274" r:id="rId30"/>
     <p:sldId id="284" r:id="rId31"/>
     <p:sldId id="286" r:id="rId32"/>
+    <p:sldId id="290" r:id="rId33"/>
+    <p:sldId id="289" r:id="rId34"/>
+    <p:sldId id="291" r:id="rId35"/>
+    <p:sldId id="295" r:id="rId36"/>
+    <p:sldId id="296" r:id="rId37"/>
+    <p:sldId id="297" r:id="rId38"/>
+    <p:sldId id="298" r:id="rId39"/>
+    <p:sldId id="299" r:id="rId40"/>
+    <p:sldId id="300" r:id="rId41"/>
+    <p:sldId id="287" r:id="rId42"/>
+    <p:sldId id="288" r:id="rId43"/>
   </p:sldIdLst>
   <p:sldSz cx="9144000" cy="5143500" type="screen16x9"/>
   <p:notesSz cx="6858000" cy="9144000"/>
@@ -227,7 +238,7 @@
           <a:p>
             <a:fld id="{C4B376D1-B2A4-4962-9EC9-A9C8ACD38F22}" type="datetimeFigureOut">
               <a:rPr lang="en-US" smtClean="0"/>
-              <a:t>3/16/2019</a:t>
+              <a:t>4/26/2019</a:t>
             </a:fld>
             <a:endParaRPr lang="en-US"/>
           </a:p>
@@ -1045,7 +1056,7 @@
           <a:p>
             <a:fld id="{8F06087A-BB81-43C1-AFE2-3763E6B27B9D}" type="datetimeFigureOut">
               <a:rPr lang="en-US" smtClean="0"/>
-              <a:t>3/16/2019</a:t>
+              <a:t>4/26/2019</a:t>
             </a:fld>
             <a:endParaRPr lang="en-US"/>
           </a:p>
@@ -1215,7 +1226,7 @@
           <a:p>
             <a:fld id="{8F06087A-BB81-43C1-AFE2-3763E6B27B9D}" type="datetimeFigureOut">
               <a:rPr lang="en-US" smtClean="0"/>
-              <a:t>3/16/2019</a:t>
+              <a:t>4/26/2019</a:t>
             </a:fld>
             <a:endParaRPr lang="en-US"/>
           </a:p>
@@ -1395,7 +1406,7 @@
           <a:p>
             <a:fld id="{8F06087A-BB81-43C1-AFE2-3763E6B27B9D}" type="datetimeFigureOut">
               <a:rPr lang="en-US" smtClean="0"/>
-              <a:t>3/16/2019</a:t>
+              <a:t>4/26/2019</a:t>
             </a:fld>
             <a:endParaRPr lang="en-US"/>
           </a:p>
@@ -1565,7 +1576,7 @@
           <a:p>
             <a:fld id="{8F06087A-BB81-43C1-AFE2-3763E6B27B9D}" type="datetimeFigureOut">
               <a:rPr lang="en-US" smtClean="0"/>
-              <a:t>3/16/2019</a:t>
+              <a:t>4/26/2019</a:t>
             </a:fld>
             <a:endParaRPr lang="en-US"/>
           </a:p>
@@ -1811,7 +1822,7 @@
           <a:p>
             <a:fld id="{8F06087A-BB81-43C1-AFE2-3763E6B27B9D}" type="datetimeFigureOut">
               <a:rPr lang="en-US" smtClean="0"/>
-              <a:t>3/16/2019</a:t>
+              <a:t>4/26/2019</a:t>
             </a:fld>
             <a:endParaRPr lang="en-US"/>
           </a:p>
@@ -2043,7 +2054,7 @@
           <a:p>
             <a:fld id="{8F06087A-BB81-43C1-AFE2-3763E6B27B9D}" type="datetimeFigureOut">
               <a:rPr lang="en-US" smtClean="0"/>
-              <a:t>3/16/2019</a:t>
+              <a:t>4/26/2019</a:t>
             </a:fld>
             <a:endParaRPr lang="en-US"/>
           </a:p>
@@ -2410,7 +2421,7 @@
           <a:p>
             <a:fld id="{8F06087A-BB81-43C1-AFE2-3763E6B27B9D}" type="datetimeFigureOut">
               <a:rPr lang="en-US" smtClean="0"/>
-              <a:t>3/16/2019</a:t>
+              <a:t>4/26/2019</a:t>
             </a:fld>
             <a:endParaRPr lang="en-US"/>
           </a:p>
@@ -2528,7 +2539,7 @@
           <a:p>
             <a:fld id="{8F06087A-BB81-43C1-AFE2-3763E6B27B9D}" type="datetimeFigureOut">
               <a:rPr lang="en-US" smtClean="0"/>
-              <a:t>3/16/2019</a:t>
+              <a:t>4/26/2019</a:t>
             </a:fld>
             <a:endParaRPr lang="en-US"/>
           </a:p>
@@ -2623,7 +2634,7 @@
           <a:p>
             <a:fld id="{8F06087A-BB81-43C1-AFE2-3763E6B27B9D}" type="datetimeFigureOut">
               <a:rPr lang="en-US" smtClean="0"/>
-              <a:t>3/16/2019</a:t>
+              <a:t>4/26/2019</a:t>
             </a:fld>
             <a:endParaRPr lang="en-US"/>
           </a:p>
@@ -2900,7 +2911,7 @@
           <a:p>
             <a:fld id="{8F06087A-BB81-43C1-AFE2-3763E6B27B9D}" type="datetimeFigureOut">
               <a:rPr lang="en-US" smtClean="0"/>
-              <a:t>3/16/2019</a:t>
+              <a:t>4/26/2019</a:t>
             </a:fld>
             <a:endParaRPr lang="en-US"/>
           </a:p>
@@ -3157,7 +3168,7 @@
           <a:p>
             <a:fld id="{8F06087A-BB81-43C1-AFE2-3763E6B27B9D}" type="datetimeFigureOut">
               <a:rPr lang="en-US" smtClean="0"/>
-              <a:t>3/16/2019</a:t>
+              <a:t>4/26/2019</a:t>
             </a:fld>
             <a:endParaRPr lang="en-US"/>
           </a:p>
@@ -3370,7 +3381,7 @@
           <a:p>
             <a:fld id="{8F06087A-BB81-43C1-AFE2-3763E6B27B9D}" type="datetimeFigureOut">
               <a:rPr lang="en-US" smtClean="0"/>
-              <a:t>3/16/2019</a:t>
+              <a:t>4/26/2019</a:t>
             </a:fld>
             <a:endParaRPr lang="en-US"/>
           </a:p>
@@ -30042,12 +30053,14 @@
         </p:nvSpPr>
         <p:spPr/>
         <p:txBody>
-          <a:bodyPr/>
+          <a:bodyPr>
+            <a:normAutofit/>
+          </a:bodyPr>
           <a:lstStyle/>
           <a:p>
             <a:r>
               <a:rPr lang="en-US" dirty="0"/>
-              <a:t>Depth x </a:t>
+              <a:t>Map size: Depth x </a:t>
             </a:r>
             <a:r>
               <a:rPr lang="en-US" dirty="0" err="1"/>
@@ -30064,15 +30077,44 @@
             <a:endParaRPr lang="en-US" dirty="0"/>
           </a:p>
           <a:p>
+            <a:pPr lvl="1"/>
             <a:r>
               <a:rPr lang="en-US" dirty="0"/>
-              <a:t>Map size : 8x20x20</a:t>
+              <a:t>8x20x20</a:t>
             </a:r>
           </a:p>
           <a:p>
             <a:r>
               <a:rPr lang="en-US" dirty="0"/>
-              <a:t>Kernel size 5x8x3x3</a:t>
+              <a:t>Kernel size: </a:t>
+            </a:r>
+            <a:r>
+              <a:rPr lang="en-US" dirty="0" err="1"/>
+              <a:t>NumKernels</a:t>
+            </a:r>
+            <a:r>
+              <a:rPr lang="en-US" dirty="0"/>
+              <a:t> x Depth x </a:t>
+            </a:r>
+            <a:r>
+              <a:rPr lang="en-US" dirty="0" err="1"/>
+              <a:t>NumKrnlRows</a:t>
+            </a:r>
+            <a:r>
+              <a:rPr lang="en-US" dirty="0"/>
+              <a:t> x </a:t>
+            </a:r>
+            <a:r>
+              <a:rPr lang="en-US" dirty="0" err="1"/>
+              <a:t>NumKrnlCols</a:t>
+            </a:r>
+            <a:endParaRPr lang="en-US" dirty="0"/>
+          </a:p>
+          <a:p>
+            <a:pPr lvl="1"/>
+            <a:r>
+              <a:rPr lang="en-US" dirty="0"/>
+              <a:t> 5x8x3x3</a:t>
             </a:r>
           </a:p>
           <a:p>
@@ -30090,28 +30132,11 @@
           <a:p>
             <a:r>
               <a:rPr lang="en-US" dirty="0"/>
-              <a:t>Ideally output will be 5x18x18;</a:t>
-            </a:r>
-          </a:p>
-          <a:p>
-            <a:pPr lvl="1"/>
-            <a:r>
-              <a:rPr lang="en-US" dirty="0"/>
-              <a:t>However output is be 5x19x20, with the result in the top left</a:t>
-            </a:r>
-          </a:p>
-          <a:p>
-            <a:pPr lvl="2"/>
-            <a:r>
-              <a:rPr lang="pt-BR" sz="1200" dirty="0"/>
-              <a:t>[R0C0D0, R0C1D0, ... R0C19D0] [R0C0D1, R0C1D1, ... R0C19D1] ….... [R0C0D4, R0C1D4, ... R0C19D4] </a:t>
-            </a:r>
-          </a:p>
-          <a:p>
-            <a:pPr lvl="2"/>
-            <a:r>
-              <a:rPr lang="pt-BR" sz="1200" dirty="0"/>
-              <a:t>[R1C0D0, R1C1D0, ... R1C19D0] [R1C0D1, R1C1D1, ... R1C19D1] ….... [R1C0D4, R1C1D4, ... R1C19D4] </a:t>
+              <a:t>No </a:t>
+            </a:r>
+            <a:r>
+              <a:rPr lang="en-US" dirty="0" err="1"/>
+              <a:t>UpSampling</a:t>
             </a:r>
             <a:endParaRPr lang="en-US" dirty="0"/>
           </a:p>
@@ -30190,10 +30215,726 @@
         </p:nvSpPr>
         <p:spPr/>
         <p:txBody>
-          <a:bodyPr/>
-          <a:lstStyle/>
-          <a:p>
-            <a:endParaRPr lang="en-US"/>
+          <a:bodyPr>
+            <a:normAutofit/>
+          </a:bodyPr>
+          <a:lstStyle/>
+          <a:p>
+            <a:r>
+              <a:rPr lang="en-US" dirty="0"/>
+              <a:t>Image Input Format</a:t>
+            </a:r>
+          </a:p>
+          <a:p>
+            <a:pPr lvl="2"/>
+            <a:r>
+              <a:rPr lang="pt-BR" sz="1200" dirty="0"/>
+              <a:t>[D</a:t>
+            </a:r>
+            <a:r>
+              <a:rPr lang="pt-BR" sz="1200" baseline="-25000" dirty="0"/>
+              <a:t>0</a:t>
+            </a:r>
+            <a:r>
+              <a:rPr lang="pt-BR" sz="1200" dirty="0"/>
+              <a:t>C</a:t>
+            </a:r>
+            <a:r>
+              <a:rPr lang="pt-BR" sz="1200" baseline="-25000" dirty="0"/>
+              <a:t>0</a:t>
+            </a:r>
+            <a:r>
+              <a:rPr lang="pt-BR" sz="1200" dirty="0"/>
+              <a:t>R</a:t>
+            </a:r>
+            <a:r>
+              <a:rPr lang="pt-BR" sz="1200" baseline="-25000" dirty="0"/>
+              <a:t>0</a:t>
+            </a:r>
+            <a:r>
+              <a:rPr lang="pt-BR" sz="1200" dirty="0"/>
+              <a:t>, D</a:t>
+            </a:r>
+            <a:r>
+              <a:rPr lang="pt-BR" sz="1200" baseline="-25000" dirty="0"/>
+              <a:t>1</a:t>
+            </a:r>
+            <a:r>
+              <a:rPr lang="pt-BR" sz="1200" dirty="0"/>
+              <a:t>C</a:t>
+            </a:r>
+            <a:r>
+              <a:rPr lang="pt-BR" sz="1200" baseline="-25000" dirty="0"/>
+              <a:t>0</a:t>
+            </a:r>
+            <a:r>
+              <a:rPr lang="pt-BR" sz="1200" dirty="0"/>
+              <a:t>R</a:t>
+            </a:r>
+            <a:r>
+              <a:rPr lang="pt-BR" sz="1200" baseline="-25000" dirty="0"/>
+              <a:t>0</a:t>
+            </a:r>
+            <a:r>
+              <a:rPr lang="pt-BR" sz="1200" dirty="0"/>
+              <a:t>, ... D</a:t>
+            </a:r>
+            <a:r>
+              <a:rPr lang="pt-BR" sz="1200" baseline="-25000" dirty="0"/>
+              <a:t>7</a:t>
+            </a:r>
+            <a:r>
+              <a:rPr lang="pt-BR" sz="1200" dirty="0"/>
+              <a:t>C</a:t>
+            </a:r>
+            <a:r>
+              <a:rPr lang="pt-BR" sz="1200" baseline="-25000" dirty="0"/>
+              <a:t>0</a:t>
+            </a:r>
+            <a:r>
+              <a:rPr lang="pt-BR" sz="1200" dirty="0"/>
+              <a:t>R</a:t>
+            </a:r>
+            <a:r>
+              <a:rPr lang="pt-BR" sz="1200" baseline="-25000" dirty="0"/>
+              <a:t>0</a:t>
+            </a:r>
+            <a:r>
+              <a:rPr lang="pt-BR" sz="1200" dirty="0"/>
+              <a:t>] [D</a:t>
+            </a:r>
+            <a:r>
+              <a:rPr lang="pt-BR" sz="1200" baseline="-25000" dirty="0"/>
+              <a:t>0</a:t>
+            </a:r>
+            <a:r>
+              <a:rPr lang="pt-BR" sz="1200" dirty="0"/>
+              <a:t>C</a:t>
+            </a:r>
+            <a:r>
+              <a:rPr lang="pt-BR" sz="1200" baseline="-25000" dirty="0"/>
+              <a:t>1</a:t>
+            </a:r>
+            <a:r>
+              <a:rPr lang="pt-BR" sz="1200" dirty="0"/>
+              <a:t>R</a:t>
+            </a:r>
+            <a:r>
+              <a:rPr lang="pt-BR" sz="1200" baseline="-25000" dirty="0"/>
+              <a:t>0</a:t>
+            </a:r>
+            <a:r>
+              <a:rPr lang="pt-BR" sz="1200" dirty="0"/>
+              <a:t>, D</a:t>
+            </a:r>
+            <a:r>
+              <a:rPr lang="pt-BR" sz="1200" baseline="-25000" dirty="0"/>
+              <a:t>1</a:t>
+            </a:r>
+            <a:r>
+              <a:rPr lang="pt-BR" sz="1200" dirty="0"/>
+              <a:t>C</a:t>
+            </a:r>
+            <a:r>
+              <a:rPr lang="pt-BR" sz="1200" baseline="-25000" dirty="0"/>
+              <a:t>1</a:t>
+            </a:r>
+            <a:r>
+              <a:rPr lang="pt-BR" sz="1200" dirty="0"/>
+              <a:t>R</a:t>
+            </a:r>
+            <a:r>
+              <a:rPr lang="pt-BR" sz="1200" baseline="-25000" dirty="0"/>
+              <a:t>0</a:t>
+            </a:r>
+            <a:r>
+              <a:rPr lang="pt-BR" sz="1200" dirty="0"/>
+              <a:t>, ... D</a:t>
+            </a:r>
+            <a:r>
+              <a:rPr lang="pt-BR" sz="1200" baseline="-25000" dirty="0"/>
+              <a:t>7</a:t>
+            </a:r>
+            <a:r>
+              <a:rPr lang="pt-BR" sz="1200" dirty="0"/>
+              <a:t>C</a:t>
+            </a:r>
+            <a:r>
+              <a:rPr lang="pt-BR" sz="1200" baseline="-25000" dirty="0"/>
+              <a:t>1</a:t>
+            </a:r>
+            <a:r>
+              <a:rPr lang="pt-BR" sz="1200" dirty="0"/>
+              <a:t>R</a:t>
+            </a:r>
+            <a:r>
+              <a:rPr lang="pt-BR" sz="1200" baseline="-25000" dirty="0"/>
+              <a:t>0</a:t>
+            </a:r>
+            <a:r>
+              <a:rPr lang="pt-BR" sz="1200" dirty="0"/>
+              <a:t>] ....... [D</a:t>
+            </a:r>
+            <a:r>
+              <a:rPr lang="pt-BR" sz="1200" baseline="-25000" dirty="0"/>
+              <a:t>0</a:t>
+            </a:r>
+            <a:r>
+              <a:rPr lang="pt-BR" sz="1200" dirty="0"/>
+              <a:t>C</a:t>
+            </a:r>
+            <a:r>
+              <a:rPr lang="pt-BR" sz="1200" baseline="-25000" dirty="0"/>
+              <a:t>19</a:t>
+            </a:r>
+            <a:r>
+              <a:rPr lang="pt-BR" sz="1200" dirty="0"/>
+              <a:t>R</a:t>
+            </a:r>
+            <a:r>
+              <a:rPr lang="pt-BR" sz="1200" baseline="-25000" dirty="0"/>
+              <a:t>0</a:t>
+            </a:r>
+            <a:r>
+              <a:rPr lang="pt-BR" sz="1200" dirty="0"/>
+              <a:t>, D</a:t>
+            </a:r>
+            <a:r>
+              <a:rPr lang="pt-BR" sz="1200" baseline="-25000" dirty="0"/>
+              <a:t>1</a:t>
+            </a:r>
+            <a:r>
+              <a:rPr lang="pt-BR" sz="1200" dirty="0"/>
+              <a:t>C</a:t>
+            </a:r>
+            <a:r>
+              <a:rPr lang="pt-BR" sz="1200" baseline="-25000" dirty="0"/>
+              <a:t>19</a:t>
+            </a:r>
+            <a:r>
+              <a:rPr lang="pt-BR" sz="1200" dirty="0"/>
+              <a:t>R</a:t>
+            </a:r>
+            <a:r>
+              <a:rPr lang="pt-BR" sz="1200" baseline="-25000" dirty="0"/>
+              <a:t>0</a:t>
+            </a:r>
+            <a:r>
+              <a:rPr lang="pt-BR" sz="1200" dirty="0"/>
+              <a:t>, ... D</a:t>
+            </a:r>
+            <a:r>
+              <a:rPr lang="pt-BR" sz="1200" baseline="-25000" dirty="0"/>
+              <a:t>7</a:t>
+            </a:r>
+            <a:r>
+              <a:rPr lang="pt-BR" sz="1200" dirty="0"/>
+              <a:t>C</a:t>
+            </a:r>
+            <a:r>
+              <a:rPr lang="pt-BR" sz="1200" baseline="-25000" dirty="0"/>
+              <a:t>19</a:t>
+            </a:r>
+            <a:r>
+              <a:rPr lang="pt-BR" sz="1200" dirty="0"/>
+              <a:t>R</a:t>
+            </a:r>
+            <a:r>
+              <a:rPr lang="pt-BR" sz="1200" baseline="-25000" dirty="0"/>
+              <a:t>0</a:t>
+            </a:r>
+            <a:r>
+              <a:rPr lang="pt-BR" sz="1200" dirty="0"/>
+              <a:t>] </a:t>
+            </a:r>
+            <a:endParaRPr lang="en-US" sz="1200" dirty="0"/>
+          </a:p>
+          <a:p>
+            <a:pPr lvl="2"/>
+            <a:r>
+              <a:rPr lang="pt-BR" sz="1200" dirty="0"/>
+              <a:t>[D</a:t>
+            </a:r>
+            <a:r>
+              <a:rPr lang="pt-BR" sz="1200" baseline="-25000" dirty="0"/>
+              <a:t>0</a:t>
+            </a:r>
+            <a:r>
+              <a:rPr lang="pt-BR" sz="1200" dirty="0"/>
+              <a:t>C</a:t>
+            </a:r>
+            <a:r>
+              <a:rPr lang="pt-BR" sz="1200" baseline="-25000" dirty="0"/>
+              <a:t>0</a:t>
+            </a:r>
+            <a:r>
+              <a:rPr lang="pt-BR" sz="1200" dirty="0"/>
+              <a:t>R</a:t>
+            </a:r>
+            <a:r>
+              <a:rPr lang="pt-BR" sz="1200" baseline="-25000" dirty="0"/>
+              <a:t>1</a:t>
+            </a:r>
+            <a:r>
+              <a:rPr lang="pt-BR" sz="1200" dirty="0"/>
+              <a:t>, D</a:t>
+            </a:r>
+            <a:r>
+              <a:rPr lang="pt-BR" sz="1200" baseline="-25000" dirty="0"/>
+              <a:t>1</a:t>
+            </a:r>
+            <a:r>
+              <a:rPr lang="pt-BR" sz="1200" dirty="0"/>
+              <a:t>C</a:t>
+            </a:r>
+            <a:r>
+              <a:rPr lang="pt-BR" sz="1200" baseline="-25000" dirty="0"/>
+              <a:t>0</a:t>
+            </a:r>
+            <a:r>
+              <a:rPr lang="pt-BR" sz="1200" dirty="0"/>
+              <a:t>R</a:t>
+            </a:r>
+            <a:r>
+              <a:rPr lang="pt-BR" sz="1200" baseline="-25000" dirty="0"/>
+              <a:t>1</a:t>
+            </a:r>
+            <a:r>
+              <a:rPr lang="pt-BR" sz="1200" dirty="0"/>
+              <a:t>, ... D</a:t>
+            </a:r>
+            <a:r>
+              <a:rPr lang="pt-BR" sz="1200" baseline="-25000" dirty="0"/>
+              <a:t>7</a:t>
+            </a:r>
+            <a:r>
+              <a:rPr lang="pt-BR" sz="1200" dirty="0"/>
+              <a:t>C</a:t>
+            </a:r>
+            <a:r>
+              <a:rPr lang="pt-BR" sz="1200" baseline="-25000" dirty="0"/>
+              <a:t>0</a:t>
+            </a:r>
+            <a:r>
+              <a:rPr lang="pt-BR" sz="1200" dirty="0"/>
+              <a:t>R</a:t>
+            </a:r>
+            <a:r>
+              <a:rPr lang="pt-BR" sz="1200" baseline="-25000" dirty="0"/>
+              <a:t>0</a:t>
+            </a:r>
+            <a:r>
+              <a:rPr lang="pt-BR" sz="1200" dirty="0"/>
+              <a:t>] [D</a:t>
+            </a:r>
+            <a:r>
+              <a:rPr lang="pt-BR" sz="1200" baseline="-25000" dirty="0"/>
+              <a:t>0</a:t>
+            </a:r>
+            <a:r>
+              <a:rPr lang="pt-BR" sz="1200" dirty="0"/>
+              <a:t>C</a:t>
+            </a:r>
+            <a:r>
+              <a:rPr lang="pt-BR" sz="1200" baseline="-25000" dirty="0"/>
+              <a:t>1</a:t>
+            </a:r>
+            <a:r>
+              <a:rPr lang="pt-BR" sz="1200" dirty="0"/>
+              <a:t>R</a:t>
+            </a:r>
+            <a:r>
+              <a:rPr lang="pt-BR" sz="1200" baseline="-25000" dirty="0"/>
+              <a:t>0</a:t>
+            </a:r>
+            <a:r>
+              <a:rPr lang="pt-BR" sz="1200" dirty="0"/>
+              <a:t>, D</a:t>
+            </a:r>
+            <a:r>
+              <a:rPr lang="pt-BR" sz="1200" baseline="-25000" dirty="0"/>
+              <a:t>1</a:t>
+            </a:r>
+            <a:r>
+              <a:rPr lang="pt-BR" sz="1200" dirty="0"/>
+              <a:t>C</a:t>
+            </a:r>
+            <a:r>
+              <a:rPr lang="pt-BR" sz="1200" baseline="-25000" dirty="0"/>
+              <a:t>1</a:t>
+            </a:r>
+            <a:r>
+              <a:rPr lang="pt-BR" sz="1200" dirty="0"/>
+              <a:t>R</a:t>
+            </a:r>
+            <a:r>
+              <a:rPr lang="pt-BR" sz="1200" baseline="-25000" dirty="0"/>
+              <a:t>1</a:t>
+            </a:r>
+            <a:r>
+              <a:rPr lang="pt-BR" sz="1200" dirty="0"/>
+              <a:t>, ... D</a:t>
+            </a:r>
+            <a:r>
+              <a:rPr lang="pt-BR" sz="1200" baseline="-25000" dirty="0"/>
+              <a:t>7</a:t>
+            </a:r>
+            <a:r>
+              <a:rPr lang="pt-BR" sz="1200" dirty="0"/>
+              <a:t>C</a:t>
+            </a:r>
+            <a:r>
+              <a:rPr lang="pt-BR" sz="1200" baseline="-25000" dirty="0"/>
+              <a:t>1</a:t>
+            </a:r>
+            <a:r>
+              <a:rPr lang="pt-BR" sz="1200" dirty="0"/>
+              <a:t>R</a:t>
+            </a:r>
+            <a:r>
+              <a:rPr lang="pt-BR" sz="1200" baseline="-25000" dirty="0"/>
+              <a:t>0</a:t>
+            </a:r>
+            <a:r>
+              <a:rPr lang="pt-BR" sz="1200" dirty="0"/>
+              <a:t>] ....... [D</a:t>
+            </a:r>
+            <a:r>
+              <a:rPr lang="pt-BR" sz="1200" baseline="-25000" dirty="0"/>
+              <a:t>0</a:t>
+            </a:r>
+            <a:r>
+              <a:rPr lang="pt-BR" sz="1200" dirty="0"/>
+              <a:t>C</a:t>
+            </a:r>
+            <a:r>
+              <a:rPr lang="pt-BR" sz="1200" baseline="-25000" dirty="0"/>
+              <a:t>19</a:t>
+            </a:r>
+            <a:r>
+              <a:rPr lang="pt-BR" sz="1200" dirty="0"/>
+              <a:t>R</a:t>
+            </a:r>
+            <a:r>
+              <a:rPr lang="pt-BR" sz="1200" baseline="-25000" dirty="0"/>
+              <a:t>1</a:t>
+            </a:r>
+            <a:r>
+              <a:rPr lang="pt-BR" sz="1200" dirty="0"/>
+              <a:t>, D</a:t>
+            </a:r>
+            <a:r>
+              <a:rPr lang="pt-BR" sz="1200" baseline="-25000" dirty="0"/>
+              <a:t>1</a:t>
+            </a:r>
+            <a:r>
+              <a:rPr lang="pt-BR" sz="1200" dirty="0"/>
+              <a:t>C</a:t>
+            </a:r>
+            <a:r>
+              <a:rPr lang="pt-BR" sz="1200" baseline="-25000" dirty="0"/>
+              <a:t>19</a:t>
+            </a:r>
+            <a:r>
+              <a:rPr lang="pt-BR" sz="1200" dirty="0"/>
+              <a:t>R</a:t>
+            </a:r>
+            <a:r>
+              <a:rPr lang="pt-BR" sz="1200" baseline="-25000" dirty="0"/>
+              <a:t>1</a:t>
+            </a:r>
+            <a:r>
+              <a:rPr lang="pt-BR" sz="1200" dirty="0"/>
+              <a:t>, ... D</a:t>
+            </a:r>
+            <a:r>
+              <a:rPr lang="pt-BR" sz="1200" baseline="-25000" dirty="0"/>
+              <a:t>7</a:t>
+            </a:r>
+            <a:r>
+              <a:rPr lang="pt-BR" sz="1200" dirty="0"/>
+              <a:t>C</a:t>
+            </a:r>
+            <a:r>
+              <a:rPr lang="pt-BR" sz="1200" baseline="-25000" dirty="0"/>
+              <a:t>19</a:t>
+            </a:r>
+            <a:r>
+              <a:rPr lang="pt-BR" sz="1200" dirty="0"/>
+              <a:t>R</a:t>
+            </a:r>
+            <a:r>
+              <a:rPr lang="pt-BR" sz="1200" baseline="-25000" dirty="0"/>
+              <a:t>1</a:t>
+            </a:r>
+            <a:r>
+              <a:rPr lang="pt-BR" sz="1200" dirty="0"/>
+              <a:t>] </a:t>
+            </a:r>
+            <a:endParaRPr lang="en-US" sz="1200" dirty="0"/>
+          </a:p>
+          <a:p>
+            <a:pPr lvl="2"/>
+            <a:r>
+              <a:rPr lang="pt-BR" sz="1200" dirty="0"/>
+              <a:t>.</a:t>
+            </a:r>
+          </a:p>
+          <a:p>
+            <a:pPr lvl="2"/>
+            <a:r>
+              <a:rPr lang="pt-BR" sz="1200" dirty="0"/>
+              <a:t>.</a:t>
+            </a:r>
+          </a:p>
+          <a:p>
+            <a:pPr lvl="2"/>
+            <a:r>
+              <a:rPr lang="pt-BR" sz="1200" dirty="0"/>
+              <a:t>.</a:t>
+            </a:r>
+          </a:p>
+          <a:p>
+            <a:pPr lvl="2"/>
+            <a:r>
+              <a:rPr lang="pt-BR" sz="1200" dirty="0"/>
+              <a:t>.</a:t>
+            </a:r>
+          </a:p>
+          <a:p>
+            <a:pPr lvl="2"/>
+            <a:r>
+              <a:rPr lang="pt-BR" sz="1200" dirty="0"/>
+              <a:t>[D</a:t>
+            </a:r>
+            <a:r>
+              <a:rPr lang="pt-BR" sz="1200" baseline="-25000" dirty="0"/>
+              <a:t>0</a:t>
+            </a:r>
+            <a:r>
+              <a:rPr lang="pt-BR" sz="1200" dirty="0"/>
+              <a:t>C</a:t>
+            </a:r>
+            <a:r>
+              <a:rPr lang="pt-BR" sz="1200" baseline="-25000" dirty="0"/>
+              <a:t>0</a:t>
+            </a:r>
+            <a:r>
+              <a:rPr lang="pt-BR" sz="1200" dirty="0"/>
+              <a:t>R</a:t>
+            </a:r>
+            <a:r>
+              <a:rPr lang="pt-BR" sz="1200" baseline="-25000" dirty="0"/>
+              <a:t>19</a:t>
+            </a:r>
+            <a:r>
+              <a:rPr lang="pt-BR" sz="1200" dirty="0"/>
+              <a:t>, D</a:t>
+            </a:r>
+            <a:r>
+              <a:rPr lang="pt-BR" sz="1200" baseline="-25000" dirty="0"/>
+              <a:t>1</a:t>
+            </a:r>
+            <a:r>
+              <a:rPr lang="pt-BR" sz="1200" dirty="0"/>
+              <a:t>C</a:t>
+            </a:r>
+            <a:r>
+              <a:rPr lang="pt-BR" sz="1200" baseline="-25000" dirty="0"/>
+              <a:t>0</a:t>
+            </a:r>
+            <a:r>
+              <a:rPr lang="pt-BR" sz="1200" dirty="0"/>
+              <a:t>R</a:t>
+            </a:r>
+            <a:r>
+              <a:rPr lang="pt-BR" sz="1200" baseline="-25000" dirty="0"/>
+              <a:t>19</a:t>
+            </a:r>
+            <a:r>
+              <a:rPr lang="pt-BR" sz="1200" dirty="0"/>
+              <a:t>, ... D</a:t>
+            </a:r>
+            <a:r>
+              <a:rPr lang="pt-BR" sz="1200" baseline="-25000" dirty="0"/>
+              <a:t>7</a:t>
+            </a:r>
+            <a:r>
+              <a:rPr lang="pt-BR" sz="1200" dirty="0"/>
+              <a:t>C</a:t>
+            </a:r>
+            <a:r>
+              <a:rPr lang="pt-BR" sz="1200" baseline="-25000" dirty="0"/>
+              <a:t>0</a:t>
+            </a:r>
+            <a:r>
+              <a:rPr lang="pt-BR" sz="1200" dirty="0"/>
+              <a:t>R</a:t>
+            </a:r>
+            <a:r>
+              <a:rPr lang="pt-BR" sz="1200" baseline="-25000" dirty="0"/>
+              <a:t>19</a:t>
+            </a:r>
+            <a:r>
+              <a:rPr lang="pt-BR" sz="1200" dirty="0"/>
+              <a:t>] [D</a:t>
+            </a:r>
+            <a:r>
+              <a:rPr lang="pt-BR" sz="1200" baseline="-25000" dirty="0"/>
+              <a:t>0</a:t>
+            </a:r>
+            <a:r>
+              <a:rPr lang="pt-BR" sz="1200" dirty="0"/>
+              <a:t>C</a:t>
+            </a:r>
+            <a:r>
+              <a:rPr lang="pt-BR" sz="1200" baseline="-25000" dirty="0"/>
+              <a:t>1</a:t>
+            </a:r>
+            <a:r>
+              <a:rPr lang="pt-BR" sz="1200" dirty="0"/>
+              <a:t>R</a:t>
+            </a:r>
+            <a:r>
+              <a:rPr lang="pt-BR" sz="1200" baseline="-25000" dirty="0"/>
+              <a:t>19</a:t>
+            </a:r>
+            <a:r>
+              <a:rPr lang="pt-BR" sz="1200" dirty="0"/>
+              <a:t>, D</a:t>
+            </a:r>
+            <a:r>
+              <a:rPr lang="pt-BR" sz="1200" baseline="-25000" dirty="0"/>
+              <a:t>1</a:t>
+            </a:r>
+            <a:r>
+              <a:rPr lang="pt-BR" sz="1200" dirty="0"/>
+              <a:t>C</a:t>
+            </a:r>
+            <a:r>
+              <a:rPr lang="pt-BR" sz="1200" baseline="-25000" dirty="0"/>
+              <a:t>1</a:t>
+            </a:r>
+            <a:r>
+              <a:rPr lang="pt-BR" sz="1200" dirty="0"/>
+              <a:t>R</a:t>
+            </a:r>
+            <a:r>
+              <a:rPr lang="pt-BR" sz="1200" baseline="-25000" dirty="0"/>
+              <a:t>19</a:t>
+            </a:r>
+            <a:r>
+              <a:rPr lang="pt-BR" sz="1200" dirty="0"/>
+              <a:t>, ... D</a:t>
+            </a:r>
+            <a:r>
+              <a:rPr lang="pt-BR" sz="1200" baseline="-25000" dirty="0"/>
+              <a:t>7</a:t>
+            </a:r>
+            <a:r>
+              <a:rPr lang="pt-BR" sz="1200" dirty="0"/>
+              <a:t>C</a:t>
+            </a:r>
+            <a:r>
+              <a:rPr lang="pt-BR" sz="1200" baseline="-25000" dirty="0"/>
+              <a:t>1</a:t>
+            </a:r>
+            <a:r>
+              <a:rPr lang="pt-BR" sz="1200" dirty="0"/>
+              <a:t>R</a:t>
+            </a:r>
+            <a:r>
+              <a:rPr lang="pt-BR" sz="1200" baseline="-25000" dirty="0"/>
+              <a:t>19</a:t>
+            </a:r>
+            <a:r>
+              <a:rPr lang="pt-BR" sz="1200" dirty="0"/>
+              <a:t>] ....... [D</a:t>
+            </a:r>
+            <a:r>
+              <a:rPr lang="pt-BR" sz="1200" baseline="-25000" dirty="0"/>
+              <a:t>0</a:t>
+            </a:r>
+            <a:r>
+              <a:rPr lang="pt-BR" sz="1200" dirty="0"/>
+              <a:t>C</a:t>
+            </a:r>
+            <a:r>
+              <a:rPr lang="pt-BR" sz="1200" baseline="-25000" dirty="0"/>
+              <a:t>19</a:t>
+            </a:r>
+            <a:r>
+              <a:rPr lang="pt-BR" sz="1200" dirty="0"/>
+              <a:t>R</a:t>
+            </a:r>
+            <a:r>
+              <a:rPr lang="pt-BR" sz="1200" baseline="-25000" dirty="0"/>
+              <a:t>19</a:t>
+            </a:r>
+            <a:r>
+              <a:rPr lang="pt-BR" sz="1200" dirty="0"/>
+              <a:t>, D</a:t>
+            </a:r>
+            <a:r>
+              <a:rPr lang="pt-BR" sz="1200" baseline="-25000" dirty="0"/>
+              <a:t>1</a:t>
+            </a:r>
+            <a:r>
+              <a:rPr lang="pt-BR" sz="1200" dirty="0"/>
+              <a:t>C</a:t>
+            </a:r>
+            <a:r>
+              <a:rPr lang="pt-BR" sz="1200" baseline="-25000" dirty="0"/>
+              <a:t>19</a:t>
+            </a:r>
+            <a:r>
+              <a:rPr lang="pt-BR" sz="1200" dirty="0"/>
+              <a:t>R</a:t>
+            </a:r>
+            <a:r>
+              <a:rPr lang="pt-BR" sz="1200" baseline="-25000" dirty="0"/>
+              <a:t>18</a:t>
+            </a:r>
+            <a:r>
+              <a:rPr lang="pt-BR" sz="1200" dirty="0"/>
+              <a:t>, ... D</a:t>
+            </a:r>
+            <a:r>
+              <a:rPr lang="pt-BR" sz="1200" baseline="-25000" dirty="0"/>
+              <a:t>7</a:t>
+            </a:r>
+            <a:r>
+              <a:rPr lang="pt-BR" sz="1200" dirty="0"/>
+              <a:t>C</a:t>
+            </a:r>
+            <a:r>
+              <a:rPr lang="pt-BR" sz="1200" baseline="-25000" dirty="0"/>
+              <a:t>19</a:t>
+            </a:r>
+            <a:r>
+              <a:rPr lang="pt-BR" sz="1200" dirty="0"/>
+              <a:t>R</a:t>
+            </a:r>
+            <a:r>
+              <a:rPr lang="pt-BR" sz="1200" baseline="-25000" dirty="0"/>
+              <a:t>19</a:t>
+            </a:r>
+            <a:r>
+              <a:rPr lang="pt-BR" sz="1200" dirty="0"/>
+              <a:t>] </a:t>
+            </a:r>
+            <a:endParaRPr lang="en-US" sz="1200" dirty="0"/>
+          </a:p>
+          <a:p>
+            <a:pPr lvl="2"/>
+            <a:endParaRPr lang="pt-BR" sz="1200" dirty="0"/>
+          </a:p>
+          <a:p>
+            <a:pPr lvl="2"/>
+            <a:endParaRPr lang="en-US" dirty="0"/>
+          </a:p>
+          <a:p>
+            <a:endParaRPr lang="en-US" dirty="0"/>
           </a:p>
         </p:txBody>
       </p:sp>
@@ -30201,6 +30942,5670 @@
     <p:extLst>
       <p:ext uri="{BB962C8B-B14F-4D97-AF65-F5344CB8AC3E}">
         <p14:creationId xmlns:p14="http://schemas.microsoft.com/office/powerpoint/2010/main" val="1604004236"/>
+      </p:ext>
+    </p:extLst>
+  </p:cSld>
+  <p:clrMapOvr>
+    <a:masterClrMapping/>
+  </p:clrMapOvr>
+</p:sld>
+</file>
+
+<file path=ppt/slides/slide32.xml><?xml version="1.0" encoding="utf-8"?>
+<p:sld xmlns:a="http://schemas.openxmlformats.org/drawingml/2006/main" xmlns:r="http://schemas.openxmlformats.org/officeDocument/2006/relationships" xmlns:p="http://schemas.openxmlformats.org/presentationml/2006/main">
+  <p:cSld>
+    <p:spTree>
+      <p:nvGrpSpPr>
+        <p:cNvPr id="1" name=""/>
+        <p:cNvGrpSpPr/>
+        <p:nvPr/>
+      </p:nvGrpSpPr>
+      <p:grpSpPr>
+        <a:xfrm>
+          <a:off x="0" y="0"/>
+          <a:ext cx="0" cy="0"/>
+          <a:chOff x="0" y="0"/>
+          <a:chExt cx="0" cy="0"/>
+        </a:xfrm>
+      </p:grpSpPr>
+      <p:sp>
+        <p:nvSpPr>
+          <p:cNvPr id="2" name="Title 1">
+            <a:extLst>
+              <a:ext uri="{FF2B5EF4-FFF2-40B4-BE49-F238E27FC236}">
+                <a16:creationId xmlns:a16="http://schemas.microsoft.com/office/drawing/2014/main" id="{317952A4-6853-43A0-9CC5-DA163180AEF2}"/>
+              </a:ext>
+            </a:extLst>
+          </p:cNvPr>
+          <p:cNvSpPr>
+            <a:spLocks noGrp="1"/>
+          </p:cNvSpPr>
+          <p:nvPr>
+            <p:ph type="title"/>
+          </p:nvPr>
+        </p:nvSpPr>
+        <p:spPr/>
+        <p:txBody>
+          <a:bodyPr/>
+          <a:lstStyle/>
+          <a:p>
+            <a:endParaRPr lang="en-US"/>
+          </a:p>
+        </p:txBody>
+      </p:sp>
+      <p:sp>
+        <p:nvSpPr>
+          <p:cNvPr id="3" name="Content Placeholder 2">
+            <a:extLst>
+              <a:ext uri="{FF2B5EF4-FFF2-40B4-BE49-F238E27FC236}">
+                <a16:creationId xmlns:a16="http://schemas.microsoft.com/office/drawing/2014/main" id="{574B13A9-5F1A-4282-B6E1-B460C4458C90}"/>
+              </a:ext>
+            </a:extLst>
+          </p:cNvPr>
+          <p:cNvSpPr>
+            <a:spLocks noGrp="1"/>
+          </p:cNvSpPr>
+          <p:nvPr>
+            <p:ph idx="1"/>
+          </p:nvPr>
+        </p:nvSpPr>
+        <p:spPr>
+          <a:xfrm>
+            <a:off x="628650" y="1369218"/>
+            <a:ext cx="2706608" cy="3623311"/>
+          </a:xfrm>
+        </p:spPr>
+        <p:txBody>
+          <a:bodyPr>
+            <a:normAutofit fontScale="92500" lnSpcReduction="10000"/>
+          </a:bodyPr>
+          <a:lstStyle/>
+          <a:p>
+            <a:pPr marL="0" indent="0">
+              <a:buNone/>
+            </a:pPr>
+            <a:r>
+              <a:rPr lang="en-US" sz="2800" dirty="0"/>
+              <a:t>D</a:t>
+            </a:r>
+            <a:r>
+              <a:rPr lang="en-US" sz="2800" baseline="-25000" dirty="0"/>
+              <a:t>0</a:t>
+            </a:r>
+            <a:r>
+              <a:rPr lang="en-US" sz="2800" dirty="0"/>
+              <a:t>C</a:t>
+            </a:r>
+            <a:r>
+              <a:rPr lang="en-US" sz="2800" baseline="-25000" dirty="0"/>
+              <a:t>0</a:t>
+            </a:r>
+            <a:r>
+              <a:rPr lang="en-US" sz="2800" dirty="0"/>
+              <a:t>R</a:t>
+            </a:r>
+            <a:r>
+              <a:rPr lang="en-US" sz="2800" baseline="-25000" dirty="0"/>
+              <a:t>0</a:t>
+            </a:r>
+          </a:p>
+          <a:p>
+            <a:pPr marL="0" indent="0">
+              <a:buNone/>
+            </a:pPr>
+            <a:r>
+              <a:rPr lang="en-US" sz="2800" dirty="0"/>
+              <a:t>D</a:t>
+            </a:r>
+            <a:r>
+              <a:rPr lang="en-US" sz="2800" baseline="-25000" dirty="0"/>
+              <a:t>1</a:t>
+            </a:r>
+            <a:r>
+              <a:rPr lang="en-US" sz="2800" dirty="0"/>
+              <a:t>C</a:t>
+            </a:r>
+            <a:r>
+              <a:rPr lang="en-US" sz="2800" baseline="-25000" dirty="0"/>
+              <a:t>0</a:t>
+            </a:r>
+            <a:r>
+              <a:rPr lang="en-US" sz="2800" dirty="0"/>
+              <a:t>R</a:t>
+            </a:r>
+            <a:r>
+              <a:rPr lang="en-US" sz="2800" baseline="-25000" dirty="0"/>
+              <a:t>0</a:t>
+            </a:r>
+          </a:p>
+          <a:p>
+            <a:pPr marL="0" indent="0">
+              <a:buNone/>
+            </a:pPr>
+            <a:r>
+              <a:rPr lang="en-US" sz="2800" dirty="0"/>
+              <a:t>D</a:t>
+            </a:r>
+            <a:r>
+              <a:rPr lang="en-US" sz="2800" baseline="-25000" dirty="0"/>
+              <a:t>2</a:t>
+            </a:r>
+            <a:r>
+              <a:rPr lang="en-US" sz="2800" dirty="0"/>
+              <a:t>C</a:t>
+            </a:r>
+            <a:r>
+              <a:rPr lang="en-US" sz="2800" baseline="-25000" dirty="0"/>
+              <a:t>0</a:t>
+            </a:r>
+            <a:r>
+              <a:rPr lang="en-US" sz="2800" dirty="0"/>
+              <a:t>R</a:t>
+            </a:r>
+            <a:r>
+              <a:rPr lang="en-US" sz="2800" baseline="-25000" dirty="0"/>
+              <a:t>0</a:t>
+            </a:r>
+          </a:p>
+          <a:p>
+            <a:pPr marL="0" indent="0">
+              <a:buNone/>
+            </a:pPr>
+            <a:r>
+              <a:rPr lang="en-US" sz="2800" dirty="0"/>
+              <a:t>D</a:t>
+            </a:r>
+            <a:r>
+              <a:rPr lang="en-US" sz="2800" baseline="-25000" dirty="0"/>
+              <a:t>3</a:t>
+            </a:r>
+            <a:r>
+              <a:rPr lang="en-US" sz="2800" dirty="0"/>
+              <a:t>C</a:t>
+            </a:r>
+            <a:r>
+              <a:rPr lang="en-US" sz="2800" baseline="-25000" dirty="0"/>
+              <a:t>0</a:t>
+            </a:r>
+            <a:r>
+              <a:rPr lang="en-US" sz="2800" dirty="0"/>
+              <a:t>R</a:t>
+            </a:r>
+            <a:r>
+              <a:rPr lang="en-US" sz="2800" baseline="-25000" dirty="0"/>
+              <a:t>0</a:t>
+            </a:r>
+          </a:p>
+          <a:p>
+            <a:pPr marL="0" indent="0">
+              <a:buNone/>
+            </a:pPr>
+            <a:r>
+              <a:rPr lang="en-US" sz="2800" dirty="0"/>
+              <a:t>D</a:t>
+            </a:r>
+            <a:r>
+              <a:rPr lang="en-US" sz="2800" baseline="-25000" dirty="0"/>
+              <a:t>4</a:t>
+            </a:r>
+            <a:r>
+              <a:rPr lang="en-US" sz="2800" dirty="0"/>
+              <a:t>C</a:t>
+            </a:r>
+            <a:r>
+              <a:rPr lang="en-US" sz="2800" baseline="-25000" dirty="0"/>
+              <a:t>0</a:t>
+            </a:r>
+            <a:r>
+              <a:rPr lang="en-US" sz="2800" dirty="0"/>
+              <a:t>R</a:t>
+            </a:r>
+            <a:r>
+              <a:rPr lang="en-US" sz="2800" baseline="-25000" dirty="0"/>
+              <a:t>0</a:t>
+            </a:r>
+          </a:p>
+          <a:p>
+            <a:pPr marL="0" indent="0">
+              <a:buNone/>
+            </a:pPr>
+            <a:r>
+              <a:rPr lang="en-US" sz="2800" dirty="0"/>
+              <a:t>D</a:t>
+            </a:r>
+            <a:r>
+              <a:rPr lang="en-US" sz="2800" baseline="-25000" dirty="0"/>
+              <a:t>5</a:t>
+            </a:r>
+            <a:r>
+              <a:rPr lang="en-US" sz="2800" dirty="0"/>
+              <a:t>C</a:t>
+            </a:r>
+            <a:r>
+              <a:rPr lang="en-US" sz="2800" baseline="-25000" dirty="0"/>
+              <a:t>0</a:t>
+            </a:r>
+            <a:r>
+              <a:rPr lang="en-US" sz="2800" dirty="0"/>
+              <a:t>R</a:t>
+            </a:r>
+            <a:r>
+              <a:rPr lang="en-US" sz="2800" baseline="-25000" dirty="0"/>
+              <a:t>0</a:t>
+            </a:r>
+          </a:p>
+          <a:p>
+            <a:pPr marL="0" indent="0">
+              <a:buNone/>
+            </a:pPr>
+            <a:r>
+              <a:rPr lang="en-US" sz="2800" dirty="0"/>
+              <a:t>D</a:t>
+            </a:r>
+            <a:r>
+              <a:rPr lang="en-US" sz="2800" baseline="-25000" dirty="0"/>
+              <a:t>6</a:t>
+            </a:r>
+            <a:r>
+              <a:rPr lang="en-US" sz="2800" dirty="0"/>
+              <a:t>C</a:t>
+            </a:r>
+            <a:r>
+              <a:rPr lang="en-US" sz="2800" baseline="-25000" dirty="0"/>
+              <a:t>0</a:t>
+            </a:r>
+            <a:r>
+              <a:rPr lang="en-US" sz="2800" dirty="0"/>
+              <a:t>R</a:t>
+            </a:r>
+            <a:r>
+              <a:rPr lang="en-US" sz="2800" baseline="-25000" dirty="0"/>
+              <a:t>0</a:t>
+            </a:r>
+          </a:p>
+          <a:p>
+            <a:pPr marL="0" indent="0">
+              <a:buNone/>
+            </a:pPr>
+            <a:r>
+              <a:rPr lang="en-US" sz="2800" dirty="0"/>
+              <a:t>D</a:t>
+            </a:r>
+            <a:r>
+              <a:rPr lang="en-US" sz="2800" baseline="-25000" dirty="0"/>
+              <a:t>7</a:t>
+            </a:r>
+            <a:r>
+              <a:rPr lang="en-US" sz="2800" dirty="0"/>
+              <a:t>C</a:t>
+            </a:r>
+            <a:r>
+              <a:rPr lang="en-US" sz="2800" baseline="-25000" dirty="0"/>
+              <a:t>0</a:t>
+            </a:r>
+            <a:r>
+              <a:rPr lang="en-US" sz="2800" dirty="0"/>
+              <a:t>R</a:t>
+            </a:r>
+            <a:r>
+              <a:rPr lang="en-US" sz="2800" baseline="-25000" dirty="0"/>
+              <a:t>0</a:t>
+            </a:r>
+          </a:p>
+        </p:txBody>
+      </p:sp>
+      <p:sp>
+        <p:nvSpPr>
+          <p:cNvPr id="4" name="Rectangle 3">
+            <a:extLst>
+              <a:ext uri="{FF2B5EF4-FFF2-40B4-BE49-F238E27FC236}">
+                <a16:creationId xmlns:a16="http://schemas.microsoft.com/office/drawing/2014/main" id="{DD6D1465-25FB-4CAA-B843-914AC9566CA9}"/>
+              </a:ext>
+            </a:extLst>
+          </p:cNvPr>
+          <p:cNvSpPr/>
+          <p:nvPr/>
+        </p:nvSpPr>
+        <p:spPr>
+          <a:xfrm>
+            <a:off x="3335258" y="1369218"/>
+            <a:ext cx="5180092" cy="296456"/>
+          </a:xfrm>
+          <a:prstGeom prst="rect">
+            <a:avLst/>
+          </a:prstGeom>
+        </p:spPr>
+        <p:style>
+          <a:lnRef idx="2">
+            <a:schemeClr val="accent1">
+              <a:shade val="50000"/>
+            </a:schemeClr>
+          </a:lnRef>
+          <a:fillRef idx="1">
+            <a:schemeClr val="accent1"/>
+          </a:fillRef>
+          <a:effectRef idx="0">
+            <a:schemeClr val="accent1"/>
+          </a:effectRef>
+          <a:fontRef idx="minor">
+            <a:schemeClr val="lt1"/>
+          </a:fontRef>
+        </p:style>
+        <p:txBody>
+          <a:bodyPr rtlCol="0" anchor="ctr"/>
+          <a:lstStyle/>
+          <a:p>
+            <a:pPr algn="ctr"/>
+            <a:r>
+              <a:rPr lang="en-US" dirty="0"/>
+              <a:t>AWE ROW BUFFER0</a:t>
+            </a:r>
+          </a:p>
+        </p:txBody>
+      </p:sp>
+      <p:sp>
+        <p:nvSpPr>
+          <p:cNvPr id="12" name="Rectangle 11">
+            <a:extLst>
+              <a:ext uri="{FF2B5EF4-FFF2-40B4-BE49-F238E27FC236}">
+                <a16:creationId xmlns:a16="http://schemas.microsoft.com/office/drawing/2014/main" id="{5B3FDC7C-2756-4F4B-910B-8A652F5F1DC9}"/>
+              </a:ext>
+            </a:extLst>
+          </p:cNvPr>
+          <p:cNvSpPr/>
+          <p:nvPr/>
+        </p:nvSpPr>
+        <p:spPr>
+          <a:xfrm>
+            <a:off x="3335258" y="1790471"/>
+            <a:ext cx="5180092" cy="296456"/>
+          </a:xfrm>
+          <a:prstGeom prst="rect">
+            <a:avLst/>
+          </a:prstGeom>
+        </p:spPr>
+        <p:style>
+          <a:lnRef idx="2">
+            <a:schemeClr val="accent1">
+              <a:shade val="50000"/>
+            </a:schemeClr>
+          </a:lnRef>
+          <a:fillRef idx="1">
+            <a:schemeClr val="accent1"/>
+          </a:fillRef>
+          <a:effectRef idx="0">
+            <a:schemeClr val="accent1"/>
+          </a:effectRef>
+          <a:fontRef idx="minor">
+            <a:schemeClr val="lt1"/>
+          </a:fontRef>
+        </p:style>
+        <p:txBody>
+          <a:bodyPr rtlCol="0" anchor="ctr"/>
+          <a:lstStyle/>
+          <a:p>
+            <a:pPr algn="ctr"/>
+            <a:r>
+              <a:rPr lang="en-US" dirty="0"/>
+              <a:t>AWE ROW BUFFER1</a:t>
+            </a:r>
+          </a:p>
+        </p:txBody>
+      </p:sp>
+      <p:sp>
+        <p:nvSpPr>
+          <p:cNvPr id="13" name="Rectangle 12">
+            <a:extLst>
+              <a:ext uri="{FF2B5EF4-FFF2-40B4-BE49-F238E27FC236}">
+                <a16:creationId xmlns:a16="http://schemas.microsoft.com/office/drawing/2014/main" id="{C62D6171-F40A-4E63-AD05-27751E5D52FC}"/>
+              </a:ext>
+            </a:extLst>
+          </p:cNvPr>
+          <p:cNvSpPr/>
+          <p:nvPr/>
+        </p:nvSpPr>
+        <p:spPr>
+          <a:xfrm>
+            <a:off x="3335258" y="2211724"/>
+            <a:ext cx="5180092" cy="296456"/>
+          </a:xfrm>
+          <a:prstGeom prst="rect">
+            <a:avLst/>
+          </a:prstGeom>
+        </p:spPr>
+        <p:style>
+          <a:lnRef idx="2">
+            <a:schemeClr val="accent1">
+              <a:shade val="50000"/>
+            </a:schemeClr>
+          </a:lnRef>
+          <a:fillRef idx="1">
+            <a:schemeClr val="accent1"/>
+          </a:fillRef>
+          <a:effectRef idx="0">
+            <a:schemeClr val="accent1"/>
+          </a:effectRef>
+          <a:fontRef idx="minor">
+            <a:schemeClr val="lt1"/>
+          </a:fontRef>
+        </p:style>
+        <p:txBody>
+          <a:bodyPr rtlCol="0" anchor="ctr"/>
+          <a:lstStyle/>
+          <a:p>
+            <a:pPr algn="ctr"/>
+            <a:r>
+              <a:rPr lang="en-US" dirty="0"/>
+              <a:t>AWE ROW BUFFER2</a:t>
+            </a:r>
+          </a:p>
+        </p:txBody>
+      </p:sp>
+      <p:sp>
+        <p:nvSpPr>
+          <p:cNvPr id="14" name="Rectangle 13">
+            <a:extLst>
+              <a:ext uri="{FF2B5EF4-FFF2-40B4-BE49-F238E27FC236}">
+                <a16:creationId xmlns:a16="http://schemas.microsoft.com/office/drawing/2014/main" id="{A0464524-1AFD-412C-8C98-C0A64817D841}"/>
+              </a:ext>
+            </a:extLst>
+          </p:cNvPr>
+          <p:cNvSpPr/>
+          <p:nvPr/>
+        </p:nvSpPr>
+        <p:spPr>
+          <a:xfrm>
+            <a:off x="3315523" y="2632977"/>
+            <a:ext cx="5180092" cy="296456"/>
+          </a:xfrm>
+          <a:prstGeom prst="rect">
+            <a:avLst/>
+          </a:prstGeom>
+        </p:spPr>
+        <p:style>
+          <a:lnRef idx="2">
+            <a:schemeClr val="accent1">
+              <a:shade val="50000"/>
+            </a:schemeClr>
+          </a:lnRef>
+          <a:fillRef idx="1">
+            <a:schemeClr val="accent1"/>
+          </a:fillRef>
+          <a:effectRef idx="0">
+            <a:schemeClr val="accent1"/>
+          </a:effectRef>
+          <a:fontRef idx="minor">
+            <a:schemeClr val="lt1"/>
+          </a:fontRef>
+        </p:style>
+        <p:txBody>
+          <a:bodyPr rtlCol="0" anchor="ctr"/>
+          <a:lstStyle/>
+          <a:p>
+            <a:pPr algn="ctr"/>
+            <a:r>
+              <a:rPr lang="en-US" dirty="0"/>
+              <a:t>AWE ROW BUFFER3</a:t>
+            </a:r>
+          </a:p>
+        </p:txBody>
+      </p:sp>
+      <p:sp>
+        <p:nvSpPr>
+          <p:cNvPr id="15" name="Rectangle 14">
+            <a:extLst>
+              <a:ext uri="{FF2B5EF4-FFF2-40B4-BE49-F238E27FC236}">
+                <a16:creationId xmlns:a16="http://schemas.microsoft.com/office/drawing/2014/main" id="{FADCB61C-EC8B-4BAF-9619-C61324714D43}"/>
+              </a:ext>
+            </a:extLst>
+          </p:cNvPr>
+          <p:cNvSpPr/>
+          <p:nvPr/>
+        </p:nvSpPr>
+        <p:spPr>
+          <a:xfrm>
+            <a:off x="3315523" y="3054230"/>
+            <a:ext cx="5180092" cy="296456"/>
+          </a:xfrm>
+          <a:prstGeom prst="rect">
+            <a:avLst/>
+          </a:prstGeom>
+        </p:spPr>
+        <p:style>
+          <a:lnRef idx="2">
+            <a:schemeClr val="accent1">
+              <a:shade val="50000"/>
+            </a:schemeClr>
+          </a:lnRef>
+          <a:fillRef idx="1">
+            <a:schemeClr val="accent1"/>
+          </a:fillRef>
+          <a:effectRef idx="0">
+            <a:schemeClr val="accent1"/>
+          </a:effectRef>
+          <a:fontRef idx="minor">
+            <a:schemeClr val="lt1"/>
+          </a:fontRef>
+        </p:style>
+        <p:txBody>
+          <a:bodyPr rtlCol="0" anchor="ctr"/>
+          <a:lstStyle/>
+          <a:p>
+            <a:pPr algn="ctr"/>
+            <a:r>
+              <a:rPr lang="en-US" dirty="0"/>
+              <a:t>AWE ROW BUFFER4</a:t>
+            </a:r>
+          </a:p>
+        </p:txBody>
+      </p:sp>
+      <p:sp>
+        <p:nvSpPr>
+          <p:cNvPr id="16" name="Rectangle 15">
+            <a:extLst>
+              <a:ext uri="{FF2B5EF4-FFF2-40B4-BE49-F238E27FC236}">
+                <a16:creationId xmlns:a16="http://schemas.microsoft.com/office/drawing/2014/main" id="{FF5787F2-246B-4249-B060-968E347E9690}"/>
+              </a:ext>
+            </a:extLst>
+          </p:cNvPr>
+          <p:cNvSpPr/>
+          <p:nvPr/>
+        </p:nvSpPr>
+        <p:spPr>
+          <a:xfrm>
+            <a:off x="3315523" y="3453898"/>
+            <a:ext cx="5180092" cy="296456"/>
+          </a:xfrm>
+          <a:prstGeom prst="rect">
+            <a:avLst/>
+          </a:prstGeom>
+        </p:spPr>
+        <p:style>
+          <a:lnRef idx="2">
+            <a:schemeClr val="accent1">
+              <a:shade val="50000"/>
+            </a:schemeClr>
+          </a:lnRef>
+          <a:fillRef idx="1">
+            <a:schemeClr val="accent1"/>
+          </a:fillRef>
+          <a:effectRef idx="0">
+            <a:schemeClr val="accent1"/>
+          </a:effectRef>
+          <a:fontRef idx="minor">
+            <a:schemeClr val="lt1"/>
+          </a:fontRef>
+        </p:style>
+        <p:txBody>
+          <a:bodyPr rtlCol="0" anchor="ctr"/>
+          <a:lstStyle/>
+          <a:p>
+            <a:pPr algn="ctr"/>
+            <a:r>
+              <a:rPr lang="en-US" dirty="0"/>
+              <a:t>AWE ROW BUFFER5</a:t>
+            </a:r>
+          </a:p>
+        </p:txBody>
+      </p:sp>
+      <p:sp>
+        <p:nvSpPr>
+          <p:cNvPr id="17" name="Rectangle 16">
+            <a:extLst>
+              <a:ext uri="{FF2B5EF4-FFF2-40B4-BE49-F238E27FC236}">
+                <a16:creationId xmlns:a16="http://schemas.microsoft.com/office/drawing/2014/main" id="{C103BA37-5736-46FE-930A-05C6FFB7616F}"/>
+              </a:ext>
+            </a:extLst>
+          </p:cNvPr>
+          <p:cNvSpPr/>
+          <p:nvPr/>
+        </p:nvSpPr>
+        <p:spPr>
+          <a:xfrm>
+            <a:off x="3315523" y="3896736"/>
+            <a:ext cx="5180092" cy="296456"/>
+          </a:xfrm>
+          <a:prstGeom prst="rect">
+            <a:avLst/>
+          </a:prstGeom>
+        </p:spPr>
+        <p:style>
+          <a:lnRef idx="2">
+            <a:schemeClr val="accent1">
+              <a:shade val="50000"/>
+            </a:schemeClr>
+          </a:lnRef>
+          <a:fillRef idx="1">
+            <a:schemeClr val="accent1"/>
+          </a:fillRef>
+          <a:effectRef idx="0">
+            <a:schemeClr val="accent1"/>
+          </a:effectRef>
+          <a:fontRef idx="minor">
+            <a:schemeClr val="lt1"/>
+          </a:fontRef>
+        </p:style>
+        <p:txBody>
+          <a:bodyPr rtlCol="0" anchor="ctr"/>
+          <a:lstStyle/>
+          <a:p>
+            <a:pPr algn="ctr"/>
+            <a:r>
+              <a:rPr lang="en-US" dirty="0"/>
+              <a:t>AWE ROW BUFFER6</a:t>
+            </a:r>
+          </a:p>
+        </p:txBody>
+      </p:sp>
+      <p:sp>
+        <p:nvSpPr>
+          <p:cNvPr id="18" name="Rectangle 17">
+            <a:extLst>
+              <a:ext uri="{FF2B5EF4-FFF2-40B4-BE49-F238E27FC236}">
+                <a16:creationId xmlns:a16="http://schemas.microsoft.com/office/drawing/2014/main" id="{F502924E-8185-4CB4-9365-0507762B4001}"/>
+              </a:ext>
+            </a:extLst>
+          </p:cNvPr>
+          <p:cNvSpPr/>
+          <p:nvPr/>
+        </p:nvSpPr>
+        <p:spPr>
+          <a:xfrm>
+            <a:off x="3315523" y="4296404"/>
+            <a:ext cx="5180092" cy="296456"/>
+          </a:xfrm>
+          <a:prstGeom prst="rect">
+            <a:avLst/>
+          </a:prstGeom>
+        </p:spPr>
+        <p:style>
+          <a:lnRef idx="2">
+            <a:schemeClr val="accent1">
+              <a:shade val="50000"/>
+            </a:schemeClr>
+          </a:lnRef>
+          <a:fillRef idx="1">
+            <a:schemeClr val="accent1"/>
+          </a:fillRef>
+          <a:effectRef idx="0">
+            <a:schemeClr val="accent1"/>
+          </a:effectRef>
+          <a:fontRef idx="minor">
+            <a:schemeClr val="lt1"/>
+          </a:fontRef>
+        </p:style>
+        <p:txBody>
+          <a:bodyPr rtlCol="0" anchor="ctr"/>
+          <a:lstStyle/>
+          <a:p>
+            <a:pPr algn="ctr"/>
+            <a:r>
+              <a:rPr lang="en-US" dirty="0"/>
+              <a:t>AWE ROW BUFFER7</a:t>
+            </a:r>
+          </a:p>
+        </p:txBody>
+      </p:sp>
+    </p:spTree>
+    <p:extLst>
+      <p:ext uri="{BB962C8B-B14F-4D97-AF65-F5344CB8AC3E}">
+        <p14:creationId xmlns:p14="http://schemas.microsoft.com/office/powerpoint/2010/main" val="1955818301"/>
+      </p:ext>
+    </p:extLst>
+  </p:cSld>
+  <p:clrMapOvr>
+    <a:masterClrMapping/>
+  </p:clrMapOvr>
+</p:sld>
+</file>
+
+<file path=ppt/slides/slide33.xml><?xml version="1.0" encoding="utf-8"?>
+<p:sld xmlns:a="http://schemas.openxmlformats.org/drawingml/2006/main" xmlns:r="http://schemas.openxmlformats.org/officeDocument/2006/relationships" xmlns:p="http://schemas.openxmlformats.org/presentationml/2006/main">
+  <p:cSld>
+    <p:spTree>
+      <p:nvGrpSpPr>
+        <p:cNvPr id="1" name=""/>
+        <p:cNvGrpSpPr/>
+        <p:nvPr/>
+      </p:nvGrpSpPr>
+      <p:grpSpPr>
+        <a:xfrm>
+          <a:off x="0" y="0"/>
+          <a:ext cx="0" cy="0"/>
+          <a:chOff x="0" y="0"/>
+          <a:chExt cx="0" cy="0"/>
+        </a:xfrm>
+      </p:grpSpPr>
+      <p:sp>
+        <p:nvSpPr>
+          <p:cNvPr id="2" name="Title 1">
+            <a:extLst>
+              <a:ext uri="{FF2B5EF4-FFF2-40B4-BE49-F238E27FC236}">
+                <a16:creationId xmlns:a16="http://schemas.microsoft.com/office/drawing/2014/main" id="{317952A4-6853-43A0-9CC5-DA163180AEF2}"/>
+              </a:ext>
+            </a:extLst>
+          </p:cNvPr>
+          <p:cNvSpPr>
+            <a:spLocks noGrp="1"/>
+          </p:cNvSpPr>
+          <p:nvPr>
+            <p:ph type="title"/>
+          </p:nvPr>
+        </p:nvSpPr>
+        <p:spPr/>
+        <p:txBody>
+          <a:bodyPr/>
+          <a:lstStyle/>
+          <a:p>
+            <a:endParaRPr lang="en-US"/>
+          </a:p>
+        </p:txBody>
+      </p:sp>
+      <p:sp>
+        <p:nvSpPr>
+          <p:cNvPr id="3" name="Content Placeholder 2">
+            <a:extLst>
+              <a:ext uri="{FF2B5EF4-FFF2-40B4-BE49-F238E27FC236}">
+                <a16:creationId xmlns:a16="http://schemas.microsoft.com/office/drawing/2014/main" id="{574B13A9-5F1A-4282-B6E1-B460C4458C90}"/>
+              </a:ext>
+            </a:extLst>
+          </p:cNvPr>
+          <p:cNvSpPr>
+            <a:spLocks noGrp="1"/>
+          </p:cNvSpPr>
+          <p:nvPr>
+            <p:ph idx="1"/>
+          </p:nvPr>
+        </p:nvSpPr>
+        <p:spPr>
+          <a:xfrm>
+            <a:off x="628650" y="1369218"/>
+            <a:ext cx="2706608" cy="3623311"/>
+          </a:xfrm>
+        </p:spPr>
+        <p:txBody>
+          <a:bodyPr>
+            <a:normAutofit fontScale="92500" lnSpcReduction="10000"/>
+          </a:bodyPr>
+          <a:lstStyle/>
+          <a:p>
+            <a:pPr marL="0" indent="0">
+              <a:buNone/>
+            </a:pPr>
+            <a:r>
+              <a:rPr lang="en-US" sz="2800" dirty="0"/>
+              <a:t>D</a:t>
+            </a:r>
+            <a:r>
+              <a:rPr lang="en-US" sz="2800" baseline="-25000" dirty="0"/>
+              <a:t>0</a:t>
+            </a:r>
+            <a:r>
+              <a:rPr lang="en-US" sz="2800" dirty="0"/>
+              <a:t>C</a:t>
+            </a:r>
+            <a:r>
+              <a:rPr lang="en-US" sz="2800" baseline="-25000" dirty="0"/>
+              <a:t>1</a:t>
+            </a:r>
+            <a:r>
+              <a:rPr lang="en-US" sz="2800" dirty="0"/>
+              <a:t>R</a:t>
+            </a:r>
+            <a:r>
+              <a:rPr lang="en-US" sz="2800" baseline="-25000" dirty="0"/>
+              <a:t>0</a:t>
+            </a:r>
+          </a:p>
+          <a:p>
+            <a:pPr marL="0" indent="0">
+              <a:buNone/>
+            </a:pPr>
+            <a:r>
+              <a:rPr lang="en-US" sz="2800" dirty="0"/>
+              <a:t>D</a:t>
+            </a:r>
+            <a:r>
+              <a:rPr lang="en-US" sz="2800" baseline="-25000" dirty="0"/>
+              <a:t>1</a:t>
+            </a:r>
+            <a:r>
+              <a:rPr lang="en-US" sz="2800" dirty="0"/>
+              <a:t>C</a:t>
+            </a:r>
+            <a:r>
+              <a:rPr lang="en-US" sz="2800" baseline="-25000" dirty="0"/>
+              <a:t>1</a:t>
+            </a:r>
+            <a:r>
+              <a:rPr lang="en-US" sz="2800" dirty="0"/>
+              <a:t>R</a:t>
+            </a:r>
+            <a:r>
+              <a:rPr lang="en-US" sz="2800" baseline="-25000" dirty="0"/>
+              <a:t>0</a:t>
+            </a:r>
+          </a:p>
+          <a:p>
+            <a:pPr marL="0" indent="0">
+              <a:buNone/>
+            </a:pPr>
+            <a:r>
+              <a:rPr lang="en-US" sz="2800" dirty="0"/>
+              <a:t>D</a:t>
+            </a:r>
+            <a:r>
+              <a:rPr lang="en-US" sz="2800" baseline="-25000" dirty="0"/>
+              <a:t>2</a:t>
+            </a:r>
+            <a:r>
+              <a:rPr lang="en-US" sz="2800" dirty="0"/>
+              <a:t>C</a:t>
+            </a:r>
+            <a:r>
+              <a:rPr lang="en-US" sz="2800" baseline="-25000" dirty="0"/>
+              <a:t>1</a:t>
+            </a:r>
+            <a:r>
+              <a:rPr lang="en-US" sz="2800" dirty="0"/>
+              <a:t>R</a:t>
+            </a:r>
+            <a:r>
+              <a:rPr lang="en-US" sz="2800" baseline="-25000" dirty="0"/>
+              <a:t>0</a:t>
+            </a:r>
+          </a:p>
+          <a:p>
+            <a:pPr marL="0" indent="0">
+              <a:buNone/>
+            </a:pPr>
+            <a:r>
+              <a:rPr lang="en-US" sz="2800" dirty="0"/>
+              <a:t>D</a:t>
+            </a:r>
+            <a:r>
+              <a:rPr lang="en-US" sz="2800" baseline="-25000" dirty="0"/>
+              <a:t>3</a:t>
+            </a:r>
+            <a:r>
+              <a:rPr lang="en-US" sz="2800" dirty="0"/>
+              <a:t>C</a:t>
+            </a:r>
+            <a:r>
+              <a:rPr lang="en-US" sz="2800" baseline="-25000" dirty="0"/>
+              <a:t>1</a:t>
+            </a:r>
+            <a:r>
+              <a:rPr lang="en-US" sz="2800" dirty="0"/>
+              <a:t>R</a:t>
+            </a:r>
+            <a:r>
+              <a:rPr lang="en-US" sz="2800" baseline="-25000" dirty="0"/>
+              <a:t>0</a:t>
+            </a:r>
+          </a:p>
+          <a:p>
+            <a:pPr marL="0" indent="0">
+              <a:buNone/>
+            </a:pPr>
+            <a:r>
+              <a:rPr lang="en-US" sz="2800" dirty="0"/>
+              <a:t>D</a:t>
+            </a:r>
+            <a:r>
+              <a:rPr lang="en-US" sz="2800" baseline="-25000" dirty="0"/>
+              <a:t>4</a:t>
+            </a:r>
+            <a:r>
+              <a:rPr lang="en-US" sz="2800" dirty="0"/>
+              <a:t>C</a:t>
+            </a:r>
+            <a:r>
+              <a:rPr lang="en-US" sz="2800" baseline="-25000" dirty="0"/>
+              <a:t>1</a:t>
+            </a:r>
+            <a:r>
+              <a:rPr lang="en-US" sz="2800" dirty="0"/>
+              <a:t>R</a:t>
+            </a:r>
+            <a:r>
+              <a:rPr lang="en-US" sz="2800" baseline="-25000" dirty="0"/>
+              <a:t>0</a:t>
+            </a:r>
+          </a:p>
+          <a:p>
+            <a:pPr marL="0" indent="0">
+              <a:buNone/>
+            </a:pPr>
+            <a:r>
+              <a:rPr lang="en-US" sz="2800" dirty="0"/>
+              <a:t>D</a:t>
+            </a:r>
+            <a:r>
+              <a:rPr lang="en-US" sz="2800" baseline="-25000" dirty="0"/>
+              <a:t>5</a:t>
+            </a:r>
+            <a:r>
+              <a:rPr lang="en-US" sz="2800" dirty="0"/>
+              <a:t>C</a:t>
+            </a:r>
+            <a:r>
+              <a:rPr lang="en-US" sz="2800" baseline="-25000" dirty="0"/>
+              <a:t>1</a:t>
+            </a:r>
+            <a:r>
+              <a:rPr lang="en-US" sz="2800" dirty="0"/>
+              <a:t>R</a:t>
+            </a:r>
+            <a:r>
+              <a:rPr lang="en-US" sz="2800" baseline="-25000" dirty="0"/>
+              <a:t>0</a:t>
+            </a:r>
+          </a:p>
+          <a:p>
+            <a:pPr marL="0" indent="0">
+              <a:buNone/>
+            </a:pPr>
+            <a:r>
+              <a:rPr lang="en-US" sz="2800" dirty="0"/>
+              <a:t>D</a:t>
+            </a:r>
+            <a:r>
+              <a:rPr lang="en-US" sz="2800" baseline="-25000" dirty="0"/>
+              <a:t>6</a:t>
+            </a:r>
+            <a:r>
+              <a:rPr lang="en-US" sz="2800" dirty="0"/>
+              <a:t>C</a:t>
+            </a:r>
+            <a:r>
+              <a:rPr lang="en-US" sz="2800" baseline="-25000" dirty="0"/>
+              <a:t>1</a:t>
+            </a:r>
+            <a:r>
+              <a:rPr lang="en-US" sz="2800" dirty="0"/>
+              <a:t>R</a:t>
+            </a:r>
+            <a:r>
+              <a:rPr lang="en-US" sz="2800" baseline="-25000" dirty="0"/>
+              <a:t>0</a:t>
+            </a:r>
+          </a:p>
+          <a:p>
+            <a:pPr marL="0" indent="0">
+              <a:buNone/>
+            </a:pPr>
+            <a:r>
+              <a:rPr lang="en-US" sz="2800" dirty="0"/>
+              <a:t>D</a:t>
+            </a:r>
+            <a:r>
+              <a:rPr lang="en-US" sz="2800" baseline="-25000" dirty="0"/>
+              <a:t>7</a:t>
+            </a:r>
+            <a:r>
+              <a:rPr lang="en-US" sz="2800" dirty="0"/>
+              <a:t>C</a:t>
+            </a:r>
+            <a:r>
+              <a:rPr lang="en-US" sz="2800" baseline="-25000" dirty="0"/>
+              <a:t>1</a:t>
+            </a:r>
+            <a:r>
+              <a:rPr lang="en-US" sz="2800" dirty="0"/>
+              <a:t>R</a:t>
+            </a:r>
+            <a:r>
+              <a:rPr lang="en-US" sz="2800" baseline="-25000" dirty="0"/>
+              <a:t>0</a:t>
+            </a:r>
+          </a:p>
+        </p:txBody>
+      </p:sp>
+      <p:sp>
+        <p:nvSpPr>
+          <p:cNvPr id="4" name="Rectangle 3">
+            <a:extLst>
+              <a:ext uri="{FF2B5EF4-FFF2-40B4-BE49-F238E27FC236}">
+                <a16:creationId xmlns:a16="http://schemas.microsoft.com/office/drawing/2014/main" id="{DD6D1465-25FB-4CAA-B843-914AC9566CA9}"/>
+              </a:ext>
+            </a:extLst>
+          </p:cNvPr>
+          <p:cNvSpPr/>
+          <p:nvPr/>
+        </p:nvSpPr>
+        <p:spPr>
+          <a:xfrm>
+            <a:off x="3335258" y="1369218"/>
+            <a:ext cx="5180092" cy="296456"/>
+          </a:xfrm>
+          <a:prstGeom prst="rect">
+            <a:avLst/>
+          </a:prstGeom>
+        </p:spPr>
+        <p:style>
+          <a:lnRef idx="2">
+            <a:schemeClr val="accent1">
+              <a:shade val="50000"/>
+            </a:schemeClr>
+          </a:lnRef>
+          <a:fillRef idx="1">
+            <a:schemeClr val="accent1"/>
+          </a:fillRef>
+          <a:effectRef idx="0">
+            <a:schemeClr val="accent1"/>
+          </a:effectRef>
+          <a:fontRef idx="minor">
+            <a:schemeClr val="lt1"/>
+          </a:fontRef>
+        </p:style>
+        <p:txBody>
+          <a:bodyPr rtlCol="0" anchor="ctr"/>
+          <a:lstStyle/>
+          <a:p>
+            <a:pPr algn="ctr"/>
+            <a:r>
+              <a:rPr lang="en-US" dirty="0"/>
+              <a:t>AWE ROW BUFFER0</a:t>
+            </a:r>
+          </a:p>
+        </p:txBody>
+      </p:sp>
+      <p:sp>
+        <p:nvSpPr>
+          <p:cNvPr id="12" name="Rectangle 11">
+            <a:extLst>
+              <a:ext uri="{FF2B5EF4-FFF2-40B4-BE49-F238E27FC236}">
+                <a16:creationId xmlns:a16="http://schemas.microsoft.com/office/drawing/2014/main" id="{5B3FDC7C-2756-4F4B-910B-8A652F5F1DC9}"/>
+              </a:ext>
+            </a:extLst>
+          </p:cNvPr>
+          <p:cNvSpPr/>
+          <p:nvPr/>
+        </p:nvSpPr>
+        <p:spPr>
+          <a:xfrm>
+            <a:off x="3335258" y="1790471"/>
+            <a:ext cx="5180092" cy="296456"/>
+          </a:xfrm>
+          <a:prstGeom prst="rect">
+            <a:avLst/>
+          </a:prstGeom>
+        </p:spPr>
+        <p:style>
+          <a:lnRef idx="2">
+            <a:schemeClr val="accent1">
+              <a:shade val="50000"/>
+            </a:schemeClr>
+          </a:lnRef>
+          <a:fillRef idx="1">
+            <a:schemeClr val="accent1"/>
+          </a:fillRef>
+          <a:effectRef idx="0">
+            <a:schemeClr val="accent1"/>
+          </a:effectRef>
+          <a:fontRef idx="minor">
+            <a:schemeClr val="lt1"/>
+          </a:fontRef>
+        </p:style>
+        <p:txBody>
+          <a:bodyPr rtlCol="0" anchor="ctr"/>
+          <a:lstStyle/>
+          <a:p>
+            <a:pPr algn="ctr"/>
+            <a:r>
+              <a:rPr lang="en-US" dirty="0"/>
+              <a:t>AWE ROW BUFFER1</a:t>
+            </a:r>
+          </a:p>
+        </p:txBody>
+      </p:sp>
+      <p:sp>
+        <p:nvSpPr>
+          <p:cNvPr id="13" name="Rectangle 12">
+            <a:extLst>
+              <a:ext uri="{FF2B5EF4-FFF2-40B4-BE49-F238E27FC236}">
+                <a16:creationId xmlns:a16="http://schemas.microsoft.com/office/drawing/2014/main" id="{C62D6171-F40A-4E63-AD05-27751E5D52FC}"/>
+              </a:ext>
+            </a:extLst>
+          </p:cNvPr>
+          <p:cNvSpPr/>
+          <p:nvPr/>
+        </p:nvSpPr>
+        <p:spPr>
+          <a:xfrm>
+            <a:off x="3335258" y="2211724"/>
+            <a:ext cx="5180092" cy="296456"/>
+          </a:xfrm>
+          <a:prstGeom prst="rect">
+            <a:avLst/>
+          </a:prstGeom>
+        </p:spPr>
+        <p:style>
+          <a:lnRef idx="2">
+            <a:schemeClr val="accent1">
+              <a:shade val="50000"/>
+            </a:schemeClr>
+          </a:lnRef>
+          <a:fillRef idx="1">
+            <a:schemeClr val="accent1"/>
+          </a:fillRef>
+          <a:effectRef idx="0">
+            <a:schemeClr val="accent1"/>
+          </a:effectRef>
+          <a:fontRef idx="minor">
+            <a:schemeClr val="lt1"/>
+          </a:fontRef>
+        </p:style>
+        <p:txBody>
+          <a:bodyPr rtlCol="0" anchor="ctr"/>
+          <a:lstStyle/>
+          <a:p>
+            <a:pPr algn="ctr"/>
+            <a:r>
+              <a:rPr lang="en-US" dirty="0"/>
+              <a:t>AWE ROW BUFFER2</a:t>
+            </a:r>
+          </a:p>
+        </p:txBody>
+      </p:sp>
+      <p:sp>
+        <p:nvSpPr>
+          <p:cNvPr id="14" name="Rectangle 13">
+            <a:extLst>
+              <a:ext uri="{FF2B5EF4-FFF2-40B4-BE49-F238E27FC236}">
+                <a16:creationId xmlns:a16="http://schemas.microsoft.com/office/drawing/2014/main" id="{A0464524-1AFD-412C-8C98-C0A64817D841}"/>
+              </a:ext>
+            </a:extLst>
+          </p:cNvPr>
+          <p:cNvSpPr/>
+          <p:nvPr/>
+        </p:nvSpPr>
+        <p:spPr>
+          <a:xfrm>
+            <a:off x="3315523" y="2632977"/>
+            <a:ext cx="5180092" cy="296456"/>
+          </a:xfrm>
+          <a:prstGeom prst="rect">
+            <a:avLst/>
+          </a:prstGeom>
+        </p:spPr>
+        <p:style>
+          <a:lnRef idx="2">
+            <a:schemeClr val="accent1">
+              <a:shade val="50000"/>
+            </a:schemeClr>
+          </a:lnRef>
+          <a:fillRef idx="1">
+            <a:schemeClr val="accent1"/>
+          </a:fillRef>
+          <a:effectRef idx="0">
+            <a:schemeClr val="accent1"/>
+          </a:effectRef>
+          <a:fontRef idx="minor">
+            <a:schemeClr val="lt1"/>
+          </a:fontRef>
+        </p:style>
+        <p:txBody>
+          <a:bodyPr rtlCol="0" anchor="ctr"/>
+          <a:lstStyle/>
+          <a:p>
+            <a:pPr algn="ctr"/>
+            <a:r>
+              <a:rPr lang="en-US" dirty="0"/>
+              <a:t>AWE ROW BUFFER3</a:t>
+            </a:r>
+          </a:p>
+        </p:txBody>
+      </p:sp>
+      <p:sp>
+        <p:nvSpPr>
+          <p:cNvPr id="15" name="Rectangle 14">
+            <a:extLst>
+              <a:ext uri="{FF2B5EF4-FFF2-40B4-BE49-F238E27FC236}">
+                <a16:creationId xmlns:a16="http://schemas.microsoft.com/office/drawing/2014/main" id="{FADCB61C-EC8B-4BAF-9619-C61324714D43}"/>
+              </a:ext>
+            </a:extLst>
+          </p:cNvPr>
+          <p:cNvSpPr/>
+          <p:nvPr/>
+        </p:nvSpPr>
+        <p:spPr>
+          <a:xfrm>
+            <a:off x="3315523" y="3054230"/>
+            <a:ext cx="5180092" cy="296456"/>
+          </a:xfrm>
+          <a:prstGeom prst="rect">
+            <a:avLst/>
+          </a:prstGeom>
+        </p:spPr>
+        <p:style>
+          <a:lnRef idx="2">
+            <a:schemeClr val="accent1">
+              <a:shade val="50000"/>
+            </a:schemeClr>
+          </a:lnRef>
+          <a:fillRef idx="1">
+            <a:schemeClr val="accent1"/>
+          </a:fillRef>
+          <a:effectRef idx="0">
+            <a:schemeClr val="accent1"/>
+          </a:effectRef>
+          <a:fontRef idx="minor">
+            <a:schemeClr val="lt1"/>
+          </a:fontRef>
+        </p:style>
+        <p:txBody>
+          <a:bodyPr rtlCol="0" anchor="ctr"/>
+          <a:lstStyle/>
+          <a:p>
+            <a:pPr algn="ctr"/>
+            <a:r>
+              <a:rPr lang="en-US" dirty="0"/>
+              <a:t>AWE ROW BUFFER4</a:t>
+            </a:r>
+          </a:p>
+        </p:txBody>
+      </p:sp>
+      <p:sp>
+        <p:nvSpPr>
+          <p:cNvPr id="16" name="Rectangle 15">
+            <a:extLst>
+              <a:ext uri="{FF2B5EF4-FFF2-40B4-BE49-F238E27FC236}">
+                <a16:creationId xmlns:a16="http://schemas.microsoft.com/office/drawing/2014/main" id="{FF5787F2-246B-4249-B060-968E347E9690}"/>
+              </a:ext>
+            </a:extLst>
+          </p:cNvPr>
+          <p:cNvSpPr/>
+          <p:nvPr/>
+        </p:nvSpPr>
+        <p:spPr>
+          <a:xfrm>
+            <a:off x="3315523" y="3453898"/>
+            <a:ext cx="5180092" cy="296456"/>
+          </a:xfrm>
+          <a:prstGeom prst="rect">
+            <a:avLst/>
+          </a:prstGeom>
+        </p:spPr>
+        <p:style>
+          <a:lnRef idx="2">
+            <a:schemeClr val="accent1">
+              <a:shade val="50000"/>
+            </a:schemeClr>
+          </a:lnRef>
+          <a:fillRef idx="1">
+            <a:schemeClr val="accent1"/>
+          </a:fillRef>
+          <a:effectRef idx="0">
+            <a:schemeClr val="accent1"/>
+          </a:effectRef>
+          <a:fontRef idx="minor">
+            <a:schemeClr val="lt1"/>
+          </a:fontRef>
+        </p:style>
+        <p:txBody>
+          <a:bodyPr rtlCol="0" anchor="ctr"/>
+          <a:lstStyle/>
+          <a:p>
+            <a:pPr algn="ctr"/>
+            <a:r>
+              <a:rPr lang="en-US" dirty="0"/>
+              <a:t>AWE ROW BUFFER5</a:t>
+            </a:r>
+          </a:p>
+        </p:txBody>
+      </p:sp>
+      <p:sp>
+        <p:nvSpPr>
+          <p:cNvPr id="17" name="Rectangle 16">
+            <a:extLst>
+              <a:ext uri="{FF2B5EF4-FFF2-40B4-BE49-F238E27FC236}">
+                <a16:creationId xmlns:a16="http://schemas.microsoft.com/office/drawing/2014/main" id="{C103BA37-5736-46FE-930A-05C6FFB7616F}"/>
+              </a:ext>
+            </a:extLst>
+          </p:cNvPr>
+          <p:cNvSpPr/>
+          <p:nvPr/>
+        </p:nvSpPr>
+        <p:spPr>
+          <a:xfrm>
+            <a:off x="3315523" y="3896736"/>
+            <a:ext cx="5180092" cy="296456"/>
+          </a:xfrm>
+          <a:prstGeom prst="rect">
+            <a:avLst/>
+          </a:prstGeom>
+        </p:spPr>
+        <p:style>
+          <a:lnRef idx="2">
+            <a:schemeClr val="accent1">
+              <a:shade val="50000"/>
+            </a:schemeClr>
+          </a:lnRef>
+          <a:fillRef idx="1">
+            <a:schemeClr val="accent1"/>
+          </a:fillRef>
+          <a:effectRef idx="0">
+            <a:schemeClr val="accent1"/>
+          </a:effectRef>
+          <a:fontRef idx="minor">
+            <a:schemeClr val="lt1"/>
+          </a:fontRef>
+        </p:style>
+        <p:txBody>
+          <a:bodyPr rtlCol="0" anchor="ctr"/>
+          <a:lstStyle/>
+          <a:p>
+            <a:pPr algn="ctr"/>
+            <a:r>
+              <a:rPr lang="en-US" dirty="0"/>
+              <a:t>AWE ROW BUFFER6</a:t>
+            </a:r>
+          </a:p>
+        </p:txBody>
+      </p:sp>
+      <p:sp>
+        <p:nvSpPr>
+          <p:cNvPr id="18" name="Rectangle 17">
+            <a:extLst>
+              <a:ext uri="{FF2B5EF4-FFF2-40B4-BE49-F238E27FC236}">
+                <a16:creationId xmlns:a16="http://schemas.microsoft.com/office/drawing/2014/main" id="{F502924E-8185-4CB4-9365-0507762B4001}"/>
+              </a:ext>
+            </a:extLst>
+          </p:cNvPr>
+          <p:cNvSpPr/>
+          <p:nvPr/>
+        </p:nvSpPr>
+        <p:spPr>
+          <a:xfrm>
+            <a:off x="3315523" y="4296404"/>
+            <a:ext cx="5180092" cy="296456"/>
+          </a:xfrm>
+          <a:prstGeom prst="rect">
+            <a:avLst/>
+          </a:prstGeom>
+        </p:spPr>
+        <p:style>
+          <a:lnRef idx="2">
+            <a:schemeClr val="accent1">
+              <a:shade val="50000"/>
+            </a:schemeClr>
+          </a:lnRef>
+          <a:fillRef idx="1">
+            <a:schemeClr val="accent1"/>
+          </a:fillRef>
+          <a:effectRef idx="0">
+            <a:schemeClr val="accent1"/>
+          </a:effectRef>
+          <a:fontRef idx="minor">
+            <a:schemeClr val="lt1"/>
+          </a:fontRef>
+        </p:style>
+        <p:txBody>
+          <a:bodyPr rtlCol="0" anchor="ctr"/>
+          <a:lstStyle/>
+          <a:p>
+            <a:pPr algn="ctr"/>
+            <a:r>
+              <a:rPr lang="en-US" dirty="0"/>
+              <a:t>AWE ROW BUFFER7</a:t>
+            </a:r>
+          </a:p>
+        </p:txBody>
+      </p:sp>
+    </p:spTree>
+    <p:extLst>
+      <p:ext uri="{BB962C8B-B14F-4D97-AF65-F5344CB8AC3E}">
+        <p14:creationId xmlns:p14="http://schemas.microsoft.com/office/powerpoint/2010/main" val="2579232731"/>
+      </p:ext>
+    </p:extLst>
+  </p:cSld>
+  <p:clrMapOvr>
+    <a:masterClrMapping/>
+  </p:clrMapOvr>
+</p:sld>
+</file>
+
+<file path=ppt/slides/slide34.xml><?xml version="1.0" encoding="utf-8"?>
+<p:sld xmlns:a="http://schemas.openxmlformats.org/drawingml/2006/main" xmlns:r="http://schemas.openxmlformats.org/officeDocument/2006/relationships" xmlns:p="http://schemas.openxmlformats.org/presentationml/2006/main">
+  <p:cSld>
+    <p:spTree>
+      <p:nvGrpSpPr>
+        <p:cNvPr id="1" name=""/>
+        <p:cNvGrpSpPr/>
+        <p:nvPr/>
+      </p:nvGrpSpPr>
+      <p:grpSpPr>
+        <a:xfrm>
+          <a:off x="0" y="0"/>
+          <a:ext cx="0" cy="0"/>
+          <a:chOff x="0" y="0"/>
+          <a:chExt cx="0" cy="0"/>
+        </a:xfrm>
+      </p:grpSpPr>
+      <p:sp>
+        <p:nvSpPr>
+          <p:cNvPr id="2" name="Title 1">
+            <a:extLst>
+              <a:ext uri="{FF2B5EF4-FFF2-40B4-BE49-F238E27FC236}">
+                <a16:creationId xmlns:a16="http://schemas.microsoft.com/office/drawing/2014/main" id="{317952A4-6853-43A0-9CC5-DA163180AEF2}"/>
+              </a:ext>
+            </a:extLst>
+          </p:cNvPr>
+          <p:cNvSpPr>
+            <a:spLocks noGrp="1"/>
+          </p:cNvSpPr>
+          <p:nvPr>
+            <p:ph type="title"/>
+          </p:nvPr>
+        </p:nvSpPr>
+        <p:spPr/>
+        <p:txBody>
+          <a:bodyPr/>
+          <a:lstStyle/>
+          <a:p>
+            <a:endParaRPr lang="en-US"/>
+          </a:p>
+        </p:txBody>
+      </p:sp>
+      <p:sp>
+        <p:nvSpPr>
+          <p:cNvPr id="3" name="Content Placeholder 2">
+            <a:extLst>
+              <a:ext uri="{FF2B5EF4-FFF2-40B4-BE49-F238E27FC236}">
+                <a16:creationId xmlns:a16="http://schemas.microsoft.com/office/drawing/2014/main" id="{574B13A9-5F1A-4282-B6E1-B460C4458C90}"/>
+              </a:ext>
+            </a:extLst>
+          </p:cNvPr>
+          <p:cNvSpPr>
+            <a:spLocks noGrp="1"/>
+          </p:cNvSpPr>
+          <p:nvPr>
+            <p:ph idx="1"/>
+          </p:nvPr>
+        </p:nvSpPr>
+        <p:spPr>
+          <a:xfrm>
+            <a:off x="628650" y="1369218"/>
+            <a:ext cx="2706608" cy="3623311"/>
+          </a:xfrm>
+        </p:spPr>
+        <p:txBody>
+          <a:bodyPr>
+            <a:normAutofit fontScale="92500" lnSpcReduction="10000"/>
+          </a:bodyPr>
+          <a:lstStyle/>
+          <a:p>
+            <a:pPr marL="0" indent="0">
+              <a:buNone/>
+            </a:pPr>
+            <a:r>
+              <a:rPr lang="en-US" sz="2800" dirty="0"/>
+              <a:t>D</a:t>
+            </a:r>
+            <a:r>
+              <a:rPr lang="en-US" sz="2800" baseline="-25000" dirty="0"/>
+              <a:t>0</a:t>
+            </a:r>
+            <a:r>
+              <a:rPr lang="en-US" sz="2800" dirty="0"/>
+              <a:t>C</a:t>
+            </a:r>
+            <a:r>
+              <a:rPr lang="en-US" sz="2800" baseline="-25000" dirty="0"/>
+              <a:t>19</a:t>
+            </a:r>
+            <a:r>
+              <a:rPr lang="en-US" sz="2800" dirty="0"/>
+              <a:t>R</a:t>
+            </a:r>
+            <a:r>
+              <a:rPr lang="en-US" sz="2800" baseline="-25000" dirty="0"/>
+              <a:t>0</a:t>
+            </a:r>
+          </a:p>
+          <a:p>
+            <a:pPr marL="0" indent="0">
+              <a:buNone/>
+            </a:pPr>
+            <a:r>
+              <a:rPr lang="en-US" sz="2800" dirty="0"/>
+              <a:t>D</a:t>
+            </a:r>
+            <a:r>
+              <a:rPr lang="en-US" sz="2800" baseline="-25000" dirty="0"/>
+              <a:t>1</a:t>
+            </a:r>
+            <a:r>
+              <a:rPr lang="en-US" sz="2800" dirty="0"/>
+              <a:t>C</a:t>
+            </a:r>
+            <a:r>
+              <a:rPr lang="en-US" sz="2800" baseline="-25000" dirty="0"/>
+              <a:t>19</a:t>
+            </a:r>
+            <a:r>
+              <a:rPr lang="en-US" sz="2800" dirty="0"/>
+              <a:t>R</a:t>
+            </a:r>
+            <a:r>
+              <a:rPr lang="en-US" sz="2800" baseline="-25000" dirty="0"/>
+              <a:t>0</a:t>
+            </a:r>
+          </a:p>
+          <a:p>
+            <a:pPr marL="0" indent="0">
+              <a:buNone/>
+            </a:pPr>
+            <a:r>
+              <a:rPr lang="en-US" sz="2800" dirty="0"/>
+              <a:t>D</a:t>
+            </a:r>
+            <a:r>
+              <a:rPr lang="en-US" sz="2800" baseline="-25000" dirty="0"/>
+              <a:t>2</a:t>
+            </a:r>
+            <a:r>
+              <a:rPr lang="en-US" sz="2800" dirty="0"/>
+              <a:t>C</a:t>
+            </a:r>
+            <a:r>
+              <a:rPr lang="en-US" sz="2800" baseline="-25000" dirty="0"/>
+              <a:t>19</a:t>
+            </a:r>
+            <a:r>
+              <a:rPr lang="en-US" sz="2800" dirty="0"/>
+              <a:t>R</a:t>
+            </a:r>
+            <a:r>
+              <a:rPr lang="en-US" sz="2800" baseline="-25000" dirty="0"/>
+              <a:t>0</a:t>
+            </a:r>
+          </a:p>
+          <a:p>
+            <a:pPr marL="0" indent="0">
+              <a:buNone/>
+            </a:pPr>
+            <a:r>
+              <a:rPr lang="en-US" sz="2800" dirty="0"/>
+              <a:t>D</a:t>
+            </a:r>
+            <a:r>
+              <a:rPr lang="en-US" sz="2800" baseline="-25000" dirty="0"/>
+              <a:t>3</a:t>
+            </a:r>
+            <a:r>
+              <a:rPr lang="en-US" sz="2800" dirty="0"/>
+              <a:t>C</a:t>
+            </a:r>
+            <a:r>
+              <a:rPr lang="en-US" sz="2800" baseline="-25000" dirty="0"/>
+              <a:t>19</a:t>
+            </a:r>
+            <a:r>
+              <a:rPr lang="en-US" sz="2800" dirty="0"/>
+              <a:t>R</a:t>
+            </a:r>
+            <a:r>
+              <a:rPr lang="en-US" sz="2800" baseline="-25000" dirty="0"/>
+              <a:t>0</a:t>
+            </a:r>
+          </a:p>
+          <a:p>
+            <a:pPr marL="0" indent="0">
+              <a:buNone/>
+            </a:pPr>
+            <a:r>
+              <a:rPr lang="en-US" sz="2800" dirty="0"/>
+              <a:t>D</a:t>
+            </a:r>
+            <a:r>
+              <a:rPr lang="en-US" sz="2800" baseline="-25000" dirty="0"/>
+              <a:t>4</a:t>
+            </a:r>
+            <a:r>
+              <a:rPr lang="en-US" sz="2800" dirty="0"/>
+              <a:t>C</a:t>
+            </a:r>
+            <a:r>
+              <a:rPr lang="en-US" sz="2800" baseline="-25000" dirty="0"/>
+              <a:t>19</a:t>
+            </a:r>
+            <a:r>
+              <a:rPr lang="en-US" sz="2800" dirty="0"/>
+              <a:t>R</a:t>
+            </a:r>
+            <a:r>
+              <a:rPr lang="en-US" sz="2800" baseline="-25000" dirty="0"/>
+              <a:t>0</a:t>
+            </a:r>
+          </a:p>
+          <a:p>
+            <a:pPr marL="0" indent="0">
+              <a:buNone/>
+            </a:pPr>
+            <a:r>
+              <a:rPr lang="en-US" sz="2800" dirty="0"/>
+              <a:t>D</a:t>
+            </a:r>
+            <a:r>
+              <a:rPr lang="en-US" sz="2800" baseline="-25000" dirty="0"/>
+              <a:t>5</a:t>
+            </a:r>
+            <a:r>
+              <a:rPr lang="en-US" sz="2800" dirty="0"/>
+              <a:t>C</a:t>
+            </a:r>
+            <a:r>
+              <a:rPr lang="en-US" sz="2800" baseline="-25000" dirty="0"/>
+              <a:t>19</a:t>
+            </a:r>
+            <a:r>
+              <a:rPr lang="en-US" sz="2800" dirty="0"/>
+              <a:t>R</a:t>
+            </a:r>
+            <a:r>
+              <a:rPr lang="en-US" sz="2800" baseline="-25000" dirty="0"/>
+              <a:t>0</a:t>
+            </a:r>
+          </a:p>
+          <a:p>
+            <a:pPr marL="0" indent="0">
+              <a:buNone/>
+            </a:pPr>
+            <a:r>
+              <a:rPr lang="en-US" sz="2800" dirty="0"/>
+              <a:t>D</a:t>
+            </a:r>
+            <a:r>
+              <a:rPr lang="en-US" sz="2800" baseline="-25000" dirty="0"/>
+              <a:t>6</a:t>
+            </a:r>
+            <a:r>
+              <a:rPr lang="en-US" sz="2800" dirty="0"/>
+              <a:t>C</a:t>
+            </a:r>
+            <a:r>
+              <a:rPr lang="en-US" sz="2800" baseline="-25000" dirty="0"/>
+              <a:t>19</a:t>
+            </a:r>
+            <a:r>
+              <a:rPr lang="en-US" sz="2800" dirty="0"/>
+              <a:t>R</a:t>
+            </a:r>
+            <a:r>
+              <a:rPr lang="en-US" sz="2800" baseline="-25000" dirty="0"/>
+              <a:t>0</a:t>
+            </a:r>
+          </a:p>
+          <a:p>
+            <a:pPr marL="0" indent="0">
+              <a:buNone/>
+            </a:pPr>
+            <a:r>
+              <a:rPr lang="en-US" sz="2800" dirty="0"/>
+              <a:t>D</a:t>
+            </a:r>
+            <a:r>
+              <a:rPr lang="en-US" sz="2800" baseline="-25000" dirty="0"/>
+              <a:t>7</a:t>
+            </a:r>
+            <a:r>
+              <a:rPr lang="en-US" sz="2800" dirty="0"/>
+              <a:t>C</a:t>
+            </a:r>
+            <a:r>
+              <a:rPr lang="en-US" sz="2800" baseline="-25000" dirty="0"/>
+              <a:t>19</a:t>
+            </a:r>
+            <a:r>
+              <a:rPr lang="en-US" sz="2800" dirty="0"/>
+              <a:t>R</a:t>
+            </a:r>
+            <a:r>
+              <a:rPr lang="en-US" sz="2800" baseline="-25000" dirty="0"/>
+              <a:t>0</a:t>
+            </a:r>
+          </a:p>
+        </p:txBody>
+      </p:sp>
+      <p:sp>
+        <p:nvSpPr>
+          <p:cNvPr id="4" name="Rectangle 3">
+            <a:extLst>
+              <a:ext uri="{FF2B5EF4-FFF2-40B4-BE49-F238E27FC236}">
+                <a16:creationId xmlns:a16="http://schemas.microsoft.com/office/drawing/2014/main" id="{DD6D1465-25FB-4CAA-B843-914AC9566CA9}"/>
+              </a:ext>
+            </a:extLst>
+          </p:cNvPr>
+          <p:cNvSpPr/>
+          <p:nvPr/>
+        </p:nvSpPr>
+        <p:spPr>
+          <a:xfrm>
+            <a:off x="3335258" y="1369218"/>
+            <a:ext cx="5180092" cy="296456"/>
+          </a:xfrm>
+          <a:prstGeom prst="rect">
+            <a:avLst/>
+          </a:prstGeom>
+        </p:spPr>
+        <p:style>
+          <a:lnRef idx="2">
+            <a:schemeClr val="accent1">
+              <a:shade val="50000"/>
+            </a:schemeClr>
+          </a:lnRef>
+          <a:fillRef idx="1">
+            <a:schemeClr val="accent1"/>
+          </a:fillRef>
+          <a:effectRef idx="0">
+            <a:schemeClr val="accent1"/>
+          </a:effectRef>
+          <a:fontRef idx="minor">
+            <a:schemeClr val="lt1"/>
+          </a:fontRef>
+        </p:style>
+        <p:txBody>
+          <a:bodyPr rtlCol="0" anchor="ctr"/>
+          <a:lstStyle/>
+          <a:p>
+            <a:pPr algn="ctr"/>
+            <a:r>
+              <a:rPr lang="en-US" dirty="0"/>
+              <a:t>AWE ROW BUFFER0</a:t>
+            </a:r>
+          </a:p>
+        </p:txBody>
+      </p:sp>
+      <p:sp>
+        <p:nvSpPr>
+          <p:cNvPr id="12" name="Rectangle 11">
+            <a:extLst>
+              <a:ext uri="{FF2B5EF4-FFF2-40B4-BE49-F238E27FC236}">
+                <a16:creationId xmlns:a16="http://schemas.microsoft.com/office/drawing/2014/main" id="{5B3FDC7C-2756-4F4B-910B-8A652F5F1DC9}"/>
+              </a:ext>
+            </a:extLst>
+          </p:cNvPr>
+          <p:cNvSpPr/>
+          <p:nvPr/>
+        </p:nvSpPr>
+        <p:spPr>
+          <a:xfrm>
+            <a:off x="3335258" y="1790471"/>
+            <a:ext cx="5180092" cy="296456"/>
+          </a:xfrm>
+          <a:prstGeom prst="rect">
+            <a:avLst/>
+          </a:prstGeom>
+        </p:spPr>
+        <p:style>
+          <a:lnRef idx="2">
+            <a:schemeClr val="accent1">
+              <a:shade val="50000"/>
+            </a:schemeClr>
+          </a:lnRef>
+          <a:fillRef idx="1">
+            <a:schemeClr val="accent1"/>
+          </a:fillRef>
+          <a:effectRef idx="0">
+            <a:schemeClr val="accent1"/>
+          </a:effectRef>
+          <a:fontRef idx="minor">
+            <a:schemeClr val="lt1"/>
+          </a:fontRef>
+        </p:style>
+        <p:txBody>
+          <a:bodyPr rtlCol="0" anchor="ctr"/>
+          <a:lstStyle/>
+          <a:p>
+            <a:pPr algn="ctr"/>
+            <a:r>
+              <a:rPr lang="en-US" dirty="0"/>
+              <a:t>AWE ROW BUFFER1</a:t>
+            </a:r>
+          </a:p>
+        </p:txBody>
+      </p:sp>
+      <p:sp>
+        <p:nvSpPr>
+          <p:cNvPr id="13" name="Rectangle 12">
+            <a:extLst>
+              <a:ext uri="{FF2B5EF4-FFF2-40B4-BE49-F238E27FC236}">
+                <a16:creationId xmlns:a16="http://schemas.microsoft.com/office/drawing/2014/main" id="{C62D6171-F40A-4E63-AD05-27751E5D52FC}"/>
+              </a:ext>
+            </a:extLst>
+          </p:cNvPr>
+          <p:cNvSpPr/>
+          <p:nvPr/>
+        </p:nvSpPr>
+        <p:spPr>
+          <a:xfrm>
+            <a:off x="3335258" y="2211724"/>
+            <a:ext cx="5180092" cy="296456"/>
+          </a:xfrm>
+          <a:prstGeom prst="rect">
+            <a:avLst/>
+          </a:prstGeom>
+        </p:spPr>
+        <p:style>
+          <a:lnRef idx="2">
+            <a:schemeClr val="accent1">
+              <a:shade val="50000"/>
+            </a:schemeClr>
+          </a:lnRef>
+          <a:fillRef idx="1">
+            <a:schemeClr val="accent1"/>
+          </a:fillRef>
+          <a:effectRef idx="0">
+            <a:schemeClr val="accent1"/>
+          </a:effectRef>
+          <a:fontRef idx="minor">
+            <a:schemeClr val="lt1"/>
+          </a:fontRef>
+        </p:style>
+        <p:txBody>
+          <a:bodyPr rtlCol="0" anchor="ctr"/>
+          <a:lstStyle/>
+          <a:p>
+            <a:pPr algn="ctr"/>
+            <a:r>
+              <a:rPr lang="en-US" dirty="0"/>
+              <a:t>AWE ROW BUFFER2</a:t>
+            </a:r>
+          </a:p>
+        </p:txBody>
+      </p:sp>
+      <p:sp>
+        <p:nvSpPr>
+          <p:cNvPr id="14" name="Rectangle 13">
+            <a:extLst>
+              <a:ext uri="{FF2B5EF4-FFF2-40B4-BE49-F238E27FC236}">
+                <a16:creationId xmlns:a16="http://schemas.microsoft.com/office/drawing/2014/main" id="{A0464524-1AFD-412C-8C98-C0A64817D841}"/>
+              </a:ext>
+            </a:extLst>
+          </p:cNvPr>
+          <p:cNvSpPr/>
+          <p:nvPr/>
+        </p:nvSpPr>
+        <p:spPr>
+          <a:xfrm>
+            <a:off x="3315523" y="2632977"/>
+            <a:ext cx="5180092" cy="296456"/>
+          </a:xfrm>
+          <a:prstGeom prst="rect">
+            <a:avLst/>
+          </a:prstGeom>
+        </p:spPr>
+        <p:style>
+          <a:lnRef idx="2">
+            <a:schemeClr val="accent1">
+              <a:shade val="50000"/>
+            </a:schemeClr>
+          </a:lnRef>
+          <a:fillRef idx="1">
+            <a:schemeClr val="accent1"/>
+          </a:fillRef>
+          <a:effectRef idx="0">
+            <a:schemeClr val="accent1"/>
+          </a:effectRef>
+          <a:fontRef idx="minor">
+            <a:schemeClr val="lt1"/>
+          </a:fontRef>
+        </p:style>
+        <p:txBody>
+          <a:bodyPr rtlCol="0" anchor="ctr"/>
+          <a:lstStyle/>
+          <a:p>
+            <a:pPr algn="ctr"/>
+            <a:r>
+              <a:rPr lang="en-US" dirty="0"/>
+              <a:t>AWE ROW BUFFER3</a:t>
+            </a:r>
+          </a:p>
+        </p:txBody>
+      </p:sp>
+      <p:sp>
+        <p:nvSpPr>
+          <p:cNvPr id="15" name="Rectangle 14">
+            <a:extLst>
+              <a:ext uri="{FF2B5EF4-FFF2-40B4-BE49-F238E27FC236}">
+                <a16:creationId xmlns:a16="http://schemas.microsoft.com/office/drawing/2014/main" id="{FADCB61C-EC8B-4BAF-9619-C61324714D43}"/>
+              </a:ext>
+            </a:extLst>
+          </p:cNvPr>
+          <p:cNvSpPr/>
+          <p:nvPr/>
+        </p:nvSpPr>
+        <p:spPr>
+          <a:xfrm>
+            <a:off x="3315523" y="3054230"/>
+            <a:ext cx="5180092" cy="296456"/>
+          </a:xfrm>
+          <a:prstGeom prst="rect">
+            <a:avLst/>
+          </a:prstGeom>
+        </p:spPr>
+        <p:style>
+          <a:lnRef idx="2">
+            <a:schemeClr val="accent1">
+              <a:shade val="50000"/>
+            </a:schemeClr>
+          </a:lnRef>
+          <a:fillRef idx="1">
+            <a:schemeClr val="accent1"/>
+          </a:fillRef>
+          <a:effectRef idx="0">
+            <a:schemeClr val="accent1"/>
+          </a:effectRef>
+          <a:fontRef idx="minor">
+            <a:schemeClr val="lt1"/>
+          </a:fontRef>
+        </p:style>
+        <p:txBody>
+          <a:bodyPr rtlCol="0" anchor="ctr"/>
+          <a:lstStyle/>
+          <a:p>
+            <a:pPr algn="ctr"/>
+            <a:r>
+              <a:rPr lang="en-US" dirty="0"/>
+              <a:t>AWE ROW BUFFER4</a:t>
+            </a:r>
+          </a:p>
+        </p:txBody>
+      </p:sp>
+      <p:sp>
+        <p:nvSpPr>
+          <p:cNvPr id="16" name="Rectangle 15">
+            <a:extLst>
+              <a:ext uri="{FF2B5EF4-FFF2-40B4-BE49-F238E27FC236}">
+                <a16:creationId xmlns:a16="http://schemas.microsoft.com/office/drawing/2014/main" id="{FF5787F2-246B-4249-B060-968E347E9690}"/>
+              </a:ext>
+            </a:extLst>
+          </p:cNvPr>
+          <p:cNvSpPr/>
+          <p:nvPr/>
+        </p:nvSpPr>
+        <p:spPr>
+          <a:xfrm>
+            <a:off x="3315523" y="3453898"/>
+            <a:ext cx="5180092" cy="296456"/>
+          </a:xfrm>
+          <a:prstGeom prst="rect">
+            <a:avLst/>
+          </a:prstGeom>
+        </p:spPr>
+        <p:style>
+          <a:lnRef idx="2">
+            <a:schemeClr val="accent1">
+              <a:shade val="50000"/>
+            </a:schemeClr>
+          </a:lnRef>
+          <a:fillRef idx="1">
+            <a:schemeClr val="accent1"/>
+          </a:fillRef>
+          <a:effectRef idx="0">
+            <a:schemeClr val="accent1"/>
+          </a:effectRef>
+          <a:fontRef idx="minor">
+            <a:schemeClr val="lt1"/>
+          </a:fontRef>
+        </p:style>
+        <p:txBody>
+          <a:bodyPr rtlCol="0" anchor="ctr"/>
+          <a:lstStyle/>
+          <a:p>
+            <a:pPr algn="ctr"/>
+            <a:r>
+              <a:rPr lang="en-US" dirty="0"/>
+              <a:t>AWE ROW BUFFER5</a:t>
+            </a:r>
+          </a:p>
+        </p:txBody>
+      </p:sp>
+      <p:sp>
+        <p:nvSpPr>
+          <p:cNvPr id="17" name="Rectangle 16">
+            <a:extLst>
+              <a:ext uri="{FF2B5EF4-FFF2-40B4-BE49-F238E27FC236}">
+                <a16:creationId xmlns:a16="http://schemas.microsoft.com/office/drawing/2014/main" id="{C103BA37-5736-46FE-930A-05C6FFB7616F}"/>
+              </a:ext>
+            </a:extLst>
+          </p:cNvPr>
+          <p:cNvSpPr/>
+          <p:nvPr/>
+        </p:nvSpPr>
+        <p:spPr>
+          <a:xfrm>
+            <a:off x="3315523" y="3896736"/>
+            <a:ext cx="5180092" cy="296456"/>
+          </a:xfrm>
+          <a:prstGeom prst="rect">
+            <a:avLst/>
+          </a:prstGeom>
+        </p:spPr>
+        <p:style>
+          <a:lnRef idx="2">
+            <a:schemeClr val="accent1">
+              <a:shade val="50000"/>
+            </a:schemeClr>
+          </a:lnRef>
+          <a:fillRef idx="1">
+            <a:schemeClr val="accent1"/>
+          </a:fillRef>
+          <a:effectRef idx="0">
+            <a:schemeClr val="accent1"/>
+          </a:effectRef>
+          <a:fontRef idx="minor">
+            <a:schemeClr val="lt1"/>
+          </a:fontRef>
+        </p:style>
+        <p:txBody>
+          <a:bodyPr rtlCol="0" anchor="ctr"/>
+          <a:lstStyle/>
+          <a:p>
+            <a:pPr algn="ctr"/>
+            <a:r>
+              <a:rPr lang="en-US" dirty="0"/>
+              <a:t>AWE ROW BUFFER6</a:t>
+            </a:r>
+          </a:p>
+        </p:txBody>
+      </p:sp>
+      <p:sp>
+        <p:nvSpPr>
+          <p:cNvPr id="18" name="Rectangle 17">
+            <a:extLst>
+              <a:ext uri="{FF2B5EF4-FFF2-40B4-BE49-F238E27FC236}">
+                <a16:creationId xmlns:a16="http://schemas.microsoft.com/office/drawing/2014/main" id="{F502924E-8185-4CB4-9365-0507762B4001}"/>
+              </a:ext>
+            </a:extLst>
+          </p:cNvPr>
+          <p:cNvSpPr/>
+          <p:nvPr/>
+        </p:nvSpPr>
+        <p:spPr>
+          <a:xfrm>
+            <a:off x="3315523" y="4296404"/>
+            <a:ext cx="5180092" cy="296456"/>
+          </a:xfrm>
+          <a:prstGeom prst="rect">
+            <a:avLst/>
+          </a:prstGeom>
+        </p:spPr>
+        <p:style>
+          <a:lnRef idx="2">
+            <a:schemeClr val="accent1">
+              <a:shade val="50000"/>
+            </a:schemeClr>
+          </a:lnRef>
+          <a:fillRef idx="1">
+            <a:schemeClr val="accent1"/>
+          </a:fillRef>
+          <a:effectRef idx="0">
+            <a:schemeClr val="accent1"/>
+          </a:effectRef>
+          <a:fontRef idx="minor">
+            <a:schemeClr val="lt1"/>
+          </a:fontRef>
+        </p:style>
+        <p:txBody>
+          <a:bodyPr rtlCol="0" anchor="ctr"/>
+          <a:lstStyle/>
+          <a:p>
+            <a:pPr algn="ctr"/>
+            <a:r>
+              <a:rPr lang="en-US" dirty="0"/>
+              <a:t>AWE ROW BUFFER7</a:t>
+            </a:r>
+          </a:p>
+        </p:txBody>
+      </p:sp>
+    </p:spTree>
+    <p:extLst>
+      <p:ext uri="{BB962C8B-B14F-4D97-AF65-F5344CB8AC3E}">
+        <p14:creationId xmlns:p14="http://schemas.microsoft.com/office/powerpoint/2010/main" val="478365705"/>
+      </p:ext>
+    </p:extLst>
+  </p:cSld>
+  <p:clrMapOvr>
+    <a:masterClrMapping/>
+  </p:clrMapOvr>
+</p:sld>
+</file>
+
+<file path=ppt/slides/slide35.xml><?xml version="1.0" encoding="utf-8"?>
+<p:sld xmlns:a="http://schemas.openxmlformats.org/drawingml/2006/main" xmlns:r="http://schemas.openxmlformats.org/officeDocument/2006/relationships" xmlns:p="http://schemas.openxmlformats.org/presentationml/2006/main">
+  <p:cSld>
+    <p:spTree>
+      <p:nvGrpSpPr>
+        <p:cNvPr id="1" name=""/>
+        <p:cNvGrpSpPr/>
+        <p:nvPr/>
+      </p:nvGrpSpPr>
+      <p:grpSpPr>
+        <a:xfrm>
+          <a:off x="0" y="0"/>
+          <a:ext cx="0" cy="0"/>
+          <a:chOff x="0" y="0"/>
+          <a:chExt cx="0" cy="0"/>
+        </a:xfrm>
+      </p:grpSpPr>
+      <p:sp>
+        <p:nvSpPr>
+          <p:cNvPr id="2" name="Title 1">
+            <a:extLst>
+              <a:ext uri="{FF2B5EF4-FFF2-40B4-BE49-F238E27FC236}">
+                <a16:creationId xmlns:a16="http://schemas.microsoft.com/office/drawing/2014/main" id="{317952A4-6853-43A0-9CC5-DA163180AEF2}"/>
+              </a:ext>
+            </a:extLst>
+          </p:cNvPr>
+          <p:cNvSpPr>
+            <a:spLocks noGrp="1"/>
+          </p:cNvSpPr>
+          <p:nvPr>
+            <p:ph type="title"/>
+          </p:nvPr>
+        </p:nvSpPr>
+        <p:spPr/>
+        <p:txBody>
+          <a:bodyPr/>
+          <a:lstStyle/>
+          <a:p>
+            <a:endParaRPr lang="en-US"/>
+          </a:p>
+        </p:txBody>
+      </p:sp>
+      <p:sp>
+        <p:nvSpPr>
+          <p:cNvPr id="3" name="Content Placeholder 2">
+            <a:extLst>
+              <a:ext uri="{FF2B5EF4-FFF2-40B4-BE49-F238E27FC236}">
+                <a16:creationId xmlns:a16="http://schemas.microsoft.com/office/drawing/2014/main" id="{574B13A9-5F1A-4282-B6E1-B460C4458C90}"/>
+              </a:ext>
+            </a:extLst>
+          </p:cNvPr>
+          <p:cNvSpPr>
+            <a:spLocks noGrp="1"/>
+          </p:cNvSpPr>
+          <p:nvPr>
+            <p:ph idx="1"/>
+          </p:nvPr>
+        </p:nvSpPr>
+        <p:spPr>
+          <a:xfrm>
+            <a:off x="628650" y="1369218"/>
+            <a:ext cx="2706608" cy="3623311"/>
+          </a:xfrm>
+        </p:spPr>
+        <p:txBody>
+          <a:bodyPr>
+            <a:normAutofit fontScale="92500" lnSpcReduction="10000"/>
+          </a:bodyPr>
+          <a:lstStyle/>
+          <a:p>
+            <a:pPr marL="0" indent="0">
+              <a:buNone/>
+            </a:pPr>
+            <a:r>
+              <a:rPr lang="en-US" sz="2800" dirty="0"/>
+              <a:t>D</a:t>
+            </a:r>
+            <a:r>
+              <a:rPr lang="en-US" sz="2800" baseline="-25000" dirty="0"/>
+              <a:t>0</a:t>
+            </a:r>
+            <a:r>
+              <a:rPr lang="en-US" sz="2800" dirty="0"/>
+              <a:t>C</a:t>
+            </a:r>
+            <a:r>
+              <a:rPr lang="en-US" sz="2800" baseline="-25000" dirty="0"/>
+              <a:t>0</a:t>
+            </a:r>
+            <a:r>
+              <a:rPr lang="en-US" sz="2800" dirty="0"/>
+              <a:t>R</a:t>
+            </a:r>
+            <a:r>
+              <a:rPr lang="en-US" sz="2800" baseline="-25000" dirty="0"/>
+              <a:t>1</a:t>
+            </a:r>
+          </a:p>
+          <a:p>
+            <a:pPr marL="0" indent="0">
+              <a:buNone/>
+            </a:pPr>
+            <a:r>
+              <a:rPr lang="en-US" sz="2800" dirty="0"/>
+              <a:t>D</a:t>
+            </a:r>
+            <a:r>
+              <a:rPr lang="en-US" sz="2800" baseline="-25000" dirty="0"/>
+              <a:t>1</a:t>
+            </a:r>
+            <a:r>
+              <a:rPr lang="en-US" sz="2800" dirty="0"/>
+              <a:t>C</a:t>
+            </a:r>
+            <a:r>
+              <a:rPr lang="en-US" sz="2800" baseline="-25000" dirty="0"/>
+              <a:t>0</a:t>
+            </a:r>
+            <a:r>
+              <a:rPr lang="en-US" sz="2800" dirty="0"/>
+              <a:t>R</a:t>
+            </a:r>
+            <a:r>
+              <a:rPr lang="en-US" sz="2800" baseline="-25000" dirty="0"/>
+              <a:t>1</a:t>
+            </a:r>
+          </a:p>
+          <a:p>
+            <a:pPr marL="0" indent="0">
+              <a:buNone/>
+            </a:pPr>
+            <a:r>
+              <a:rPr lang="en-US" sz="2800" dirty="0"/>
+              <a:t>D</a:t>
+            </a:r>
+            <a:r>
+              <a:rPr lang="en-US" sz="2800" baseline="-25000" dirty="0"/>
+              <a:t>2</a:t>
+            </a:r>
+            <a:r>
+              <a:rPr lang="en-US" sz="2800" dirty="0"/>
+              <a:t>C</a:t>
+            </a:r>
+            <a:r>
+              <a:rPr lang="en-US" sz="2800" baseline="-25000" dirty="0"/>
+              <a:t>0</a:t>
+            </a:r>
+            <a:r>
+              <a:rPr lang="en-US" sz="2800" dirty="0"/>
+              <a:t>R</a:t>
+            </a:r>
+            <a:r>
+              <a:rPr lang="en-US" sz="2800" baseline="-25000" dirty="0"/>
+              <a:t>1</a:t>
+            </a:r>
+          </a:p>
+          <a:p>
+            <a:pPr marL="0" indent="0">
+              <a:buNone/>
+            </a:pPr>
+            <a:r>
+              <a:rPr lang="en-US" sz="2800" dirty="0"/>
+              <a:t>D</a:t>
+            </a:r>
+            <a:r>
+              <a:rPr lang="en-US" sz="2800" baseline="-25000" dirty="0"/>
+              <a:t>3</a:t>
+            </a:r>
+            <a:r>
+              <a:rPr lang="en-US" sz="2800" dirty="0"/>
+              <a:t>C</a:t>
+            </a:r>
+            <a:r>
+              <a:rPr lang="en-US" sz="2800" baseline="-25000" dirty="0"/>
+              <a:t>0</a:t>
+            </a:r>
+            <a:r>
+              <a:rPr lang="en-US" sz="2800" dirty="0"/>
+              <a:t>R</a:t>
+            </a:r>
+            <a:r>
+              <a:rPr lang="en-US" sz="2800" baseline="-25000" dirty="0"/>
+              <a:t>1</a:t>
+            </a:r>
+          </a:p>
+          <a:p>
+            <a:pPr marL="0" indent="0">
+              <a:buNone/>
+            </a:pPr>
+            <a:r>
+              <a:rPr lang="en-US" sz="2800" dirty="0"/>
+              <a:t>D</a:t>
+            </a:r>
+            <a:r>
+              <a:rPr lang="en-US" sz="2800" baseline="-25000" dirty="0"/>
+              <a:t>4</a:t>
+            </a:r>
+            <a:r>
+              <a:rPr lang="en-US" sz="2800" dirty="0"/>
+              <a:t>C</a:t>
+            </a:r>
+            <a:r>
+              <a:rPr lang="en-US" sz="2800" baseline="-25000" dirty="0"/>
+              <a:t>0</a:t>
+            </a:r>
+            <a:r>
+              <a:rPr lang="en-US" sz="2800" dirty="0"/>
+              <a:t>R</a:t>
+            </a:r>
+            <a:r>
+              <a:rPr lang="en-US" sz="2800" baseline="-25000" dirty="0"/>
+              <a:t>1</a:t>
+            </a:r>
+          </a:p>
+          <a:p>
+            <a:pPr marL="0" indent="0">
+              <a:buNone/>
+            </a:pPr>
+            <a:r>
+              <a:rPr lang="en-US" sz="2800" dirty="0"/>
+              <a:t>D</a:t>
+            </a:r>
+            <a:r>
+              <a:rPr lang="en-US" sz="2800" baseline="-25000" dirty="0"/>
+              <a:t>5</a:t>
+            </a:r>
+            <a:r>
+              <a:rPr lang="en-US" sz="2800" dirty="0"/>
+              <a:t>C</a:t>
+            </a:r>
+            <a:r>
+              <a:rPr lang="en-US" sz="2800" baseline="-25000" dirty="0"/>
+              <a:t>0</a:t>
+            </a:r>
+            <a:r>
+              <a:rPr lang="en-US" sz="2800" dirty="0"/>
+              <a:t>R</a:t>
+            </a:r>
+            <a:r>
+              <a:rPr lang="en-US" sz="2800" baseline="-25000" dirty="0"/>
+              <a:t>1</a:t>
+            </a:r>
+          </a:p>
+          <a:p>
+            <a:pPr marL="0" indent="0">
+              <a:buNone/>
+            </a:pPr>
+            <a:r>
+              <a:rPr lang="en-US" sz="2800" dirty="0"/>
+              <a:t>D</a:t>
+            </a:r>
+            <a:r>
+              <a:rPr lang="en-US" sz="2800" baseline="-25000" dirty="0"/>
+              <a:t>6</a:t>
+            </a:r>
+            <a:r>
+              <a:rPr lang="en-US" sz="2800" dirty="0"/>
+              <a:t>C</a:t>
+            </a:r>
+            <a:r>
+              <a:rPr lang="en-US" sz="2800" baseline="-25000" dirty="0"/>
+              <a:t>0</a:t>
+            </a:r>
+            <a:r>
+              <a:rPr lang="en-US" sz="2800" dirty="0"/>
+              <a:t>R</a:t>
+            </a:r>
+            <a:r>
+              <a:rPr lang="en-US" sz="2800" baseline="-25000" dirty="0"/>
+              <a:t>1</a:t>
+            </a:r>
+          </a:p>
+          <a:p>
+            <a:pPr marL="0" indent="0">
+              <a:buNone/>
+            </a:pPr>
+            <a:r>
+              <a:rPr lang="en-US" sz="2800" dirty="0"/>
+              <a:t>D</a:t>
+            </a:r>
+            <a:r>
+              <a:rPr lang="en-US" sz="2800" baseline="-25000" dirty="0"/>
+              <a:t>7</a:t>
+            </a:r>
+            <a:r>
+              <a:rPr lang="en-US" sz="2800" dirty="0"/>
+              <a:t>C</a:t>
+            </a:r>
+            <a:r>
+              <a:rPr lang="en-US" sz="2800" baseline="-25000" dirty="0"/>
+              <a:t>0</a:t>
+            </a:r>
+            <a:r>
+              <a:rPr lang="en-US" sz="2800" dirty="0"/>
+              <a:t>R</a:t>
+            </a:r>
+            <a:r>
+              <a:rPr lang="en-US" sz="2800" baseline="-25000" dirty="0"/>
+              <a:t>1</a:t>
+            </a:r>
+          </a:p>
+        </p:txBody>
+      </p:sp>
+      <p:sp>
+        <p:nvSpPr>
+          <p:cNvPr id="4" name="Rectangle 3">
+            <a:extLst>
+              <a:ext uri="{FF2B5EF4-FFF2-40B4-BE49-F238E27FC236}">
+                <a16:creationId xmlns:a16="http://schemas.microsoft.com/office/drawing/2014/main" id="{DD6D1465-25FB-4CAA-B843-914AC9566CA9}"/>
+              </a:ext>
+            </a:extLst>
+          </p:cNvPr>
+          <p:cNvSpPr/>
+          <p:nvPr/>
+        </p:nvSpPr>
+        <p:spPr>
+          <a:xfrm>
+            <a:off x="3335258" y="1369218"/>
+            <a:ext cx="5180092" cy="296456"/>
+          </a:xfrm>
+          <a:prstGeom prst="rect">
+            <a:avLst/>
+          </a:prstGeom>
+        </p:spPr>
+        <p:style>
+          <a:lnRef idx="2">
+            <a:schemeClr val="accent1">
+              <a:shade val="50000"/>
+            </a:schemeClr>
+          </a:lnRef>
+          <a:fillRef idx="1">
+            <a:schemeClr val="accent1"/>
+          </a:fillRef>
+          <a:effectRef idx="0">
+            <a:schemeClr val="accent1"/>
+          </a:effectRef>
+          <a:fontRef idx="minor">
+            <a:schemeClr val="lt1"/>
+          </a:fontRef>
+        </p:style>
+        <p:txBody>
+          <a:bodyPr rtlCol="0" anchor="ctr"/>
+          <a:lstStyle/>
+          <a:p>
+            <a:pPr algn="ctr"/>
+            <a:r>
+              <a:rPr lang="en-US" dirty="0"/>
+              <a:t>AWE ROW BUFFER0</a:t>
+            </a:r>
+          </a:p>
+        </p:txBody>
+      </p:sp>
+      <p:sp>
+        <p:nvSpPr>
+          <p:cNvPr id="12" name="Rectangle 11">
+            <a:extLst>
+              <a:ext uri="{FF2B5EF4-FFF2-40B4-BE49-F238E27FC236}">
+                <a16:creationId xmlns:a16="http://schemas.microsoft.com/office/drawing/2014/main" id="{5B3FDC7C-2756-4F4B-910B-8A652F5F1DC9}"/>
+              </a:ext>
+            </a:extLst>
+          </p:cNvPr>
+          <p:cNvSpPr/>
+          <p:nvPr/>
+        </p:nvSpPr>
+        <p:spPr>
+          <a:xfrm>
+            <a:off x="3335258" y="1790471"/>
+            <a:ext cx="5180092" cy="296456"/>
+          </a:xfrm>
+          <a:prstGeom prst="rect">
+            <a:avLst/>
+          </a:prstGeom>
+        </p:spPr>
+        <p:style>
+          <a:lnRef idx="2">
+            <a:schemeClr val="accent1">
+              <a:shade val="50000"/>
+            </a:schemeClr>
+          </a:lnRef>
+          <a:fillRef idx="1">
+            <a:schemeClr val="accent1"/>
+          </a:fillRef>
+          <a:effectRef idx="0">
+            <a:schemeClr val="accent1"/>
+          </a:effectRef>
+          <a:fontRef idx="minor">
+            <a:schemeClr val="lt1"/>
+          </a:fontRef>
+        </p:style>
+        <p:txBody>
+          <a:bodyPr rtlCol="0" anchor="ctr"/>
+          <a:lstStyle/>
+          <a:p>
+            <a:pPr algn="ctr"/>
+            <a:r>
+              <a:rPr lang="en-US" dirty="0"/>
+              <a:t>AWE ROW BUFFER1</a:t>
+            </a:r>
+          </a:p>
+        </p:txBody>
+      </p:sp>
+      <p:sp>
+        <p:nvSpPr>
+          <p:cNvPr id="13" name="Rectangle 12">
+            <a:extLst>
+              <a:ext uri="{FF2B5EF4-FFF2-40B4-BE49-F238E27FC236}">
+                <a16:creationId xmlns:a16="http://schemas.microsoft.com/office/drawing/2014/main" id="{C62D6171-F40A-4E63-AD05-27751E5D52FC}"/>
+              </a:ext>
+            </a:extLst>
+          </p:cNvPr>
+          <p:cNvSpPr/>
+          <p:nvPr/>
+        </p:nvSpPr>
+        <p:spPr>
+          <a:xfrm>
+            <a:off x="3335258" y="2211724"/>
+            <a:ext cx="5180092" cy="296456"/>
+          </a:xfrm>
+          <a:prstGeom prst="rect">
+            <a:avLst/>
+          </a:prstGeom>
+        </p:spPr>
+        <p:style>
+          <a:lnRef idx="2">
+            <a:schemeClr val="accent1">
+              <a:shade val="50000"/>
+            </a:schemeClr>
+          </a:lnRef>
+          <a:fillRef idx="1">
+            <a:schemeClr val="accent1"/>
+          </a:fillRef>
+          <a:effectRef idx="0">
+            <a:schemeClr val="accent1"/>
+          </a:effectRef>
+          <a:fontRef idx="minor">
+            <a:schemeClr val="lt1"/>
+          </a:fontRef>
+        </p:style>
+        <p:txBody>
+          <a:bodyPr rtlCol="0" anchor="ctr"/>
+          <a:lstStyle/>
+          <a:p>
+            <a:pPr algn="ctr"/>
+            <a:r>
+              <a:rPr lang="en-US" dirty="0"/>
+              <a:t>AWE ROW BUFFER2</a:t>
+            </a:r>
+          </a:p>
+        </p:txBody>
+      </p:sp>
+      <p:sp>
+        <p:nvSpPr>
+          <p:cNvPr id="14" name="Rectangle 13">
+            <a:extLst>
+              <a:ext uri="{FF2B5EF4-FFF2-40B4-BE49-F238E27FC236}">
+                <a16:creationId xmlns:a16="http://schemas.microsoft.com/office/drawing/2014/main" id="{A0464524-1AFD-412C-8C98-C0A64817D841}"/>
+              </a:ext>
+            </a:extLst>
+          </p:cNvPr>
+          <p:cNvSpPr/>
+          <p:nvPr/>
+        </p:nvSpPr>
+        <p:spPr>
+          <a:xfrm>
+            <a:off x="3315523" y="2632977"/>
+            <a:ext cx="5180092" cy="296456"/>
+          </a:xfrm>
+          <a:prstGeom prst="rect">
+            <a:avLst/>
+          </a:prstGeom>
+        </p:spPr>
+        <p:style>
+          <a:lnRef idx="2">
+            <a:schemeClr val="accent1">
+              <a:shade val="50000"/>
+            </a:schemeClr>
+          </a:lnRef>
+          <a:fillRef idx="1">
+            <a:schemeClr val="accent1"/>
+          </a:fillRef>
+          <a:effectRef idx="0">
+            <a:schemeClr val="accent1"/>
+          </a:effectRef>
+          <a:fontRef idx="minor">
+            <a:schemeClr val="lt1"/>
+          </a:fontRef>
+        </p:style>
+        <p:txBody>
+          <a:bodyPr rtlCol="0" anchor="ctr"/>
+          <a:lstStyle/>
+          <a:p>
+            <a:pPr algn="ctr"/>
+            <a:r>
+              <a:rPr lang="en-US" dirty="0"/>
+              <a:t>AWE ROW BUFFER3</a:t>
+            </a:r>
+          </a:p>
+        </p:txBody>
+      </p:sp>
+      <p:sp>
+        <p:nvSpPr>
+          <p:cNvPr id="15" name="Rectangle 14">
+            <a:extLst>
+              <a:ext uri="{FF2B5EF4-FFF2-40B4-BE49-F238E27FC236}">
+                <a16:creationId xmlns:a16="http://schemas.microsoft.com/office/drawing/2014/main" id="{FADCB61C-EC8B-4BAF-9619-C61324714D43}"/>
+              </a:ext>
+            </a:extLst>
+          </p:cNvPr>
+          <p:cNvSpPr/>
+          <p:nvPr/>
+        </p:nvSpPr>
+        <p:spPr>
+          <a:xfrm>
+            <a:off x="3315523" y="3054230"/>
+            <a:ext cx="5180092" cy="296456"/>
+          </a:xfrm>
+          <a:prstGeom prst="rect">
+            <a:avLst/>
+          </a:prstGeom>
+        </p:spPr>
+        <p:style>
+          <a:lnRef idx="2">
+            <a:schemeClr val="accent1">
+              <a:shade val="50000"/>
+            </a:schemeClr>
+          </a:lnRef>
+          <a:fillRef idx="1">
+            <a:schemeClr val="accent1"/>
+          </a:fillRef>
+          <a:effectRef idx="0">
+            <a:schemeClr val="accent1"/>
+          </a:effectRef>
+          <a:fontRef idx="minor">
+            <a:schemeClr val="lt1"/>
+          </a:fontRef>
+        </p:style>
+        <p:txBody>
+          <a:bodyPr rtlCol="0" anchor="ctr"/>
+          <a:lstStyle/>
+          <a:p>
+            <a:pPr algn="ctr"/>
+            <a:r>
+              <a:rPr lang="en-US" dirty="0"/>
+              <a:t>AWE ROW BUFFER4</a:t>
+            </a:r>
+          </a:p>
+        </p:txBody>
+      </p:sp>
+      <p:sp>
+        <p:nvSpPr>
+          <p:cNvPr id="16" name="Rectangle 15">
+            <a:extLst>
+              <a:ext uri="{FF2B5EF4-FFF2-40B4-BE49-F238E27FC236}">
+                <a16:creationId xmlns:a16="http://schemas.microsoft.com/office/drawing/2014/main" id="{FF5787F2-246B-4249-B060-968E347E9690}"/>
+              </a:ext>
+            </a:extLst>
+          </p:cNvPr>
+          <p:cNvSpPr/>
+          <p:nvPr/>
+        </p:nvSpPr>
+        <p:spPr>
+          <a:xfrm>
+            <a:off x="3315523" y="3453898"/>
+            <a:ext cx="5180092" cy="296456"/>
+          </a:xfrm>
+          <a:prstGeom prst="rect">
+            <a:avLst/>
+          </a:prstGeom>
+        </p:spPr>
+        <p:style>
+          <a:lnRef idx="2">
+            <a:schemeClr val="accent1">
+              <a:shade val="50000"/>
+            </a:schemeClr>
+          </a:lnRef>
+          <a:fillRef idx="1">
+            <a:schemeClr val="accent1"/>
+          </a:fillRef>
+          <a:effectRef idx="0">
+            <a:schemeClr val="accent1"/>
+          </a:effectRef>
+          <a:fontRef idx="minor">
+            <a:schemeClr val="lt1"/>
+          </a:fontRef>
+        </p:style>
+        <p:txBody>
+          <a:bodyPr rtlCol="0" anchor="ctr"/>
+          <a:lstStyle/>
+          <a:p>
+            <a:pPr algn="ctr"/>
+            <a:r>
+              <a:rPr lang="en-US" dirty="0"/>
+              <a:t>AWE ROW BUFFER5</a:t>
+            </a:r>
+          </a:p>
+        </p:txBody>
+      </p:sp>
+      <p:sp>
+        <p:nvSpPr>
+          <p:cNvPr id="17" name="Rectangle 16">
+            <a:extLst>
+              <a:ext uri="{FF2B5EF4-FFF2-40B4-BE49-F238E27FC236}">
+                <a16:creationId xmlns:a16="http://schemas.microsoft.com/office/drawing/2014/main" id="{C103BA37-5736-46FE-930A-05C6FFB7616F}"/>
+              </a:ext>
+            </a:extLst>
+          </p:cNvPr>
+          <p:cNvSpPr/>
+          <p:nvPr/>
+        </p:nvSpPr>
+        <p:spPr>
+          <a:xfrm>
+            <a:off x="3315523" y="3896736"/>
+            <a:ext cx="5180092" cy="296456"/>
+          </a:xfrm>
+          <a:prstGeom prst="rect">
+            <a:avLst/>
+          </a:prstGeom>
+        </p:spPr>
+        <p:style>
+          <a:lnRef idx="2">
+            <a:schemeClr val="accent1">
+              <a:shade val="50000"/>
+            </a:schemeClr>
+          </a:lnRef>
+          <a:fillRef idx="1">
+            <a:schemeClr val="accent1"/>
+          </a:fillRef>
+          <a:effectRef idx="0">
+            <a:schemeClr val="accent1"/>
+          </a:effectRef>
+          <a:fontRef idx="minor">
+            <a:schemeClr val="lt1"/>
+          </a:fontRef>
+        </p:style>
+        <p:txBody>
+          <a:bodyPr rtlCol="0" anchor="ctr"/>
+          <a:lstStyle/>
+          <a:p>
+            <a:pPr algn="ctr"/>
+            <a:r>
+              <a:rPr lang="en-US" dirty="0"/>
+              <a:t>AWE ROW BUFFER6</a:t>
+            </a:r>
+          </a:p>
+        </p:txBody>
+      </p:sp>
+      <p:sp>
+        <p:nvSpPr>
+          <p:cNvPr id="18" name="Rectangle 17">
+            <a:extLst>
+              <a:ext uri="{FF2B5EF4-FFF2-40B4-BE49-F238E27FC236}">
+                <a16:creationId xmlns:a16="http://schemas.microsoft.com/office/drawing/2014/main" id="{F502924E-8185-4CB4-9365-0507762B4001}"/>
+              </a:ext>
+            </a:extLst>
+          </p:cNvPr>
+          <p:cNvSpPr/>
+          <p:nvPr/>
+        </p:nvSpPr>
+        <p:spPr>
+          <a:xfrm>
+            <a:off x="3315523" y="4296404"/>
+            <a:ext cx="5180092" cy="296456"/>
+          </a:xfrm>
+          <a:prstGeom prst="rect">
+            <a:avLst/>
+          </a:prstGeom>
+        </p:spPr>
+        <p:style>
+          <a:lnRef idx="2">
+            <a:schemeClr val="accent1">
+              <a:shade val="50000"/>
+            </a:schemeClr>
+          </a:lnRef>
+          <a:fillRef idx="1">
+            <a:schemeClr val="accent1"/>
+          </a:fillRef>
+          <a:effectRef idx="0">
+            <a:schemeClr val="accent1"/>
+          </a:effectRef>
+          <a:fontRef idx="minor">
+            <a:schemeClr val="lt1"/>
+          </a:fontRef>
+        </p:style>
+        <p:txBody>
+          <a:bodyPr rtlCol="0" anchor="ctr"/>
+          <a:lstStyle/>
+          <a:p>
+            <a:pPr algn="ctr"/>
+            <a:r>
+              <a:rPr lang="en-US" dirty="0"/>
+              <a:t>AWE ROW BUFFER7</a:t>
+            </a:r>
+          </a:p>
+        </p:txBody>
+      </p:sp>
+    </p:spTree>
+    <p:extLst>
+      <p:ext uri="{BB962C8B-B14F-4D97-AF65-F5344CB8AC3E}">
+        <p14:creationId xmlns:p14="http://schemas.microsoft.com/office/powerpoint/2010/main" val="1052782077"/>
+      </p:ext>
+    </p:extLst>
+  </p:cSld>
+  <p:clrMapOvr>
+    <a:masterClrMapping/>
+  </p:clrMapOvr>
+</p:sld>
+</file>
+
+<file path=ppt/slides/slide36.xml><?xml version="1.0" encoding="utf-8"?>
+<p:sld xmlns:a="http://schemas.openxmlformats.org/drawingml/2006/main" xmlns:r="http://schemas.openxmlformats.org/officeDocument/2006/relationships" xmlns:p="http://schemas.openxmlformats.org/presentationml/2006/main">
+  <p:cSld>
+    <p:spTree>
+      <p:nvGrpSpPr>
+        <p:cNvPr id="1" name=""/>
+        <p:cNvGrpSpPr/>
+        <p:nvPr/>
+      </p:nvGrpSpPr>
+      <p:grpSpPr>
+        <a:xfrm>
+          <a:off x="0" y="0"/>
+          <a:ext cx="0" cy="0"/>
+          <a:chOff x="0" y="0"/>
+          <a:chExt cx="0" cy="0"/>
+        </a:xfrm>
+      </p:grpSpPr>
+      <p:sp>
+        <p:nvSpPr>
+          <p:cNvPr id="2" name="Title 1">
+            <a:extLst>
+              <a:ext uri="{FF2B5EF4-FFF2-40B4-BE49-F238E27FC236}">
+                <a16:creationId xmlns:a16="http://schemas.microsoft.com/office/drawing/2014/main" id="{317952A4-6853-43A0-9CC5-DA163180AEF2}"/>
+              </a:ext>
+            </a:extLst>
+          </p:cNvPr>
+          <p:cNvSpPr>
+            <a:spLocks noGrp="1"/>
+          </p:cNvSpPr>
+          <p:nvPr>
+            <p:ph type="title"/>
+          </p:nvPr>
+        </p:nvSpPr>
+        <p:spPr/>
+        <p:txBody>
+          <a:bodyPr/>
+          <a:lstStyle/>
+          <a:p>
+            <a:endParaRPr lang="en-US"/>
+          </a:p>
+        </p:txBody>
+      </p:sp>
+      <p:sp>
+        <p:nvSpPr>
+          <p:cNvPr id="3" name="Content Placeholder 2">
+            <a:extLst>
+              <a:ext uri="{FF2B5EF4-FFF2-40B4-BE49-F238E27FC236}">
+                <a16:creationId xmlns:a16="http://schemas.microsoft.com/office/drawing/2014/main" id="{574B13A9-5F1A-4282-B6E1-B460C4458C90}"/>
+              </a:ext>
+            </a:extLst>
+          </p:cNvPr>
+          <p:cNvSpPr>
+            <a:spLocks noGrp="1"/>
+          </p:cNvSpPr>
+          <p:nvPr>
+            <p:ph idx="1"/>
+          </p:nvPr>
+        </p:nvSpPr>
+        <p:spPr>
+          <a:xfrm>
+            <a:off x="628650" y="1369218"/>
+            <a:ext cx="2706608" cy="3623311"/>
+          </a:xfrm>
+        </p:spPr>
+        <p:txBody>
+          <a:bodyPr>
+            <a:normAutofit fontScale="92500" lnSpcReduction="10000"/>
+          </a:bodyPr>
+          <a:lstStyle/>
+          <a:p>
+            <a:pPr marL="0" indent="0">
+              <a:buNone/>
+            </a:pPr>
+            <a:r>
+              <a:rPr lang="en-US" sz="2800" dirty="0"/>
+              <a:t>D</a:t>
+            </a:r>
+            <a:r>
+              <a:rPr lang="en-US" sz="2800" baseline="-25000" dirty="0"/>
+              <a:t>0</a:t>
+            </a:r>
+            <a:r>
+              <a:rPr lang="en-US" sz="2800" dirty="0"/>
+              <a:t>C</a:t>
+            </a:r>
+            <a:r>
+              <a:rPr lang="en-US" sz="2800" baseline="-25000" dirty="0"/>
+              <a:t>1</a:t>
+            </a:r>
+            <a:r>
+              <a:rPr lang="en-US" sz="2800" dirty="0"/>
+              <a:t>R</a:t>
+            </a:r>
+            <a:r>
+              <a:rPr lang="en-US" sz="2800" baseline="-25000" dirty="0"/>
+              <a:t>1</a:t>
+            </a:r>
+          </a:p>
+          <a:p>
+            <a:pPr marL="0" indent="0">
+              <a:buNone/>
+            </a:pPr>
+            <a:r>
+              <a:rPr lang="en-US" sz="2800" dirty="0"/>
+              <a:t>D</a:t>
+            </a:r>
+            <a:r>
+              <a:rPr lang="en-US" sz="2800" baseline="-25000" dirty="0"/>
+              <a:t>1</a:t>
+            </a:r>
+            <a:r>
+              <a:rPr lang="en-US" sz="2800" dirty="0"/>
+              <a:t>C</a:t>
+            </a:r>
+            <a:r>
+              <a:rPr lang="en-US" sz="2800" baseline="-25000" dirty="0"/>
+              <a:t>1</a:t>
+            </a:r>
+            <a:r>
+              <a:rPr lang="en-US" sz="2800" dirty="0"/>
+              <a:t>R</a:t>
+            </a:r>
+            <a:r>
+              <a:rPr lang="en-US" sz="2800" baseline="-25000" dirty="0"/>
+              <a:t>1</a:t>
+            </a:r>
+          </a:p>
+          <a:p>
+            <a:pPr marL="0" indent="0">
+              <a:buNone/>
+            </a:pPr>
+            <a:r>
+              <a:rPr lang="en-US" sz="2800" dirty="0"/>
+              <a:t>D</a:t>
+            </a:r>
+            <a:r>
+              <a:rPr lang="en-US" sz="2800" baseline="-25000" dirty="0"/>
+              <a:t>2</a:t>
+            </a:r>
+            <a:r>
+              <a:rPr lang="en-US" sz="2800" dirty="0"/>
+              <a:t>C</a:t>
+            </a:r>
+            <a:r>
+              <a:rPr lang="en-US" sz="2800" baseline="-25000" dirty="0"/>
+              <a:t>1</a:t>
+            </a:r>
+            <a:r>
+              <a:rPr lang="en-US" sz="2800" dirty="0"/>
+              <a:t>R</a:t>
+            </a:r>
+            <a:r>
+              <a:rPr lang="en-US" sz="2800" baseline="-25000" dirty="0"/>
+              <a:t>1</a:t>
+            </a:r>
+          </a:p>
+          <a:p>
+            <a:pPr marL="0" indent="0">
+              <a:buNone/>
+            </a:pPr>
+            <a:r>
+              <a:rPr lang="en-US" sz="2800" dirty="0"/>
+              <a:t>D</a:t>
+            </a:r>
+            <a:r>
+              <a:rPr lang="en-US" sz="2800" baseline="-25000" dirty="0"/>
+              <a:t>3</a:t>
+            </a:r>
+            <a:r>
+              <a:rPr lang="en-US" sz="2800" dirty="0"/>
+              <a:t>C</a:t>
+            </a:r>
+            <a:r>
+              <a:rPr lang="en-US" sz="2800" baseline="-25000" dirty="0"/>
+              <a:t>1</a:t>
+            </a:r>
+            <a:r>
+              <a:rPr lang="en-US" sz="2800" dirty="0"/>
+              <a:t>R</a:t>
+            </a:r>
+            <a:r>
+              <a:rPr lang="en-US" sz="2800" baseline="-25000" dirty="0"/>
+              <a:t>1</a:t>
+            </a:r>
+          </a:p>
+          <a:p>
+            <a:pPr marL="0" indent="0">
+              <a:buNone/>
+            </a:pPr>
+            <a:r>
+              <a:rPr lang="en-US" sz="2800" dirty="0"/>
+              <a:t>D</a:t>
+            </a:r>
+            <a:r>
+              <a:rPr lang="en-US" sz="2800" baseline="-25000" dirty="0"/>
+              <a:t>4</a:t>
+            </a:r>
+            <a:r>
+              <a:rPr lang="en-US" sz="2800" dirty="0"/>
+              <a:t>C</a:t>
+            </a:r>
+            <a:r>
+              <a:rPr lang="en-US" sz="2800" baseline="-25000" dirty="0"/>
+              <a:t>1</a:t>
+            </a:r>
+            <a:r>
+              <a:rPr lang="en-US" sz="2800" dirty="0"/>
+              <a:t>R</a:t>
+            </a:r>
+            <a:r>
+              <a:rPr lang="en-US" sz="2800" baseline="-25000" dirty="0"/>
+              <a:t>1</a:t>
+            </a:r>
+          </a:p>
+          <a:p>
+            <a:pPr marL="0" indent="0">
+              <a:buNone/>
+            </a:pPr>
+            <a:r>
+              <a:rPr lang="en-US" sz="2800" dirty="0"/>
+              <a:t>D</a:t>
+            </a:r>
+            <a:r>
+              <a:rPr lang="en-US" sz="2800" baseline="-25000" dirty="0"/>
+              <a:t>5</a:t>
+            </a:r>
+            <a:r>
+              <a:rPr lang="en-US" sz="2800" dirty="0"/>
+              <a:t>C</a:t>
+            </a:r>
+            <a:r>
+              <a:rPr lang="en-US" sz="2800" baseline="-25000" dirty="0"/>
+              <a:t>1</a:t>
+            </a:r>
+            <a:r>
+              <a:rPr lang="en-US" sz="2800" dirty="0"/>
+              <a:t>R</a:t>
+            </a:r>
+            <a:r>
+              <a:rPr lang="en-US" sz="2800" baseline="-25000" dirty="0"/>
+              <a:t>1</a:t>
+            </a:r>
+          </a:p>
+          <a:p>
+            <a:pPr marL="0" indent="0">
+              <a:buNone/>
+            </a:pPr>
+            <a:r>
+              <a:rPr lang="en-US" sz="2800" dirty="0"/>
+              <a:t>D</a:t>
+            </a:r>
+            <a:r>
+              <a:rPr lang="en-US" sz="2800" baseline="-25000" dirty="0"/>
+              <a:t>6</a:t>
+            </a:r>
+            <a:r>
+              <a:rPr lang="en-US" sz="2800" dirty="0"/>
+              <a:t>C</a:t>
+            </a:r>
+            <a:r>
+              <a:rPr lang="en-US" sz="2800" baseline="-25000" dirty="0"/>
+              <a:t>1</a:t>
+            </a:r>
+            <a:r>
+              <a:rPr lang="en-US" sz="2800" dirty="0"/>
+              <a:t>R</a:t>
+            </a:r>
+            <a:r>
+              <a:rPr lang="en-US" sz="2800" baseline="-25000" dirty="0"/>
+              <a:t>1</a:t>
+            </a:r>
+          </a:p>
+          <a:p>
+            <a:pPr marL="0" indent="0">
+              <a:buNone/>
+            </a:pPr>
+            <a:r>
+              <a:rPr lang="en-US" sz="2800" dirty="0"/>
+              <a:t>D</a:t>
+            </a:r>
+            <a:r>
+              <a:rPr lang="en-US" sz="2800" baseline="-25000" dirty="0"/>
+              <a:t>7</a:t>
+            </a:r>
+            <a:r>
+              <a:rPr lang="en-US" sz="2800" dirty="0"/>
+              <a:t>C</a:t>
+            </a:r>
+            <a:r>
+              <a:rPr lang="en-US" sz="2800" baseline="-25000" dirty="0"/>
+              <a:t>1</a:t>
+            </a:r>
+            <a:r>
+              <a:rPr lang="en-US" sz="2800" dirty="0"/>
+              <a:t>R</a:t>
+            </a:r>
+            <a:r>
+              <a:rPr lang="en-US" sz="2800" baseline="-25000" dirty="0"/>
+              <a:t>1</a:t>
+            </a:r>
+          </a:p>
+        </p:txBody>
+      </p:sp>
+      <p:sp>
+        <p:nvSpPr>
+          <p:cNvPr id="4" name="Rectangle 3">
+            <a:extLst>
+              <a:ext uri="{FF2B5EF4-FFF2-40B4-BE49-F238E27FC236}">
+                <a16:creationId xmlns:a16="http://schemas.microsoft.com/office/drawing/2014/main" id="{DD6D1465-25FB-4CAA-B843-914AC9566CA9}"/>
+              </a:ext>
+            </a:extLst>
+          </p:cNvPr>
+          <p:cNvSpPr/>
+          <p:nvPr/>
+        </p:nvSpPr>
+        <p:spPr>
+          <a:xfrm>
+            <a:off x="3335258" y="1369218"/>
+            <a:ext cx="5180092" cy="296456"/>
+          </a:xfrm>
+          <a:prstGeom prst="rect">
+            <a:avLst/>
+          </a:prstGeom>
+        </p:spPr>
+        <p:style>
+          <a:lnRef idx="2">
+            <a:schemeClr val="accent1">
+              <a:shade val="50000"/>
+            </a:schemeClr>
+          </a:lnRef>
+          <a:fillRef idx="1">
+            <a:schemeClr val="accent1"/>
+          </a:fillRef>
+          <a:effectRef idx="0">
+            <a:schemeClr val="accent1"/>
+          </a:effectRef>
+          <a:fontRef idx="minor">
+            <a:schemeClr val="lt1"/>
+          </a:fontRef>
+        </p:style>
+        <p:txBody>
+          <a:bodyPr rtlCol="0" anchor="ctr"/>
+          <a:lstStyle/>
+          <a:p>
+            <a:pPr algn="ctr"/>
+            <a:r>
+              <a:rPr lang="en-US" dirty="0"/>
+              <a:t>AWE ROW BUFFER0</a:t>
+            </a:r>
+          </a:p>
+        </p:txBody>
+      </p:sp>
+      <p:sp>
+        <p:nvSpPr>
+          <p:cNvPr id="12" name="Rectangle 11">
+            <a:extLst>
+              <a:ext uri="{FF2B5EF4-FFF2-40B4-BE49-F238E27FC236}">
+                <a16:creationId xmlns:a16="http://schemas.microsoft.com/office/drawing/2014/main" id="{5B3FDC7C-2756-4F4B-910B-8A652F5F1DC9}"/>
+              </a:ext>
+            </a:extLst>
+          </p:cNvPr>
+          <p:cNvSpPr/>
+          <p:nvPr/>
+        </p:nvSpPr>
+        <p:spPr>
+          <a:xfrm>
+            <a:off x="3335258" y="1790471"/>
+            <a:ext cx="5180092" cy="296456"/>
+          </a:xfrm>
+          <a:prstGeom prst="rect">
+            <a:avLst/>
+          </a:prstGeom>
+        </p:spPr>
+        <p:style>
+          <a:lnRef idx="2">
+            <a:schemeClr val="accent1">
+              <a:shade val="50000"/>
+            </a:schemeClr>
+          </a:lnRef>
+          <a:fillRef idx="1">
+            <a:schemeClr val="accent1"/>
+          </a:fillRef>
+          <a:effectRef idx="0">
+            <a:schemeClr val="accent1"/>
+          </a:effectRef>
+          <a:fontRef idx="minor">
+            <a:schemeClr val="lt1"/>
+          </a:fontRef>
+        </p:style>
+        <p:txBody>
+          <a:bodyPr rtlCol="0" anchor="ctr"/>
+          <a:lstStyle/>
+          <a:p>
+            <a:pPr algn="ctr"/>
+            <a:r>
+              <a:rPr lang="en-US" dirty="0"/>
+              <a:t>AWE ROW BUFFER1</a:t>
+            </a:r>
+          </a:p>
+        </p:txBody>
+      </p:sp>
+      <p:sp>
+        <p:nvSpPr>
+          <p:cNvPr id="13" name="Rectangle 12">
+            <a:extLst>
+              <a:ext uri="{FF2B5EF4-FFF2-40B4-BE49-F238E27FC236}">
+                <a16:creationId xmlns:a16="http://schemas.microsoft.com/office/drawing/2014/main" id="{C62D6171-F40A-4E63-AD05-27751E5D52FC}"/>
+              </a:ext>
+            </a:extLst>
+          </p:cNvPr>
+          <p:cNvSpPr/>
+          <p:nvPr/>
+        </p:nvSpPr>
+        <p:spPr>
+          <a:xfrm>
+            <a:off x="3335258" y="2211724"/>
+            <a:ext cx="5180092" cy="296456"/>
+          </a:xfrm>
+          <a:prstGeom prst="rect">
+            <a:avLst/>
+          </a:prstGeom>
+        </p:spPr>
+        <p:style>
+          <a:lnRef idx="2">
+            <a:schemeClr val="accent1">
+              <a:shade val="50000"/>
+            </a:schemeClr>
+          </a:lnRef>
+          <a:fillRef idx="1">
+            <a:schemeClr val="accent1"/>
+          </a:fillRef>
+          <a:effectRef idx="0">
+            <a:schemeClr val="accent1"/>
+          </a:effectRef>
+          <a:fontRef idx="minor">
+            <a:schemeClr val="lt1"/>
+          </a:fontRef>
+        </p:style>
+        <p:txBody>
+          <a:bodyPr rtlCol="0" anchor="ctr"/>
+          <a:lstStyle/>
+          <a:p>
+            <a:pPr algn="ctr"/>
+            <a:r>
+              <a:rPr lang="en-US" dirty="0"/>
+              <a:t>AWE ROW BUFFER2</a:t>
+            </a:r>
+          </a:p>
+        </p:txBody>
+      </p:sp>
+      <p:sp>
+        <p:nvSpPr>
+          <p:cNvPr id="14" name="Rectangle 13">
+            <a:extLst>
+              <a:ext uri="{FF2B5EF4-FFF2-40B4-BE49-F238E27FC236}">
+                <a16:creationId xmlns:a16="http://schemas.microsoft.com/office/drawing/2014/main" id="{A0464524-1AFD-412C-8C98-C0A64817D841}"/>
+              </a:ext>
+            </a:extLst>
+          </p:cNvPr>
+          <p:cNvSpPr/>
+          <p:nvPr/>
+        </p:nvSpPr>
+        <p:spPr>
+          <a:xfrm>
+            <a:off x="3315523" y="2632977"/>
+            <a:ext cx="5180092" cy="296456"/>
+          </a:xfrm>
+          <a:prstGeom prst="rect">
+            <a:avLst/>
+          </a:prstGeom>
+        </p:spPr>
+        <p:style>
+          <a:lnRef idx="2">
+            <a:schemeClr val="accent1">
+              <a:shade val="50000"/>
+            </a:schemeClr>
+          </a:lnRef>
+          <a:fillRef idx="1">
+            <a:schemeClr val="accent1"/>
+          </a:fillRef>
+          <a:effectRef idx="0">
+            <a:schemeClr val="accent1"/>
+          </a:effectRef>
+          <a:fontRef idx="minor">
+            <a:schemeClr val="lt1"/>
+          </a:fontRef>
+        </p:style>
+        <p:txBody>
+          <a:bodyPr rtlCol="0" anchor="ctr"/>
+          <a:lstStyle/>
+          <a:p>
+            <a:pPr algn="ctr"/>
+            <a:r>
+              <a:rPr lang="en-US" dirty="0"/>
+              <a:t>AWE ROW BUFFER3</a:t>
+            </a:r>
+          </a:p>
+        </p:txBody>
+      </p:sp>
+      <p:sp>
+        <p:nvSpPr>
+          <p:cNvPr id="15" name="Rectangle 14">
+            <a:extLst>
+              <a:ext uri="{FF2B5EF4-FFF2-40B4-BE49-F238E27FC236}">
+                <a16:creationId xmlns:a16="http://schemas.microsoft.com/office/drawing/2014/main" id="{FADCB61C-EC8B-4BAF-9619-C61324714D43}"/>
+              </a:ext>
+            </a:extLst>
+          </p:cNvPr>
+          <p:cNvSpPr/>
+          <p:nvPr/>
+        </p:nvSpPr>
+        <p:spPr>
+          <a:xfrm>
+            <a:off x="3315523" y="3054230"/>
+            <a:ext cx="5180092" cy="296456"/>
+          </a:xfrm>
+          <a:prstGeom prst="rect">
+            <a:avLst/>
+          </a:prstGeom>
+        </p:spPr>
+        <p:style>
+          <a:lnRef idx="2">
+            <a:schemeClr val="accent1">
+              <a:shade val="50000"/>
+            </a:schemeClr>
+          </a:lnRef>
+          <a:fillRef idx="1">
+            <a:schemeClr val="accent1"/>
+          </a:fillRef>
+          <a:effectRef idx="0">
+            <a:schemeClr val="accent1"/>
+          </a:effectRef>
+          <a:fontRef idx="minor">
+            <a:schemeClr val="lt1"/>
+          </a:fontRef>
+        </p:style>
+        <p:txBody>
+          <a:bodyPr rtlCol="0" anchor="ctr"/>
+          <a:lstStyle/>
+          <a:p>
+            <a:pPr algn="ctr"/>
+            <a:r>
+              <a:rPr lang="en-US" dirty="0"/>
+              <a:t>AWE ROW BUFFER4</a:t>
+            </a:r>
+          </a:p>
+        </p:txBody>
+      </p:sp>
+      <p:sp>
+        <p:nvSpPr>
+          <p:cNvPr id="16" name="Rectangle 15">
+            <a:extLst>
+              <a:ext uri="{FF2B5EF4-FFF2-40B4-BE49-F238E27FC236}">
+                <a16:creationId xmlns:a16="http://schemas.microsoft.com/office/drawing/2014/main" id="{FF5787F2-246B-4249-B060-968E347E9690}"/>
+              </a:ext>
+            </a:extLst>
+          </p:cNvPr>
+          <p:cNvSpPr/>
+          <p:nvPr/>
+        </p:nvSpPr>
+        <p:spPr>
+          <a:xfrm>
+            <a:off x="3315523" y="3453898"/>
+            <a:ext cx="5180092" cy="296456"/>
+          </a:xfrm>
+          <a:prstGeom prst="rect">
+            <a:avLst/>
+          </a:prstGeom>
+        </p:spPr>
+        <p:style>
+          <a:lnRef idx="2">
+            <a:schemeClr val="accent1">
+              <a:shade val="50000"/>
+            </a:schemeClr>
+          </a:lnRef>
+          <a:fillRef idx="1">
+            <a:schemeClr val="accent1"/>
+          </a:fillRef>
+          <a:effectRef idx="0">
+            <a:schemeClr val="accent1"/>
+          </a:effectRef>
+          <a:fontRef idx="minor">
+            <a:schemeClr val="lt1"/>
+          </a:fontRef>
+        </p:style>
+        <p:txBody>
+          <a:bodyPr rtlCol="0" anchor="ctr"/>
+          <a:lstStyle/>
+          <a:p>
+            <a:pPr algn="ctr"/>
+            <a:r>
+              <a:rPr lang="en-US" dirty="0"/>
+              <a:t>AWE ROW BUFFER5</a:t>
+            </a:r>
+          </a:p>
+        </p:txBody>
+      </p:sp>
+      <p:sp>
+        <p:nvSpPr>
+          <p:cNvPr id="17" name="Rectangle 16">
+            <a:extLst>
+              <a:ext uri="{FF2B5EF4-FFF2-40B4-BE49-F238E27FC236}">
+                <a16:creationId xmlns:a16="http://schemas.microsoft.com/office/drawing/2014/main" id="{C103BA37-5736-46FE-930A-05C6FFB7616F}"/>
+              </a:ext>
+            </a:extLst>
+          </p:cNvPr>
+          <p:cNvSpPr/>
+          <p:nvPr/>
+        </p:nvSpPr>
+        <p:spPr>
+          <a:xfrm>
+            <a:off x="3315523" y="3896736"/>
+            <a:ext cx="5180092" cy="296456"/>
+          </a:xfrm>
+          <a:prstGeom prst="rect">
+            <a:avLst/>
+          </a:prstGeom>
+        </p:spPr>
+        <p:style>
+          <a:lnRef idx="2">
+            <a:schemeClr val="accent1">
+              <a:shade val="50000"/>
+            </a:schemeClr>
+          </a:lnRef>
+          <a:fillRef idx="1">
+            <a:schemeClr val="accent1"/>
+          </a:fillRef>
+          <a:effectRef idx="0">
+            <a:schemeClr val="accent1"/>
+          </a:effectRef>
+          <a:fontRef idx="minor">
+            <a:schemeClr val="lt1"/>
+          </a:fontRef>
+        </p:style>
+        <p:txBody>
+          <a:bodyPr rtlCol="0" anchor="ctr"/>
+          <a:lstStyle/>
+          <a:p>
+            <a:pPr algn="ctr"/>
+            <a:r>
+              <a:rPr lang="en-US" dirty="0"/>
+              <a:t>AWE ROW BUFFER6</a:t>
+            </a:r>
+          </a:p>
+        </p:txBody>
+      </p:sp>
+      <p:sp>
+        <p:nvSpPr>
+          <p:cNvPr id="18" name="Rectangle 17">
+            <a:extLst>
+              <a:ext uri="{FF2B5EF4-FFF2-40B4-BE49-F238E27FC236}">
+                <a16:creationId xmlns:a16="http://schemas.microsoft.com/office/drawing/2014/main" id="{F502924E-8185-4CB4-9365-0507762B4001}"/>
+              </a:ext>
+            </a:extLst>
+          </p:cNvPr>
+          <p:cNvSpPr/>
+          <p:nvPr/>
+        </p:nvSpPr>
+        <p:spPr>
+          <a:xfrm>
+            <a:off x="3315523" y="4296404"/>
+            <a:ext cx="5180092" cy="296456"/>
+          </a:xfrm>
+          <a:prstGeom prst="rect">
+            <a:avLst/>
+          </a:prstGeom>
+        </p:spPr>
+        <p:style>
+          <a:lnRef idx="2">
+            <a:schemeClr val="accent1">
+              <a:shade val="50000"/>
+            </a:schemeClr>
+          </a:lnRef>
+          <a:fillRef idx="1">
+            <a:schemeClr val="accent1"/>
+          </a:fillRef>
+          <a:effectRef idx="0">
+            <a:schemeClr val="accent1"/>
+          </a:effectRef>
+          <a:fontRef idx="minor">
+            <a:schemeClr val="lt1"/>
+          </a:fontRef>
+        </p:style>
+        <p:txBody>
+          <a:bodyPr rtlCol="0" anchor="ctr"/>
+          <a:lstStyle/>
+          <a:p>
+            <a:pPr algn="ctr"/>
+            <a:r>
+              <a:rPr lang="en-US" dirty="0"/>
+              <a:t>AWE ROW BUFFER7</a:t>
+            </a:r>
+          </a:p>
+        </p:txBody>
+      </p:sp>
+    </p:spTree>
+    <p:extLst>
+      <p:ext uri="{BB962C8B-B14F-4D97-AF65-F5344CB8AC3E}">
+        <p14:creationId xmlns:p14="http://schemas.microsoft.com/office/powerpoint/2010/main" val="1826419271"/>
+      </p:ext>
+    </p:extLst>
+  </p:cSld>
+  <p:clrMapOvr>
+    <a:masterClrMapping/>
+  </p:clrMapOvr>
+</p:sld>
+</file>
+
+<file path=ppt/slides/slide37.xml><?xml version="1.0" encoding="utf-8"?>
+<p:sld xmlns:a="http://schemas.openxmlformats.org/drawingml/2006/main" xmlns:r="http://schemas.openxmlformats.org/officeDocument/2006/relationships" xmlns:p="http://schemas.openxmlformats.org/presentationml/2006/main">
+  <p:cSld>
+    <p:spTree>
+      <p:nvGrpSpPr>
+        <p:cNvPr id="1" name=""/>
+        <p:cNvGrpSpPr/>
+        <p:nvPr/>
+      </p:nvGrpSpPr>
+      <p:grpSpPr>
+        <a:xfrm>
+          <a:off x="0" y="0"/>
+          <a:ext cx="0" cy="0"/>
+          <a:chOff x="0" y="0"/>
+          <a:chExt cx="0" cy="0"/>
+        </a:xfrm>
+      </p:grpSpPr>
+      <p:sp>
+        <p:nvSpPr>
+          <p:cNvPr id="2" name="Title 1">
+            <a:extLst>
+              <a:ext uri="{FF2B5EF4-FFF2-40B4-BE49-F238E27FC236}">
+                <a16:creationId xmlns:a16="http://schemas.microsoft.com/office/drawing/2014/main" id="{317952A4-6853-43A0-9CC5-DA163180AEF2}"/>
+              </a:ext>
+            </a:extLst>
+          </p:cNvPr>
+          <p:cNvSpPr>
+            <a:spLocks noGrp="1"/>
+          </p:cNvSpPr>
+          <p:nvPr>
+            <p:ph type="title"/>
+          </p:nvPr>
+        </p:nvSpPr>
+        <p:spPr/>
+        <p:txBody>
+          <a:bodyPr/>
+          <a:lstStyle/>
+          <a:p>
+            <a:endParaRPr lang="en-US"/>
+          </a:p>
+        </p:txBody>
+      </p:sp>
+      <p:sp>
+        <p:nvSpPr>
+          <p:cNvPr id="3" name="Content Placeholder 2">
+            <a:extLst>
+              <a:ext uri="{FF2B5EF4-FFF2-40B4-BE49-F238E27FC236}">
+                <a16:creationId xmlns:a16="http://schemas.microsoft.com/office/drawing/2014/main" id="{574B13A9-5F1A-4282-B6E1-B460C4458C90}"/>
+              </a:ext>
+            </a:extLst>
+          </p:cNvPr>
+          <p:cNvSpPr>
+            <a:spLocks noGrp="1"/>
+          </p:cNvSpPr>
+          <p:nvPr>
+            <p:ph idx="1"/>
+          </p:nvPr>
+        </p:nvSpPr>
+        <p:spPr>
+          <a:xfrm>
+            <a:off x="628650" y="1369218"/>
+            <a:ext cx="2706608" cy="3623311"/>
+          </a:xfrm>
+        </p:spPr>
+        <p:txBody>
+          <a:bodyPr>
+            <a:normAutofit fontScale="92500" lnSpcReduction="10000"/>
+          </a:bodyPr>
+          <a:lstStyle/>
+          <a:p>
+            <a:pPr marL="0" indent="0">
+              <a:buNone/>
+            </a:pPr>
+            <a:r>
+              <a:rPr lang="en-US" sz="2800" dirty="0"/>
+              <a:t>D</a:t>
+            </a:r>
+            <a:r>
+              <a:rPr lang="en-US" sz="2800" baseline="-25000" dirty="0"/>
+              <a:t>0</a:t>
+            </a:r>
+            <a:r>
+              <a:rPr lang="en-US" sz="2800" dirty="0"/>
+              <a:t>C</a:t>
+            </a:r>
+            <a:r>
+              <a:rPr lang="en-US" sz="2800" baseline="-25000" dirty="0"/>
+              <a:t>19</a:t>
+            </a:r>
+            <a:r>
+              <a:rPr lang="en-US" sz="2800" dirty="0"/>
+              <a:t>R</a:t>
+            </a:r>
+            <a:r>
+              <a:rPr lang="en-US" sz="2800" baseline="-25000" dirty="0"/>
+              <a:t>1</a:t>
+            </a:r>
+          </a:p>
+          <a:p>
+            <a:pPr marL="0" indent="0">
+              <a:buNone/>
+            </a:pPr>
+            <a:r>
+              <a:rPr lang="en-US" sz="2800" dirty="0"/>
+              <a:t>D</a:t>
+            </a:r>
+            <a:r>
+              <a:rPr lang="en-US" sz="2800" baseline="-25000" dirty="0"/>
+              <a:t>1</a:t>
+            </a:r>
+            <a:r>
+              <a:rPr lang="en-US" sz="2800" dirty="0"/>
+              <a:t>C</a:t>
+            </a:r>
+            <a:r>
+              <a:rPr lang="en-US" sz="2800" baseline="-25000" dirty="0"/>
+              <a:t>19</a:t>
+            </a:r>
+            <a:r>
+              <a:rPr lang="en-US" sz="2800" dirty="0"/>
+              <a:t>R</a:t>
+            </a:r>
+            <a:r>
+              <a:rPr lang="en-US" sz="2800" baseline="-25000" dirty="0"/>
+              <a:t>1</a:t>
+            </a:r>
+          </a:p>
+          <a:p>
+            <a:pPr marL="0" indent="0">
+              <a:buNone/>
+            </a:pPr>
+            <a:r>
+              <a:rPr lang="en-US" sz="2800" dirty="0"/>
+              <a:t>D</a:t>
+            </a:r>
+            <a:r>
+              <a:rPr lang="en-US" sz="2800" baseline="-25000" dirty="0"/>
+              <a:t>2</a:t>
+            </a:r>
+            <a:r>
+              <a:rPr lang="en-US" sz="2800" dirty="0"/>
+              <a:t>C</a:t>
+            </a:r>
+            <a:r>
+              <a:rPr lang="en-US" sz="2800" baseline="-25000" dirty="0"/>
+              <a:t>19</a:t>
+            </a:r>
+            <a:r>
+              <a:rPr lang="en-US" sz="2800" dirty="0"/>
+              <a:t>R</a:t>
+            </a:r>
+            <a:r>
+              <a:rPr lang="en-US" sz="2800" baseline="-25000" dirty="0"/>
+              <a:t>1</a:t>
+            </a:r>
+          </a:p>
+          <a:p>
+            <a:pPr marL="0" indent="0">
+              <a:buNone/>
+            </a:pPr>
+            <a:r>
+              <a:rPr lang="en-US" sz="2800" dirty="0"/>
+              <a:t>D</a:t>
+            </a:r>
+            <a:r>
+              <a:rPr lang="en-US" sz="2800" baseline="-25000" dirty="0"/>
+              <a:t>3</a:t>
+            </a:r>
+            <a:r>
+              <a:rPr lang="en-US" sz="2800" dirty="0"/>
+              <a:t>C</a:t>
+            </a:r>
+            <a:r>
+              <a:rPr lang="en-US" sz="2800" baseline="-25000" dirty="0"/>
+              <a:t>19</a:t>
+            </a:r>
+            <a:r>
+              <a:rPr lang="en-US" sz="2800" dirty="0"/>
+              <a:t>R</a:t>
+            </a:r>
+            <a:r>
+              <a:rPr lang="en-US" sz="2800" baseline="-25000" dirty="0"/>
+              <a:t>1</a:t>
+            </a:r>
+          </a:p>
+          <a:p>
+            <a:pPr marL="0" indent="0">
+              <a:buNone/>
+            </a:pPr>
+            <a:r>
+              <a:rPr lang="en-US" sz="2800" dirty="0"/>
+              <a:t>D</a:t>
+            </a:r>
+            <a:r>
+              <a:rPr lang="en-US" sz="2800" baseline="-25000" dirty="0"/>
+              <a:t>4</a:t>
+            </a:r>
+            <a:r>
+              <a:rPr lang="en-US" sz="2800" dirty="0"/>
+              <a:t>C</a:t>
+            </a:r>
+            <a:r>
+              <a:rPr lang="en-US" sz="2800" baseline="-25000" dirty="0"/>
+              <a:t>19</a:t>
+            </a:r>
+            <a:r>
+              <a:rPr lang="en-US" sz="2800" dirty="0"/>
+              <a:t>R</a:t>
+            </a:r>
+            <a:r>
+              <a:rPr lang="en-US" sz="2800" baseline="-25000" dirty="0"/>
+              <a:t>1</a:t>
+            </a:r>
+          </a:p>
+          <a:p>
+            <a:pPr marL="0" indent="0">
+              <a:buNone/>
+            </a:pPr>
+            <a:r>
+              <a:rPr lang="en-US" sz="2800" dirty="0"/>
+              <a:t>D</a:t>
+            </a:r>
+            <a:r>
+              <a:rPr lang="en-US" sz="2800" baseline="-25000" dirty="0"/>
+              <a:t>5</a:t>
+            </a:r>
+            <a:r>
+              <a:rPr lang="en-US" sz="2800" dirty="0"/>
+              <a:t>C</a:t>
+            </a:r>
+            <a:r>
+              <a:rPr lang="en-US" sz="2800" baseline="-25000" dirty="0"/>
+              <a:t>19</a:t>
+            </a:r>
+            <a:r>
+              <a:rPr lang="en-US" sz="2800" dirty="0"/>
+              <a:t>R</a:t>
+            </a:r>
+            <a:r>
+              <a:rPr lang="en-US" sz="2800" baseline="-25000" dirty="0"/>
+              <a:t>1</a:t>
+            </a:r>
+          </a:p>
+          <a:p>
+            <a:pPr marL="0" indent="0">
+              <a:buNone/>
+            </a:pPr>
+            <a:r>
+              <a:rPr lang="en-US" sz="2800" dirty="0"/>
+              <a:t>D</a:t>
+            </a:r>
+            <a:r>
+              <a:rPr lang="en-US" sz="2800" baseline="-25000" dirty="0"/>
+              <a:t>6</a:t>
+            </a:r>
+            <a:r>
+              <a:rPr lang="en-US" sz="2800" dirty="0"/>
+              <a:t>C</a:t>
+            </a:r>
+            <a:r>
+              <a:rPr lang="en-US" sz="2800" baseline="-25000" dirty="0"/>
+              <a:t>19</a:t>
+            </a:r>
+            <a:r>
+              <a:rPr lang="en-US" sz="2800" dirty="0"/>
+              <a:t>R</a:t>
+            </a:r>
+            <a:r>
+              <a:rPr lang="en-US" sz="2800" baseline="-25000" dirty="0"/>
+              <a:t>1</a:t>
+            </a:r>
+          </a:p>
+          <a:p>
+            <a:pPr marL="0" indent="0">
+              <a:buNone/>
+            </a:pPr>
+            <a:r>
+              <a:rPr lang="en-US" sz="2800" dirty="0"/>
+              <a:t>D</a:t>
+            </a:r>
+            <a:r>
+              <a:rPr lang="en-US" sz="2800" baseline="-25000" dirty="0"/>
+              <a:t>7</a:t>
+            </a:r>
+            <a:r>
+              <a:rPr lang="en-US" sz="2800" dirty="0"/>
+              <a:t>C</a:t>
+            </a:r>
+            <a:r>
+              <a:rPr lang="en-US" sz="2800" baseline="-25000" dirty="0"/>
+              <a:t>19</a:t>
+            </a:r>
+            <a:r>
+              <a:rPr lang="en-US" sz="2800" dirty="0"/>
+              <a:t>R</a:t>
+            </a:r>
+            <a:r>
+              <a:rPr lang="en-US" sz="2800" baseline="-25000" dirty="0"/>
+              <a:t>1</a:t>
+            </a:r>
+          </a:p>
+        </p:txBody>
+      </p:sp>
+      <p:sp>
+        <p:nvSpPr>
+          <p:cNvPr id="4" name="Rectangle 3">
+            <a:extLst>
+              <a:ext uri="{FF2B5EF4-FFF2-40B4-BE49-F238E27FC236}">
+                <a16:creationId xmlns:a16="http://schemas.microsoft.com/office/drawing/2014/main" id="{DD6D1465-25FB-4CAA-B843-914AC9566CA9}"/>
+              </a:ext>
+            </a:extLst>
+          </p:cNvPr>
+          <p:cNvSpPr/>
+          <p:nvPr/>
+        </p:nvSpPr>
+        <p:spPr>
+          <a:xfrm>
+            <a:off x="3335258" y="1369218"/>
+            <a:ext cx="5180092" cy="296456"/>
+          </a:xfrm>
+          <a:prstGeom prst="rect">
+            <a:avLst/>
+          </a:prstGeom>
+        </p:spPr>
+        <p:style>
+          <a:lnRef idx="2">
+            <a:schemeClr val="accent1">
+              <a:shade val="50000"/>
+            </a:schemeClr>
+          </a:lnRef>
+          <a:fillRef idx="1">
+            <a:schemeClr val="accent1"/>
+          </a:fillRef>
+          <a:effectRef idx="0">
+            <a:schemeClr val="accent1"/>
+          </a:effectRef>
+          <a:fontRef idx="minor">
+            <a:schemeClr val="lt1"/>
+          </a:fontRef>
+        </p:style>
+        <p:txBody>
+          <a:bodyPr rtlCol="0" anchor="ctr"/>
+          <a:lstStyle/>
+          <a:p>
+            <a:pPr algn="ctr"/>
+            <a:r>
+              <a:rPr lang="en-US" dirty="0"/>
+              <a:t>AWE ROW BUFFER0</a:t>
+            </a:r>
+          </a:p>
+        </p:txBody>
+      </p:sp>
+      <p:sp>
+        <p:nvSpPr>
+          <p:cNvPr id="12" name="Rectangle 11">
+            <a:extLst>
+              <a:ext uri="{FF2B5EF4-FFF2-40B4-BE49-F238E27FC236}">
+                <a16:creationId xmlns:a16="http://schemas.microsoft.com/office/drawing/2014/main" id="{5B3FDC7C-2756-4F4B-910B-8A652F5F1DC9}"/>
+              </a:ext>
+            </a:extLst>
+          </p:cNvPr>
+          <p:cNvSpPr/>
+          <p:nvPr/>
+        </p:nvSpPr>
+        <p:spPr>
+          <a:xfrm>
+            <a:off x="3335258" y="1790471"/>
+            <a:ext cx="5180092" cy="296456"/>
+          </a:xfrm>
+          <a:prstGeom prst="rect">
+            <a:avLst/>
+          </a:prstGeom>
+        </p:spPr>
+        <p:style>
+          <a:lnRef idx="2">
+            <a:schemeClr val="accent1">
+              <a:shade val="50000"/>
+            </a:schemeClr>
+          </a:lnRef>
+          <a:fillRef idx="1">
+            <a:schemeClr val="accent1"/>
+          </a:fillRef>
+          <a:effectRef idx="0">
+            <a:schemeClr val="accent1"/>
+          </a:effectRef>
+          <a:fontRef idx="minor">
+            <a:schemeClr val="lt1"/>
+          </a:fontRef>
+        </p:style>
+        <p:txBody>
+          <a:bodyPr rtlCol="0" anchor="ctr"/>
+          <a:lstStyle/>
+          <a:p>
+            <a:pPr algn="ctr"/>
+            <a:r>
+              <a:rPr lang="en-US" dirty="0"/>
+              <a:t>AWE ROW BUFFER1</a:t>
+            </a:r>
+          </a:p>
+        </p:txBody>
+      </p:sp>
+      <p:sp>
+        <p:nvSpPr>
+          <p:cNvPr id="13" name="Rectangle 12">
+            <a:extLst>
+              <a:ext uri="{FF2B5EF4-FFF2-40B4-BE49-F238E27FC236}">
+                <a16:creationId xmlns:a16="http://schemas.microsoft.com/office/drawing/2014/main" id="{C62D6171-F40A-4E63-AD05-27751E5D52FC}"/>
+              </a:ext>
+            </a:extLst>
+          </p:cNvPr>
+          <p:cNvSpPr/>
+          <p:nvPr/>
+        </p:nvSpPr>
+        <p:spPr>
+          <a:xfrm>
+            <a:off x="3335258" y="2211724"/>
+            <a:ext cx="5180092" cy="296456"/>
+          </a:xfrm>
+          <a:prstGeom prst="rect">
+            <a:avLst/>
+          </a:prstGeom>
+        </p:spPr>
+        <p:style>
+          <a:lnRef idx="2">
+            <a:schemeClr val="accent1">
+              <a:shade val="50000"/>
+            </a:schemeClr>
+          </a:lnRef>
+          <a:fillRef idx="1">
+            <a:schemeClr val="accent1"/>
+          </a:fillRef>
+          <a:effectRef idx="0">
+            <a:schemeClr val="accent1"/>
+          </a:effectRef>
+          <a:fontRef idx="minor">
+            <a:schemeClr val="lt1"/>
+          </a:fontRef>
+        </p:style>
+        <p:txBody>
+          <a:bodyPr rtlCol="0" anchor="ctr"/>
+          <a:lstStyle/>
+          <a:p>
+            <a:pPr algn="ctr"/>
+            <a:r>
+              <a:rPr lang="en-US" dirty="0"/>
+              <a:t>AWE ROW BUFFER2</a:t>
+            </a:r>
+          </a:p>
+        </p:txBody>
+      </p:sp>
+      <p:sp>
+        <p:nvSpPr>
+          <p:cNvPr id="14" name="Rectangle 13">
+            <a:extLst>
+              <a:ext uri="{FF2B5EF4-FFF2-40B4-BE49-F238E27FC236}">
+                <a16:creationId xmlns:a16="http://schemas.microsoft.com/office/drawing/2014/main" id="{A0464524-1AFD-412C-8C98-C0A64817D841}"/>
+              </a:ext>
+            </a:extLst>
+          </p:cNvPr>
+          <p:cNvSpPr/>
+          <p:nvPr/>
+        </p:nvSpPr>
+        <p:spPr>
+          <a:xfrm>
+            <a:off x="3315523" y="2632977"/>
+            <a:ext cx="5180092" cy="296456"/>
+          </a:xfrm>
+          <a:prstGeom prst="rect">
+            <a:avLst/>
+          </a:prstGeom>
+        </p:spPr>
+        <p:style>
+          <a:lnRef idx="2">
+            <a:schemeClr val="accent1">
+              <a:shade val="50000"/>
+            </a:schemeClr>
+          </a:lnRef>
+          <a:fillRef idx="1">
+            <a:schemeClr val="accent1"/>
+          </a:fillRef>
+          <a:effectRef idx="0">
+            <a:schemeClr val="accent1"/>
+          </a:effectRef>
+          <a:fontRef idx="minor">
+            <a:schemeClr val="lt1"/>
+          </a:fontRef>
+        </p:style>
+        <p:txBody>
+          <a:bodyPr rtlCol="0" anchor="ctr"/>
+          <a:lstStyle/>
+          <a:p>
+            <a:pPr algn="ctr"/>
+            <a:r>
+              <a:rPr lang="en-US" dirty="0"/>
+              <a:t>AWE ROW BUFFER3</a:t>
+            </a:r>
+          </a:p>
+        </p:txBody>
+      </p:sp>
+      <p:sp>
+        <p:nvSpPr>
+          <p:cNvPr id="15" name="Rectangle 14">
+            <a:extLst>
+              <a:ext uri="{FF2B5EF4-FFF2-40B4-BE49-F238E27FC236}">
+                <a16:creationId xmlns:a16="http://schemas.microsoft.com/office/drawing/2014/main" id="{FADCB61C-EC8B-4BAF-9619-C61324714D43}"/>
+              </a:ext>
+            </a:extLst>
+          </p:cNvPr>
+          <p:cNvSpPr/>
+          <p:nvPr/>
+        </p:nvSpPr>
+        <p:spPr>
+          <a:xfrm>
+            <a:off x="3315523" y="3054230"/>
+            <a:ext cx="5180092" cy="296456"/>
+          </a:xfrm>
+          <a:prstGeom prst="rect">
+            <a:avLst/>
+          </a:prstGeom>
+        </p:spPr>
+        <p:style>
+          <a:lnRef idx="2">
+            <a:schemeClr val="accent1">
+              <a:shade val="50000"/>
+            </a:schemeClr>
+          </a:lnRef>
+          <a:fillRef idx="1">
+            <a:schemeClr val="accent1"/>
+          </a:fillRef>
+          <a:effectRef idx="0">
+            <a:schemeClr val="accent1"/>
+          </a:effectRef>
+          <a:fontRef idx="minor">
+            <a:schemeClr val="lt1"/>
+          </a:fontRef>
+        </p:style>
+        <p:txBody>
+          <a:bodyPr rtlCol="0" anchor="ctr"/>
+          <a:lstStyle/>
+          <a:p>
+            <a:pPr algn="ctr"/>
+            <a:r>
+              <a:rPr lang="en-US" dirty="0"/>
+              <a:t>AWE ROW BUFFER4</a:t>
+            </a:r>
+          </a:p>
+        </p:txBody>
+      </p:sp>
+      <p:sp>
+        <p:nvSpPr>
+          <p:cNvPr id="16" name="Rectangle 15">
+            <a:extLst>
+              <a:ext uri="{FF2B5EF4-FFF2-40B4-BE49-F238E27FC236}">
+                <a16:creationId xmlns:a16="http://schemas.microsoft.com/office/drawing/2014/main" id="{FF5787F2-246B-4249-B060-968E347E9690}"/>
+              </a:ext>
+            </a:extLst>
+          </p:cNvPr>
+          <p:cNvSpPr/>
+          <p:nvPr/>
+        </p:nvSpPr>
+        <p:spPr>
+          <a:xfrm>
+            <a:off x="3315523" y="3453898"/>
+            <a:ext cx="5180092" cy="296456"/>
+          </a:xfrm>
+          <a:prstGeom prst="rect">
+            <a:avLst/>
+          </a:prstGeom>
+        </p:spPr>
+        <p:style>
+          <a:lnRef idx="2">
+            <a:schemeClr val="accent1">
+              <a:shade val="50000"/>
+            </a:schemeClr>
+          </a:lnRef>
+          <a:fillRef idx="1">
+            <a:schemeClr val="accent1"/>
+          </a:fillRef>
+          <a:effectRef idx="0">
+            <a:schemeClr val="accent1"/>
+          </a:effectRef>
+          <a:fontRef idx="minor">
+            <a:schemeClr val="lt1"/>
+          </a:fontRef>
+        </p:style>
+        <p:txBody>
+          <a:bodyPr rtlCol="0" anchor="ctr"/>
+          <a:lstStyle/>
+          <a:p>
+            <a:pPr algn="ctr"/>
+            <a:r>
+              <a:rPr lang="en-US" dirty="0"/>
+              <a:t>AWE ROW BUFFER5</a:t>
+            </a:r>
+          </a:p>
+        </p:txBody>
+      </p:sp>
+      <p:sp>
+        <p:nvSpPr>
+          <p:cNvPr id="17" name="Rectangle 16">
+            <a:extLst>
+              <a:ext uri="{FF2B5EF4-FFF2-40B4-BE49-F238E27FC236}">
+                <a16:creationId xmlns:a16="http://schemas.microsoft.com/office/drawing/2014/main" id="{C103BA37-5736-46FE-930A-05C6FFB7616F}"/>
+              </a:ext>
+            </a:extLst>
+          </p:cNvPr>
+          <p:cNvSpPr/>
+          <p:nvPr/>
+        </p:nvSpPr>
+        <p:spPr>
+          <a:xfrm>
+            <a:off x="3315523" y="3896736"/>
+            <a:ext cx="5180092" cy="296456"/>
+          </a:xfrm>
+          <a:prstGeom prst="rect">
+            <a:avLst/>
+          </a:prstGeom>
+        </p:spPr>
+        <p:style>
+          <a:lnRef idx="2">
+            <a:schemeClr val="accent1">
+              <a:shade val="50000"/>
+            </a:schemeClr>
+          </a:lnRef>
+          <a:fillRef idx="1">
+            <a:schemeClr val="accent1"/>
+          </a:fillRef>
+          <a:effectRef idx="0">
+            <a:schemeClr val="accent1"/>
+          </a:effectRef>
+          <a:fontRef idx="minor">
+            <a:schemeClr val="lt1"/>
+          </a:fontRef>
+        </p:style>
+        <p:txBody>
+          <a:bodyPr rtlCol="0" anchor="ctr"/>
+          <a:lstStyle/>
+          <a:p>
+            <a:pPr algn="ctr"/>
+            <a:r>
+              <a:rPr lang="en-US" dirty="0"/>
+              <a:t>AWE ROW BUFFER6</a:t>
+            </a:r>
+          </a:p>
+        </p:txBody>
+      </p:sp>
+      <p:sp>
+        <p:nvSpPr>
+          <p:cNvPr id="18" name="Rectangle 17">
+            <a:extLst>
+              <a:ext uri="{FF2B5EF4-FFF2-40B4-BE49-F238E27FC236}">
+                <a16:creationId xmlns:a16="http://schemas.microsoft.com/office/drawing/2014/main" id="{F502924E-8185-4CB4-9365-0507762B4001}"/>
+              </a:ext>
+            </a:extLst>
+          </p:cNvPr>
+          <p:cNvSpPr/>
+          <p:nvPr/>
+        </p:nvSpPr>
+        <p:spPr>
+          <a:xfrm>
+            <a:off x="3315523" y="4296404"/>
+            <a:ext cx="5180092" cy="296456"/>
+          </a:xfrm>
+          <a:prstGeom prst="rect">
+            <a:avLst/>
+          </a:prstGeom>
+        </p:spPr>
+        <p:style>
+          <a:lnRef idx="2">
+            <a:schemeClr val="accent1">
+              <a:shade val="50000"/>
+            </a:schemeClr>
+          </a:lnRef>
+          <a:fillRef idx="1">
+            <a:schemeClr val="accent1"/>
+          </a:fillRef>
+          <a:effectRef idx="0">
+            <a:schemeClr val="accent1"/>
+          </a:effectRef>
+          <a:fontRef idx="minor">
+            <a:schemeClr val="lt1"/>
+          </a:fontRef>
+        </p:style>
+        <p:txBody>
+          <a:bodyPr rtlCol="0" anchor="ctr"/>
+          <a:lstStyle/>
+          <a:p>
+            <a:pPr algn="ctr"/>
+            <a:r>
+              <a:rPr lang="en-US" dirty="0"/>
+              <a:t>AWE ROW BUFFER7</a:t>
+            </a:r>
+          </a:p>
+        </p:txBody>
+      </p:sp>
+    </p:spTree>
+    <p:extLst>
+      <p:ext uri="{BB962C8B-B14F-4D97-AF65-F5344CB8AC3E}">
+        <p14:creationId xmlns:p14="http://schemas.microsoft.com/office/powerpoint/2010/main" val="3398894331"/>
+      </p:ext>
+    </p:extLst>
+  </p:cSld>
+  <p:clrMapOvr>
+    <a:masterClrMapping/>
+  </p:clrMapOvr>
+</p:sld>
+</file>
+
+<file path=ppt/slides/slide38.xml><?xml version="1.0" encoding="utf-8"?>
+<p:sld xmlns:a="http://schemas.openxmlformats.org/drawingml/2006/main" xmlns:r="http://schemas.openxmlformats.org/officeDocument/2006/relationships" xmlns:p="http://schemas.openxmlformats.org/presentationml/2006/main">
+  <p:cSld>
+    <p:spTree>
+      <p:nvGrpSpPr>
+        <p:cNvPr id="1" name=""/>
+        <p:cNvGrpSpPr/>
+        <p:nvPr/>
+      </p:nvGrpSpPr>
+      <p:grpSpPr>
+        <a:xfrm>
+          <a:off x="0" y="0"/>
+          <a:ext cx="0" cy="0"/>
+          <a:chOff x="0" y="0"/>
+          <a:chExt cx="0" cy="0"/>
+        </a:xfrm>
+      </p:grpSpPr>
+      <p:sp>
+        <p:nvSpPr>
+          <p:cNvPr id="2" name="Title 1">
+            <a:extLst>
+              <a:ext uri="{FF2B5EF4-FFF2-40B4-BE49-F238E27FC236}">
+                <a16:creationId xmlns:a16="http://schemas.microsoft.com/office/drawing/2014/main" id="{317952A4-6853-43A0-9CC5-DA163180AEF2}"/>
+              </a:ext>
+            </a:extLst>
+          </p:cNvPr>
+          <p:cNvSpPr>
+            <a:spLocks noGrp="1"/>
+          </p:cNvSpPr>
+          <p:nvPr>
+            <p:ph type="title"/>
+          </p:nvPr>
+        </p:nvSpPr>
+        <p:spPr/>
+        <p:txBody>
+          <a:bodyPr/>
+          <a:lstStyle/>
+          <a:p>
+            <a:endParaRPr lang="en-US"/>
+          </a:p>
+        </p:txBody>
+      </p:sp>
+      <p:sp>
+        <p:nvSpPr>
+          <p:cNvPr id="3" name="Content Placeholder 2">
+            <a:extLst>
+              <a:ext uri="{FF2B5EF4-FFF2-40B4-BE49-F238E27FC236}">
+                <a16:creationId xmlns:a16="http://schemas.microsoft.com/office/drawing/2014/main" id="{574B13A9-5F1A-4282-B6E1-B460C4458C90}"/>
+              </a:ext>
+            </a:extLst>
+          </p:cNvPr>
+          <p:cNvSpPr>
+            <a:spLocks noGrp="1"/>
+          </p:cNvSpPr>
+          <p:nvPr>
+            <p:ph idx="1"/>
+          </p:nvPr>
+        </p:nvSpPr>
+        <p:spPr>
+          <a:xfrm>
+            <a:off x="628650" y="1369218"/>
+            <a:ext cx="2706608" cy="3623311"/>
+          </a:xfrm>
+        </p:spPr>
+        <p:txBody>
+          <a:bodyPr>
+            <a:normAutofit fontScale="92500" lnSpcReduction="10000"/>
+          </a:bodyPr>
+          <a:lstStyle/>
+          <a:p>
+            <a:pPr marL="0" indent="0">
+              <a:buNone/>
+            </a:pPr>
+            <a:r>
+              <a:rPr lang="en-US" sz="2800" dirty="0"/>
+              <a:t>D</a:t>
+            </a:r>
+            <a:r>
+              <a:rPr lang="en-US" sz="2800" baseline="-25000" dirty="0"/>
+              <a:t>0</a:t>
+            </a:r>
+            <a:r>
+              <a:rPr lang="en-US" sz="2800" dirty="0"/>
+              <a:t>C</a:t>
+            </a:r>
+            <a:r>
+              <a:rPr lang="en-US" sz="2800" baseline="-25000" dirty="0"/>
+              <a:t>0</a:t>
+            </a:r>
+            <a:r>
+              <a:rPr lang="en-US" sz="2800" dirty="0"/>
+              <a:t>R</a:t>
+            </a:r>
+            <a:r>
+              <a:rPr lang="en-US" sz="2800" baseline="-25000" dirty="0"/>
+              <a:t>19</a:t>
+            </a:r>
+          </a:p>
+          <a:p>
+            <a:pPr marL="0" indent="0">
+              <a:buNone/>
+            </a:pPr>
+            <a:r>
+              <a:rPr lang="en-US" sz="2800" dirty="0"/>
+              <a:t>D</a:t>
+            </a:r>
+            <a:r>
+              <a:rPr lang="en-US" sz="2800" baseline="-25000" dirty="0"/>
+              <a:t>1</a:t>
+            </a:r>
+            <a:r>
+              <a:rPr lang="en-US" sz="2800" dirty="0"/>
+              <a:t>C</a:t>
+            </a:r>
+            <a:r>
+              <a:rPr lang="en-US" sz="2800" baseline="-25000" dirty="0"/>
+              <a:t>0</a:t>
+            </a:r>
+            <a:r>
+              <a:rPr lang="en-US" sz="2800" dirty="0"/>
+              <a:t>R</a:t>
+            </a:r>
+            <a:r>
+              <a:rPr lang="en-US" sz="2800" baseline="-25000" dirty="0"/>
+              <a:t>19</a:t>
+            </a:r>
+          </a:p>
+          <a:p>
+            <a:pPr marL="0" indent="0">
+              <a:buNone/>
+            </a:pPr>
+            <a:r>
+              <a:rPr lang="en-US" sz="2800" dirty="0"/>
+              <a:t>D</a:t>
+            </a:r>
+            <a:r>
+              <a:rPr lang="en-US" sz="2800" baseline="-25000" dirty="0"/>
+              <a:t>2</a:t>
+            </a:r>
+            <a:r>
+              <a:rPr lang="en-US" sz="2800" dirty="0"/>
+              <a:t>C</a:t>
+            </a:r>
+            <a:r>
+              <a:rPr lang="en-US" sz="2800" baseline="-25000" dirty="0"/>
+              <a:t>0</a:t>
+            </a:r>
+            <a:r>
+              <a:rPr lang="en-US" sz="2800" dirty="0"/>
+              <a:t>R</a:t>
+            </a:r>
+            <a:r>
+              <a:rPr lang="en-US" sz="2800" baseline="-25000" dirty="0"/>
+              <a:t>19</a:t>
+            </a:r>
+          </a:p>
+          <a:p>
+            <a:pPr marL="0" indent="0">
+              <a:buNone/>
+            </a:pPr>
+            <a:r>
+              <a:rPr lang="en-US" sz="2800" dirty="0"/>
+              <a:t>D</a:t>
+            </a:r>
+            <a:r>
+              <a:rPr lang="en-US" sz="2800" baseline="-25000" dirty="0"/>
+              <a:t>3</a:t>
+            </a:r>
+            <a:r>
+              <a:rPr lang="en-US" sz="2800" dirty="0"/>
+              <a:t>C</a:t>
+            </a:r>
+            <a:r>
+              <a:rPr lang="en-US" sz="2800" baseline="-25000" dirty="0"/>
+              <a:t>0</a:t>
+            </a:r>
+            <a:r>
+              <a:rPr lang="en-US" sz="2800" dirty="0"/>
+              <a:t>R</a:t>
+            </a:r>
+            <a:r>
+              <a:rPr lang="en-US" sz="2800" baseline="-25000" dirty="0"/>
+              <a:t>19</a:t>
+            </a:r>
+          </a:p>
+          <a:p>
+            <a:pPr marL="0" indent="0">
+              <a:buNone/>
+            </a:pPr>
+            <a:r>
+              <a:rPr lang="en-US" sz="2800" dirty="0"/>
+              <a:t>D</a:t>
+            </a:r>
+            <a:r>
+              <a:rPr lang="en-US" sz="2800" baseline="-25000" dirty="0"/>
+              <a:t>4</a:t>
+            </a:r>
+            <a:r>
+              <a:rPr lang="en-US" sz="2800" dirty="0"/>
+              <a:t>C</a:t>
+            </a:r>
+            <a:r>
+              <a:rPr lang="en-US" sz="2800" baseline="-25000" dirty="0"/>
+              <a:t>0</a:t>
+            </a:r>
+            <a:r>
+              <a:rPr lang="en-US" sz="2800" dirty="0"/>
+              <a:t>R</a:t>
+            </a:r>
+            <a:r>
+              <a:rPr lang="en-US" sz="2800" baseline="-25000" dirty="0"/>
+              <a:t>19</a:t>
+            </a:r>
+          </a:p>
+          <a:p>
+            <a:pPr marL="0" indent="0">
+              <a:buNone/>
+            </a:pPr>
+            <a:r>
+              <a:rPr lang="en-US" sz="2800" dirty="0"/>
+              <a:t>D</a:t>
+            </a:r>
+            <a:r>
+              <a:rPr lang="en-US" sz="2800" baseline="-25000" dirty="0"/>
+              <a:t>5</a:t>
+            </a:r>
+            <a:r>
+              <a:rPr lang="en-US" sz="2800" dirty="0"/>
+              <a:t>C</a:t>
+            </a:r>
+            <a:r>
+              <a:rPr lang="en-US" sz="2800" baseline="-25000" dirty="0"/>
+              <a:t>0</a:t>
+            </a:r>
+            <a:r>
+              <a:rPr lang="en-US" sz="2800" dirty="0"/>
+              <a:t>R</a:t>
+            </a:r>
+            <a:r>
+              <a:rPr lang="en-US" sz="2800" baseline="-25000" dirty="0"/>
+              <a:t>19</a:t>
+            </a:r>
+          </a:p>
+          <a:p>
+            <a:pPr marL="0" indent="0">
+              <a:buNone/>
+            </a:pPr>
+            <a:r>
+              <a:rPr lang="en-US" sz="2800" dirty="0"/>
+              <a:t>D</a:t>
+            </a:r>
+            <a:r>
+              <a:rPr lang="en-US" sz="2800" baseline="-25000" dirty="0"/>
+              <a:t>6</a:t>
+            </a:r>
+            <a:r>
+              <a:rPr lang="en-US" sz="2800" dirty="0"/>
+              <a:t>C</a:t>
+            </a:r>
+            <a:r>
+              <a:rPr lang="en-US" sz="2800" baseline="-25000" dirty="0"/>
+              <a:t>0</a:t>
+            </a:r>
+            <a:r>
+              <a:rPr lang="en-US" sz="2800" dirty="0"/>
+              <a:t>R</a:t>
+            </a:r>
+            <a:r>
+              <a:rPr lang="en-US" sz="2800" baseline="-25000" dirty="0"/>
+              <a:t>19</a:t>
+            </a:r>
+          </a:p>
+          <a:p>
+            <a:pPr marL="0" indent="0">
+              <a:buNone/>
+            </a:pPr>
+            <a:r>
+              <a:rPr lang="en-US" sz="2800" dirty="0"/>
+              <a:t>D</a:t>
+            </a:r>
+            <a:r>
+              <a:rPr lang="en-US" sz="2800" baseline="-25000" dirty="0"/>
+              <a:t>7</a:t>
+            </a:r>
+            <a:r>
+              <a:rPr lang="en-US" sz="2800" dirty="0"/>
+              <a:t>C</a:t>
+            </a:r>
+            <a:r>
+              <a:rPr lang="en-US" sz="2800" baseline="-25000" dirty="0"/>
+              <a:t>0</a:t>
+            </a:r>
+            <a:r>
+              <a:rPr lang="en-US" sz="2800" dirty="0"/>
+              <a:t>R</a:t>
+            </a:r>
+            <a:r>
+              <a:rPr lang="en-US" sz="2800" baseline="-25000" dirty="0"/>
+              <a:t>19</a:t>
+            </a:r>
+          </a:p>
+        </p:txBody>
+      </p:sp>
+      <p:sp>
+        <p:nvSpPr>
+          <p:cNvPr id="4" name="Rectangle 3">
+            <a:extLst>
+              <a:ext uri="{FF2B5EF4-FFF2-40B4-BE49-F238E27FC236}">
+                <a16:creationId xmlns:a16="http://schemas.microsoft.com/office/drawing/2014/main" id="{DD6D1465-25FB-4CAA-B843-914AC9566CA9}"/>
+              </a:ext>
+            </a:extLst>
+          </p:cNvPr>
+          <p:cNvSpPr/>
+          <p:nvPr/>
+        </p:nvSpPr>
+        <p:spPr>
+          <a:xfrm>
+            <a:off x="3335258" y="1369218"/>
+            <a:ext cx="5180092" cy="296456"/>
+          </a:xfrm>
+          <a:prstGeom prst="rect">
+            <a:avLst/>
+          </a:prstGeom>
+        </p:spPr>
+        <p:style>
+          <a:lnRef idx="2">
+            <a:schemeClr val="accent1">
+              <a:shade val="50000"/>
+            </a:schemeClr>
+          </a:lnRef>
+          <a:fillRef idx="1">
+            <a:schemeClr val="accent1"/>
+          </a:fillRef>
+          <a:effectRef idx="0">
+            <a:schemeClr val="accent1"/>
+          </a:effectRef>
+          <a:fontRef idx="minor">
+            <a:schemeClr val="lt1"/>
+          </a:fontRef>
+        </p:style>
+        <p:txBody>
+          <a:bodyPr rtlCol="0" anchor="ctr"/>
+          <a:lstStyle/>
+          <a:p>
+            <a:pPr algn="ctr"/>
+            <a:r>
+              <a:rPr lang="en-US" dirty="0"/>
+              <a:t>AWE ROW BUFFER0</a:t>
+            </a:r>
+          </a:p>
+        </p:txBody>
+      </p:sp>
+      <p:sp>
+        <p:nvSpPr>
+          <p:cNvPr id="12" name="Rectangle 11">
+            <a:extLst>
+              <a:ext uri="{FF2B5EF4-FFF2-40B4-BE49-F238E27FC236}">
+                <a16:creationId xmlns:a16="http://schemas.microsoft.com/office/drawing/2014/main" id="{5B3FDC7C-2756-4F4B-910B-8A652F5F1DC9}"/>
+              </a:ext>
+            </a:extLst>
+          </p:cNvPr>
+          <p:cNvSpPr/>
+          <p:nvPr/>
+        </p:nvSpPr>
+        <p:spPr>
+          <a:xfrm>
+            <a:off x="3335258" y="1790471"/>
+            <a:ext cx="5180092" cy="296456"/>
+          </a:xfrm>
+          <a:prstGeom prst="rect">
+            <a:avLst/>
+          </a:prstGeom>
+        </p:spPr>
+        <p:style>
+          <a:lnRef idx="2">
+            <a:schemeClr val="accent1">
+              <a:shade val="50000"/>
+            </a:schemeClr>
+          </a:lnRef>
+          <a:fillRef idx="1">
+            <a:schemeClr val="accent1"/>
+          </a:fillRef>
+          <a:effectRef idx="0">
+            <a:schemeClr val="accent1"/>
+          </a:effectRef>
+          <a:fontRef idx="minor">
+            <a:schemeClr val="lt1"/>
+          </a:fontRef>
+        </p:style>
+        <p:txBody>
+          <a:bodyPr rtlCol="0" anchor="ctr"/>
+          <a:lstStyle/>
+          <a:p>
+            <a:pPr algn="ctr"/>
+            <a:r>
+              <a:rPr lang="en-US" dirty="0"/>
+              <a:t>AWE ROW BUFFER1</a:t>
+            </a:r>
+          </a:p>
+        </p:txBody>
+      </p:sp>
+      <p:sp>
+        <p:nvSpPr>
+          <p:cNvPr id="13" name="Rectangle 12">
+            <a:extLst>
+              <a:ext uri="{FF2B5EF4-FFF2-40B4-BE49-F238E27FC236}">
+                <a16:creationId xmlns:a16="http://schemas.microsoft.com/office/drawing/2014/main" id="{C62D6171-F40A-4E63-AD05-27751E5D52FC}"/>
+              </a:ext>
+            </a:extLst>
+          </p:cNvPr>
+          <p:cNvSpPr/>
+          <p:nvPr/>
+        </p:nvSpPr>
+        <p:spPr>
+          <a:xfrm>
+            <a:off x="3335258" y="2211724"/>
+            <a:ext cx="5180092" cy="296456"/>
+          </a:xfrm>
+          <a:prstGeom prst="rect">
+            <a:avLst/>
+          </a:prstGeom>
+        </p:spPr>
+        <p:style>
+          <a:lnRef idx="2">
+            <a:schemeClr val="accent1">
+              <a:shade val="50000"/>
+            </a:schemeClr>
+          </a:lnRef>
+          <a:fillRef idx="1">
+            <a:schemeClr val="accent1"/>
+          </a:fillRef>
+          <a:effectRef idx="0">
+            <a:schemeClr val="accent1"/>
+          </a:effectRef>
+          <a:fontRef idx="minor">
+            <a:schemeClr val="lt1"/>
+          </a:fontRef>
+        </p:style>
+        <p:txBody>
+          <a:bodyPr rtlCol="0" anchor="ctr"/>
+          <a:lstStyle/>
+          <a:p>
+            <a:pPr algn="ctr"/>
+            <a:r>
+              <a:rPr lang="en-US" dirty="0"/>
+              <a:t>AWE ROW BUFFER2</a:t>
+            </a:r>
+          </a:p>
+        </p:txBody>
+      </p:sp>
+      <p:sp>
+        <p:nvSpPr>
+          <p:cNvPr id="14" name="Rectangle 13">
+            <a:extLst>
+              <a:ext uri="{FF2B5EF4-FFF2-40B4-BE49-F238E27FC236}">
+                <a16:creationId xmlns:a16="http://schemas.microsoft.com/office/drawing/2014/main" id="{A0464524-1AFD-412C-8C98-C0A64817D841}"/>
+              </a:ext>
+            </a:extLst>
+          </p:cNvPr>
+          <p:cNvSpPr/>
+          <p:nvPr/>
+        </p:nvSpPr>
+        <p:spPr>
+          <a:xfrm>
+            <a:off x="3315523" y="2632977"/>
+            <a:ext cx="5180092" cy="296456"/>
+          </a:xfrm>
+          <a:prstGeom prst="rect">
+            <a:avLst/>
+          </a:prstGeom>
+        </p:spPr>
+        <p:style>
+          <a:lnRef idx="2">
+            <a:schemeClr val="accent1">
+              <a:shade val="50000"/>
+            </a:schemeClr>
+          </a:lnRef>
+          <a:fillRef idx="1">
+            <a:schemeClr val="accent1"/>
+          </a:fillRef>
+          <a:effectRef idx="0">
+            <a:schemeClr val="accent1"/>
+          </a:effectRef>
+          <a:fontRef idx="minor">
+            <a:schemeClr val="lt1"/>
+          </a:fontRef>
+        </p:style>
+        <p:txBody>
+          <a:bodyPr rtlCol="0" anchor="ctr"/>
+          <a:lstStyle/>
+          <a:p>
+            <a:pPr algn="ctr"/>
+            <a:r>
+              <a:rPr lang="en-US" dirty="0"/>
+              <a:t>AWE ROW BUFFER3</a:t>
+            </a:r>
+          </a:p>
+        </p:txBody>
+      </p:sp>
+      <p:sp>
+        <p:nvSpPr>
+          <p:cNvPr id="15" name="Rectangle 14">
+            <a:extLst>
+              <a:ext uri="{FF2B5EF4-FFF2-40B4-BE49-F238E27FC236}">
+                <a16:creationId xmlns:a16="http://schemas.microsoft.com/office/drawing/2014/main" id="{FADCB61C-EC8B-4BAF-9619-C61324714D43}"/>
+              </a:ext>
+            </a:extLst>
+          </p:cNvPr>
+          <p:cNvSpPr/>
+          <p:nvPr/>
+        </p:nvSpPr>
+        <p:spPr>
+          <a:xfrm>
+            <a:off x="3315523" y="3054230"/>
+            <a:ext cx="5180092" cy="296456"/>
+          </a:xfrm>
+          <a:prstGeom prst="rect">
+            <a:avLst/>
+          </a:prstGeom>
+        </p:spPr>
+        <p:style>
+          <a:lnRef idx="2">
+            <a:schemeClr val="accent1">
+              <a:shade val="50000"/>
+            </a:schemeClr>
+          </a:lnRef>
+          <a:fillRef idx="1">
+            <a:schemeClr val="accent1"/>
+          </a:fillRef>
+          <a:effectRef idx="0">
+            <a:schemeClr val="accent1"/>
+          </a:effectRef>
+          <a:fontRef idx="minor">
+            <a:schemeClr val="lt1"/>
+          </a:fontRef>
+        </p:style>
+        <p:txBody>
+          <a:bodyPr rtlCol="0" anchor="ctr"/>
+          <a:lstStyle/>
+          <a:p>
+            <a:pPr algn="ctr"/>
+            <a:r>
+              <a:rPr lang="en-US" dirty="0"/>
+              <a:t>AWE ROW BUFFER4</a:t>
+            </a:r>
+          </a:p>
+        </p:txBody>
+      </p:sp>
+      <p:sp>
+        <p:nvSpPr>
+          <p:cNvPr id="16" name="Rectangle 15">
+            <a:extLst>
+              <a:ext uri="{FF2B5EF4-FFF2-40B4-BE49-F238E27FC236}">
+                <a16:creationId xmlns:a16="http://schemas.microsoft.com/office/drawing/2014/main" id="{FF5787F2-246B-4249-B060-968E347E9690}"/>
+              </a:ext>
+            </a:extLst>
+          </p:cNvPr>
+          <p:cNvSpPr/>
+          <p:nvPr/>
+        </p:nvSpPr>
+        <p:spPr>
+          <a:xfrm>
+            <a:off x="3315523" y="3453898"/>
+            <a:ext cx="5180092" cy="296456"/>
+          </a:xfrm>
+          <a:prstGeom prst="rect">
+            <a:avLst/>
+          </a:prstGeom>
+        </p:spPr>
+        <p:style>
+          <a:lnRef idx="2">
+            <a:schemeClr val="accent1">
+              <a:shade val="50000"/>
+            </a:schemeClr>
+          </a:lnRef>
+          <a:fillRef idx="1">
+            <a:schemeClr val="accent1"/>
+          </a:fillRef>
+          <a:effectRef idx="0">
+            <a:schemeClr val="accent1"/>
+          </a:effectRef>
+          <a:fontRef idx="minor">
+            <a:schemeClr val="lt1"/>
+          </a:fontRef>
+        </p:style>
+        <p:txBody>
+          <a:bodyPr rtlCol="0" anchor="ctr"/>
+          <a:lstStyle/>
+          <a:p>
+            <a:pPr algn="ctr"/>
+            <a:r>
+              <a:rPr lang="en-US" dirty="0"/>
+              <a:t>AWE ROW BUFFER5</a:t>
+            </a:r>
+          </a:p>
+        </p:txBody>
+      </p:sp>
+      <p:sp>
+        <p:nvSpPr>
+          <p:cNvPr id="17" name="Rectangle 16">
+            <a:extLst>
+              <a:ext uri="{FF2B5EF4-FFF2-40B4-BE49-F238E27FC236}">
+                <a16:creationId xmlns:a16="http://schemas.microsoft.com/office/drawing/2014/main" id="{C103BA37-5736-46FE-930A-05C6FFB7616F}"/>
+              </a:ext>
+            </a:extLst>
+          </p:cNvPr>
+          <p:cNvSpPr/>
+          <p:nvPr/>
+        </p:nvSpPr>
+        <p:spPr>
+          <a:xfrm>
+            <a:off x="3315523" y="3896736"/>
+            <a:ext cx="5180092" cy="296456"/>
+          </a:xfrm>
+          <a:prstGeom prst="rect">
+            <a:avLst/>
+          </a:prstGeom>
+        </p:spPr>
+        <p:style>
+          <a:lnRef idx="2">
+            <a:schemeClr val="accent1">
+              <a:shade val="50000"/>
+            </a:schemeClr>
+          </a:lnRef>
+          <a:fillRef idx="1">
+            <a:schemeClr val="accent1"/>
+          </a:fillRef>
+          <a:effectRef idx="0">
+            <a:schemeClr val="accent1"/>
+          </a:effectRef>
+          <a:fontRef idx="minor">
+            <a:schemeClr val="lt1"/>
+          </a:fontRef>
+        </p:style>
+        <p:txBody>
+          <a:bodyPr rtlCol="0" anchor="ctr"/>
+          <a:lstStyle/>
+          <a:p>
+            <a:pPr algn="ctr"/>
+            <a:r>
+              <a:rPr lang="en-US" dirty="0"/>
+              <a:t>AWE ROW BUFFER6</a:t>
+            </a:r>
+          </a:p>
+        </p:txBody>
+      </p:sp>
+      <p:sp>
+        <p:nvSpPr>
+          <p:cNvPr id="18" name="Rectangle 17">
+            <a:extLst>
+              <a:ext uri="{FF2B5EF4-FFF2-40B4-BE49-F238E27FC236}">
+                <a16:creationId xmlns:a16="http://schemas.microsoft.com/office/drawing/2014/main" id="{F502924E-8185-4CB4-9365-0507762B4001}"/>
+              </a:ext>
+            </a:extLst>
+          </p:cNvPr>
+          <p:cNvSpPr/>
+          <p:nvPr/>
+        </p:nvSpPr>
+        <p:spPr>
+          <a:xfrm>
+            <a:off x="3315523" y="4296404"/>
+            <a:ext cx="5180092" cy="296456"/>
+          </a:xfrm>
+          <a:prstGeom prst="rect">
+            <a:avLst/>
+          </a:prstGeom>
+        </p:spPr>
+        <p:style>
+          <a:lnRef idx="2">
+            <a:schemeClr val="accent1">
+              <a:shade val="50000"/>
+            </a:schemeClr>
+          </a:lnRef>
+          <a:fillRef idx="1">
+            <a:schemeClr val="accent1"/>
+          </a:fillRef>
+          <a:effectRef idx="0">
+            <a:schemeClr val="accent1"/>
+          </a:effectRef>
+          <a:fontRef idx="minor">
+            <a:schemeClr val="lt1"/>
+          </a:fontRef>
+        </p:style>
+        <p:txBody>
+          <a:bodyPr rtlCol="0" anchor="ctr"/>
+          <a:lstStyle/>
+          <a:p>
+            <a:pPr algn="ctr"/>
+            <a:r>
+              <a:rPr lang="en-US" dirty="0"/>
+              <a:t>AWE ROW BUFFER7</a:t>
+            </a:r>
+          </a:p>
+        </p:txBody>
+      </p:sp>
+    </p:spTree>
+    <p:extLst>
+      <p:ext uri="{BB962C8B-B14F-4D97-AF65-F5344CB8AC3E}">
+        <p14:creationId xmlns:p14="http://schemas.microsoft.com/office/powerpoint/2010/main" val="631032749"/>
+      </p:ext>
+    </p:extLst>
+  </p:cSld>
+  <p:clrMapOvr>
+    <a:masterClrMapping/>
+  </p:clrMapOvr>
+</p:sld>
+</file>
+
+<file path=ppt/slides/slide39.xml><?xml version="1.0" encoding="utf-8"?>
+<p:sld xmlns:a="http://schemas.openxmlformats.org/drawingml/2006/main" xmlns:r="http://schemas.openxmlformats.org/officeDocument/2006/relationships" xmlns:p="http://schemas.openxmlformats.org/presentationml/2006/main">
+  <p:cSld>
+    <p:spTree>
+      <p:nvGrpSpPr>
+        <p:cNvPr id="1" name=""/>
+        <p:cNvGrpSpPr/>
+        <p:nvPr/>
+      </p:nvGrpSpPr>
+      <p:grpSpPr>
+        <a:xfrm>
+          <a:off x="0" y="0"/>
+          <a:ext cx="0" cy="0"/>
+          <a:chOff x="0" y="0"/>
+          <a:chExt cx="0" cy="0"/>
+        </a:xfrm>
+      </p:grpSpPr>
+      <p:sp>
+        <p:nvSpPr>
+          <p:cNvPr id="2" name="Title 1">
+            <a:extLst>
+              <a:ext uri="{FF2B5EF4-FFF2-40B4-BE49-F238E27FC236}">
+                <a16:creationId xmlns:a16="http://schemas.microsoft.com/office/drawing/2014/main" id="{317952A4-6853-43A0-9CC5-DA163180AEF2}"/>
+              </a:ext>
+            </a:extLst>
+          </p:cNvPr>
+          <p:cNvSpPr>
+            <a:spLocks noGrp="1"/>
+          </p:cNvSpPr>
+          <p:nvPr>
+            <p:ph type="title"/>
+          </p:nvPr>
+        </p:nvSpPr>
+        <p:spPr/>
+        <p:txBody>
+          <a:bodyPr/>
+          <a:lstStyle/>
+          <a:p>
+            <a:endParaRPr lang="en-US"/>
+          </a:p>
+        </p:txBody>
+      </p:sp>
+      <p:sp>
+        <p:nvSpPr>
+          <p:cNvPr id="3" name="Content Placeholder 2">
+            <a:extLst>
+              <a:ext uri="{FF2B5EF4-FFF2-40B4-BE49-F238E27FC236}">
+                <a16:creationId xmlns:a16="http://schemas.microsoft.com/office/drawing/2014/main" id="{574B13A9-5F1A-4282-B6E1-B460C4458C90}"/>
+              </a:ext>
+            </a:extLst>
+          </p:cNvPr>
+          <p:cNvSpPr>
+            <a:spLocks noGrp="1"/>
+          </p:cNvSpPr>
+          <p:nvPr>
+            <p:ph idx="1"/>
+          </p:nvPr>
+        </p:nvSpPr>
+        <p:spPr>
+          <a:xfrm>
+            <a:off x="628650" y="1369218"/>
+            <a:ext cx="2706608" cy="3623311"/>
+          </a:xfrm>
+        </p:spPr>
+        <p:txBody>
+          <a:bodyPr>
+            <a:normAutofit fontScale="92500" lnSpcReduction="10000"/>
+          </a:bodyPr>
+          <a:lstStyle/>
+          <a:p>
+            <a:pPr marL="0" indent="0">
+              <a:buNone/>
+            </a:pPr>
+            <a:r>
+              <a:rPr lang="en-US" sz="2800" dirty="0"/>
+              <a:t>D</a:t>
+            </a:r>
+            <a:r>
+              <a:rPr lang="en-US" sz="2800" baseline="-25000" dirty="0"/>
+              <a:t>0</a:t>
+            </a:r>
+            <a:r>
+              <a:rPr lang="en-US" sz="2800" dirty="0"/>
+              <a:t>C</a:t>
+            </a:r>
+            <a:r>
+              <a:rPr lang="en-US" sz="2800" baseline="-25000" dirty="0"/>
+              <a:t>1</a:t>
+            </a:r>
+            <a:r>
+              <a:rPr lang="en-US" sz="2800" dirty="0"/>
+              <a:t>R</a:t>
+            </a:r>
+            <a:r>
+              <a:rPr lang="en-US" sz="2800" baseline="-25000" dirty="0"/>
+              <a:t>19</a:t>
+            </a:r>
+          </a:p>
+          <a:p>
+            <a:pPr marL="0" indent="0">
+              <a:buNone/>
+            </a:pPr>
+            <a:r>
+              <a:rPr lang="en-US" sz="2800" dirty="0"/>
+              <a:t>D</a:t>
+            </a:r>
+            <a:r>
+              <a:rPr lang="en-US" sz="2800" baseline="-25000" dirty="0"/>
+              <a:t>1</a:t>
+            </a:r>
+            <a:r>
+              <a:rPr lang="en-US" sz="2800" dirty="0"/>
+              <a:t>C</a:t>
+            </a:r>
+            <a:r>
+              <a:rPr lang="en-US" sz="2800" baseline="-25000" dirty="0"/>
+              <a:t>1</a:t>
+            </a:r>
+            <a:r>
+              <a:rPr lang="en-US" sz="2800" dirty="0"/>
+              <a:t>R</a:t>
+            </a:r>
+            <a:r>
+              <a:rPr lang="en-US" sz="2800" baseline="-25000" dirty="0"/>
+              <a:t>19</a:t>
+            </a:r>
+          </a:p>
+          <a:p>
+            <a:pPr marL="0" indent="0">
+              <a:buNone/>
+            </a:pPr>
+            <a:r>
+              <a:rPr lang="en-US" sz="2800" dirty="0"/>
+              <a:t>D</a:t>
+            </a:r>
+            <a:r>
+              <a:rPr lang="en-US" sz="2800" baseline="-25000" dirty="0"/>
+              <a:t>2</a:t>
+            </a:r>
+            <a:r>
+              <a:rPr lang="en-US" sz="2800" dirty="0"/>
+              <a:t>C</a:t>
+            </a:r>
+            <a:r>
+              <a:rPr lang="en-US" sz="2800" baseline="-25000" dirty="0"/>
+              <a:t>1</a:t>
+            </a:r>
+            <a:r>
+              <a:rPr lang="en-US" sz="2800" dirty="0"/>
+              <a:t>R</a:t>
+            </a:r>
+            <a:r>
+              <a:rPr lang="en-US" sz="2800" baseline="-25000" dirty="0"/>
+              <a:t>19</a:t>
+            </a:r>
+          </a:p>
+          <a:p>
+            <a:pPr marL="0" indent="0">
+              <a:buNone/>
+            </a:pPr>
+            <a:r>
+              <a:rPr lang="en-US" sz="2800" dirty="0"/>
+              <a:t>D</a:t>
+            </a:r>
+            <a:r>
+              <a:rPr lang="en-US" sz="2800" baseline="-25000" dirty="0"/>
+              <a:t>3</a:t>
+            </a:r>
+            <a:r>
+              <a:rPr lang="en-US" sz="2800" dirty="0"/>
+              <a:t>C</a:t>
+            </a:r>
+            <a:r>
+              <a:rPr lang="en-US" sz="2800" baseline="-25000" dirty="0"/>
+              <a:t>1</a:t>
+            </a:r>
+            <a:r>
+              <a:rPr lang="en-US" sz="2800" dirty="0"/>
+              <a:t>R</a:t>
+            </a:r>
+            <a:r>
+              <a:rPr lang="en-US" sz="2800" baseline="-25000" dirty="0"/>
+              <a:t>19</a:t>
+            </a:r>
+          </a:p>
+          <a:p>
+            <a:pPr marL="0" indent="0">
+              <a:buNone/>
+            </a:pPr>
+            <a:r>
+              <a:rPr lang="en-US" sz="2800" dirty="0"/>
+              <a:t>D</a:t>
+            </a:r>
+            <a:r>
+              <a:rPr lang="en-US" sz="2800" baseline="-25000" dirty="0"/>
+              <a:t>4</a:t>
+            </a:r>
+            <a:r>
+              <a:rPr lang="en-US" sz="2800" dirty="0"/>
+              <a:t>C</a:t>
+            </a:r>
+            <a:r>
+              <a:rPr lang="en-US" sz="2800" baseline="-25000" dirty="0"/>
+              <a:t>1</a:t>
+            </a:r>
+            <a:r>
+              <a:rPr lang="en-US" sz="2800" dirty="0"/>
+              <a:t>R</a:t>
+            </a:r>
+            <a:r>
+              <a:rPr lang="en-US" sz="2800" baseline="-25000" dirty="0"/>
+              <a:t>19</a:t>
+            </a:r>
+          </a:p>
+          <a:p>
+            <a:pPr marL="0" indent="0">
+              <a:buNone/>
+            </a:pPr>
+            <a:r>
+              <a:rPr lang="en-US" sz="2800" dirty="0"/>
+              <a:t>D</a:t>
+            </a:r>
+            <a:r>
+              <a:rPr lang="en-US" sz="2800" baseline="-25000" dirty="0"/>
+              <a:t>5</a:t>
+            </a:r>
+            <a:r>
+              <a:rPr lang="en-US" sz="2800" dirty="0"/>
+              <a:t>C</a:t>
+            </a:r>
+            <a:r>
+              <a:rPr lang="en-US" sz="2800" baseline="-25000" dirty="0"/>
+              <a:t>1</a:t>
+            </a:r>
+            <a:r>
+              <a:rPr lang="en-US" sz="2800" dirty="0"/>
+              <a:t>R</a:t>
+            </a:r>
+            <a:r>
+              <a:rPr lang="en-US" sz="2800" baseline="-25000" dirty="0"/>
+              <a:t>19</a:t>
+            </a:r>
+          </a:p>
+          <a:p>
+            <a:pPr marL="0" indent="0">
+              <a:buNone/>
+            </a:pPr>
+            <a:r>
+              <a:rPr lang="en-US" sz="2800" dirty="0"/>
+              <a:t>D</a:t>
+            </a:r>
+            <a:r>
+              <a:rPr lang="en-US" sz="2800" baseline="-25000" dirty="0"/>
+              <a:t>6</a:t>
+            </a:r>
+            <a:r>
+              <a:rPr lang="en-US" sz="2800" dirty="0"/>
+              <a:t>C</a:t>
+            </a:r>
+            <a:r>
+              <a:rPr lang="en-US" sz="2800" baseline="-25000" dirty="0"/>
+              <a:t>1</a:t>
+            </a:r>
+            <a:r>
+              <a:rPr lang="en-US" sz="2800" dirty="0"/>
+              <a:t>R</a:t>
+            </a:r>
+            <a:r>
+              <a:rPr lang="en-US" sz="2800" baseline="-25000" dirty="0"/>
+              <a:t>19</a:t>
+            </a:r>
+          </a:p>
+          <a:p>
+            <a:pPr marL="0" indent="0">
+              <a:buNone/>
+            </a:pPr>
+            <a:r>
+              <a:rPr lang="en-US" sz="2800" dirty="0"/>
+              <a:t>D</a:t>
+            </a:r>
+            <a:r>
+              <a:rPr lang="en-US" sz="2800" baseline="-25000" dirty="0"/>
+              <a:t>7</a:t>
+            </a:r>
+            <a:r>
+              <a:rPr lang="en-US" sz="2800" dirty="0"/>
+              <a:t>C</a:t>
+            </a:r>
+            <a:r>
+              <a:rPr lang="en-US" sz="2800" baseline="-25000" dirty="0"/>
+              <a:t>1</a:t>
+            </a:r>
+            <a:r>
+              <a:rPr lang="en-US" sz="2800" dirty="0"/>
+              <a:t>R</a:t>
+            </a:r>
+            <a:r>
+              <a:rPr lang="en-US" sz="2800" baseline="-25000" dirty="0"/>
+              <a:t>19</a:t>
+            </a:r>
+          </a:p>
+        </p:txBody>
+      </p:sp>
+      <p:sp>
+        <p:nvSpPr>
+          <p:cNvPr id="4" name="Rectangle 3">
+            <a:extLst>
+              <a:ext uri="{FF2B5EF4-FFF2-40B4-BE49-F238E27FC236}">
+                <a16:creationId xmlns:a16="http://schemas.microsoft.com/office/drawing/2014/main" id="{DD6D1465-25FB-4CAA-B843-914AC9566CA9}"/>
+              </a:ext>
+            </a:extLst>
+          </p:cNvPr>
+          <p:cNvSpPr/>
+          <p:nvPr/>
+        </p:nvSpPr>
+        <p:spPr>
+          <a:xfrm>
+            <a:off x="3335258" y="1369218"/>
+            <a:ext cx="5180092" cy="296456"/>
+          </a:xfrm>
+          <a:prstGeom prst="rect">
+            <a:avLst/>
+          </a:prstGeom>
+        </p:spPr>
+        <p:style>
+          <a:lnRef idx="2">
+            <a:schemeClr val="accent1">
+              <a:shade val="50000"/>
+            </a:schemeClr>
+          </a:lnRef>
+          <a:fillRef idx="1">
+            <a:schemeClr val="accent1"/>
+          </a:fillRef>
+          <a:effectRef idx="0">
+            <a:schemeClr val="accent1"/>
+          </a:effectRef>
+          <a:fontRef idx="minor">
+            <a:schemeClr val="lt1"/>
+          </a:fontRef>
+        </p:style>
+        <p:txBody>
+          <a:bodyPr rtlCol="0" anchor="ctr"/>
+          <a:lstStyle/>
+          <a:p>
+            <a:pPr algn="ctr"/>
+            <a:r>
+              <a:rPr lang="en-US" dirty="0"/>
+              <a:t>AWE ROW BUFFER0</a:t>
+            </a:r>
+          </a:p>
+        </p:txBody>
+      </p:sp>
+      <p:sp>
+        <p:nvSpPr>
+          <p:cNvPr id="12" name="Rectangle 11">
+            <a:extLst>
+              <a:ext uri="{FF2B5EF4-FFF2-40B4-BE49-F238E27FC236}">
+                <a16:creationId xmlns:a16="http://schemas.microsoft.com/office/drawing/2014/main" id="{5B3FDC7C-2756-4F4B-910B-8A652F5F1DC9}"/>
+              </a:ext>
+            </a:extLst>
+          </p:cNvPr>
+          <p:cNvSpPr/>
+          <p:nvPr/>
+        </p:nvSpPr>
+        <p:spPr>
+          <a:xfrm>
+            <a:off x="3335258" y="1790471"/>
+            <a:ext cx="5180092" cy="296456"/>
+          </a:xfrm>
+          <a:prstGeom prst="rect">
+            <a:avLst/>
+          </a:prstGeom>
+        </p:spPr>
+        <p:style>
+          <a:lnRef idx="2">
+            <a:schemeClr val="accent1">
+              <a:shade val="50000"/>
+            </a:schemeClr>
+          </a:lnRef>
+          <a:fillRef idx="1">
+            <a:schemeClr val="accent1"/>
+          </a:fillRef>
+          <a:effectRef idx="0">
+            <a:schemeClr val="accent1"/>
+          </a:effectRef>
+          <a:fontRef idx="minor">
+            <a:schemeClr val="lt1"/>
+          </a:fontRef>
+        </p:style>
+        <p:txBody>
+          <a:bodyPr rtlCol="0" anchor="ctr"/>
+          <a:lstStyle/>
+          <a:p>
+            <a:pPr algn="ctr"/>
+            <a:r>
+              <a:rPr lang="en-US" dirty="0"/>
+              <a:t>AWE ROW BUFFER1</a:t>
+            </a:r>
+          </a:p>
+        </p:txBody>
+      </p:sp>
+      <p:sp>
+        <p:nvSpPr>
+          <p:cNvPr id="13" name="Rectangle 12">
+            <a:extLst>
+              <a:ext uri="{FF2B5EF4-FFF2-40B4-BE49-F238E27FC236}">
+                <a16:creationId xmlns:a16="http://schemas.microsoft.com/office/drawing/2014/main" id="{C62D6171-F40A-4E63-AD05-27751E5D52FC}"/>
+              </a:ext>
+            </a:extLst>
+          </p:cNvPr>
+          <p:cNvSpPr/>
+          <p:nvPr/>
+        </p:nvSpPr>
+        <p:spPr>
+          <a:xfrm>
+            <a:off x="3335258" y="2211724"/>
+            <a:ext cx="5180092" cy="296456"/>
+          </a:xfrm>
+          <a:prstGeom prst="rect">
+            <a:avLst/>
+          </a:prstGeom>
+        </p:spPr>
+        <p:style>
+          <a:lnRef idx="2">
+            <a:schemeClr val="accent1">
+              <a:shade val="50000"/>
+            </a:schemeClr>
+          </a:lnRef>
+          <a:fillRef idx="1">
+            <a:schemeClr val="accent1"/>
+          </a:fillRef>
+          <a:effectRef idx="0">
+            <a:schemeClr val="accent1"/>
+          </a:effectRef>
+          <a:fontRef idx="minor">
+            <a:schemeClr val="lt1"/>
+          </a:fontRef>
+        </p:style>
+        <p:txBody>
+          <a:bodyPr rtlCol="0" anchor="ctr"/>
+          <a:lstStyle/>
+          <a:p>
+            <a:pPr algn="ctr"/>
+            <a:r>
+              <a:rPr lang="en-US" dirty="0"/>
+              <a:t>AWE ROW BUFFER2</a:t>
+            </a:r>
+          </a:p>
+        </p:txBody>
+      </p:sp>
+      <p:sp>
+        <p:nvSpPr>
+          <p:cNvPr id="14" name="Rectangle 13">
+            <a:extLst>
+              <a:ext uri="{FF2B5EF4-FFF2-40B4-BE49-F238E27FC236}">
+                <a16:creationId xmlns:a16="http://schemas.microsoft.com/office/drawing/2014/main" id="{A0464524-1AFD-412C-8C98-C0A64817D841}"/>
+              </a:ext>
+            </a:extLst>
+          </p:cNvPr>
+          <p:cNvSpPr/>
+          <p:nvPr/>
+        </p:nvSpPr>
+        <p:spPr>
+          <a:xfrm>
+            <a:off x="3315523" y="2632977"/>
+            <a:ext cx="5180092" cy="296456"/>
+          </a:xfrm>
+          <a:prstGeom prst="rect">
+            <a:avLst/>
+          </a:prstGeom>
+        </p:spPr>
+        <p:style>
+          <a:lnRef idx="2">
+            <a:schemeClr val="accent1">
+              <a:shade val="50000"/>
+            </a:schemeClr>
+          </a:lnRef>
+          <a:fillRef idx="1">
+            <a:schemeClr val="accent1"/>
+          </a:fillRef>
+          <a:effectRef idx="0">
+            <a:schemeClr val="accent1"/>
+          </a:effectRef>
+          <a:fontRef idx="minor">
+            <a:schemeClr val="lt1"/>
+          </a:fontRef>
+        </p:style>
+        <p:txBody>
+          <a:bodyPr rtlCol="0" anchor="ctr"/>
+          <a:lstStyle/>
+          <a:p>
+            <a:pPr algn="ctr"/>
+            <a:r>
+              <a:rPr lang="en-US" dirty="0"/>
+              <a:t>AWE ROW BUFFER3</a:t>
+            </a:r>
+          </a:p>
+        </p:txBody>
+      </p:sp>
+      <p:sp>
+        <p:nvSpPr>
+          <p:cNvPr id="15" name="Rectangle 14">
+            <a:extLst>
+              <a:ext uri="{FF2B5EF4-FFF2-40B4-BE49-F238E27FC236}">
+                <a16:creationId xmlns:a16="http://schemas.microsoft.com/office/drawing/2014/main" id="{FADCB61C-EC8B-4BAF-9619-C61324714D43}"/>
+              </a:ext>
+            </a:extLst>
+          </p:cNvPr>
+          <p:cNvSpPr/>
+          <p:nvPr/>
+        </p:nvSpPr>
+        <p:spPr>
+          <a:xfrm>
+            <a:off x="3315523" y="3054230"/>
+            <a:ext cx="5180092" cy="296456"/>
+          </a:xfrm>
+          <a:prstGeom prst="rect">
+            <a:avLst/>
+          </a:prstGeom>
+        </p:spPr>
+        <p:style>
+          <a:lnRef idx="2">
+            <a:schemeClr val="accent1">
+              <a:shade val="50000"/>
+            </a:schemeClr>
+          </a:lnRef>
+          <a:fillRef idx="1">
+            <a:schemeClr val="accent1"/>
+          </a:fillRef>
+          <a:effectRef idx="0">
+            <a:schemeClr val="accent1"/>
+          </a:effectRef>
+          <a:fontRef idx="minor">
+            <a:schemeClr val="lt1"/>
+          </a:fontRef>
+        </p:style>
+        <p:txBody>
+          <a:bodyPr rtlCol="0" anchor="ctr"/>
+          <a:lstStyle/>
+          <a:p>
+            <a:pPr algn="ctr"/>
+            <a:r>
+              <a:rPr lang="en-US" dirty="0"/>
+              <a:t>AWE ROW BUFFER4</a:t>
+            </a:r>
+          </a:p>
+        </p:txBody>
+      </p:sp>
+      <p:sp>
+        <p:nvSpPr>
+          <p:cNvPr id="16" name="Rectangle 15">
+            <a:extLst>
+              <a:ext uri="{FF2B5EF4-FFF2-40B4-BE49-F238E27FC236}">
+                <a16:creationId xmlns:a16="http://schemas.microsoft.com/office/drawing/2014/main" id="{FF5787F2-246B-4249-B060-968E347E9690}"/>
+              </a:ext>
+            </a:extLst>
+          </p:cNvPr>
+          <p:cNvSpPr/>
+          <p:nvPr/>
+        </p:nvSpPr>
+        <p:spPr>
+          <a:xfrm>
+            <a:off x="3315523" y="3453898"/>
+            <a:ext cx="5180092" cy="296456"/>
+          </a:xfrm>
+          <a:prstGeom prst="rect">
+            <a:avLst/>
+          </a:prstGeom>
+        </p:spPr>
+        <p:style>
+          <a:lnRef idx="2">
+            <a:schemeClr val="accent1">
+              <a:shade val="50000"/>
+            </a:schemeClr>
+          </a:lnRef>
+          <a:fillRef idx="1">
+            <a:schemeClr val="accent1"/>
+          </a:fillRef>
+          <a:effectRef idx="0">
+            <a:schemeClr val="accent1"/>
+          </a:effectRef>
+          <a:fontRef idx="minor">
+            <a:schemeClr val="lt1"/>
+          </a:fontRef>
+        </p:style>
+        <p:txBody>
+          <a:bodyPr rtlCol="0" anchor="ctr"/>
+          <a:lstStyle/>
+          <a:p>
+            <a:pPr algn="ctr"/>
+            <a:r>
+              <a:rPr lang="en-US" dirty="0"/>
+              <a:t>AWE ROW BUFFER5</a:t>
+            </a:r>
+          </a:p>
+        </p:txBody>
+      </p:sp>
+      <p:sp>
+        <p:nvSpPr>
+          <p:cNvPr id="17" name="Rectangle 16">
+            <a:extLst>
+              <a:ext uri="{FF2B5EF4-FFF2-40B4-BE49-F238E27FC236}">
+                <a16:creationId xmlns:a16="http://schemas.microsoft.com/office/drawing/2014/main" id="{C103BA37-5736-46FE-930A-05C6FFB7616F}"/>
+              </a:ext>
+            </a:extLst>
+          </p:cNvPr>
+          <p:cNvSpPr/>
+          <p:nvPr/>
+        </p:nvSpPr>
+        <p:spPr>
+          <a:xfrm>
+            <a:off x="3315523" y="3896736"/>
+            <a:ext cx="5180092" cy="296456"/>
+          </a:xfrm>
+          <a:prstGeom prst="rect">
+            <a:avLst/>
+          </a:prstGeom>
+        </p:spPr>
+        <p:style>
+          <a:lnRef idx="2">
+            <a:schemeClr val="accent1">
+              <a:shade val="50000"/>
+            </a:schemeClr>
+          </a:lnRef>
+          <a:fillRef idx="1">
+            <a:schemeClr val="accent1"/>
+          </a:fillRef>
+          <a:effectRef idx="0">
+            <a:schemeClr val="accent1"/>
+          </a:effectRef>
+          <a:fontRef idx="minor">
+            <a:schemeClr val="lt1"/>
+          </a:fontRef>
+        </p:style>
+        <p:txBody>
+          <a:bodyPr rtlCol="0" anchor="ctr"/>
+          <a:lstStyle/>
+          <a:p>
+            <a:pPr algn="ctr"/>
+            <a:r>
+              <a:rPr lang="en-US" dirty="0"/>
+              <a:t>AWE ROW BUFFER6</a:t>
+            </a:r>
+          </a:p>
+        </p:txBody>
+      </p:sp>
+      <p:sp>
+        <p:nvSpPr>
+          <p:cNvPr id="18" name="Rectangle 17">
+            <a:extLst>
+              <a:ext uri="{FF2B5EF4-FFF2-40B4-BE49-F238E27FC236}">
+                <a16:creationId xmlns:a16="http://schemas.microsoft.com/office/drawing/2014/main" id="{F502924E-8185-4CB4-9365-0507762B4001}"/>
+              </a:ext>
+            </a:extLst>
+          </p:cNvPr>
+          <p:cNvSpPr/>
+          <p:nvPr/>
+        </p:nvSpPr>
+        <p:spPr>
+          <a:xfrm>
+            <a:off x="3315523" y="4296404"/>
+            <a:ext cx="5180092" cy="296456"/>
+          </a:xfrm>
+          <a:prstGeom prst="rect">
+            <a:avLst/>
+          </a:prstGeom>
+        </p:spPr>
+        <p:style>
+          <a:lnRef idx="2">
+            <a:schemeClr val="accent1">
+              <a:shade val="50000"/>
+            </a:schemeClr>
+          </a:lnRef>
+          <a:fillRef idx="1">
+            <a:schemeClr val="accent1"/>
+          </a:fillRef>
+          <a:effectRef idx="0">
+            <a:schemeClr val="accent1"/>
+          </a:effectRef>
+          <a:fontRef idx="minor">
+            <a:schemeClr val="lt1"/>
+          </a:fontRef>
+        </p:style>
+        <p:txBody>
+          <a:bodyPr rtlCol="0" anchor="ctr"/>
+          <a:lstStyle/>
+          <a:p>
+            <a:pPr algn="ctr"/>
+            <a:r>
+              <a:rPr lang="en-US" dirty="0"/>
+              <a:t>AWE ROW BUFFER7</a:t>
+            </a:r>
+          </a:p>
+        </p:txBody>
+      </p:sp>
+    </p:spTree>
+    <p:extLst>
+      <p:ext uri="{BB962C8B-B14F-4D97-AF65-F5344CB8AC3E}">
+        <p14:creationId xmlns:p14="http://schemas.microsoft.com/office/powerpoint/2010/main" val="2209385223"/>
       </p:ext>
     </p:extLst>
   </p:cSld>
@@ -30377,6 +36782,1663 @@
     <p:extLst>
       <p:ext uri="{BB962C8B-B14F-4D97-AF65-F5344CB8AC3E}">
         <p14:creationId xmlns:p14="http://schemas.microsoft.com/office/powerpoint/2010/main" val="1753376358"/>
+      </p:ext>
+    </p:extLst>
+  </p:cSld>
+  <p:clrMapOvr>
+    <a:masterClrMapping/>
+  </p:clrMapOvr>
+</p:sld>
+</file>
+
+<file path=ppt/slides/slide40.xml><?xml version="1.0" encoding="utf-8"?>
+<p:sld xmlns:a="http://schemas.openxmlformats.org/drawingml/2006/main" xmlns:r="http://schemas.openxmlformats.org/officeDocument/2006/relationships" xmlns:p="http://schemas.openxmlformats.org/presentationml/2006/main">
+  <p:cSld>
+    <p:spTree>
+      <p:nvGrpSpPr>
+        <p:cNvPr id="1" name=""/>
+        <p:cNvGrpSpPr/>
+        <p:nvPr/>
+      </p:nvGrpSpPr>
+      <p:grpSpPr>
+        <a:xfrm>
+          <a:off x="0" y="0"/>
+          <a:ext cx="0" cy="0"/>
+          <a:chOff x="0" y="0"/>
+          <a:chExt cx="0" cy="0"/>
+        </a:xfrm>
+      </p:grpSpPr>
+      <p:sp>
+        <p:nvSpPr>
+          <p:cNvPr id="2" name="Title 1">
+            <a:extLst>
+              <a:ext uri="{FF2B5EF4-FFF2-40B4-BE49-F238E27FC236}">
+                <a16:creationId xmlns:a16="http://schemas.microsoft.com/office/drawing/2014/main" id="{317952A4-6853-43A0-9CC5-DA163180AEF2}"/>
+              </a:ext>
+            </a:extLst>
+          </p:cNvPr>
+          <p:cNvSpPr>
+            <a:spLocks noGrp="1"/>
+          </p:cNvSpPr>
+          <p:nvPr>
+            <p:ph type="title"/>
+          </p:nvPr>
+        </p:nvSpPr>
+        <p:spPr/>
+        <p:txBody>
+          <a:bodyPr/>
+          <a:lstStyle/>
+          <a:p>
+            <a:endParaRPr lang="en-US"/>
+          </a:p>
+        </p:txBody>
+      </p:sp>
+      <p:sp>
+        <p:nvSpPr>
+          <p:cNvPr id="3" name="Content Placeholder 2">
+            <a:extLst>
+              <a:ext uri="{FF2B5EF4-FFF2-40B4-BE49-F238E27FC236}">
+                <a16:creationId xmlns:a16="http://schemas.microsoft.com/office/drawing/2014/main" id="{574B13A9-5F1A-4282-B6E1-B460C4458C90}"/>
+              </a:ext>
+            </a:extLst>
+          </p:cNvPr>
+          <p:cNvSpPr>
+            <a:spLocks noGrp="1"/>
+          </p:cNvSpPr>
+          <p:nvPr>
+            <p:ph idx="1"/>
+          </p:nvPr>
+        </p:nvSpPr>
+        <p:spPr>
+          <a:xfrm>
+            <a:off x="628650" y="1369218"/>
+            <a:ext cx="2706608" cy="3623311"/>
+          </a:xfrm>
+        </p:spPr>
+        <p:txBody>
+          <a:bodyPr>
+            <a:normAutofit fontScale="92500" lnSpcReduction="10000"/>
+          </a:bodyPr>
+          <a:lstStyle/>
+          <a:p>
+            <a:pPr marL="0" indent="0">
+              <a:buNone/>
+            </a:pPr>
+            <a:r>
+              <a:rPr lang="en-US" sz="2800" dirty="0"/>
+              <a:t>D</a:t>
+            </a:r>
+            <a:r>
+              <a:rPr lang="en-US" sz="2800" baseline="-25000" dirty="0"/>
+              <a:t>0</a:t>
+            </a:r>
+            <a:r>
+              <a:rPr lang="en-US" sz="2800" dirty="0"/>
+              <a:t>C</a:t>
+            </a:r>
+            <a:r>
+              <a:rPr lang="en-US" sz="2800" baseline="-25000" dirty="0"/>
+              <a:t>19</a:t>
+            </a:r>
+            <a:r>
+              <a:rPr lang="en-US" sz="2800" dirty="0"/>
+              <a:t>R</a:t>
+            </a:r>
+            <a:r>
+              <a:rPr lang="en-US" sz="2800" baseline="-25000" dirty="0"/>
+              <a:t>19</a:t>
+            </a:r>
+          </a:p>
+          <a:p>
+            <a:pPr marL="0" indent="0">
+              <a:buNone/>
+            </a:pPr>
+            <a:r>
+              <a:rPr lang="en-US" sz="2800" dirty="0"/>
+              <a:t>D</a:t>
+            </a:r>
+            <a:r>
+              <a:rPr lang="en-US" sz="2800" baseline="-25000" dirty="0"/>
+              <a:t>1</a:t>
+            </a:r>
+            <a:r>
+              <a:rPr lang="en-US" sz="2800" dirty="0"/>
+              <a:t>C</a:t>
+            </a:r>
+            <a:r>
+              <a:rPr lang="en-US" sz="2800" baseline="-25000" dirty="0"/>
+              <a:t>19</a:t>
+            </a:r>
+            <a:r>
+              <a:rPr lang="en-US" sz="2800" dirty="0"/>
+              <a:t>R</a:t>
+            </a:r>
+            <a:r>
+              <a:rPr lang="en-US" sz="2800" baseline="-25000" dirty="0"/>
+              <a:t>19</a:t>
+            </a:r>
+          </a:p>
+          <a:p>
+            <a:pPr marL="0" indent="0">
+              <a:buNone/>
+            </a:pPr>
+            <a:r>
+              <a:rPr lang="en-US" sz="2800" dirty="0"/>
+              <a:t>D</a:t>
+            </a:r>
+            <a:r>
+              <a:rPr lang="en-US" sz="2800" baseline="-25000" dirty="0"/>
+              <a:t>2</a:t>
+            </a:r>
+            <a:r>
+              <a:rPr lang="en-US" sz="2800" dirty="0"/>
+              <a:t>C</a:t>
+            </a:r>
+            <a:r>
+              <a:rPr lang="en-US" sz="2800" baseline="-25000" dirty="0"/>
+              <a:t>19</a:t>
+            </a:r>
+            <a:r>
+              <a:rPr lang="en-US" sz="2800" dirty="0"/>
+              <a:t>R</a:t>
+            </a:r>
+            <a:r>
+              <a:rPr lang="en-US" sz="2800" baseline="-25000" dirty="0"/>
+              <a:t>19</a:t>
+            </a:r>
+          </a:p>
+          <a:p>
+            <a:pPr marL="0" indent="0">
+              <a:buNone/>
+            </a:pPr>
+            <a:r>
+              <a:rPr lang="en-US" sz="2800" dirty="0"/>
+              <a:t>D</a:t>
+            </a:r>
+            <a:r>
+              <a:rPr lang="en-US" sz="2800" baseline="-25000" dirty="0"/>
+              <a:t>3</a:t>
+            </a:r>
+            <a:r>
+              <a:rPr lang="en-US" sz="2800" dirty="0"/>
+              <a:t>C</a:t>
+            </a:r>
+            <a:r>
+              <a:rPr lang="en-US" sz="2800" baseline="-25000" dirty="0"/>
+              <a:t>19</a:t>
+            </a:r>
+            <a:r>
+              <a:rPr lang="en-US" sz="2800" dirty="0"/>
+              <a:t>R</a:t>
+            </a:r>
+            <a:r>
+              <a:rPr lang="en-US" sz="2800" baseline="-25000" dirty="0"/>
+              <a:t>19</a:t>
+            </a:r>
+          </a:p>
+          <a:p>
+            <a:pPr marL="0" indent="0">
+              <a:buNone/>
+            </a:pPr>
+            <a:r>
+              <a:rPr lang="en-US" sz="2800" dirty="0"/>
+              <a:t>D</a:t>
+            </a:r>
+            <a:r>
+              <a:rPr lang="en-US" sz="2800" baseline="-25000" dirty="0"/>
+              <a:t>4</a:t>
+            </a:r>
+            <a:r>
+              <a:rPr lang="en-US" sz="2800" dirty="0"/>
+              <a:t>C</a:t>
+            </a:r>
+            <a:r>
+              <a:rPr lang="en-US" sz="2800" baseline="-25000" dirty="0"/>
+              <a:t>19</a:t>
+            </a:r>
+            <a:r>
+              <a:rPr lang="en-US" sz="2800" dirty="0"/>
+              <a:t>R</a:t>
+            </a:r>
+            <a:r>
+              <a:rPr lang="en-US" sz="2800" baseline="-25000" dirty="0"/>
+              <a:t>19</a:t>
+            </a:r>
+          </a:p>
+          <a:p>
+            <a:pPr marL="0" indent="0">
+              <a:buNone/>
+            </a:pPr>
+            <a:r>
+              <a:rPr lang="en-US" sz="2800" dirty="0"/>
+              <a:t>D</a:t>
+            </a:r>
+            <a:r>
+              <a:rPr lang="en-US" sz="2800" baseline="-25000" dirty="0"/>
+              <a:t>5</a:t>
+            </a:r>
+            <a:r>
+              <a:rPr lang="en-US" sz="2800" dirty="0"/>
+              <a:t>C</a:t>
+            </a:r>
+            <a:r>
+              <a:rPr lang="en-US" sz="2800" baseline="-25000" dirty="0"/>
+              <a:t>19</a:t>
+            </a:r>
+            <a:r>
+              <a:rPr lang="en-US" sz="2800" dirty="0"/>
+              <a:t>R</a:t>
+            </a:r>
+            <a:r>
+              <a:rPr lang="en-US" sz="2800" baseline="-25000" dirty="0"/>
+              <a:t>19</a:t>
+            </a:r>
+          </a:p>
+          <a:p>
+            <a:pPr marL="0" indent="0">
+              <a:buNone/>
+            </a:pPr>
+            <a:r>
+              <a:rPr lang="en-US" sz="2800" dirty="0"/>
+              <a:t>D</a:t>
+            </a:r>
+            <a:r>
+              <a:rPr lang="en-US" sz="2800" baseline="-25000" dirty="0"/>
+              <a:t>6</a:t>
+            </a:r>
+            <a:r>
+              <a:rPr lang="en-US" sz="2800" dirty="0"/>
+              <a:t>C</a:t>
+            </a:r>
+            <a:r>
+              <a:rPr lang="en-US" sz="2800" baseline="-25000" dirty="0"/>
+              <a:t>19</a:t>
+            </a:r>
+            <a:r>
+              <a:rPr lang="en-US" sz="2800" dirty="0"/>
+              <a:t>R</a:t>
+            </a:r>
+            <a:r>
+              <a:rPr lang="en-US" sz="2800" baseline="-25000" dirty="0"/>
+              <a:t>19</a:t>
+            </a:r>
+          </a:p>
+          <a:p>
+            <a:pPr marL="0" indent="0">
+              <a:buNone/>
+            </a:pPr>
+            <a:r>
+              <a:rPr lang="en-US" sz="2800" dirty="0"/>
+              <a:t>D</a:t>
+            </a:r>
+            <a:r>
+              <a:rPr lang="en-US" sz="2800" baseline="-25000" dirty="0"/>
+              <a:t>7</a:t>
+            </a:r>
+            <a:r>
+              <a:rPr lang="en-US" sz="2800" dirty="0"/>
+              <a:t>C</a:t>
+            </a:r>
+            <a:r>
+              <a:rPr lang="en-US" sz="2800" baseline="-25000" dirty="0"/>
+              <a:t>19</a:t>
+            </a:r>
+            <a:r>
+              <a:rPr lang="en-US" sz="2800" dirty="0"/>
+              <a:t>R</a:t>
+            </a:r>
+            <a:r>
+              <a:rPr lang="en-US" sz="2800" baseline="-25000" dirty="0"/>
+              <a:t>19</a:t>
+            </a:r>
+          </a:p>
+        </p:txBody>
+      </p:sp>
+      <p:sp>
+        <p:nvSpPr>
+          <p:cNvPr id="4" name="Rectangle 3">
+            <a:extLst>
+              <a:ext uri="{FF2B5EF4-FFF2-40B4-BE49-F238E27FC236}">
+                <a16:creationId xmlns:a16="http://schemas.microsoft.com/office/drawing/2014/main" id="{DD6D1465-25FB-4CAA-B843-914AC9566CA9}"/>
+              </a:ext>
+            </a:extLst>
+          </p:cNvPr>
+          <p:cNvSpPr/>
+          <p:nvPr/>
+        </p:nvSpPr>
+        <p:spPr>
+          <a:xfrm>
+            <a:off x="3335258" y="1369218"/>
+            <a:ext cx="5180092" cy="296456"/>
+          </a:xfrm>
+          <a:prstGeom prst="rect">
+            <a:avLst/>
+          </a:prstGeom>
+        </p:spPr>
+        <p:style>
+          <a:lnRef idx="2">
+            <a:schemeClr val="accent1">
+              <a:shade val="50000"/>
+            </a:schemeClr>
+          </a:lnRef>
+          <a:fillRef idx="1">
+            <a:schemeClr val="accent1"/>
+          </a:fillRef>
+          <a:effectRef idx="0">
+            <a:schemeClr val="accent1"/>
+          </a:effectRef>
+          <a:fontRef idx="minor">
+            <a:schemeClr val="lt1"/>
+          </a:fontRef>
+        </p:style>
+        <p:txBody>
+          <a:bodyPr rtlCol="0" anchor="ctr"/>
+          <a:lstStyle/>
+          <a:p>
+            <a:pPr algn="ctr"/>
+            <a:r>
+              <a:rPr lang="en-US" dirty="0"/>
+              <a:t>AWE ROW BUFFER0</a:t>
+            </a:r>
+          </a:p>
+        </p:txBody>
+      </p:sp>
+      <p:sp>
+        <p:nvSpPr>
+          <p:cNvPr id="12" name="Rectangle 11">
+            <a:extLst>
+              <a:ext uri="{FF2B5EF4-FFF2-40B4-BE49-F238E27FC236}">
+                <a16:creationId xmlns:a16="http://schemas.microsoft.com/office/drawing/2014/main" id="{5B3FDC7C-2756-4F4B-910B-8A652F5F1DC9}"/>
+              </a:ext>
+            </a:extLst>
+          </p:cNvPr>
+          <p:cNvSpPr/>
+          <p:nvPr/>
+        </p:nvSpPr>
+        <p:spPr>
+          <a:xfrm>
+            <a:off x="3335258" y="1790471"/>
+            <a:ext cx="5180092" cy="296456"/>
+          </a:xfrm>
+          <a:prstGeom prst="rect">
+            <a:avLst/>
+          </a:prstGeom>
+        </p:spPr>
+        <p:style>
+          <a:lnRef idx="2">
+            <a:schemeClr val="accent1">
+              <a:shade val="50000"/>
+            </a:schemeClr>
+          </a:lnRef>
+          <a:fillRef idx="1">
+            <a:schemeClr val="accent1"/>
+          </a:fillRef>
+          <a:effectRef idx="0">
+            <a:schemeClr val="accent1"/>
+          </a:effectRef>
+          <a:fontRef idx="minor">
+            <a:schemeClr val="lt1"/>
+          </a:fontRef>
+        </p:style>
+        <p:txBody>
+          <a:bodyPr rtlCol="0" anchor="ctr"/>
+          <a:lstStyle/>
+          <a:p>
+            <a:pPr algn="ctr"/>
+            <a:r>
+              <a:rPr lang="en-US" dirty="0"/>
+              <a:t>AWE ROW BUFFER1</a:t>
+            </a:r>
+          </a:p>
+        </p:txBody>
+      </p:sp>
+      <p:sp>
+        <p:nvSpPr>
+          <p:cNvPr id="13" name="Rectangle 12">
+            <a:extLst>
+              <a:ext uri="{FF2B5EF4-FFF2-40B4-BE49-F238E27FC236}">
+                <a16:creationId xmlns:a16="http://schemas.microsoft.com/office/drawing/2014/main" id="{C62D6171-F40A-4E63-AD05-27751E5D52FC}"/>
+              </a:ext>
+            </a:extLst>
+          </p:cNvPr>
+          <p:cNvSpPr/>
+          <p:nvPr/>
+        </p:nvSpPr>
+        <p:spPr>
+          <a:xfrm>
+            <a:off x="3335258" y="2211724"/>
+            <a:ext cx="5180092" cy="296456"/>
+          </a:xfrm>
+          <a:prstGeom prst="rect">
+            <a:avLst/>
+          </a:prstGeom>
+        </p:spPr>
+        <p:style>
+          <a:lnRef idx="2">
+            <a:schemeClr val="accent1">
+              <a:shade val="50000"/>
+            </a:schemeClr>
+          </a:lnRef>
+          <a:fillRef idx="1">
+            <a:schemeClr val="accent1"/>
+          </a:fillRef>
+          <a:effectRef idx="0">
+            <a:schemeClr val="accent1"/>
+          </a:effectRef>
+          <a:fontRef idx="minor">
+            <a:schemeClr val="lt1"/>
+          </a:fontRef>
+        </p:style>
+        <p:txBody>
+          <a:bodyPr rtlCol="0" anchor="ctr"/>
+          <a:lstStyle/>
+          <a:p>
+            <a:pPr algn="ctr"/>
+            <a:r>
+              <a:rPr lang="en-US" dirty="0"/>
+              <a:t>AWE ROW BUFFER2</a:t>
+            </a:r>
+          </a:p>
+        </p:txBody>
+      </p:sp>
+      <p:sp>
+        <p:nvSpPr>
+          <p:cNvPr id="14" name="Rectangle 13">
+            <a:extLst>
+              <a:ext uri="{FF2B5EF4-FFF2-40B4-BE49-F238E27FC236}">
+                <a16:creationId xmlns:a16="http://schemas.microsoft.com/office/drawing/2014/main" id="{A0464524-1AFD-412C-8C98-C0A64817D841}"/>
+              </a:ext>
+            </a:extLst>
+          </p:cNvPr>
+          <p:cNvSpPr/>
+          <p:nvPr/>
+        </p:nvSpPr>
+        <p:spPr>
+          <a:xfrm>
+            <a:off x="3315523" y="2632977"/>
+            <a:ext cx="5180092" cy="296456"/>
+          </a:xfrm>
+          <a:prstGeom prst="rect">
+            <a:avLst/>
+          </a:prstGeom>
+        </p:spPr>
+        <p:style>
+          <a:lnRef idx="2">
+            <a:schemeClr val="accent1">
+              <a:shade val="50000"/>
+            </a:schemeClr>
+          </a:lnRef>
+          <a:fillRef idx="1">
+            <a:schemeClr val="accent1"/>
+          </a:fillRef>
+          <a:effectRef idx="0">
+            <a:schemeClr val="accent1"/>
+          </a:effectRef>
+          <a:fontRef idx="minor">
+            <a:schemeClr val="lt1"/>
+          </a:fontRef>
+        </p:style>
+        <p:txBody>
+          <a:bodyPr rtlCol="0" anchor="ctr"/>
+          <a:lstStyle/>
+          <a:p>
+            <a:pPr algn="ctr"/>
+            <a:r>
+              <a:rPr lang="en-US" dirty="0"/>
+              <a:t>AWE ROW BUFFER3</a:t>
+            </a:r>
+          </a:p>
+        </p:txBody>
+      </p:sp>
+      <p:sp>
+        <p:nvSpPr>
+          <p:cNvPr id="15" name="Rectangle 14">
+            <a:extLst>
+              <a:ext uri="{FF2B5EF4-FFF2-40B4-BE49-F238E27FC236}">
+                <a16:creationId xmlns:a16="http://schemas.microsoft.com/office/drawing/2014/main" id="{FADCB61C-EC8B-4BAF-9619-C61324714D43}"/>
+              </a:ext>
+            </a:extLst>
+          </p:cNvPr>
+          <p:cNvSpPr/>
+          <p:nvPr/>
+        </p:nvSpPr>
+        <p:spPr>
+          <a:xfrm>
+            <a:off x="3315523" y="3054230"/>
+            <a:ext cx="5180092" cy="296456"/>
+          </a:xfrm>
+          <a:prstGeom prst="rect">
+            <a:avLst/>
+          </a:prstGeom>
+        </p:spPr>
+        <p:style>
+          <a:lnRef idx="2">
+            <a:schemeClr val="accent1">
+              <a:shade val="50000"/>
+            </a:schemeClr>
+          </a:lnRef>
+          <a:fillRef idx="1">
+            <a:schemeClr val="accent1"/>
+          </a:fillRef>
+          <a:effectRef idx="0">
+            <a:schemeClr val="accent1"/>
+          </a:effectRef>
+          <a:fontRef idx="minor">
+            <a:schemeClr val="lt1"/>
+          </a:fontRef>
+        </p:style>
+        <p:txBody>
+          <a:bodyPr rtlCol="0" anchor="ctr"/>
+          <a:lstStyle/>
+          <a:p>
+            <a:pPr algn="ctr"/>
+            <a:r>
+              <a:rPr lang="en-US" dirty="0"/>
+              <a:t>AWE ROW BUFFER4</a:t>
+            </a:r>
+          </a:p>
+        </p:txBody>
+      </p:sp>
+      <p:sp>
+        <p:nvSpPr>
+          <p:cNvPr id="16" name="Rectangle 15">
+            <a:extLst>
+              <a:ext uri="{FF2B5EF4-FFF2-40B4-BE49-F238E27FC236}">
+                <a16:creationId xmlns:a16="http://schemas.microsoft.com/office/drawing/2014/main" id="{FF5787F2-246B-4249-B060-968E347E9690}"/>
+              </a:ext>
+            </a:extLst>
+          </p:cNvPr>
+          <p:cNvSpPr/>
+          <p:nvPr/>
+        </p:nvSpPr>
+        <p:spPr>
+          <a:xfrm>
+            <a:off x="3315523" y="3453898"/>
+            <a:ext cx="5180092" cy="296456"/>
+          </a:xfrm>
+          <a:prstGeom prst="rect">
+            <a:avLst/>
+          </a:prstGeom>
+        </p:spPr>
+        <p:style>
+          <a:lnRef idx="2">
+            <a:schemeClr val="accent1">
+              <a:shade val="50000"/>
+            </a:schemeClr>
+          </a:lnRef>
+          <a:fillRef idx="1">
+            <a:schemeClr val="accent1"/>
+          </a:fillRef>
+          <a:effectRef idx="0">
+            <a:schemeClr val="accent1"/>
+          </a:effectRef>
+          <a:fontRef idx="minor">
+            <a:schemeClr val="lt1"/>
+          </a:fontRef>
+        </p:style>
+        <p:txBody>
+          <a:bodyPr rtlCol="0" anchor="ctr"/>
+          <a:lstStyle/>
+          <a:p>
+            <a:pPr algn="ctr"/>
+            <a:r>
+              <a:rPr lang="en-US" dirty="0"/>
+              <a:t>AWE ROW BUFFER5</a:t>
+            </a:r>
+          </a:p>
+        </p:txBody>
+      </p:sp>
+      <p:sp>
+        <p:nvSpPr>
+          <p:cNvPr id="17" name="Rectangle 16">
+            <a:extLst>
+              <a:ext uri="{FF2B5EF4-FFF2-40B4-BE49-F238E27FC236}">
+                <a16:creationId xmlns:a16="http://schemas.microsoft.com/office/drawing/2014/main" id="{C103BA37-5736-46FE-930A-05C6FFB7616F}"/>
+              </a:ext>
+            </a:extLst>
+          </p:cNvPr>
+          <p:cNvSpPr/>
+          <p:nvPr/>
+        </p:nvSpPr>
+        <p:spPr>
+          <a:xfrm>
+            <a:off x="3315523" y="3896736"/>
+            <a:ext cx="5180092" cy="296456"/>
+          </a:xfrm>
+          <a:prstGeom prst="rect">
+            <a:avLst/>
+          </a:prstGeom>
+        </p:spPr>
+        <p:style>
+          <a:lnRef idx="2">
+            <a:schemeClr val="accent1">
+              <a:shade val="50000"/>
+            </a:schemeClr>
+          </a:lnRef>
+          <a:fillRef idx="1">
+            <a:schemeClr val="accent1"/>
+          </a:fillRef>
+          <a:effectRef idx="0">
+            <a:schemeClr val="accent1"/>
+          </a:effectRef>
+          <a:fontRef idx="minor">
+            <a:schemeClr val="lt1"/>
+          </a:fontRef>
+        </p:style>
+        <p:txBody>
+          <a:bodyPr rtlCol="0" anchor="ctr"/>
+          <a:lstStyle/>
+          <a:p>
+            <a:pPr algn="ctr"/>
+            <a:r>
+              <a:rPr lang="en-US" dirty="0"/>
+              <a:t>AWE ROW BUFFER6</a:t>
+            </a:r>
+          </a:p>
+        </p:txBody>
+      </p:sp>
+      <p:sp>
+        <p:nvSpPr>
+          <p:cNvPr id="18" name="Rectangle 17">
+            <a:extLst>
+              <a:ext uri="{FF2B5EF4-FFF2-40B4-BE49-F238E27FC236}">
+                <a16:creationId xmlns:a16="http://schemas.microsoft.com/office/drawing/2014/main" id="{F502924E-8185-4CB4-9365-0507762B4001}"/>
+              </a:ext>
+            </a:extLst>
+          </p:cNvPr>
+          <p:cNvSpPr/>
+          <p:nvPr/>
+        </p:nvSpPr>
+        <p:spPr>
+          <a:xfrm>
+            <a:off x="3315523" y="4296404"/>
+            <a:ext cx="5180092" cy="296456"/>
+          </a:xfrm>
+          <a:prstGeom prst="rect">
+            <a:avLst/>
+          </a:prstGeom>
+        </p:spPr>
+        <p:style>
+          <a:lnRef idx="2">
+            <a:schemeClr val="accent1">
+              <a:shade val="50000"/>
+            </a:schemeClr>
+          </a:lnRef>
+          <a:fillRef idx="1">
+            <a:schemeClr val="accent1"/>
+          </a:fillRef>
+          <a:effectRef idx="0">
+            <a:schemeClr val="accent1"/>
+          </a:effectRef>
+          <a:fontRef idx="minor">
+            <a:schemeClr val="lt1"/>
+          </a:fontRef>
+        </p:style>
+        <p:txBody>
+          <a:bodyPr rtlCol="0" anchor="ctr"/>
+          <a:lstStyle/>
+          <a:p>
+            <a:pPr algn="ctr"/>
+            <a:r>
+              <a:rPr lang="en-US" dirty="0"/>
+              <a:t>AWE ROW BUFFER7</a:t>
+            </a:r>
+          </a:p>
+        </p:txBody>
+      </p:sp>
+    </p:spTree>
+    <p:extLst>
+      <p:ext uri="{BB962C8B-B14F-4D97-AF65-F5344CB8AC3E}">
+        <p14:creationId xmlns:p14="http://schemas.microsoft.com/office/powerpoint/2010/main" val="4122335235"/>
+      </p:ext>
+    </p:extLst>
+  </p:cSld>
+  <p:clrMapOvr>
+    <a:masterClrMapping/>
+  </p:clrMapOvr>
+</p:sld>
+</file>
+
+<file path=ppt/slides/slide41.xml><?xml version="1.0" encoding="utf-8"?>
+<p:sld xmlns:a="http://schemas.openxmlformats.org/drawingml/2006/main" xmlns:r="http://schemas.openxmlformats.org/officeDocument/2006/relationships" xmlns:p="http://schemas.openxmlformats.org/presentationml/2006/main">
+  <p:cSld>
+    <p:spTree>
+      <p:nvGrpSpPr>
+        <p:cNvPr id="1" name=""/>
+        <p:cNvGrpSpPr/>
+        <p:nvPr/>
+      </p:nvGrpSpPr>
+      <p:grpSpPr>
+        <a:xfrm>
+          <a:off x="0" y="0"/>
+          <a:ext cx="0" cy="0"/>
+          <a:chOff x="0" y="0"/>
+          <a:chExt cx="0" cy="0"/>
+        </a:xfrm>
+      </p:grpSpPr>
+      <p:sp>
+        <p:nvSpPr>
+          <p:cNvPr id="2" name="Title 1">
+            <a:extLst>
+              <a:ext uri="{FF2B5EF4-FFF2-40B4-BE49-F238E27FC236}">
+                <a16:creationId xmlns:a16="http://schemas.microsoft.com/office/drawing/2014/main" id="{317952A4-6853-43A0-9CC5-DA163180AEF2}"/>
+              </a:ext>
+            </a:extLst>
+          </p:cNvPr>
+          <p:cNvSpPr>
+            <a:spLocks noGrp="1"/>
+          </p:cNvSpPr>
+          <p:nvPr>
+            <p:ph type="title"/>
+          </p:nvPr>
+        </p:nvSpPr>
+        <p:spPr/>
+        <p:txBody>
+          <a:bodyPr/>
+          <a:lstStyle/>
+          <a:p>
+            <a:endParaRPr lang="en-US"/>
+          </a:p>
+        </p:txBody>
+      </p:sp>
+      <p:sp>
+        <p:nvSpPr>
+          <p:cNvPr id="3" name="Content Placeholder 2">
+            <a:extLst>
+              <a:ext uri="{FF2B5EF4-FFF2-40B4-BE49-F238E27FC236}">
+                <a16:creationId xmlns:a16="http://schemas.microsoft.com/office/drawing/2014/main" id="{574B13A9-5F1A-4282-B6E1-B460C4458C90}"/>
+              </a:ext>
+            </a:extLst>
+          </p:cNvPr>
+          <p:cNvSpPr>
+            <a:spLocks noGrp="1"/>
+          </p:cNvSpPr>
+          <p:nvPr>
+            <p:ph idx="1"/>
+          </p:nvPr>
+        </p:nvSpPr>
+        <p:spPr/>
+        <p:txBody>
+          <a:bodyPr>
+            <a:normAutofit/>
+          </a:bodyPr>
+          <a:lstStyle/>
+          <a:p>
+            <a:r>
+              <a:rPr lang="en-US" dirty="0"/>
+              <a:t>3x3 Kernel Input Format</a:t>
+            </a:r>
+          </a:p>
+          <a:p>
+            <a:pPr lvl="1"/>
+            <a:r>
+              <a:rPr lang="pt-BR" dirty="0"/>
+              <a:t>[D</a:t>
+            </a:r>
+            <a:r>
+              <a:rPr lang="pt-BR" baseline="-25000" dirty="0"/>
+              <a:t>0</a:t>
+            </a:r>
+            <a:r>
+              <a:rPr lang="pt-BR" dirty="0"/>
+              <a:t>C</a:t>
+            </a:r>
+            <a:r>
+              <a:rPr lang="pt-BR" baseline="-25000" dirty="0"/>
+              <a:t>0</a:t>
+            </a:r>
+            <a:r>
+              <a:rPr lang="pt-BR" dirty="0"/>
+              <a:t>R</a:t>
+            </a:r>
+            <a:r>
+              <a:rPr lang="pt-BR" baseline="-25000" dirty="0"/>
+              <a:t>0</a:t>
+            </a:r>
+            <a:r>
+              <a:rPr lang="pt-BR" dirty="0"/>
+              <a:t>, D</a:t>
+            </a:r>
+            <a:r>
+              <a:rPr lang="pt-BR" baseline="-25000" dirty="0"/>
+              <a:t>1</a:t>
+            </a:r>
+            <a:r>
+              <a:rPr lang="pt-BR" dirty="0"/>
+              <a:t>C</a:t>
+            </a:r>
+            <a:r>
+              <a:rPr lang="pt-BR" baseline="-25000" dirty="0"/>
+              <a:t>0</a:t>
+            </a:r>
+            <a:r>
+              <a:rPr lang="pt-BR" dirty="0"/>
+              <a:t>R</a:t>
+            </a:r>
+            <a:r>
+              <a:rPr lang="pt-BR" baseline="-25000" dirty="0"/>
+              <a:t>0</a:t>
+            </a:r>
+            <a:r>
+              <a:rPr lang="pt-BR" dirty="0"/>
+              <a:t>, ... D</a:t>
+            </a:r>
+            <a:r>
+              <a:rPr lang="pt-BR" baseline="-25000" dirty="0"/>
+              <a:t>7</a:t>
+            </a:r>
+            <a:r>
+              <a:rPr lang="pt-BR" dirty="0"/>
+              <a:t>C</a:t>
+            </a:r>
+            <a:r>
+              <a:rPr lang="pt-BR" baseline="-25000" dirty="0"/>
+              <a:t>0</a:t>
+            </a:r>
+            <a:r>
+              <a:rPr lang="pt-BR" dirty="0"/>
+              <a:t>R</a:t>
+            </a:r>
+            <a:r>
+              <a:rPr lang="pt-BR" baseline="-25000" dirty="0"/>
+              <a:t>0</a:t>
+            </a:r>
+            <a:r>
+              <a:rPr lang="pt-BR" dirty="0"/>
+              <a:t>]</a:t>
+            </a:r>
+            <a:endParaRPr lang="en-US" dirty="0"/>
+          </a:p>
+          <a:p>
+            <a:endParaRPr lang="en-US" dirty="0"/>
+          </a:p>
+        </p:txBody>
+      </p:sp>
+    </p:spTree>
+    <p:extLst>
+      <p:ext uri="{BB962C8B-B14F-4D97-AF65-F5344CB8AC3E}">
+        <p14:creationId xmlns:p14="http://schemas.microsoft.com/office/powerpoint/2010/main" val="2979226558"/>
+      </p:ext>
+    </p:extLst>
+  </p:cSld>
+  <p:clrMapOvr>
+    <a:masterClrMapping/>
+  </p:clrMapOvr>
+</p:sld>
+</file>
+
+<file path=ppt/slides/slide42.xml><?xml version="1.0" encoding="utf-8"?>
+<p:sld xmlns:a="http://schemas.openxmlformats.org/drawingml/2006/main" xmlns:r="http://schemas.openxmlformats.org/officeDocument/2006/relationships" xmlns:p="http://schemas.openxmlformats.org/presentationml/2006/main">
+  <p:cSld>
+    <p:spTree>
+      <p:nvGrpSpPr>
+        <p:cNvPr id="1" name=""/>
+        <p:cNvGrpSpPr/>
+        <p:nvPr/>
+      </p:nvGrpSpPr>
+      <p:grpSpPr>
+        <a:xfrm>
+          <a:off x="0" y="0"/>
+          <a:ext cx="0" cy="0"/>
+          <a:chOff x="0" y="0"/>
+          <a:chExt cx="0" cy="0"/>
+        </a:xfrm>
+      </p:grpSpPr>
+      <p:sp>
+        <p:nvSpPr>
+          <p:cNvPr id="2" name="Title 1">
+            <a:extLst>
+              <a:ext uri="{FF2B5EF4-FFF2-40B4-BE49-F238E27FC236}">
+                <a16:creationId xmlns:a16="http://schemas.microsoft.com/office/drawing/2014/main" id="{317952A4-6853-43A0-9CC5-DA163180AEF2}"/>
+              </a:ext>
+            </a:extLst>
+          </p:cNvPr>
+          <p:cNvSpPr>
+            <a:spLocks noGrp="1"/>
+          </p:cNvSpPr>
+          <p:nvPr>
+            <p:ph type="title"/>
+          </p:nvPr>
+        </p:nvSpPr>
+        <p:spPr/>
+        <p:txBody>
+          <a:bodyPr/>
+          <a:lstStyle/>
+          <a:p>
+            <a:endParaRPr lang="en-US"/>
+          </a:p>
+        </p:txBody>
+      </p:sp>
+      <p:sp>
+        <p:nvSpPr>
+          <p:cNvPr id="3" name="Content Placeholder 2">
+            <a:extLst>
+              <a:ext uri="{FF2B5EF4-FFF2-40B4-BE49-F238E27FC236}">
+                <a16:creationId xmlns:a16="http://schemas.microsoft.com/office/drawing/2014/main" id="{574B13A9-5F1A-4282-B6E1-B460C4458C90}"/>
+              </a:ext>
+            </a:extLst>
+          </p:cNvPr>
+          <p:cNvSpPr>
+            <a:spLocks noGrp="1"/>
+          </p:cNvSpPr>
+          <p:nvPr>
+            <p:ph idx="1"/>
+          </p:nvPr>
+        </p:nvSpPr>
+        <p:spPr/>
+        <p:txBody>
+          <a:bodyPr>
+            <a:normAutofit/>
+          </a:bodyPr>
+          <a:lstStyle/>
+          <a:p>
+            <a:r>
+              <a:rPr lang="en-US" dirty="0"/>
+              <a:t>Ideally output will be 5x18x18</a:t>
+            </a:r>
+          </a:p>
+          <a:p>
+            <a:pPr lvl="1"/>
+            <a:r>
+              <a:rPr lang="en-US" dirty="0"/>
+              <a:t>However output is be 5x18x20, with the result in the top left</a:t>
+            </a:r>
+          </a:p>
+          <a:p>
+            <a:pPr lvl="2"/>
+            <a:r>
+              <a:rPr lang="pt-BR" sz="1200" dirty="0"/>
+              <a:t>[R</a:t>
+            </a:r>
+            <a:r>
+              <a:rPr lang="pt-BR" sz="1200" baseline="-25000" dirty="0"/>
+              <a:t>0</a:t>
+            </a:r>
+            <a:r>
+              <a:rPr lang="pt-BR" sz="1200" dirty="0"/>
+              <a:t>C</a:t>
+            </a:r>
+            <a:r>
+              <a:rPr lang="pt-BR" sz="1200" baseline="-25000" dirty="0"/>
+              <a:t>0</a:t>
+            </a:r>
+            <a:r>
+              <a:rPr lang="pt-BR" sz="1200" dirty="0"/>
+              <a:t>D</a:t>
+            </a:r>
+            <a:r>
+              <a:rPr lang="pt-BR" sz="1200" baseline="-25000" dirty="0"/>
+              <a:t>0</a:t>
+            </a:r>
+            <a:r>
+              <a:rPr lang="pt-BR" sz="1200" dirty="0"/>
+              <a:t>, R</a:t>
+            </a:r>
+            <a:r>
+              <a:rPr lang="pt-BR" sz="1200" baseline="-25000" dirty="0"/>
+              <a:t>0</a:t>
+            </a:r>
+            <a:r>
+              <a:rPr lang="pt-BR" sz="1200" dirty="0"/>
+              <a:t>C</a:t>
+            </a:r>
+            <a:r>
+              <a:rPr lang="pt-BR" sz="1200" baseline="-25000" dirty="0"/>
+              <a:t>1</a:t>
+            </a:r>
+            <a:r>
+              <a:rPr lang="pt-BR" sz="1200" dirty="0"/>
+              <a:t>D</a:t>
+            </a:r>
+            <a:r>
+              <a:rPr lang="pt-BR" sz="1200" baseline="-25000" dirty="0"/>
+              <a:t>0</a:t>
+            </a:r>
+            <a:r>
+              <a:rPr lang="pt-BR" sz="1200" dirty="0"/>
+              <a:t>, ... R</a:t>
+            </a:r>
+            <a:r>
+              <a:rPr lang="pt-BR" sz="1200" baseline="-25000" dirty="0"/>
+              <a:t>0</a:t>
+            </a:r>
+            <a:r>
+              <a:rPr lang="pt-BR" sz="1200" dirty="0"/>
+              <a:t>C</a:t>
+            </a:r>
+            <a:r>
+              <a:rPr lang="pt-BR" sz="1200" baseline="-25000" dirty="0"/>
+              <a:t>19</a:t>
+            </a:r>
+            <a:r>
+              <a:rPr lang="pt-BR" sz="1200" dirty="0"/>
+              <a:t>D</a:t>
+            </a:r>
+            <a:r>
+              <a:rPr lang="pt-BR" sz="1200" baseline="-25000" dirty="0"/>
+              <a:t>0</a:t>
+            </a:r>
+            <a:r>
+              <a:rPr lang="pt-BR" sz="1200" dirty="0"/>
+              <a:t>] [R</a:t>
+            </a:r>
+            <a:r>
+              <a:rPr lang="pt-BR" sz="1200" baseline="-25000" dirty="0"/>
+              <a:t>0</a:t>
+            </a:r>
+            <a:r>
+              <a:rPr lang="pt-BR" sz="1200" dirty="0"/>
+              <a:t>C</a:t>
+            </a:r>
+            <a:r>
+              <a:rPr lang="pt-BR" sz="1200" baseline="-25000" dirty="0"/>
+              <a:t>0</a:t>
+            </a:r>
+            <a:r>
+              <a:rPr lang="pt-BR" sz="1200" dirty="0"/>
+              <a:t>D</a:t>
+            </a:r>
+            <a:r>
+              <a:rPr lang="pt-BR" sz="1200" baseline="-25000" dirty="0"/>
+              <a:t>1</a:t>
+            </a:r>
+            <a:r>
+              <a:rPr lang="pt-BR" sz="1200" dirty="0"/>
+              <a:t>, R</a:t>
+            </a:r>
+            <a:r>
+              <a:rPr lang="pt-BR" sz="1200" baseline="-25000" dirty="0"/>
+              <a:t>0</a:t>
+            </a:r>
+            <a:r>
+              <a:rPr lang="pt-BR" sz="1200" dirty="0"/>
+              <a:t>C</a:t>
+            </a:r>
+            <a:r>
+              <a:rPr lang="pt-BR" sz="1200" baseline="-25000" dirty="0"/>
+              <a:t>1</a:t>
+            </a:r>
+            <a:r>
+              <a:rPr lang="pt-BR" sz="1200" dirty="0"/>
+              <a:t>D</a:t>
+            </a:r>
+            <a:r>
+              <a:rPr lang="pt-BR" sz="1200" baseline="-25000" dirty="0"/>
+              <a:t>1</a:t>
+            </a:r>
+            <a:r>
+              <a:rPr lang="pt-BR" sz="1200" dirty="0"/>
+              <a:t>, ... R</a:t>
+            </a:r>
+            <a:r>
+              <a:rPr lang="pt-BR" sz="1200" baseline="-25000" dirty="0"/>
+              <a:t>0</a:t>
+            </a:r>
+            <a:r>
+              <a:rPr lang="pt-BR" sz="1200" dirty="0"/>
+              <a:t>C</a:t>
+            </a:r>
+            <a:r>
+              <a:rPr lang="pt-BR" sz="1200" baseline="-25000" dirty="0"/>
+              <a:t>19</a:t>
+            </a:r>
+            <a:r>
+              <a:rPr lang="pt-BR" sz="1200" dirty="0"/>
+              <a:t>D</a:t>
+            </a:r>
+            <a:r>
+              <a:rPr lang="pt-BR" sz="1200" baseline="-25000" dirty="0"/>
+              <a:t>1</a:t>
+            </a:r>
+            <a:r>
+              <a:rPr lang="pt-BR" sz="1200" dirty="0"/>
+              <a:t>] ….... [R</a:t>
+            </a:r>
+            <a:r>
+              <a:rPr lang="pt-BR" sz="1200" baseline="-25000" dirty="0"/>
+              <a:t>0</a:t>
+            </a:r>
+            <a:r>
+              <a:rPr lang="pt-BR" sz="1200" dirty="0"/>
+              <a:t>C</a:t>
+            </a:r>
+            <a:r>
+              <a:rPr lang="pt-BR" sz="1200" baseline="-25000" dirty="0"/>
+              <a:t>19</a:t>
+            </a:r>
+            <a:r>
+              <a:rPr lang="pt-BR" sz="1200" dirty="0"/>
+              <a:t>D</a:t>
+            </a:r>
+            <a:r>
+              <a:rPr lang="pt-BR" sz="1200" baseline="-25000" dirty="0"/>
+              <a:t>4</a:t>
+            </a:r>
+            <a:r>
+              <a:rPr lang="pt-BR" sz="1200" dirty="0"/>
+              <a:t>, R</a:t>
+            </a:r>
+            <a:r>
+              <a:rPr lang="pt-BR" sz="1200" baseline="-25000" dirty="0"/>
+              <a:t>0</a:t>
+            </a:r>
+            <a:r>
+              <a:rPr lang="pt-BR" sz="1200" dirty="0"/>
+              <a:t>C</a:t>
+            </a:r>
+            <a:r>
+              <a:rPr lang="pt-BR" sz="1200" baseline="-25000" dirty="0"/>
+              <a:t>1</a:t>
+            </a:r>
+            <a:r>
+              <a:rPr lang="pt-BR" sz="1200" dirty="0"/>
+              <a:t>D</a:t>
+            </a:r>
+            <a:r>
+              <a:rPr lang="pt-BR" sz="1200" baseline="-25000" dirty="0"/>
+              <a:t>4</a:t>
+            </a:r>
+            <a:r>
+              <a:rPr lang="pt-BR" sz="1200" dirty="0"/>
+              <a:t>, ... R</a:t>
+            </a:r>
+            <a:r>
+              <a:rPr lang="pt-BR" sz="1200" baseline="-25000" dirty="0"/>
+              <a:t>0</a:t>
+            </a:r>
+            <a:r>
+              <a:rPr lang="pt-BR" sz="1200" dirty="0"/>
+              <a:t>C</a:t>
+            </a:r>
+            <a:r>
+              <a:rPr lang="pt-BR" sz="1200" baseline="-25000" dirty="0"/>
+              <a:t>19</a:t>
+            </a:r>
+            <a:r>
+              <a:rPr lang="pt-BR" sz="1200" dirty="0"/>
+              <a:t>D</a:t>
+            </a:r>
+            <a:r>
+              <a:rPr lang="pt-BR" sz="1200" baseline="-25000" dirty="0"/>
+              <a:t>4</a:t>
+            </a:r>
+            <a:r>
+              <a:rPr lang="pt-BR" sz="1200" dirty="0"/>
+              <a:t>] </a:t>
+            </a:r>
+          </a:p>
+          <a:p>
+            <a:pPr lvl="2"/>
+            <a:r>
+              <a:rPr lang="pt-BR" sz="1200" dirty="0"/>
+              <a:t>[R</a:t>
+            </a:r>
+            <a:r>
+              <a:rPr lang="pt-BR" sz="1200" baseline="-25000" dirty="0"/>
+              <a:t>1</a:t>
+            </a:r>
+            <a:r>
+              <a:rPr lang="pt-BR" sz="1200" dirty="0"/>
+              <a:t>C</a:t>
+            </a:r>
+            <a:r>
+              <a:rPr lang="pt-BR" sz="1200" baseline="-25000" dirty="0"/>
+              <a:t>0</a:t>
+            </a:r>
+            <a:r>
+              <a:rPr lang="pt-BR" sz="1200" dirty="0"/>
+              <a:t>D</a:t>
+            </a:r>
+            <a:r>
+              <a:rPr lang="pt-BR" sz="1200" baseline="-25000" dirty="0"/>
+              <a:t>0</a:t>
+            </a:r>
+            <a:r>
+              <a:rPr lang="pt-BR" sz="1200" dirty="0"/>
+              <a:t>, R</a:t>
+            </a:r>
+            <a:r>
+              <a:rPr lang="pt-BR" sz="1200" baseline="-25000" dirty="0"/>
+              <a:t>1</a:t>
+            </a:r>
+            <a:r>
+              <a:rPr lang="pt-BR" sz="1200" dirty="0"/>
+              <a:t>C</a:t>
+            </a:r>
+            <a:r>
+              <a:rPr lang="pt-BR" sz="1200" baseline="-25000" dirty="0"/>
+              <a:t>1</a:t>
+            </a:r>
+            <a:r>
+              <a:rPr lang="pt-BR" sz="1200" dirty="0"/>
+              <a:t>D</a:t>
+            </a:r>
+            <a:r>
+              <a:rPr lang="pt-BR" sz="1200" baseline="-25000" dirty="0"/>
+              <a:t>0</a:t>
+            </a:r>
+            <a:r>
+              <a:rPr lang="pt-BR" sz="1200" dirty="0"/>
+              <a:t>, ... R</a:t>
+            </a:r>
+            <a:r>
+              <a:rPr lang="pt-BR" sz="1200" baseline="-25000" dirty="0"/>
+              <a:t>1</a:t>
+            </a:r>
+            <a:r>
+              <a:rPr lang="pt-BR" sz="1200" dirty="0"/>
+              <a:t>C</a:t>
+            </a:r>
+            <a:r>
+              <a:rPr lang="pt-BR" sz="1200" baseline="-25000" dirty="0"/>
+              <a:t>19</a:t>
+            </a:r>
+            <a:r>
+              <a:rPr lang="pt-BR" sz="1200" dirty="0"/>
+              <a:t>D0] [R</a:t>
+            </a:r>
+            <a:r>
+              <a:rPr lang="pt-BR" sz="1200" baseline="-25000" dirty="0"/>
+              <a:t>1</a:t>
+            </a:r>
+            <a:r>
+              <a:rPr lang="pt-BR" sz="1200" dirty="0"/>
+              <a:t>C</a:t>
+            </a:r>
+            <a:r>
+              <a:rPr lang="pt-BR" sz="1200" baseline="-25000" dirty="0"/>
+              <a:t>0</a:t>
+            </a:r>
+            <a:r>
+              <a:rPr lang="pt-BR" sz="1200" dirty="0"/>
+              <a:t>D</a:t>
+            </a:r>
+            <a:r>
+              <a:rPr lang="pt-BR" sz="1200" baseline="-25000" dirty="0"/>
+              <a:t>1</a:t>
+            </a:r>
+            <a:r>
+              <a:rPr lang="pt-BR" sz="1200" dirty="0"/>
+              <a:t>, R</a:t>
+            </a:r>
+            <a:r>
+              <a:rPr lang="pt-BR" sz="1200" baseline="-25000" dirty="0"/>
+              <a:t>1</a:t>
+            </a:r>
+            <a:r>
+              <a:rPr lang="pt-BR" sz="1200" dirty="0"/>
+              <a:t>C</a:t>
+            </a:r>
+            <a:r>
+              <a:rPr lang="pt-BR" sz="1200" baseline="-25000" dirty="0"/>
+              <a:t>1</a:t>
+            </a:r>
+            <a:r>
+              <a:rPr lang="pt-BR" sz="1200" dirty="0"/>
+              <a:t>D</a:t>
+            </a:r>
+            <a:r>
+              <a:rPr lang="pt-BR" sz="1200" baseline="-25000" dirty="0"/>
+              <a:t>1</a:t>
+            </a:r>
+            <a:r>
+              <a:rPr lang="pt-BR" sz="1200" dirty="0"/>
+              <a:t>, ... R</a:t>
+            </a:r>
+            <a:r>
+              <a:rPr lang="pt-BR" sz="1200" baseline="-25000" dirty="0"/>
+              <a:t>1</a:t>
+            </a:r>
+            <a:r>
+              <a:rPr lang="pt-BR" sz="1200" dirty="0"/>
+              <a:t>C</a:t>
+            </a:r>
+            <a:r>
+              <a:rPr lang="pt-BR" sz="1200" baseline="-25000" dirty="0"/>
+              <a:t>19</a:t>
+            </a:r>
+            <a:r>
+              <a:rPr lang="pt-BR" sz="1200" dirty="0"/>
+              <a:t>D</a:t>
+            </a:r>
+            <a:r>
+              <a:rPr lang="pt-BR" sz="1200" baseline="-25000" dirty="0"/>
+              <a:t>1</a:t>
+            </a:r>
+            <a:r>
+              <a:rPr lang="pt-BR" sz="1200" dirty="0"/>
+              <a:t>] ….... [R</a:t>
+            </a:r>
+            <a:r>
+              <a:rPr lang="pt-BR" sz="1200" baseline="-25000" dirty="0"/>
+              <a:t>1</a:t>
+            </a:r>
+            <a:r>
+              <a:rPr lang="pt-BR" sz="1200" dirty="0"/>
+              <a:t>C</a:t>
+            </a:r>
+            <a:r>
+              <a:rPr lang="pt-BR" sz="1200" baseline="-25000" dirty="0"/>
+              <a:t>19</a:t>
+            </a:r>
+            <a:r>
+              <a:rPr lang="pt-BR" sz="1200" dirty="0"/>
+              <a:t>D</a:t>
+            </a:r>
+            <a:r>
+              <a:rPr lang="pt-BR" sz="1200" baseline="-25000" dirty="0"/>
+              <a:t>4</a:t>
+            </a:r>
+            <a:r>
+              <a:rPr lang="pt-BR" sz="1200" dirty="0"/>
+              <a:t>, R</a:t>
+            </a:r>
+            <a:r>
+              <a:rPr lang="pt-BR" sz="1200" baseline="-25000" dirty="0"/>
+              <a:t>1</a:t>
+            </a:r>
+            <a:r>
+              <a:rPr lang="pt-BR" sz="1200" dirty="0"/>
+              <a:t>C</a:t>
+            </a:r>
+            <a:r>
+              <a:rPr lang="pt-BR" sz="1200" baseline="-25000" dirty="0"/>
+              <a:t>1</a:t>
+            </a:r>
+            <a:r>
+              <a:rPr lang="pt-BR" sz="1200" dirty="0"/>
+              <a:t>D</a:t>
+            </a:r>
+            <a:r>
+              <a:rPr lang="pt-BR" sz="1200" baseline="-25000" dirty="0"/>
+              <a:t>4</a:t>
+            </a:r>
+            <a:r>
+              <a:rPr lang="pt-BR" sz="1200" dirty="0"/>
+              <a:t>, ... R</a:t>
+            </a:r>
+            <a:r>
+              <a:rPr lang="pt-BR" sz="1200" baseline="-25000" dirty="0"/>
+              <a:t>1</a:t>
+            </a:r>
+            <a:r>
+              <a:rPr lang="pt-BR" sz="1200" dirty="0"/>
+              <a:t>C</a:t>
+            </a:r>
+            <a:r>
+              <a:rPr lang="pt-BR" sz="1200" baseline="-25000" dirty="0"/>
+              <a:t>19</a:t>
+            </a:r>
+            <a:r>
+              <a:rPr lang="pt-BR" sz="1200" dirty="0"/>
+              <a:t>D</a:t>
+            </a:r>
+            <a:r>
+              <a:rPr lang="pt-BR" sz="1200" baseline="-25000" dirty="0"/>
+              <a:t>4</a:t>
+            </a:r>
+            <a:r>
+              <a:rPr lang="pt-BR" sz="1200" dirty="0"/>
+              <a:t>] </a:t>
+            </a:r>
+          </a:p>
+          <a:p>
+            <a:pPr lvl="2"/>
+            <a:r>
+              <a:rPr lang="pt-BR" sz="1200" dirty="0"/>
+              <a:t>.</a:t>
+            </a:r>
+          </a:p>
+          <a:p>
+            <a:pPr lvl="2"/>
+            <a:r>
+              <a:rPr lang="pt-BR" sz="1200" dirty="0"/>
+              <a:t>.</a:t>
+            </a:r>
+          </a:p>
+          <a:p>
+            <a:pPr lvl="2"/>
+            <a:r>
+              <a:rPr lang="pt-BR" sz="1200" dirty="0"/>
+              <a:t>.</a:t>
+            </a:r>
+          </a:p>
+          <a:p>
+            <a:pPr lvl="2"/>
+            <a:r>
+              <a:rPr lang="pt-BR" sz="1200" dirty="0"/>
+              <a:t>[R</a:t>
+            </a:r>
+            <a:r>
+              <a:rPr lang="pt-BR" sz="1200" baseline="-25000" dirty="0"/>
+              <a:t>17</a:t>
+            </a:r>
+            <a:r>
+              <a:rPr lang="pt-BR" sz="1200" dirty="0"/>
+              <a:t>C</a:t>
+            </a:r>
+            <a:r>
+              <a:rPr lang="pt-BR" sz="1200" baseline="-25000" dirty="0"/>
+              <a:t>0</a:t>
+            </a:r>
+            <a:r>
+              <a:rPr lang="pt-BR" sz="1200" dirty="0"/>
+              <a:t>D</a:t>
+            </a:r>
+            <a:r>
+              <a:rPr lang="pt-BR" sz="1200" baseline="-25000" dirty="0"/>
+              <a:t>0</a:t>
+            </a:r>
+            <a:r>
+              <a:rPr lang="pt-BR" sz="1200" dirty="0"/>
+              <a:t>, R</a:t>
+            </a:r>
+            <a:r>
+              <a:rPr lang="pt-BR" sz="1200" baseline="-25000" dirty="0"/>
+              <a:t>17</a:t>
+            </a:r>
+            <a:r>
+              <a:rPr lang="pt-BR" sz="1200" dirty="0"/>
+              <a:t>C</a:t>
+            </a:r>
+            <a:r>
+              <a:rPr lang="pt-BR" sz="1200" baseline="-25000" dirty="0"/>
+              <a:t>1</a:t>
+            </a:r>
+            <a:r>
+              <a:rPr lang="pt-BR" sz="1200" dirty="0"/>
+              <a:t>D</a:t>
+            </a:r>
+            <a:r>
+              <a:rPr lang="pt-BR" sz="1200" baseline="-25000" dirty="0"/>
+              <a:t>0</a:t>
+            </a:r>
+            <a:r>
+              <a:rPr lang="pt-BR" sz="1200" dirty="0"/>
+              <a:t>, ... R</a:t>
+            </a:r>
+            <a:r>
+              <a:rPr lang="pt-BR" sz="1200" baseline="-25000" dirty="0"/>
+              <a:t>17</a:t>
+            </a:r>
+            <a:r>
+              <a:rPr lang="pt-BR" sz="1200" dirty="0"/>
+              <a:t>C</a:t>
+            </a:r>
+            <a:r>
+              <a:rPr lang="pt-BR" sz="1200" baseline="-25000" dirty="0"/>
+              <a:t>19</a:t>
+            </a:r>
+            <a:r>
+              <a:rPr lang="pt-BR" sz="1200" dirty="0"/>
+              <a:t>D</a:t>
+            </a:r>
+            <a:r>
+              <a:rPr lang="pt-BR" sz="1200" baseline="-25000" dirty="0"/>
+              <a:t>0</a:t>
+            </a:r>
+            <a:r>
+              <a:rPr lang="pt-BR" sz="1200" dirty="0"/>
+              <a:t>] [R</a:t>
+            </a:r>
+            <a:r>
+              <a:rPr lang="pt-BR" sz="1200" baseline="-25000" dirty="0"/>
+              <a:t>17</a:t>
+            </a:r>
+            <a:r>
+              <a:rPr lang="pt-BR" sz="1200" dirty="0"/>
+              <a:t>C</a:t>
+            </a:r>
+            <a:r>
+              <a:rPr lang="pt-BR" sz="1200" baseline="-25000" dirty="0"/>
+              <a:t>0</a:t>
+            </a:r>
+            <a:r>
+              <a:rPr lang="pt-BR" sz="1200" dirty="0"/>
+              <a:t>D</a:t>
+            </a:r>
+            <a:r>
+              <a:rPr lang="pt-BR" sz="1200" baseline="-25000" dirty="0"/>
+              <a:t>1</a:t>
+            </a:r>
+            <a:r>
+              <a:rPr lang="pt-BR" sz="1200" dirty="0"/>
+              <a:t>, R</a:t>
+            </a:r>
+            <a:r>
+              <a:rPr lang="pt-BR" sz="1200" baseline="-25000" dirty="0"/>
+              <a:t>17</a:t>
+            </a:r>
+            <a:r>
+              <a:rPr lang="pt-BR" sz="1200" dirty="0"/>
+              <a:t>C</a:t>
+            </a:r>
+            <a:r>
+              <a:rPr lang="pt-BR" sz="1200" baseline="-25000" dirty="0"/>
+              <a:t>1</a:t>
+            </a:r>
+            <a:r>
+              <a:rPr lang="pt-BR" sz="1200" dirty="0"/>
+              <a:t>D</a:t>
+            </a:r>
+            <a:r>
+              <a:rPr lang="pt-BR" sz="1200" baseline="-25000" dirty="0"/>
+              <a:t>1</a:t>
+            </a:r>
+            <a:r>
+              <a:rPr lang="pt-BR" sz="1200" dirty="0"/>
+              <a:t>, ... R</a:t>
+            </a:r>
+            <a:r>
+              <a:rPr lang="pt-BR" sz="1200" baseline="-25000" dirty="0"/>
+              <a:t>17</a:t>
+            </a:r>
+            <a:r>
+              <a:rPr lang="pt-BR" sz="1200" dirty="0"/>
+              <a:t>C</a:t>
+            </a:r>
+            <a:r>
+              <a:rPr lang="pt-BR" sz="1200" baseline="-25000" dirty="0"/>
+              <a:t>19</a:t>
+            </a:r>
+            <a:r>
+              <a:rPr lang="pt-BR" sz="1200" dirty="0"/>
+              <a:t>D</a:t>
+            </a:r>
+            <a:r>
+              <a:rPr lang="pt-BR" sz="1200" baseline="-25000" dirty="0"/>
+              <a:t>1</a:t>
+            </a:r>
+            <a:r>
+              <a:rPr lang="pt-BR" sz="1200" dirty="0"/>
+              <a:t>] ….... [R</a:t>
+            </a:r>
+            <a:r>
+              <a:rPr lang="pt-BR" sz="1200" baseline="-25000" dirty="0"/>
+              <a:t>17</a:t>
+            </a:r>
+            <a:r>
+              <a:rPr lang="pt-BR" sz="1200" dirty="0"/>
+              <a:t>C</a:t>
+            </a:r>
+            <a:r>
+              <a:rPr lang="pt-BR" sz="1200" baseline="-25000" dirty="0"/>
+              <a:t>0</a:t>
+            </a:r>
+            <a:r>
+              <a:rPr lang="pt-BR" sz="1200" dirty="0"/>
+              <a:t>D</a:t>
+            </a:r>
+            <a:r>
+              <a:rPr lang="pt-BR" sz="1200" baseline="-25000" dirty="0"/>
+              <a:t>4</a:t>
+            </a:r>
+            <a:r>
+              <a:rPr lang="pt-BR" sz="1200" dirty="0"/>
+              <a:t>, R</a:t>
+            </a:r>
+            <a:r>
+              <a:rPr lang="pt-BR" sz="1200" baseline="-25000" dirty="0"/>
+              <a:t>17</a:t>
+            </a:r>
+            <a:r>
+              <a:rPr lang="pt-BR" sz="1200" dirty="0"/>
+              <a:t>C</a:t>
+            </a:r>
+            <a:r>
+              <a:rPr lang="pt-BR" sz="1200" baseline="-25000" dirty="0"/>
+              <a:t>1</a:t>
+            </a:r>
+            <a:r>
+              <a:rPr lang="pt-BR" sz="1200" dirty="0"/>
+              <a:t>D</a:t>
+            </a:r>
+            <a:r>
+              <a:rPr lang="pt-BR" sz="1200" baseline="-25000" dirty="0"/>
+              <a:t>4</a:t>
+            </a:r>
+            <a:r>
+              <a:rPr lang="pt-BR" sz="1200" dirty="0"/>
+              <a:t>, ... R</a:t>
+            </a:r>
+            <a:r>
+              <a:rPr lang="pt-BR" sz="1200" baseline="-25000" dirty="0"/>
+              <a:t>17</a:t>
+            </a:r>
+            <a:r>
+              <a:rPr lang="pt-BR" sz="1200" dirty="0"/>
+              <a:t>C</a:t>
+            </a:r>
+            <a:r>
+              <a:rPr lang="pt-BR" sz="1200" baseline="-25000" dirty="0"/>
+              <a:t>19</a:t>
+            </a:r>
+            <a:r>
+              <a:rPr lang="pt-BR" sz="1200" dirty="0"/>
+              <a:t>D</a:t>
+            </a:r>
+            <a:r>
+              <a:rPr lang="pt-BR" sz="1200" baseline="-25000" dirty="0"/>
+              <a:t>4</a:t>
+            </a:r>
+            <a:r>
+              <a:rPr lang="pt-BR" sz="1200" dirty="0"/>
+              <a:t>] </a:t>
+            </a:r>
+          </a:p>
+          <a:p>
+            <a:pPr lvl="2"/>
+            <a:endParaRPr lang="en-US" dirty="0"/>
+          </a:p>
+          <a:p>
+            <a:endParaRPr lang="en-US" dirty="0"/>
+          </a:p>
+        </p:txBody>
+      </p:sp>
+    </p:spTree>
+    <p:extLst>
+      <p:ext uri="{BB962C8B-B14F-4D97-AF65-F5344CB8AC3E}">
+        <p14:creationId xmlns:p14="http://schemas.microsoft.com/office/powerpoint/2010/main" val="327414696"/>
       </p:ext>
     </p:extLst>
   </p:cSld>

--- a/hardware/doc/CNN Accelerator Implementation Plan.pptx
+++ b/hardware/doc/CNN Accelerator Implementation Plan.pptx
@@ -5,7 +5,7 @@
     <p:sldMasterId id="2147483696" r:id="rId1"/>
   </p:sldMasterIdLst>
   <p:notesMasterIdLst>
-    <p:notesMasterId r:id="rId44"/>
+    <p:notesMasterId r:id="rId45"/>
   </p:notesMasterIdLst>
   <p:sldIdLst>
     <p:sldId id="256" r:id="rId2"/>
@@ -50,6 +50,7 @@
     <p:sldId id="300" r:id="rId41"/>
     <p:sldId id="287" r:id="rId42"/>
     <p:sldId id="288" r:id="rId43"/>
+    <p:sldId id="301" r:id="rId44"/>
   </p:sldIdLst>
   <p:sldSz cx="9144000" cy="5143500" type="screen16x9"/>
   <p:notesSz cx="6858000" cy="9144000"/>
@@ -238,7 +239,7 @@
           <a:p>
             <a:fld id="{C4B376D1-B2A4-4962-9EC9-A9C8ACD38F22}" type="datetimeFigureOut">
               <a:rPr lang="en-US" smtClean="0"/>
-              <a:t>4/26/2019</a:t>
+              <a:t>4/27/2019</a:t>
             </a:fld>
             <a:endParaRPr lang="en-US"/>
           </a:p>
@@ -1056,7 +1057,7 @@
           <a:p>
             <a:fld id="{8F06087A-BB81-43C1-AFE2-3763E6B27B9D}" type="datetimeFigureOut">
               <a:rPr lang="en-US" smtClean="0"/>
-              <a:t>4/26/2019</a:t>
+              <a:t>4/27/2019</a:t>
             </a:fld>
             <a:endParaRPr lang="en-US"/>
           </a:p>
@@ -1226,7 +1227,7 @@
           <a:p>
             <a:fld id="{8F06087A-BB81-43C1-AFE2-3763E6B27B9D}" type="datetimeFigureOut">
               <a:rPr lang="en-US" smtClean="0"/>
-              <a:t>4/26/2019</a:t>
+              <a:t>4/27/2019</a:t>
             </a:fld>
             <a:endParaRPr lang="en-US"/>
           </a:p>
@@ -1406,7 +1407,7 @@
           <a:p>
             <a:fld id="{8F06087A-BB81-43C1-AFE2-3763E6B27B9D}" type="datetimeFigureOut">
               <a:rPr lang="en-US" smtClean="0"/>
-              <a:t>4/26/2019</a:t>
+              <a:t>4/27/2019</a:t>
             </a:fld>
             <a:endParaRPr lang="en-US"/>
           </a:p>
@@ -1576,7 +1577,7 @@
           <a:p>
             <a:fld id="{8F06087A-BB81-43C1-AFE2-3763E6B27B9D}" type="datetimeFigureOut">
               <a:rPr lang="en-US" smtClean="0"/>
-              <a:t>4/26/2019</a:t>
+              <a:t>4/27/2019</a:t>
             </a:fld>
             <a:endParaRPr lang="en-US"/>
           </a:p>
@@ -1822,7 +1823,7 @@
           <a:p>
             <a:fld id="{8F06087A-BB81-43C1-AFE2-3763E6B27B9D}" type="datetimeFigureOut">
               <a:rPr lang="en-US" smtClean="0"/>
-              <a:t>4/26/2019</a:t>
+              <a:t>4/27/2019</a:t>
             </a:fld>
             <a:endParaRPr lang="en-US"/>
           </a:p>
@@ -2054,7 +2055,7 @@
           <a:p>
             <a:fld id="{8F06087A-BB81-43C1-AFE2-3763E6B27B9D}" type="datetimeFigureOut">
               <a:rPr lang="en-US" smtClean="0"/>
-              <a:t>4/26/2019</a:t>
+              <a:t>4/27/2019</a:t>
             </a:fld>
             <a:endParaRPr lang="en-US"/>
           </a:p>
@@ -2421,7 +2422,7 @@
           <a:p>
             <a:fld id="{8F06087A-BB81-43C1-AFE2-3763E6B27B9D}" type="datetimeFigureOut">
               <a:rPr lang="en-US" smtClean="0"/>
-              <a:t>4/26/2019</a:t>
+              <a:t>4/27/2019</a:t>
             </a:fld>
             <a:endParaRPr lang="en-US"/>
           </a:p>
@@ -2539,7 +2540,7 @@
           <a:p>
             <a:fld id="{8F06087A-BB81-43C1-AFE2-3763E6B27B9D}" type="datetimeFigureOut">
               <a:rPr lang="en-US" smtClean="0"/>
-              <a:t>4/26/2019</a:t>
+              <a:t>4/27/2019</a:t>
             </a:fld>
             <a:endParaRPr lang="en-US"/>
           </a:p>
@@ -2634,7 +2635,7 @@
           <a:p>
             <a:fld id="{8F06087A-BB81-43C1-AFE2-3763E6B27B9D}" type="datetimeFigureOut">
               <a:rPr lang="en-US" smtClean="0"/>
-              <a:t>4/26/2019</a:t>
+              <a:t>4/27/2019</a:t>
             </a:fld>
             <a:endParaRPr lang="en-US"/>
           </a:p>
@@ -2911,7 +2912,7 @@
           <a:p>
             <a:fld id="{8F06087A-BB81-43C1-AFE2-3763E6B27B9D}" type="datetimeFigureOut">
               <a:rPr lang="en-US" smtClean="0"/>
-              <a:t>4/26/2019</a:t>
+              <a:t>4/27/2019</a:t>
             </a:fld>
             <a:endParaRPr lang="en-US"/>
           </a:p>
@@ -3168,7 +3169,7 @@
           <a:p>
             <a:fld id="{8F06087A-BB81-43C1-AFE2-3763E6B27B9D}" type="datetimeFigureOut">
               <a:rPr lang="en-US" smtClean="0"/>
-              <a:t>4/26/2019</a:t>
+              <a:t>4/27/2019</a:t>
             </a:fld>
             <a:endParaRPr lang="en-US"/>
           </a:p>
@@ -3381,7 +3382,7 @@
           <a:p>
             <a:fld id="{8F06087A-BB81-43C1-AFE2-3763E6B27B9D}" type="datetimeFigureOut">
               <a:rPr lang="en-US" smtClean="0"/>
-              <a:t>4/26/2019</a:t>
+              <a:t>4/27/2019</a:t>
             </a:fld>
             <a:endParaRPr lang="en-US"/>
           </a:p>
@@ -37571,85 +37572,6 @@
           </a:p>
           <a:p>
             <a:pPr lvl="1"/>
-            <a:r>
-              <a:rPr lang="pt-BR" dirty="0"/>
-              <a:t>[D</a:t>
-            </a:r>
-            <a:r>
-              <a:rPr lang="pt-BR" baseline="-25000" dirty="0"/>
-              <a:t>0</a:t>
-            </a:r>
-            <a:r>
-              <a:rPr lang="pt-BR" dirty="0"/>
-              <a:t>C</a:t>
-            </a:r>
-            <a:r>
-              <a:rPr lang="pt-BR" baseline="-25000" dirty="0"/>
-              <a:t>0</a:t>
-            </a:r>
-            <a:r>
-              <a:rPr lang="pt-BR" dirty="0"/>
-              <a:t>R</a:t>
-            </a:r>
-            <a:r>
-              <a:rPr lang="pt-BR" baseline="-25000" dirty="0"/>
-              <a:t>0</a:t>
-            </a:r>
-            <a:r>
-              <a:rPr lang="pt-BR" dirty="0"/>
-              <a:t>, D</a:t>
-            </a:r>
-            <a:r>
-              <a:rPr lang="pt-BR" baseline="-25000" dirty="0"/>
-              <a:t>1</a:t>
-            </a:r>
-            <a:r>
-              <a:rPr lang="pt-BR" dirty="0"/>
-              <a:t>C</a:t>
-            </a:r>
-            <a:r>
-              <a:rPr lang="pt-BR" baseline="-25000" dirty="0"/>
-              <a:t>0</a:t>
-            </a:r>
-            <a:r>
-              <a:rPr lang="pt-BR" dirty="0"/>
-              <a:t>R</a:t>
-            </a:r>
-            <a:r>
-              <a:rPr lang="pt-BR" baseline="-25000" dirty="0"/>
-              <a:t>0</a:t>
-            </a:r>
-            <a:r>
-              <a:rPr lang="pt-BR" dirty="0"/>
-              <a:t>, ... D</a:t>
-            </a:r>
-            <a:r>
-              <a:rPr lang="pt-BR" baseline="-25000" dirty="0"/>
-              <a:t>7</a:t>
-            </a:r>
-            <a:r>
-              <a:rPr lang="pt-BR" dirty="0"/>
-              <a:t>C</a:t>
-            </a:r>
-            <a:r>
-              <a:rPr lang="pt-BR" baseline="-25000" dirty="0"/>
-              <a:t>0</a:t>
-            </a:r>
-            <a:r>
-              <a:rPr lang="pt-BR" dirty="0"/>
-              <a:t>R</a:t>
-            </a:r>
-            <a:r>
-              <a:rPr lang="pt-BR" baseline="-25000" dirty="0"/>
-              <a:t>0</a:t>
-            </a:r>
-            <a:r>
-              <a:rPr lang="pt-BR" dirty="0"/>
-              <a:t>]</a:t>
-            </a:r>
-            <a:endParaRPr lang="en-US" dirty="0"/>
-          </a:p>
-          <a:p>
             <a:endParaRPr lang="en-US" dirty="0"/>
           </a:p>
         </p:txBody>
@@ -38035,7 +37957,15 @@
             </a:r>
             <a:r>
               <a:rPr lang="pt-BR" sz="1200" dirty="0"/>
-              <a:t>D0] [R</a:t>
+              <a:t>D</a:t>
+            </a:r>
+            <a:r>
+              <a:rPr lang="pt-BR" sz="1200" baseline="-25000" dirty="0"/>
+              <a:t>0</a:t>
+            </a:r>
+            <a:r>
+              <a:rPr lang="pt-BR" sz="1200" dirty="0"/>
+              <a:t>] [R</a:t>
             </a:r>
             <a:r>
               <a:rPr lang="pt-BR" sz="1200" baseline="-25000" dirty="0"/>
@@ -38439,6 +38369,810 @@
     <p:extLst>
       <p:ext uri="{BB962C8B-B14F-4D97-AF65-F5344CB8AC3E}">
         <p14:creationId xmlns:p14="http://schemas.microsoft.com/office/powerpoint/2010/main" val="327414696"/>
+      </p:ext>
+    </p:extLst>
+  </p:cSld>
+  <p:clrMapOvr>
+    <a:masterClrMapping/>
+  </p:clrMapOvr>
+</p:sld>
+</file>
+
+<file path=ppt/slides/slide43.xml><?xml version="1.0" encoding="utf-8"?>
+<p:sld xmlns:a="http://schemas.openxmlformats.org/drawingml/2006/main" xmlns:r="http://schemas.openxmlformats.org/officeDocument/2006/relationships" xmlns:p="http://schemas.openxmlformats.org/presentationml/2006/main">
+  <p:cSld>
+    <p:spTree>
+      <p:nvGrpSpPr>
+        <p:cNvPr id="1" name=""/>
+        <p:cNvGrpSpPr/>
+        <p:nvPr/>
+      </p:nvGrpSpPr>
+      <p:grpSpPr>
+        <a:xfrm>
+          <a:off x="0" y="0"/>
+          <a:ext cx="0" cy="0"/>
+          <a:chOff x="0" y="0"/>
+          <a:chExt cx="0" cy="0"/>
+        </a:xfrm>
+      </p:grpSpPr>
+      <p:sp>
+        <p:nvSpPr>
+          <p:cNvPr id="2" name="Title 1">
+            <a:extLst>
+              <a:ext uri="{FF2B5EF4-FFF2-40B4-BE49-F238E27FC236}">
+                <a16:creationId xmlns:a16="http://schemas.microsoft.com/office/drawing/2014/main" id="{317952A4-6853-43A0-9CC5-DA163180AEF2}"/>
+              </a:ext>
+            </a:extLst>
+          </p:cNvPr>
+          <p:cNvSpPr>
+            <a:spLocks noGrp="1"/>
+          </p:cNvSpPr>
+          <p:nvPr>
+            <p:ph type="title"/>
+          </p:nvPr>
+        </p:nvSpPr>
+        <p:spPr/>
+        <p:txBody>
+          <a:bodyPr/>
+          <a:lstStyle/>
+          <a:p>
+            <a:endParaRPr lang="en-US"/>
+          </a:p>
+        </p:txBody>
+      </p:sp>
+      <p:sp>
+        <p:nvSpPr>
+          <p:cNvPr id="3" name="Content Placeholder 2">
+            <a:extLst>
+              <a:ext uri="{FF2B5EF4-FFF2-40B4-BE49-F238E27FC236}">
+                <a16:creationId xmlns:a16="http://schemas.microsoft.com/office/drawing/2014/main" id="{574B13A9-5F1A-4282-B6E1-B460C4458C90}"/>
+              </a:ext>
+            </a:extLst>
+          </p:cNvPr>
+          <p:cNvSpPr>
+            <a:spLocks noGrp="1"/>
+          </p:cNvSpPr>
+          <p:nvPr>
+            <p:ph idx="1"/>
+          </p:nvPr>
+        </p:nvSpPr>
+        <p:spPr/>
+        <p:txBody>
+          <a:bodyPr>
+            <a:normAutofit/>
+          </a:bodyPr>
+          <a:lstStyle/>
+          <a:p>
+            <a:r>
+              <a:rPr lang="en-US" dirty="0"/>
+              <a:t>For 3x3 followed by 1x1 Ideally output will be 5x18x18</a:t>
+            </a:r>
+          </a:p>
+          <a:p>
+            <a:pPr lvl="1"/>
+            <a:r>
+              <a:rPr lang="pt-BR" sz="1400" dirty="0"/>
+              <a:t>[C</a:t>
+            </a:r>
+            <a:r>
+              <a:rPr lang="pt-BR" sz="1400" baseline="-25000" dirty="0"/>
+              <a:t>0</a:t>
+            </a:r>
+            <a:r>
+              <a:rPr lang="pt-BR" sz="1400" dirty="0"/>
+              <a:t>R</a:t>
+            </a:r>
+            <a:r>
+              <a:rPr lang="pt-BR" sz="1400" baseline="-25000" dirty="0"/>
+              <a:t>0</a:t>
+            </a:r>
+            <a:r>
+              <a:rPr lang="pt-BR" sz="1400" dirty="0"/>
+              <a:t>D</a:t>
+            </a:r>
+            <a:r>
+              <a:rPr lang="pt-BR" sz="1400" baseline="-25000" dirty="0"/>
+              <a:t>0</a:t>
+            </a:r>
+            <a:r>
+              <a:rPr lang="pt-BR" sz="1400" dirty="0"/>
+              <a:t>, C</a:t>
+            </a:r>
+            <a:r>
+              <a:rPr lang="pt-BR" sz="1400" baseline="-25000" dirty="0"/>
+              <a:t>0</a:t>
+            </a:r>
+            <a:r>
+              <a:rPr lang="pt-BR" sz="1400" dirty="0"/>
+              <a:t>R</a:t>
+            </a:r>
+            <a:r>
+              <a:rPr lang="pt-BR" sz="1400" baseline="-25000" dirty="0"/>
+              <a:t>0</a:t>
+            </a:r>
+            <a:r>
+              <a:rPr lang="pt-BR" sz="1400" dirty="0"/>
+              <a:t>D</a:t>
+            </a:r>
+            <a:r>
+              <a:rPr lang="pt-BR" sz="1400" baseline="-25000" dirty="0"/>
+              <a:t>1</a:t>
+            </a:r>
+            <a:r>
+              <a:rPr lang="pt-BR" sz="1400" dirty="0"/>
+              <a:t>, ... C</a:t>
+            </a:r>
+            <a:r>
+              <a:rPr lang="pt-BR" sz="1400" baseline="-25000" dirty="0"/>
+              <a:t>0</a:t>
+            </a:r>
+            <a:r>
+              <a:rPr lang="pt-BR" sz="1400" dirty="0"/>
+              <a:t>R</a:t>
+            </a:r>
+            <a:r>
+              <a:rPr lang="pt-BR" sz="1400" baseline="-25000" dirty="0"/>
+              <a:t>0</a:t>
+            </a:r>
+            <a:r>
+              <a:rPr lang="pt-BR" sz="1400" dirty="0"/>
+              <a:t>D</a:t>
+            </a:r>
+            <a:r>
+              <a:rPr lang="pt-BR" sz="1400" baseline="-25000" dirty="0"/>
+              <a:t>4</a:t>
+            </a:r>
+            <a:r>
+              <a:rPr lang="pt-BR" sz="1400" dirty="0"/>
+              <a:t>]</a:t>
+            </a:r>
+            <a:r>
+              <a:rPr lang="pt-BR" dirty="0"/>
+              <a:t> </a:t>
+            </a:r>
+            <a:r>
+              <a:rPr lang="pt-BR" sz="1400" dirty="0"/>
+              <a:t>[C</a:t>
+            </a:r>
+            <a:r>
+              <a:rPr lang="pt-BR" sz="1400" baseline="-25000" dirty="0"/>
+              <a:t>1</a:t>
+            </a:r>
+            <a:r>
+              <a:rPr lang="pt-BR" sz="1400" dirty="0"/>
+              <a:t>R</a:t>
+            </a:r>
+            <a:r>
+              <a:rPr lang="pt-BR" sz="1400" baseline="-25000" dirty="0"/>
+              <a:t>0</a:t>
+            </a:r>
+            <a:r>
+              <a:rPr lang="pt-BR" sz="1400" dirty="0"/>
+              <a:t>D</a:t>
+            </a:r>
+            <a:r>
+              <a:rPr lang="pt-BR" sz="1400" baseline="-25000" dirty="0"/>
+              <a:t>0</a:t>
+            </a:r>
+            <a:r>
+              <a:rPr lang="pt-BR" sz="1400" dirty="0"/>
+              <a:t>, C</a:t>
+            </a:r>
+            <a:r>
+              <a:rPr lang="pt-BR" sz="1400" baseline="-25000" dirty="0"/>
+              <a:t>1</a:t>
+            </a:r>
+            <a:r>
+              <a:rPr lang="pt-BR" sz="1400" dirty="0"/>
+              <a:t>R</a:t>
+            </a:r>
+            <a:r>
+              <a:rPr lang="pt-BR" sz="1400" baseline="-25000" dirty="0"/>
+              <a:t>0</a:t>
+            </a:r>
+            <a:r>
+              <a:rPr lang="pt-BR" sz="1400" dirty="0"/>
+              <a:t>D</a:t>
+            </a:r>
+            <a:r>
+              <a:rPr lang="pt-BR" sz="1400" baseline="-25000" dirty="0"/>
+              <a:t>1</a:t>
+            </a:r>
+            <a:r>
+              <a:rPr lang="pt-BR" sz="1400" dirty="0"/>
+              <a:t>, ... C</a:t>
+            </a:r>
+            <a:r>
+              <a:rPr lang="pt-BR" sz="1400" baseline="-25000" dirty="0"/>
+              <a:t>1</a:t>
+            </a:r>
+            <a:r>
+              <a:rPr lang="pt-BR" sz="1400" dirty="0"/>
+              <a:t>R</a:t>
+            </a:r>
+            <a:r>
+              <a:rPr lang="pt-BR" sz="1400" baseline="-25000" dirty="0"/>
+              <a:t>0</a:t>
+            </a:r>
+            <a:r>
+              <a:rPr lang="pt-BR" sz="1400" dirty="0"/>
+              <a:t>D</a:t>
+            </a:r>
+            <a:r>
+              <a:rPr lang="pt-BR" sz="1400" baseline="-25000" dirty="0"/>
+              <a:t>4</a:t>
+            </a:r>
+            <a:r>
+              <a:rPr lang="pt-BR" sz="1400" dirty="0"/>
+              <a:t>] ............ [C</a:t>
+            </a:r>
+            <a:r>
+              <a:rPr lang="pt-BR" sz="1400" baseline="-25000" dirty="0"/>
+              <a:t>19</a:t>
+            </a:r>
+            <a:r>
+              <a:rPr lang="pt-BR" sz="1400" dirty="0"/>
+              <a:t>R</a:t>
+            </a:r>
+            <a:r>
+              <a:rPr lang="pt-BR" sz="1400" baseline="-25000" dirty="0"/>
+              <a:t>0</a:t>
+            </a:r>
+            <a:r>
+              <a:rPr lang="pt-BR" sz="1400" dirty="0"/>
+              <a:t>D</a:t>
+            </a:r>
+            <a:r>
+              <a:rPr lang="pt-BR" sz="1400" baseline="-25000" dirty="0"/>
+              <a:t>0</a:t>
+            </a:r>
+            <a:r>
+              <a:rPr lang="pt-BR" sz="1400" dirty="0"/>
+              <a:t>, C</a:t>
+            </a:r>
+            <a:r>
+              <a:rPr lang="pt-BR" sz="1400" baseline="-25000" dirty="0"/>
+              <a:t>19</a:t>
+            </a:r>
+            <a:r>
+              <a:rPr lang="pt-BR" sz="1400" dirty="0"/>
+              <a:t>R</a:t>
+            </a:r>
+            <a:r>
+              <a:rPr lang="pt-BR" sz="1400" baseline="-25000" dirty="0"/>
+              <a:t>0</a:t>
+            </a:r>
+            <a:r>
+              <a:rPr lang="pt-BR" sz="1400" dirty="0"/>
+              <a:t>D</a:t>
+            </a:r>
+            <a:r>
+              <a:rPr lang="pt-BR" sz="1400" baseline="-25000" dirty="0"/>
+              <a:t>1</a:t>
+            </a:r>
+            <a:r>
+              <a:rPr lang="pt-BR" sz="1400" dirty="0"/>
+              <a:t>, ... C</a:t>
+            </a:r>
+            <a:r>
+              <a:rPr lang="pt-BR" sz="1400" baseline="-25000" dirty="0"/>
+              <a:t>19</a:t>
+            </a:r>
+            <a:r>
+              <a:rPr lang="pt-BR" sz="1400" dirty="0"/>
+              <a:t>R</a:t>
+            </a:r>
+            <a:r>
+              <a:rPr lang="pt-BR" sz="1400" baseline="-25000" dirty="0"/>
+              <a:t>0</a:t>
+            </a:r>
+            <a:r>
+              <a:rPr lang="pt-BR" sz="1400" dirty="0"/>
+              <a:t>D</a:t>
+            </a:r>
+            <a:r>
+              <a:rPr lang="pt-BR" sz="1400" baseline="-25000" dirty="0"/>
+              <a:t>4</a:t>
+            </a:r>
+            <a:r>
+              <a:rPr lang="pt-BR" sz="1400" dirty="0"/>
+              <a:t>]</a:t>
+            </a:r>
+          </a:p>
+          <a:p>
+            <a:pPr lvl="1"/>
+            <a:r>
+              <a:rPr lang="pt-BR" sz="1400" dirty="0"/>
+              <a:t>[C</a:t>
+            </a:r>
+            <a:r>
+              <a:rPr lang="pt-BR" sz="1400" baseline="-25000" dirty="0"/>
+              <a:t>0</a:t>
+            </a:r>
+            <a:r>
+              <a:rPr lang="pt-BR" sz="1400" dirty="0"/>
+              <a:t>R</a:t>
+            </a:r>
+            <a:r>
+              <a:rPr lang="pt-BR" sz="1400" baseline="-25000" dirty="0"/>
+              <a:t>1</a:t>
+            </a:r>
+            <a:r>
+              <a:rPr lang="pt-BR" sz="1400" dirty="0"/>
+              <a:t>D</a:t>
+            </a:r>
+            <a:r>
+              <a:rPr lang="pt-BR" sz="1400" baseline="-25000" dirty="0"/>
+              <a:t>0</a:t>
+            </a:r>
+            <a:r>
+              <a:rPr lang="pt-BR" sz="1400" dirty="0"/>
+              <a:t>, C</a:t>
+            </a:r>
+            <a:r>
+              <a:rPr lang="pt-BR" sz="1400" baseline="-25000" dirty="0"/>
+              <a:t>0</a:t>
+            </a:r>
+            <a:r>
+              <a:rPr lang="pt-BR" sz="1400" dirty="0"/>
+              <a:t>R</a:t>
+            </a:r>
+            <a:r>
+              <a:rPr lang="pt-BR" sz="1400" baseline="-25000" dirty="0"/>
+              <a:t>1</a:t>
+            </a:r>
+            <a:r>
+              <a:rPr lang="pt-BR" sz="1400" dirty="0"/>
+              <a:t>D</a:t>
+            </a:r>
+            <a:r>
+              <a:rPr lang="pt-BR" sz="1400" baseline="-25000" dirty="0"/>
+              <a:t>1</a:t>
+            </a:r>
+            <a:r>
+              <a:rPr lang="pt-BR" sz="1400" dirty="0"/>
+              <a:t>, ... C</a:t>
+            </a:r>
+            <a:r>
+              <a:rPr lang="pt-BR" sz="1400" baseline="-25000" dirty="0"/>
+              <a:t>0</a:t>
+            </a:r>
+            <a:r>
+              <a:rPr lang="pt-BR" sz="1400" dirty="0"/>
+              <a:t>R</a:t>
+            </a:r>
+            <a:r>
+              <a:rPr lang="pt-BR" sz="1400" baseline="-25000" dirty="0"/>
+              <a:t>1</a:t>
+            </a:r>
+            <a:r>
+              <a:rPr lang="pt-BR" sz="1400" dirty="0"/>
+              <a:t>D</a:t>
+            </a:r>
+            <a:r>
+              <a:rPr lang="pt-BR" sz="1400" baseline="-25000" dirty="0"/>
+              <a:t>4</a:t>
+            </a:r>
+            <a:r>
+              <a:rPr lang="pt-BR" sz="1400" dirty="0"/>
+              <a:t>] [C</a:t>
+            </a:r>
+            <a:r>
+              <a:rPr lang="pt-BR" sz="1400" baseline="-25000" dirty="0"/>
+              <a:t>1</a:t>
+            </a:r>
+            <a:r>
+              <a:rPr lang="pt-BR" sz="1400" dirty="0"/>
+              <a:t>R</a:t>
+            </a:r>
+            <a:r>
+              <a:rPr lang="pt-BR" sz="1400" baseline="-25000" dirty="0"/>
+              <a:t>1</a:t>
+            </a:r>
+            <a:r>
+              <a:rPr lang="pt-BR" sz="1400" dirty="0"/>
+              <a:t>D</a:t>
+            </a:r>
+            <a:r>
+              <a:rPr lang="pt-BR" sz="1400" baseline="-25000" dirty="0"/>
+              <a:t>0</a:t>
+            </a:r>
+            <a:r>
+              <a:rPr lang="pt-BR" sz="1400" dirty="0"/>
+              <a:t>, C</a:t>
+            </a:r>
+            <a:r>
+              <a:rPr lang="pt-BR" sz="1400" baseline="-25000" dirty="0"/>
+              <a:t>1</a:t>
+            </a:r>
+            <a:r>
+              <a:rPr lang="pt-BR" sz="1400" dirty="0"/>
+              <a:t>R</a:t>
+            </a:r>
+            <a:r>
+              <a:rPr lang="pt-BR" sz="1400" baseline="-25000" dirty="0"/>
+              <a:t>1</a:t>
+            </a:r>
+            <a:r>
+              <a:rPr lang="pt-BR" sz="1400" dirty="0"/>
+              <a:t>D</a:t>
+            </a:r>
+            <a:r>
+              <a:rPr lang="pt-BR" sz="1400" baseline="-25000" dirty="0"/>
+              <a:t>1</a:t>
+            </a:r>
+            <a:r>
+              <a:rPr lang="pt-BR" sz="1400" dirty="0"/>
+              <a:t>, ... C</a:t>
+            </a:r>
+            <a:r>
+              <a:rPr lang="pt-BR" sz="1400" baseline="-25000" dirty="0"/>
+              <a:t>1</a:t>
+            </a:r>
+            <a:r>
+              <a:rPr lang="pt-BR" sz="1400" dirty="0"/>
+              <a:t>R</a:t>
+            </a:r>
+            <a:r>
+              <a:rPr lang="pt-BR" sz="1400" baseline="-25000" dirty="0"/>
+              <a:t>1</a:t>
+            </a:r>
+            <a:r>
+              <a:rPr lang="pt-BR" sz="1400" dirty="0"/>
+              <a:t>D</a:t>
+            </a:r>
+            <a:r>
+              <a:rPr lang="pt-BR" sz="1400" baseline="-25000" dirty="0"/>
+              <a:t>4</a:t>
+            </a:r>
+            <a:r>
+              <a:rPr lang="pt-BR" sz="1400" dirty="0"/>
+              <a:t>] ............ [C</a:t>
+            </a:r>
+            <a:r>
+              <a:rPr lang="pt-BR" sz="1400" baseline="-25000" dirty="0"/>
+              <a:t>19</a:t>
+            </a:r>
+            <a:r>
+              <a:rPr lang="pt-BR" sz="1400" dirty="0"/>
+              <a:t>R</a:t>
+            </a:r>
+            <a:r>
+              <a:rPr lang="pt-BR" sz="1400" baseline="-25000" dirty="0"/>
+              <a:t>1</a:t>
+            </a:r>
+            <a:r>
+              <a:rPr lang="pt-BR" sz="1400" dirty="0"/>
+              <a:t>D</a:t>
+            </a:r>
+            <a:r>
+              <a:rPr lang="pt-BR" sz="1400" baseline="-25000" dirty="0"/>
+              <a:t>0</a:t>
+            </a:r>
+            <a:r>
+              <a:rPr lang="pt-BR" sz="1400" dirty="0"/>
+              <a:t>, C</a:t>
+            </a:r>
+            <a:r>
+              <a:rPr lang="pt-BR" sz="1400" baseline="-25000" dirty="0"/>
+              <a:t>19</a:t>
+            </a:r>
+            <a:r>
+              <a:rPr lang="pt-BR" sz="1400" dirty="0"/>
+              <a:t>R</a:t>
+            </a:r>
+            <a:r>
+              <a:rPr lang="pt-BR" sz="1400" baseline="-25000" dirty="0"/>
+              <a:t>1</a:t>
+            </a:r>
+            <a:r>
+              <a:rPr lang="pt-BR" sz="1400" dirty="0"/>
+              <a:t>D</a:t>
+            </a:r>
+            <a:r>
+              <a:rPr lang="pt-BR" sz="1400" baseline="-25000" dirty="0"/>
+              <a:t>1</a:t>
+            </a:r>
+            <a:r>
+              <a:rPr lang="pt-BR" sz="1400" dirty="0"/>
+              <a:t>, ... C</a:t>
+            </a:r>
+            <a:r>
+              <a:rPr lang="pt-BR" sz="1400" baseline="-25000" dirty="0"/>
+              <a:t>19</a:t>
+            </a:r>
+            <a:r>
+              <a:rPr lang="pt-BR" sz="1400" dirty="0"/>
+              <a:t>R</a:t>
+            </a:r>
+            <a:r>
+              <a:rPr lang="pt-BR" sz="1400" baseline="-25000" dirty="0"/>
+              <a:t>1</a:t>
+            </a:r>
+            <a:r>
+              <a:rPr lang="pt-BR" sz="1400" dirty="0"/>
+              <a:t>D</a:t>
+            </a:r>
+            <a:r>
+              <a:rPr lang="pt-BR" sz="1400" baseline="-25000" dirty="0"/>
+              <a:t>4</a:t>
+            </a:r>
+            <a:r>
+              <a:rPr lang="pt-BR" sz="1400" dirty="0"/>
+              <a:t>]</a:t>
+            </a:r>
+            <a:endParaRPr lang="en-US" sz="1400" dirty="0"/>
+          </a:p>
+          <a:p>
+            <a:pPr lvl="1"/>
+            <a:r>
+              <a:rPr lang="en-US" sz="1400" dirty="0"/>
+              <a:t>.</a:t>
+            </a:r>
+          </a:p>
+          <a:p>
+            <a:pPr lvl="1"/>
+            <a:r>
+              <a:rPr lang="en-US" sz="1400" dirty="0"/>
+              <a:t>.</a:t>
+            </a:r>
+          </a:p>
+          <a:p>
+            <a:pPr lvl="1"/>
+            <a:r>
+              <a:rPr lang="en-US" sz="1400" dirty="0"/>
+              <a:t>.</a:t>
+            </a:r>
+          </a:p>
+          <a:p>
+            <a:pPr lvl="1"/>
+            <a:r>
+              <a:rPr lang="pt-BR" sz="1400" dirty="0"/>
+              <a:t>[C</a:t>
+            </a:r>
+            <a:r>
+              <a:rPr lang="pt-BR" sz="1400" baseline="-25000" dirty="0"/>
+              <a:t>0</a:t>
+            </a:r>
+            <a:r>
+              <a:rPr lang="pt-BR" sz="1400" dirty="0"/>
+              <a:t>R</a:t>
+            </a:r>
+            <a:r>
+              <a:rPr lang="pt-BR" sz="1400" baseline="-25000" dirty="0"/>
+              <a:t>17</a:t>
+            </a:r>
+            <a:r>
+              <a:rPr lang="pt-BR" sz="1400" dirty="0"/>
+              <a:t>D</a:t>
+            </a:r>
+            <a:r>
+              <a:rPr lang="pt-BR" sz="1400" baseline="-25000" dirty="0"/>
+              <a:t>0</a:t>
+            </a:r>
+            <a:r>
+              <a:rPr lang="pt-BR" sz="1400"/>
+              <a:t>, C</a:t>
+            </a:r>
+            <a:r>
+              <a:rPr lang="pt-BR" sz="1400" baseline="-25000"/>
+              <a:t>0</a:t>
+            </a:r>
+            <a:r>
+              <a:rPr lang="pt-BR" sz="1400"/>
+              <a:t>R</a:t>
+            </a:r>
+            <a:r>
+              <a:rPr lang="pt-BR" sz="1400" baseline="-25000"/>
+              <a:t>1</a:t>
+            </a:r>
+            <a:r>
+              <a:rPr lang="pt-BR" sz="1400" baseline="-25000" dirty="0"/>
+              <a:t>7</a:t>
+            </a:r>
+            <a:r>
+              <a:rPr lang="pt-BR" sz="1400"/>
+              <a:t>D</a:t>
+            </a:r>
+            <a:r>
+              <a:rPr lang="pt-BR" sz="1400" baseline="-25000"/>
+              <a:t>1</a:t>
+            </a:r>
+            <a:r>
+              <a:rPr lang="pt-BR" sz="1400" dirty="0"/>
+              <a:t>, ... C</a:t>
+            </a:r>
+            <a:r>
+              <a:rPr lang="pt-BR" sz="1400" baseline="-25000" dirty="0"/>
+              <a:t>0</a:t>
+            </a:r>
+            <a:r>
+              <a:rPr lang="pt-BR" sz="1400" dirty="0"/>
+              <a:t>R</a:t>
+            </a:r>
+            <a:r>
+              <a:rPr lang="pt-BR" sz="1400" baseline="-25000" dirty="0"/>
+              <a:t>17</a:t>
+            </a:r>
+            <a:r>
+              <a:rPr lang="pt-BR" sz="1400" dirty="0"/>
+              <a:t>D</a:t>
+            </a:r>
+            <a:r>
+              <a:rPr lang="pt-BR" sz="1400" baseline="-25000" dirty="0"/>
+              <a:t>4</a:t>
+            </a:r>
+            <a:r>
+              <a:rPr lang="pt-BR" sz="1400" dirty="0"/>
+              <a:t>] [C</a:t>
+            </a:r>
+            <a:r>
+              <a:rPr lang="pt-BR" sz="1400" baseline="-25000" dirty="0"/>
+              <a:t>1</a:t>
+            </a:r>
+            <a:r>
+              <a:rPr lang="pt-BR" sz="1400" dirty="0"/>
+              <a:t>R</a:t>
+            </a:r>
+            <a:r>
+              <a:rPr lang="pt-BR" sz="1400" baseline="-25000" dirty="0"/>
+              <a:t>17</a:t>
+            </a:r>
+            <a:r>
+              <a:rPr lang="pt-BR" sz="1400" dirty="0"/>
+              <a:t>D</a:t>
+            </a:r>
+            <a:r>
+              <a:rPr lang="pt-BR" sz="1400" baseline="-25000" dirty="0"/>
+              <a:t>0</a:t>
+            </a:r>
+            <a:r>
+              <a:rPr lang="pt-BR" sz="1400" dirty="0"/>
+              <a:t>, C</a:t>
+            </a:r>
+            <a:r>
+              <a:rPr lang="pt-BR" sz="1400" baseline="-25000" dirty="0"/>
+              <a:t>1</a:t>
+            </a:r>
+            <a:r>
+              <a:rPr lang="pt-BR" sz="1400" dirty="0"/>
+              <a:t>R</a:t>
+            </a:r>
+            <a:r>
+              <a:rPr lang="pt-BR" sz="1400" baseline="-25000" dirty="0"/>
+              <a:t>17</a:t>
+            </a:r>
+            <a:r>
+              <a:rPr lang="pt-BR" sz="1400" dirty="0"/>
+              <a:t>D</a:t>
+            </a:r>
+            <a:r>
+              <a:rPr lang="pt-BR" sz="1400" baseline="-25000" dirty="0"/>
+              <a:t>1</a:t>
+            </a:r>
+            <a:r>
+              <a:rPr lang="pt-BR" sz="1400" dirty="0"/>
+              <a:t>, ... C</a:t>
+            </a:r>
+            <a:r>
+              <a:rPr lang="pt-BR" sz="1400" baseline="-25000" dirty="0"/>
+              <a:t>1</a:t>
+            </a:r>
+            <a:r>
+              <a:rPr lang="pt-BR" sz="1400" dirty="0"/>
+              <a:t>R</a:t>
+            </a:r>
+            <a:r>
+              <a:rPr lang="pt-BR" sz="1400" baseline="-25000" dirty="0"/>
+              <a:t>17</a:t>
+            </a:r>
+            <a:r>
+              <a:rPr lang="pt-BR" sz="1400" dirty="0"/>
+              <a:t>D</a:t>
+            </a:r>
+            <a:r>
+              <a:rPr lang="pt-BR" sz="1400" baseline="-25000" dirty="0"/>
+              <a:t>4</a:t>
+            </a:r>
+            <a:r>
+              <a:rPr lang="pt-BR" sz="1400" dirty="0"/>
+              <a:t>] ............ [C</a:t>
+            </a:r>
+            <a:r>
+              <a:rPr lang="pt-BR" sz="1400" baseline="-25000" dirty="0"/>
+              <a:t>19</a:t>
+            </a:r>
+            <a:r>
+              <a:rPr lang="pt-BR" sz="1400" dirty="0"/>
+              <a:t>R</a:t>
+            </a:r>
+            <a:r>
+              <a:rPr lang="pt-BR" sz="1400" baseline="-25000" dirty="0"/>
+              <a:t>17</a:t>
+            </a:r>
+            <a:r>
+              <a:rPr lang="pt-BR" sz="1400" dirty="0"/>
+              <a:t>D</a:t>
+            </a:r>
+            <a:r>
+              <a:rPr lang="pt-BR" sz="1400" baseline="-25000" dirty="0"/>
+              <a:t>0</a:t>
+            </a:r>
+            <a:r>
+              <a:rPr lang="pt-BR" sz="1400" dirty="0"/>
+              <a:t>, C</a:t>
+            </a:r>
+            <a:r>
+              <a:rPr lang="pt-BR" sz="1400" baseline="-25000" dirty="0"/>
+              <a:t>19</a:t>
+            </a:r>
+            <a:r>
+              <a:rPr lang="pt-BR" sz="1400" dirty="0"/>
+              <a:t>R</a:t>
+            </a:r>
+            <a:r>
+              <a:rPr lang="pt-BR" sz="1400" baseline="-25000" dirty="0"/>
+              <a:t>17</a:t>
+            </a:r>
+            <a:r>
+              <a:rPr lang="pt-BR" sz="1400" dirty="0"/>
+              <a:t>D</a:t>
+            </a:r>
+            <a:r>
+              <a:rPr lang="pt-BR" sz="1400" baseline="-25000" dirty="0"/>
+              <a:t>1</a:t>
+            </a:r>
+            <a:r>
+              <a:rPr lang="pt-BR" sz="1400" dirty="0"/>
+              <a:t>, ... C</a:t>
+            </a:r>
+            <a:r>
+              <a:rPr lang="pt-BR" sz="1400" baseline="-25000" dirty="0"/>
+              <a:t>19</a:t>
+            </a:r>
+            <a:r>
+              <a:rPr lang="pt-BR" sz="1400" dirty="0"/>
+              <a:t>R</a:t>
+            </a:r>
+            <a:r>
+              <a:rPr lang="pt-BR" sz="1400" baseline="-25000" dirty="0"/>
+              <a:t>17</a:t>
+            </a:r>
+            <a:r>
+              <a:rPr lang="pt-BR" sz="1400" dirty="0"/>
+              <a:t>D</a:t>
+            </a:r>
+            <a:r>
+              <a:rPr lang="pt-BR" sz="1400" baseline="-25000" dirty="0"/>
+              <a:t>4</a:t>
+            </a:r>
+            <a:r>
+              <a:rPr lang="pt-BR" sz="1400" dirty="0"/>
+              <a:t>]</a:t>
+            </a:r>
+            <a:endParaRPr lang="en-US" sz="1400" dirty="0"/>
+          </a:p>
+          <a:p>
+            <a:pPr lvl="1"/>
+            <a:endParaRPr lang="en-US" sz="1400" dirty="0"/>
+          </a:p>
+          <a:p>
+            <a:pPr lvl="1"/>
+            <a:endParaRPr lang="en-US" sz="1400" dirty="0"/>
+          </a:p>
+          <a:p>
+            <a:pPr lvl="1"/>
+            <a:endParaRPr lang="en-US" dirty="0"/>
+          </a:p>
+          <a:p>
+            <a:endParaRPr lang="en-US" dirty="0"/>
+          </a:p>
+        </p:txBody>
+      </p:sp>
+    </p:spTree>
+    <p:extLst>
+      <p:ext uri="{BB962C8B-B14F-4D97-AF65-F5344CB8AC3E}">
+        <p14:creationId xmlns:p14="http://schemas.microsoft.com/office/powerpoint/2010/main" val="1872266314"/>
       </p:ext>
     </p:extLst>
   </p:cSld>
